--- a/Slides/slides.pptx
+++ b/Slides/slides.pptx
@@ -32,30 +32,33 @@
     <p:sldId id="292" r:id="rId26"/>
     <p:sldId id="291" r:id="rId27"/>
     <p:sldId id="293" r:id="rId28"/>
-    <p:sldId id="289" r:id="rId29"/>
-    <p:sldId id="290" r:id="rId30"/>
-    <p:sldId id="294" r:id="rId31"/>
-    <p:sldId id="295" r:id="rId32"/>
-    <p:sldId id="285" r:id="rId33"/>
-    <p:sldId id="296" r:id="rId34"/>
-    <p:sldId id="297" r:id="rId35"/>
-    <p:sldId id="298" r:id="rId36"/>
-    <p:sldId id="299" r:id="rId37"/>
-    <p:sldId id="300" r:id="rId38"/>
-    <p:sldId id="301" r:id="rId39"/>
-    <p:sldId id="303" r:id="rId40"/>
-    <p:sldId id="304" r:id="rId41"/>
-    <p:sldId id="305" r:id="rId42"/>
-    <p:sldId id="287" r:id="rId43"/>
-    <p:sldId id="306" r:id="rId44"/>
-    <p:sldId id="308" r:id="rId45"/>
-    <p:sldId id="309" r:id="rId46"/>
-    <p:sldId id="310" r:id="rId47"/>
-    <p:sldId id="286" r:id="rId48"/>
-    <p:sldId id="275" r:id="rId49"/>
-    <p:sldId id="276" r:id="rId50"/>
-    <p:sldId id="277" r:id="rId51"/>
-    <p:sldId id="274" r:id="rId52"/>
+    <p:sldId id="313" r:id="rId29"/>
+    <p:sldId id="311" r:id="rId30"/>
+    <p:sldId id="314" r:id="rId31"/>
+    <p:sldId id="312" r:id="rId32"/>
+    <p:sldId id="290" r:id="rId33"/>
+    <p:sldId id="294" r:id="rId34"/>
+    <p:sldId id="295" r:id="rId35"/>
+    <p:sldId id="285" r:id="rId36"/>
+    <p:sldId id="296" r:id="rId37"/>
+    <p:sldId id="297" r:id="rId38"/>
+    <p:sldId id="298" r:id="rId39"/>
+    <p:sldId id="299" r:id="rId40"/>
+    <p:sldId id="300" r:id="rId41"/>
+    <p:sldId id="301" r:id="rId42"/>
+    <p:sldId id="303" r:id="rId43"/>
+    <p:sldId id="304" r:id="rId44"/>
+    <p:sldId id="305" r:id="rId45"/>
+    <p:sldId id="287" r:id="rId46"/>
+    <p:sldId id="306" r:id="rId47"/>
+    <p:sldId id="308" r:id="rId48"/>
+    <p:sldId id="309" r:id="rId49"/>
+    <p:sldId id="310" r:id="rId50"/>
+    <p:sldId id="286" r:id="rId51"/>
+    <p:sldId id="275" r:id="rId52"/>
+    <p:sldId id="276" r:id="rId53"/>
+    <p:sldId id="277" r:id="rId54"/>
+    <p:sldId id="274" r:id="rId55"/>
   </p:sldIdLst>
   <p:sldSz cx="12192000" cy="6858000"/>
   <p:notesSz cx="6858000" cy="9144000"/>
@@ -293,7 +296,7 @@
           <a:p>
             <a:fld id="{F57D5E61-20C0-469E-A0B2-53E69704CE72}" type="datetimeFigureOut">
               <a:rPr lang="sl-SI" smtClean="0"/>
-              <a:t>19.12.2018</a:t>
+              <a:t>20.12.2018</a:t>
             </a:fld>
             <a:endParaRPr lang="sl-SI"/>
           </a:p>
@@ -463,7 +466,7 @@
           <a:p>
             <a:fld id="{F57D5E61-20C0-469E-A0B2-53E69704CE72}" type="datetimeFigureOut">
               <a:rPr lang="sl-SI" smtClean="0"/>
-              <a:t>19.12.2018</a:t>
+              <a:t>20.12.2018</a:t>
             </a:fld>
             <a:endParaRPr lang="sl-SI"/>
           </a:p>
@@ -643,7 +646,7 @@
           <a:p>
             <a:fld id="{F57D5E61-20C0-469E-A0B2-53E69704CE72}" type="datetimeFigureOut">
               <a:rPr lang="sl-SI" smtClean="0"/>
-              <a:t>19.12.2018</a:t>
+              <a:t>20.12.2018</a:t>
             </a:fld>
             <a:endParaRPr lang="sl-SI"/>
           </a:p>
@@ -813,7 +816,7 @@
           <a:p>
             <a:fld id="{F57D5E61-20C0-469E-A0B2-53E69704CE72}" type="datetimeFigureOut">
               <a:rPr lang="sl-SI" smtClean="0"/>
-              <a:t>19.12.2018</a:t>
+              <a:t>20.12.2018</a:t>
             </a:fld>
             <a:endParaRPr lang="sl-SI"/>
           </a:p>
@@ -1059,7 +1062,7 @@
           <a:p>
             <a:fld id="{F57D5E61-20C0-469E-A0B2-53E69704CE72}" type="datetimeFigureOut">
               <a:rPr lang="sl-SI" smtClean="0"/>
-              <a:t>19.12.2018</a:t>
+              <a:t>20.12.2018</a:t>
             </a:fld>
             <a:endParaRPr lang="sl-SI"/>
           </a:p>
@@ -1291,7 +1294,7 @@
           <a:p>
             <a:fld id="{F57D5E61-20C0-469E-A0B2-53E69704CE72}" type="datetimeFigureOut">
               <a:rPr lang="sl-SI" smtClean="0"/>
-              <a:t>19.12.2018</a:t>
+              <a:t>20.12.2018</a:t>
             </a:fld>
             <a:endParaRPr lang="sl-SI"/>
           </a:p>
@@ -1658,7 +1661,7 @@
           <a:p>
             <a:fld id="{F57D5E61-20C0-469E-A0B2-53E69704CE72}" type="datetimeFigureOut">
               <a:rPr lang="sl-SI" smtClean="0"/>
-              <a:t>19.12.2018</a:t>
+              <a:t>20.12.2018</a:t>
             </a:fld>
             <a:endParaRPr lang="sl-SI"/>
           </a:p>
@@ -1776,7 +1779,7 @@
           <a:p>
             <a:fld id="{F57D5E61-20C0-469E-A0B2-53E69704CE72}" type="datetimeFigureOut">
               <a:rPr lang="sl-SI" smtClean="0"/>
-              <a:t>19.12.2018</a:t>
+              <a:t>20.12.2018</a:t>
             </a:fld>
             <a:endParaRPr lang="sl-SI"/>
           </a:p>
@@ -1871,7 +1874,7 @@
           <a:p>
             <a:fld id="{F57D5E61-20C0-469E-A0B2-53E69704CE72}" type="datetimeFigureOut">
               <a:rPr lang="sl-SI" smtClean="0"/>
-              <a:t>19.12.2018</a:t>
+              <a:t>20.12.2018</a:t>
             </a:fld>
             <a:endParaRPr lang="sl-SI"/>
           </a:p>
@@ -2148,7 +2151,7 @@
           <a:p>
             <a:fld id="{F57D5E61-20C0-469E-A0B2-53E69704CE72}" type="datetimeFigureOut">
               <a:rPr lang="sl-SI" smtClean="0"/>
-              <a:t>19.12.2018</a:t>
+              <a:t>20.12.2018</a:t>
             </a:fld>
             <a:endParaRPr lang="sl-SI"/>
           </a:p>
@@ -2401,7 +2404,7 @@
           <a:p>
             <a:fld id="{F57D5E61-20C0-469E-A0B2-53E69704CE72}" type="datetimeFigureOut">
               <a:rPr lang="sl-SI" smtClean="0"/>
-              <a:t>19.12.2018</a:t>
+              <a:t>20.12.2018</a:t>
             </a:fld>
             <a:endParaRPr lang="sl-SI"/>
           </a:p>
@@ -2614,7 +2617,7 @@
           <a:p>
             <a:fld id="{F57D5E61-20C0-469E-A0B2-53E69704CE72}" type="datetimeFigureOut">
               <a:rPr lang="sl-SI" smtClean="0"/>
-              <a:t>19.12.2018</a:t>
+              <a:t>20.12.2018</a:t>
             </a:fld>
             <a:endParaRPr lang="sl-SI"/>
           </a:p>
@@ -6714,6 +6717,55 @@
           </a:prstGeom>
         </p:spPr>
       </p:pic>
+      <p:sp>
+        <p:nvSpPr>
+          <p:cNvPr id="2" name="Rectangle 1"/>
+          <p:cNvSpPr/>
+          <p:nvPr/>
+        </p:nvSpPr>
+        <p:spPr>
+          <a:xfrm>
+            <a:off x="907428" y="6234422"/>
+            <a:ext cx="11160106" cy="369332"/>
+          </a:xfrm>
+          <a:prstGeom prst="rect">
+            <a:avLst/>
+          </a:prstGeom>
+        </p:spPr>
+        <p:txBody>
+          <a:bodyPr wrap="none">
+            <a:spAutoFit/>
+          </a:bodyPr>
+          <a:lstStyle/>
+          <a:p>
+            <a:r>
+              <a:rPr lang="sl-SI" dirty="0">
+                <a:hlinkClick r:id="rId3"/>
+              </a:rPr>
+              <a:t>https://</a:t>
+            </a:r>
+            <a:r>
+              <a:rPr lang="sl-SI" smtClean="0">
+                <a:hlinkClick r:id="rId3"/>
+              </a:rPr>
+              <a:t>github.com/bstatcomp/ppworkshop</a:t>
+            </a:r>
+            <a:r>
+              <a:rPr lang="sl-SI" smtClean="0"/>
+              <a:t>                                                                  wifi</a:t>
+            </a:r>
+            <a:r>
+              <a:rPr lang="sl-SI" dirty="0" smtClean="0"/>
+              <a:t>: FRIevent   </a:t>
+            </a:r>
+            <a:r>
+              <a:rPr lang="sl-SI"/>
+              <a:t>/ 1program3R        </a:t>
+            </a:r>
+            <a:endParaRPr lang="sl-SI" dirty="0"/>
+          </a:p>
+        </p:txBody>
+      </p:sp>
     </p:spTree>
     <p:extLst>
       <p:ext uri="{BB962C8B-B14F-4D97-AF65-F5344CB8AC3E}">
@@ -6795,7 +6847,7 @@
         </p:nvSpPr>
         <p:spPr>
           <a:xfrm>
-            <a:off x="530710" y="5924458"/>
+            <a:off x="530710" y="5933602"/>
             <a:ext cx="11063882" cy="599303"/>
           </a:xfrm>
           <a:prstGeom prst="rect">
@@ -7061,17 +7113,8 @@
               <a:rPr lang="sl-SI" sz="2800" dirty="0" smtClean="0">
                 <a:latin typeface="Titillium Web" panose="00000500000000000000" pitchFamily="2" charset="-18"/>
               </a:rPr>
-              <a:t>Assume </a:t>
-            </a:r>
-            <a:r>
-              <a:rPr lang="sl-SI" sz="2800" dirty="0" smtClean="0">
-                <a:latin typeface="Titillium Web" panose="00000500000000000000" pitchFamily="2" charset="-18"/>
-              </a:rPr>
-              <a:t>that these are independent tosses of a (possibly unfair) coin:</a:t>
-            </a:r>
-            <a:endParaRPr lang="sl-SI" sz="2800" dirty="0" smtClean="0">
-              <a:latin typeface="Titillium Web" panose="00000500000000000000" pitchFamily="2" charset="-18"/>
-            </a:endParaRPr>
+              <a:t>Assume that these are independent tosses of a (possibly unfair) coin:</a:t>
+            </a:r>
           </a:p>
           <a:p>
             <a:pPr algn="ctr"/>
@@ -7110,12 +7153,6 @@
               </a:rPr>
               <a:t> </a:t>
             </a:r>
-            <a:endParaRPr lang="sl-SI" sz="2800" b="1" dirty="0" smtClean="0">
-              <a:solidFill>
-                <a:srgbClr val="FF0000"/>
-              </a:solidFill>
-              <a:latin typeface="Titillium Web" panose="00000500000000000000" pitchFamily="2" charset="-18"/>
-            </a:endParaRPr>
           </a:p>
           <a:p>
             <a:endParaRPr lang="sl-SI" sz="2800" dirty="0" smtClean="0">
@@ -7144,7 +7181,13 @@
               <a:rPr lang="sl-SI" sz="2800" dirty="0" smtClean="0">
                 <a:latin typeface="Titillium Web" panose="00000500000000000000" pitchFamily="2" charset="-18"/>
               </a:rPr>
-              <a:t>Did/Will the flipped coin land heads or tails next?</a:t>
+              <a:t>Did </a:t>
+            </a:r>
+            <a:r>
+              <a:rPr lang="sl-SI" sz="2800" dirty="0" smtClean="0">
+                <a:latin typeface="Titillium Web" panose="00000500000000000000" pitchFamily="2" charset="-18"/>
+              </a:rPr>
+              <a:t>the flipped coin land heads or tails next?</a:t>
             </a:r>
             <a:endParaRPr lang="sl-SI" sz="2800" dirty="0">
               <a:latin typeface="Titillium Web" panose="00000500000000000000" pitchFamily="2" charset="-18"/>
@@ -7268,7 +7311,13 @@
               <a:rPr lang="sl-SI" sz="2800" dirty="0" smtClean="0">
                 <a:latin typeface="Titillium Web" panose="00000500000000000000" pitchFamily="2" charset="-18"/>
               </a:rPr>
-              <a:t>Is this coing fair? away from the true probability?</a:t>
+              <a:t>Is this </a:t>
+            </a:r>
+            <a:r>
+              <a:rPr lang="sl-SI" sz="2800" dirty="0" smtClean="0">
+                <a:latin typeface="Titillium Web" panose="00000500000000000000" pitchFamily="2" charset="-18"/>
+              </a:rPr>
+              <a:t>coin fair (is its probability between 49% and 51%)?</a:t>
             </a:r>
             <a:endParaRPr lang="sl-SI" sz="2800" dirty="0">
               <a:latin typeface="Titillium Web" panose="00000500000000000000" pitchFamily="2" charset="-18"/>
@@ -7435,13 +7484,7 @@
               <a:rPr lang="sl-SI" sz="2000" dirty="0" smtClean="0">
                 <a:latin typeface="Titillium Web" panose="00000500000000000000" pitchFamily="2" charset="-18"/>
               </a:rPr>
-              <a:t>However</a:t>
-            </a:r>
-            <a:r>
-              <a:rPr lang="sl-SI" sz="2000" dirty="0" smtClean="0">
-                <a:latin typeface="Titillium Web" panose="00000500000000000000" pitchFamily="2" charset="-18"/>
-              </a:rPr>
-              <a:t>, we‘ve never said that probabilistic opinions have to be objective or even sensible.</a:t>
+              <a:t>However, we‘ve never said that probabilistic opinions have to be objective or even sensible.</a:t>
             </a:r>
             <a:br>
               <a:rPr lang="sl-SI" sz="2000" dirty="0" smtClean="0">
@@ -7487,6 +7530,428 @@
             <a:endParaRPr lang="sl-SI" sz="2000" dirty="0">
               <a:latin typeface="Titillium Web" panose="00000500000000000000" pitchFamily="2" charset="-18"/>
             </a:endParaRPr>
+          </a:p>
+        </p:txBody>
+      </p:sp>
+      <p:pic>
+        <p:nvPicPr>
+          <p:cNvPr id="4" name="Picture 3"/>
+          <p:cNvPicPr>
+            <a:picLocks noChangeAspect="1"/>
+          </p:cNvPicPr>
+          <p:nvPr/>
+        </p:nvPicPr>
+        <p:blipFill>
+          <a:blip r:embed="rId2"/>
+          <a:stretch>
+            <a:fillRect/>
+          </a:stretch>
+        </p:blipFill>
+        <p:spPr>
+          <a:xfrm>
+            <a:off x="7999515" y="0"/>
+            <a:ext cx="3947082" cy="6858000"/>
+          </a:xfrm>
+          <a:prstGeom prst="rect">
+            <a:avLst/>
+          </a:prstGeom>
+        </p:spPr>
+      </p:pic>
+      <p:sp>
+        <p:nvSpPr>
+          <p:cNvPr id="5" name="TextBox 4"/>
+          <p:cNvSpPr txBox="1"/>
+          <p:nvPr/>
+        </p:nvSpPr>
+        <p:spPr>
+          <a:xfrm>
+            <a:off x="8659369" y="77781"/>
+            <a:ext cx="1645919" cy="577081"/>
+          </a:xfrm>
+          <a:prstGeom prst="rect">
+            <a:avLst/>
+          </a:prstGeom>
+          <a:noFill/>
+        </p:spPr>
+        <p:txBody>
+          <a:bodyPr wrap="square" rtlCol="0">
+            <a:spAutoFit/>
+          </a:bodyPr>
+          <a:lstStyle/>
+          <a:p>
+            <a:r>
+              <a:rPr lang="sl-SI" sz="1050" b="1" u="sng" dirty="0" smtClean="0">
+                <a:latin typeface="Anime Ace 2.0 BB" panose="02000503000000020004" pitchFamily="2" charset="0"/>
+              </a:rPr>
+              <a:t>The Probabilistic</a:t>
+            </a:r>
+          </a:p>
+          <a:p>
+            <a:r>
+              <a:rPr lang="sl-SI" sz="1050" b="1" u="sng" dirty="0" smtClean="0">
+                <a:latin typeface="Anime Ace 2.0 BB" panose="02000503000000020004" pitchFamily="2" charset="0"/>
+              </a:rPr>
+              <a:t>Police</a:t>
+            </a:r>
+            <a:endParaRPr lang="sl-SI" sz="1050" b="1" u="sng" dirty="0">
+              <a:latin typeface="Anime Ace 2.0 BB" panose="02000503000000020004" pitchFamily="2" charset="0"/>
+            </a:endParaRPr>
+          </a:p>
+        </p:txBody>
+      </p:sp>
+      <p:sp>
+        <p:nvSpPr>
+          <p:cNvPr id="6" name="TextBox 5"/>
+          <p:cNvSpPr txBox="1"/>
+          <p:nvPr/>
+        </p:nvSpPr>
+        <p:spPr>
+          <a:xfrm>
+            <a:off x="10110217" y="211893"/>
+            <a:ext cx="1493519" cy="484748"/>
+          </a:xfrm>
+          <a:prstGeom prst="rect">
+            <a:avLst/>
+          </a:prstGeom>
+          <a:noFill/>
+        </p:spPr>
+        <p:txBody>
+          <a:bodyPr wrap="square" rtlCol="0">
+            <a:spAutoFit/>
+          </a:bodyPr>
+          <a:lstStyle/>
+          <a:p>
+            <a:r>
+              <a:rPr lang="sl-SI" sz="850" dirty="0" smtClean="0">
+                <a:latin typeface="Anime Ace 2.0 BB" panose="02000503000000020004" pitchFamily="2" charset="0"/>
+              </a:rPr>
+              <a:t>Stop! Where are you going with that boat?</a:t>
+            </a:r>
+            <a:endParaRPr lang="sl-SI" sz="850" dirty="0">
+              <a:latin typeface="Anime Ace 2.0 BB" panose="02000503000000020004" pitchFamily="2" charset="0"/>
+            </a:endParaRPr>
+          </a:p>
+        </p:txBody>
+      </p:sp>
+      <p:sp>
+        <p:nvSpPr>
+          <p:cNvPr id="7" name="TextBox 6"/>
+          <p:cNvSpPr txBox="1"/>
+          <p:nvPr/>
+        </p:nvSpPr>
+        <p:spPr>
+          <a:xfrm>
+            <a:off x="9576407" y="2101084"/>
+            <a:ext cx="1067620" cy="738664"/>
+          </a:xfrm>
+          <a:prstGeom prst="rect">
+            <a:avLst/>
+          </a:prstGeom>
+          <a:noFill/>
+        </p:spPr>
+        <p:txBody>
+          <a:bodyPr wrap="square" rtlCol="0">
+            <a:spAutoFit/>
+          </a:bodyPr>
+          <a:lstStyle/>
+          <a:p>
+            <a:r>
+              <a:rPr lang="sl-SI" sz="700" dirty="0" smtClean="0">
+                <a:latin typeface="Anime Ace 2.0 BB" panose="02000503000000020004" pitchFamily="2" charset="0"/>
+              </a:rPr>
+              <a:t>TO THE TOP OF THE HILL! There is a </a:t>
+            </a:r>
+            <a:r>
+              <a:rPr lang="sl-SI" sz="700" b="1" dirty="0" smtClean="0">
+                <a:latin typeface="Anime Ace 2.0 BB" panose="02000503000000020004" pitchFamily="2" charset="0"/>
+              </a:rPr>
+              <a:t>99.9</a:t>
+            </a:r>
+            <a:r>
+              <a:rPr lang="sl-SI" sz="700" dirty="0" smtClean="0">
+                <a:latin typeface="Anime Ace 2.0 BB" panose="02000503000000020004" pitchFamily="2" charset="0"/>
+              </a:rPr>
+              <a:t>% CHANCE THAT THE WORLD ENDS TODAY!</a:t>
+            </a:r>
+            <a:endParaRPr lang="sl-SI" sz="700" dirty="0">
+              <a:latin typeface="Anime Ace 2.0 BB" panose="02000503000000020004" pitchFamily="2" charset="0"/>
+            </a:endParaRPr>
+          </a:p>
+        </p:txBody>
+      </p:sp>
+      <p:sp>
+        <p:nvSpPr>
+          <p:cNvPr id="8" name="TextBox 7"/>
+          <p:cNvSpPr txBox="1"/>
+          <p:nvPr/>
+        </p:nvSpPr>
+        <p:spPr>
+          <a:xfrm>
+            <a:off x="10676325" y="2256860"/>
+            <a:ext cx="790251" cy="491448"/>
+          </a:xfrm>
+          <a:prstGeom prst="rect">
+            <a:avLst/>
+          </a:prstGeom>
+          <a:noFill/>
+        </p:spPr>
+        <p:txBody>
+          <a:bodyPr wrap="square" rtlCol="0">
+            <a:spAutoFit/>
+          </a:bodyPr>
+          <a:lstStyle/>
+          <a:p>
+            <a:r>
+              <a:rPr lang="sl-SI" sz="850" dirty="0" smtClean="0">
+                <a:latin typeface="Anime Ace 2.0 BB" panose="02000503000000020004" pitchFamily="2" charset="0"/>
+              </a:rPr>
+              <a:t>OK. YOU MAY PASS.</a:t>
+            </a:r>
+          </a:p>
+        </p:txBody>
+      </p:sp>
+      <p:sp>
+        <p:nvSpPr>
+          <p:cNvPr id="9" name="TextBox 8"/>
+          <p:cNvSpPr txBox="1"/>
+          <p:nvPr/>
+        </p:nvSpPr>
+        <p:spPr>
+          <a:xfrm>
+            <a:off x="8679885" y="3277940"/>
+            <a:ext cx="1972875" cy="223138"/>
+          </a:xfrm>
+          <a:prstGeom prst="rect">
+            <a:avLst/>
+          </a:prstGeom>
+          <a:noFill/>
+        </p:spPr>
+        <p:txBody>
+          <a:bodyPr wrap="square" rtlCol="0">
+            <a:spAutoFit/>
+          </a:bodyPr>
+          <a:lstStyle/>
+          <a:p>
+            <a:r>
+              <a:rPr lang="sl-SI" sz="850" b="1" dirty="0" smtClean="0">
+                <a:latin typeface="Anime Ace 2.0 BB" panose="02000503000000020004" pitchFamily="2" charset="0"/>
+              </a:rPr>
+              <a:t>A FEW MINUTES LATER...</a:t>
+            </a:r>
+          </a:p>
+        </p:txBody>
+      </p:sp>
+      <p:sp>
+        <p:nvSpPr>
+          <p:cNvPr id="10" name="TextBox 9"/>
+          <p:cNvSpPr txBox="1"/>
+          <p:nvPr/>
+        </p:nvSpPr>
+        <p:spPr>
+          <a:xfrm>
+            <a:off x="9252909" y="3540068"/>
+            <a:ext cx="1972875" cy="200055"/>
+          </a:xfrm>
+          <a:prstGeom prst="rect">
+            <a:avLst/>
+          </a:prstGeom>
+          <a:noFill/>
+        </p:spPr>
+        <p:txBody>
+          <a:bodyPr wrap="square" rtlCol="0">
+            <a:spAutoFit/>
+          </a:bodyPr>
+          <a:lstStyle/>
+          <a:p>
+            <a:r>
+              <a:rPr lang="sl-SI" sz="700" b="1" dirty="0" smtClean="0">
+                <a:latin typeface="Anime Ace 2.0 BB" panose="02000503000000020004" pitchFamily="2" charset="0"/>
+              </a:rPr>
+              <a:t>HMM...</a:t>
+            </a:r>
+            <a:endParaRPr lang="sl-SI" sz="850" b="1" dirty="0" smtClean="0">
+              <a:latin typeface="Anime Ace 2.0 BB" panose="02000503000000020004" pitchFamily="2" charset="0"/>
+            </a:endParaRPr>
+          </a:p>
+        </p:txBody>
+      </p:sp>
+      <p:sp>
+        <p:nvSpPr>
+          <p:cNvPr id="11" name="TextBox 10"/>
+          <p:cNvSpPr txBox="1"/>
+          <p:nvPr/>
+        </p:nvSpPr>
+        <p:spPr>
+          <a:xfrm>
+            <a:off x="9691820" y="3540068"/>
+            <a:ext cx="1357179" cy="569387"/>
+          </a:xfrm>
+          <a:prstGeom prst="rect">
+            <a:avLst/>
+          </a:prstGeom>
+          <a:noFill/>
+        </p:spPr>
+        <p:txBody>
+          <a:bodyPr wrap="square" rtlCol="0">
+            <a:spAutoFit/>
+          </a:bodyPr>
+          <a:lstStyle/>
+          <a:p>
+            <a:r>
+              <a:rPr lang="sl-SI" sz="700" b="1" dirty="0" smtClean="0">
+                <a:latin typeface="Anime Ace 2.0 BB" panose="02000503000000020004" pitchFamily="2" charset="0"/>
+              </a:rPr>
+              <a:t>HEY! WAIT!!!</a:t>
+            </a:r>
+          </a:p>
+          <a:p>
+            <a:r>
+              <a:rPr lang="sl-SI" sz="600" dirty="0" smtClean="0">
+                <a:latin typeface="Anime Ace 2.0 BB" panose="02000503000000020004" pitchFamily="2" charset="0"/>
+              </a:rPr>
+              <a:t>WHAT IS THE PROBABILITY </a:t>
+            </a:r>
+          </a:p>
+          <a:p>
+            <a:r>
+              <a:rPr lang="sl-SI" sz="600" dirty="0" smtClean="0">
+                <a:latin typeface="Anime Ace 2.0 BB" panose="02000503000000020004" pitchFamily="2" charset="0"/>
+              </a:rPr>
+              <a:t>OF EVERYTHING </a:t>
+            </a:r>
+          </a:p>
+          <a:p>
+            <a:r>
+              <a:rPr lang="sl-SI" sz="600" dirty="0" smtClean="0">
+                <a:latin typeface="Anime Ace 2.0 BB" panose="02000503000000020004" pitchFamily="2" charset="0"/>
+              </a:rPr>
+              <a:t>BEING OK?</a:t>
+            </a:r>
+            <a:endParaRPr lang="sl-SI" sz="800" dirty="0" smtClean="0">
+              <a:latin typeface="Anime Ace 2.0 BB" panose="02000503000000020004" pitchFamily="2" charset="0"/>
+            </a:endParaRPr>
+          </a:p>
+        </p:txBody>
+      </p:sp>
+      <p:sp>
+        <p:nvSpPr>
+          <p:cNvPr id="12" name="TextBox 11"/>
+          <p:cNvSpPr txBox="1"/>
+          <p:nvPr/>
+        </p:nvSpPr>
+        <p:spPr>
+          <a:xfrm>
+            <a:off x="10239346" y="4234009"/>
+            <a:ext cx="1357179" cy="230832"/>
+          </a:xfrm>
+          <a:prstGeom prst="rect">
+            <a:avLst/>
+          </a:prstGeom>
+          <a:noFill/>
+        </p:spPr>
+        <p:txBody>
+          <a:bodyPr wrap="square" rtlCol="0">
+            <a:spAutoFit/>
+          </a:bodyPr>
+          <a:lstStyle/>
+          <a:p>
+            <a:r>
+              <a:rPr lang="sl-SI" sz="900" b="1" dirty="0" smtClean="0">
+                <a:latin typeface="Anime Ace 2.0 BB" panose="02000503000000020004" pitchFamily="2" charset="0"/>
+              </a:rPr>
+              <a:t>0.01</a:t>
+            </a:r>
+            <a:r>
+              <a:rPr lang="sl-SI" sz="900" dirty="0" smtClean="0">
+                <a:latin typeface="Anime Ace 2.0 BB" panose="02000503000000020004" pitchFamily="2" charset="0"/>
+              </a:rPr>
+              <a:t>%</a:t>
+            </a:r>
+            <a:r>
+              <a:rPr lang="sl-SI" sz="900" b="1" dirty="0" smtClean="0">
+                <a:latin typeface="Anime Ace 2.0 BB" panose="02000503000000020004" pitchFamily="2" charset="0"/>
+              </a:rPr>
+              <a:t> !!!</a:t>
+            </a:r>
+            <a:endParaRPr lang="sl-SI" sz="1000" dirty="0" smtClean="0">
+              <a:latin typeface="Anime Ace 2.0 BB" panose="02000503000000020004" pitchFamily="2" charset="0"/>
+            </a:endParaRPr>
+          </a:p>
+        </p:txBody>
+      </p:sp>
+      <p:sp>
+        <p:nvSpPr>
+          <p:cNvPr id="14" name="TextBox 13"/>
+          <p:cNvSpPr txBox="1"/>
+          <p:nvPr/>
+        </p:nvSpPr>
+        <p:spPr>
+          <a:xfrm>
+            <a:off x="9470137" y="4542789"/>
+            <a:ext cx="1357179" cy="215444"/>
+          </a:xfrm>
+          <a:prstGeom prst="rect">
+            <a:avLst/>
+          </a:prstGeom>
+          <a:noFill/>
+        </p:spPr>
+        <p:txBody>
+          <a:bodyPr wrap="square" rtlCol="0">
+            <a:spAutoFit/>
+          </a:bodyPr>
+          <a:lstStyle/>
+          <a:p>
+            <a:r>
+              <a:rPr lang="sl-SI" sz="800" b="1" dirty="0" smtClean="0">
+                <a:latin typeface="Anime Ace 2.0 BB" panose="02000503000000020004" pitchFamily="2" charset="0"/>
+              </a:rPr>
+              <a:t>AHA, OK!</a:t>
+            </a:r>
+            <a:endParaRPr lang="sl-SI" sz="900" dirty="0" smtClean="0">
+              <a:latin typeface="Anime Ace 2.0 BB" panose="02000503000000020004" pitchFamily="2" charset="0"/>
+            </a:endParaRPr>
+          </a:p>
+        </p:txBody>
+      </p:sp>
+      <p:sp>
+        <p:nvSpPr>
+          <p:cNvPr id="15" name="TextBox 14"/>
+          <p:cNvSpPr txBox="1"/>
+          <p:nvPr/>
+        </p:nvSpPr>
+        <p:spPr>
+          <a:xfrm>
+            <a:off x="9745570" y="5342607"/>
+            <a:ext cx="1135790" cy="630942"/>
+          </a:xfrm>
+          <a:prstGeom prst="rect">
+            <a:avLst/>
+          </a:prstGeom>
+          <a:noFill/>
+        </p:spPr>
+        <p:txBody>
+          <a:bodyPr wrap="square" rtlCol="0">
+            <a:spAutoFit/>
+          </a:bodyPr>
+          <a:lstStyle/>
+          <a:p>
+            <a:r>
+              <a:rPr lang="sl-SI" sz="700" dirty="0" smtClean="0">
+                <a:latin typeface="Anime Ace 2.0 BB" panose="02000503000000020004" pitchFamily="2" charset="0"/>
+              </a:rPr>
+              <a:t>I had to CHECK..</a:t>
+            </a:r>
+            <a:br>
+              <a:rPr lang="sl-SI" sz="700" dirty="0" smtClean="0">
+                <a:latin typeface="Anime Ace 2.0 BB" panose="02000503000000020004" pitchFamily="2" charset="0"/>
+              </a:rPr>
+            </a:br>
+            <a:r>
+              <a:rPr lang="sl-SI" sz="700" dirty="0" smtClean="0">
+                <a:latin typeface="Anime Ace 2.0 BB" panose="02000503000000020004" pitchFamily="2" charset="0"/>
+              </a:rPr>
+              <a:t>There‘s A LOT OF INCOHERENT PEOPLE OUT THERE.</a:t>
+            </a:r>
           </a:p>
         </p:txBody>
       </p:sp>
@@ -7729,13 +8194,7 @@
               <a:rPr lang="sl-SI" sz="6600" b="1" dirty="0" smtClean="0">
                 <a:latin typeface="Titillium Web" panose="00000500000000000000" pitchFamily="2" charset="-18"/>
               </a:rPr>
-              <a:t>a </a:t>
-            </a:r>
-            <a:r>
-              <a:rPr lang="sl-SI" sz="6600" b="1" dirty="0" smtClean="0">
-                <a:latin typeface="Titillium Web" panose="00000500000000000000" pitchFamily="2" charset="-18"/>
-              </a:rPr>
-              <a:t>hypothesis of how the data were generated.</a:t>
+              <a:t>a hypothesis of how the data were generated.</a:t>
             </a:r>
             <a:endParaRPr lang="sl-SI" sz="6600" dirty="0">
               <a:latin typeface="Titillium Web" panose="00000500000000000000" pitchFamily="2" charset="-18"/>
@@ -8136,13 +8595,19 @@
               <a:rPr lang="sl-SI" sz="2000" b="1" dirty="0" smtClean="0">
                 <a:latin typeface="Titillium Web" panose="00000500000000000000" pitchFamily="2" charset="-18"/>
               </a:rPr>
-              <a:t>A sequence from the challenge (</a:t>
+              <a:t>A sequence from the challenge </a:t>
+            </a:r>
+            <a:r>
+              <a:rPr lang="sl-SI" sz="2000" b="1" dirty="0" smtClean="0">
+                <a:latin typeface="Titillium Web" panose="00000500000000000000" pitchFamily="2" charset="-18"/>
+              </a:rPr>
+              <a:t>(</a:t>
             </a:r>
             <a:r>
               <a:rPr lang="sl-SI" sz="2000" dirty="0" smtClean="0">
                 <a:latin typeface="Titillium Web" panose="00000500000000000000" pitchFamily="2" charset="-18"/>
               </a:rPr>
-              <a:t>=data</a:t>
+              <a:t>= data</a:t>
             </a:r>
             <a:r>
               <a:rPr lang="sl-SI" sz="2000" b="1" dirty="0" smtClean="0">
@@ -8306,51 +8771,6 @@
                 <a:spcPts val="1200"/>
               </a:spcAft>
             </a:pPr>
-            <a:r>
-              <a:rPr lang="sl-SI" sz="2000" dirty="0" smtClean="0">
-                <a:latin typeface="Titillium Web" panose="00000500000000000000" pitchFamily="2" charset="-18"/>
-              </a:rPr>
-              <a:t>This sequence was generated </a:t>
-            </a:r>
-            <a:r>
-              <a:rPr lang="sl-SI" sz="2000" dirty="0">
-                <a:latin typeface="Titillium Web" panose="00000500000000000000" pitchFamily="2" charset="-18"/>
-              </a:rPr>
-              <a:t>by flipping </a:t>
-            </a:r>
-            <a:r>
-              <a:rPr lang="sl-SI" sz="2000" dirty="0" smtClean="0">
-                <a:latin typeface="Titillium Web" panose="00000500000000000000" pitchFamily="2" charset="-18"/>
-              </a:rPr>
-              <a:t>30 times a </a:t>
-            </a:r>
-            <a:r>
-              <a:rPr lang="sl-SI" sz="2000" dirty="0">
-                <a:latin typeface="Titillium Web" panose="00000500000000000000" pitchFamily="2" charset="-18"/>
-              </a:rPr>
-              <a:t>coin with unknown </a:t>
-            </a:r>
-            <a:r>
-              <a:rPr lang="sl-SI" sz="2000" dirty="0" smtClean="0">
-                <a:latin typeface="Titillium Web" panose="00000500000000000000" pitchFamily="2" charset="-18"/>
-              </a:rPr>
-              <a:t>probability </a:t>
-            </a:r>
-            <a:r>
-              <a:rPr lang="el-GR" sz="2000" dirty="0" smtClean="0">
-                <a:solidFill>
-                  <a:srgbClr val="FF0000"/>
-                </a:solidFill>
-                <a:latin typeface="Titillium Web" panose="00000500000000000000" pitchFamily="2" charset="-18"/>
-              </a:rPr>
-              <a:t>θ</a:t>
-            </a:r>
-            <a:r>
-              <a:rPr lang="sl-SI" sz="2000" dirty="0" smtClean="0">
-                <a:latin typeface="Titillium Web" panose="00000500000000000000" pitchFamily="2" charset="-18"/>
-              </a:rPr>
-              <a:t>.</a:t>
-            </a:r>
             <a:endParaRPr lang="sl-SI" sz="2000" dirty="0">
               <a:latin typeface="Titillium Web" panose="00000500000000000000" pitchFamily="2" charset="-18"/>
             </a:endParaRPr>
@@ -8403,12 +8823,6 @@
                 <a:spcPts val="1200"/>
               </a:spcAft>
             </a:pPr>
-            <a:r>
-              <a:rPr lang="sl-SI" sz="2000" b="1" dirty="0" smtClean="0">
-                <a:latin typeface="Titillium Web" panose="00000500000000000000" pitchFamily="2" charset="-18"/>
-              </a:rPr>
-              <a:t>Prior opinion about the parameters:</a:t>
-            </a:r>
             <a:endParaRPr lang="sl-SI" sz="2000" b="1" dirty="0">
               <a:latin typeface="Titillium Web" panose="00000500000000000000" pitchFamily="2" charset="-18"/>
             </a:endParaRPr>
@@ -8461,42 +8875,6 @@
                 <a:spcPts val="1200"/>
               </a:spcAft>
             </a:pPr>
-            <a:r>
-              <a:rPr lang="sl-SI" sz="2000" dirty="0" smtClean="0">
-                <a:latin typeface="Titillium Web" panose="00000500000000000000" pitchFamily="2" charset="-18"/>
-              </a:rPr>
-              <a:t>I really don‘t know what </a:t>
-            </a:r>
-            <a:r>
-              <a:rPr lang="el-GR" sz="2000" dirty="0" smtClean="0">
-                <a:solidFill>
-                  <a:srgbClr val="FF0000"/>
-                </a:solidFill>
-                <a:latin typeface="Titillium Web" panose="00000500000000000000" pitchFamily="2" charset="-18"/>
-              </a:rPr>
-              <a:t>θ</a:t>
-            </a:r>
-            <a:r>
-              <a:rPr lang="sl-SI" sz="2000" dirty="0" smtClean="0">
-                <a:latin typeface="Titillium Web" panose="00000500000000000000" pitchFamily="2" charset="-18"/>
-              </a:rPr>
-              <a:t> might be, therefore, I have no preference for any </a:t>
-            </a:r>
-            <a:r>
-              <a:rPr lang="el-GR" sz="2000" dirty="0" smtClean="0">
-                <a:solidFill>
-                  <a:srgbClr val="FF0000"/>
-                </a:solidFill>
-                <a:latin typeface="Titillium Web" panose="00000500000000000000" pitchFamily="2" charset="-18"/>
-              </a:rPr>
-              <a:t>θ</a:t>
-            </a:r>
-            <a:r>
-              <a:rPr lang="sl-SI" sz="2000" dirty="0" smtClean="0">
-                <a:latin typeface="Titillium Web" panose="00000500000000000000" pitchFamily="2" charset="-18"/>
-              </a:rPr>
-              <a:t>. </a:t>
-            </a:r>
             <a:endParaRPr lang="sl-SI" sz="2000" dirty="0">
               <a:latin typeface="Titillium Web" panose="00000500000000000000" pitchFamily="2" charset="-18"/>
             </a:endParaRPr>
@@ -8549,24 +8927,6 @@
                 <a:spcPts val="1200"/>
               </a:spcAft>
             </a:pPr>
-            <a:r>
-              <a:rPr lang="sl-SI" sz="2000" b="1" dirty="0" smtClean="0">
-                <a:latin typeface="Titillium Web" panose="00000500000000000000" pitchFamily="2" charset="-18"/>
-              </a:rPr>
-              <a:t>Inference (</a:t>
-            </a:r>
-            <a:r>
-              <a:rPr lang="sl-SI" sz="2000" dirty="0" smtClean="0">
-                <a:latin typeface="Titillium Web" panose="00000500000000000000" pitchFamily="2" charset="-18"/>
-              </a:rPr>
-              <a:t>= learning</a:t>
-            </a:r>
-            <a:r>
-              <a:rPr lang="sl-SI" sz="2000" b="1" dirty="0" smtClean="0">
-                <a:latin typeface="Titillium Web" panose="00000500000000000000" pitchFamily="2" charset="-18"/>
-              </a:rPr>
-              <a:t>):</a:t>
-            </a:r>
             <a:endParaRPr lang="sl-SI" sz="2000" b="1" dirty="0">
               <a:latin typeface="Titillium Web" panose="00000500000000000000" pitchFamily="2" charset="-18"/>
             </a:endParaRPr>
@@ -8619,27 +8979,6 @@
                 <a:spcPts val="1200"/>
               </a:spcAft>
             </a:pPr>
-            <a:r>
-              <a:rPr lang="sl-SI" sz="2000" dirty="0" smtClean="0">
-                <a:latin typeface="Titillium Web" panose="00000500000000000000" pitchFamily="2" charset="-18"/>
-              </a:rPr>
-              <a:t>Given all these assumptions and following the rules of probability, what should my probabilistic opition of </a:t>
-            </a:r>
-            <a:r>
-              <a:rPr lang="el-GR" sz="2000" dirty="0" smtClean="0">
-                <a:solidFill>
-                  <a:srgbClr val="FF0000"/>
-                </a:solidFill>
-                <a:latin typeface="Titillium Web" panose="00000500000000000000" pitchFamily="2" charset="-18"/>
-              </a:rPr>
-              <a:t>θ</a:t>
-            </a:r>
-            <a:r>
-              <a:rPr lang="sl-SI" sz="2000" dirty="0" smtClean="0">
-                <a:latin typeface="Titillium Web" panose="00000500000000000000" pitchFamily="2" charset="-18"/>
-              </a:rPr>
-              <a:t> be after seeing the data.</a:t>
-            </a:r>
             <a:endParaRPr lang="sl-SI" sz="2000" dirty="0">
               <a:latin typeface="Titillium Web" panose="00000500000000000000" pitchFamily="2" charset="-18"/>
             </a:endParaRPr>
@@ -8649,7 +8988,7 @@
     </p:spTree>
     <p:extLst>
       <p:ext uri="{BB962C8B-B14F-4D97-AF65-F5344CB8AC3E}">
-        <p14:creationId xmlns:p14="http://schemas.microsoft.com/office/powerpoint/2010/main" val="4242180758"/>
+        <p14:creationId xmlns:p14="http://schemas.microsoft.com/office/powerpoint/2010/main" val="3280016617"/>
       </p:ext>
     </p:extLst>
   </p:cSld>
@@ -8693,8 +9032,8 @@
         </p:nvSpPr>
         <p:spPr>
           <a:xfrm>
-            <a:off x="283092" y="0"/>
-            <a:ext cx="5290394" cy="668035"/>
+            <a:off x="283091" y="0"/>
+            <a:ext cx="5130737" cy="668035"/>
           </a:xfrm>
           <a:prstGeom prst="rect">
             <a:avLst/>
@@ -8733,7 +9072,13 @@
               <a:rPr lang="sl-SI" sz="2000" b="1" dirty="0" smtClean="0">
                 <a:latin typeface="Titillium Web" panose="00000500000000000000" pitchFamily="2" charset="-18"/>
               </a:rPr>
-              <a:t>A sequence from the challenge (</a:t>
+              <a:t>A sequence from the challenge </a:t>
+            </a:r>
+            <a:r>
+              <a:rPr lang="sl-SI" sz="2000" b="1" dirty="0" smtClean="0">
+                <a:latin typeface="Titillium Web" panose="00000500000000000000" pitchFamily="2" charset="-18"/>
+              </a:rPr>
+              <a:t>(</a:t>
             </a:r>
             <a:r>
               <a:rPr lang="sl-SI" sz="2000" dirty="0" smtClean="0">
@@ -9062,37 +9407,7 @@
               <a:rPr lang="sl-SI" sz="2000" dirty="0" smtClean="0">
                 <a:latin typeface="Titillium Web" panose="00000500000000000000" pitchFamily="2" charset="-18"/>
               </a:rPr>
-              <a:t>I really don‘t know what </a:t>
-            </a:r>
-            <a:r>
-              <a:rPr lang="el-GR" sz="2000" dirty="0" smtClean="0">
-                <a:solidFill>
-                  <a:srgbClr val="FF0000"/>
-                </a:solidFill>
-                <a:latin typeface="Titillium Web" panose="00000500000000000000" pitchFamily="2" charset="-18"/>
-              </a:rPr>
-              <a:t>θ</a:t>
-            </a:r>
-            <a:r>
-              <a:rPr lang="sl-SI" sz="2000" dirty="0" smtClean="0">
-                <a:latin typeface="Titillium Web" panose="00000500000000000000" pitchFamily="2" charset="-18"/>
-              </a:rPr>
-              <a:t> might be, therefore, I have no preference for any </a:t>
-            </a:r>
-            <a:r>
-              <a:rPr lang="el-GR" sz="2000" dirty="0" smtClean="0">
-                <a:solidFill>
-                  <a:srgbClr val="FF0000"/>
-                </a:solidFill>
-                <a:latin typeface="Titillium Web" panose="00000500000000000000" pitchFamily="2" charset="-18"/>
-              </a:rPr>
-              <a:t>θ</a:t>
-            </a:r>
-            <a:r>
-              <a:rPr lang="sl-SI" sz="2000" dirty="0" smtClean="0">
-                <a:latin typeface="Titillium Web" panose="00000500000000000000" pitchFamily="2" charset="-18"/>
-              </a:rPr>
-              <a:t>. </a:t>
+              <a:t> </a:t>
             </a:r>
             <a:endParaRPr lang="sl-SI" sz="2000" dirty="0">
               <a:latin typeface="Titillium Web" panose="00000500000000000000" pitchFamily="2" charset="-18"/>
@@ -9100,285 +9415,10 @@
           </a:p>
         </p:txBody>
       </p:sp>
-      <p:sp>
-        <p:nvSpPr>
-          <p:cNvPr id="8" name="Title 1"/>
-          <p:cNvSpPr txBox="1">
-            <a:spLocks/>
-          </p:cNvSpPr>
-          <p:nvPr/>
-        </p:nvSpPr>
-        <p:spPr>
-          <a:xfrm>
-            <a:off x="283091" y="4099829"/>
-            <a:ext cx="11154166" cy="668035"/>
-          </a:xfrm>
-          <a:prstGeom prst="rect">
-            <a:avLst/>
-          </a:prstGeom>
-        </p:spPr>
-        <p:txBody>
-          <a:bodyPr vert="horz" lIns="91440" tIns="45720" rIns="91440" bIns="45720" rtlCol="0" anchor="b">
-            <a:noAutofit/>
-          </a:bodyPr>
-          <a:lstStyle>
-            <a:lvl1pPr algn="l" defTabSz="914400" rtl="0" eaLnBrk="1" latinLnBrk="0" hangingPunct="1">
-              <a:lnSpc>
-                <a:spcPct val="90000"/>
-              </a:lnSpc>
-              <a:spcBef>
-                <a:spcPct val="0"/>
-              </a:spcBef>
-              <a:buNone/>
-              <a:defRPr sz="3200" kern="1200">
-                <a:solidFill>
-                  <a:schemeClr val="tx1"/>
-                </a:solidFill>
-                <a:latin typeface="+mj-lt"/>
-                <a:ea typeface="+mj-ea"/>
-                <a:cs typeface="+mj-cs"/>
-              </a:defRPr>
-            </a:lvl1pPr>
-          </a:lstStyle>
-          <a:p>
-            <a:pPr>
-              <a:spcAft>
-                <a:spcPts val="1200"/>
-              </a:spcAft>
-            </a:pPr>
-            <a:r>
-              <a:rPr lang="sl-SI" sz="2000" b="1" dirty="0" smtClean="0">
-                <a:latin typeface="Titillium Web" panose="00000500000000000000" pitchFamily="2" charset="-18"/>
-              </a:rPr>
-              <a:t>Inference (</a:t>
-            </a:r>
-            <a:r>
-              <a:rPr lang="sl-SI" sz="2000" dirty="0" smtClean="0">
-                <a:latin typeface="Titillium Web" panose="00000500000000000000" pitchFamily="2" charset="-18"/>
-              </a:rPr>
-              <a:t>= learning</a:t>
-            </a:r>
-            <a:r>
-              <a:rPr lang="sl-SI" sz="2000" b="1" dirty="0" smtClean="0">
-                <a:latin typeface="Titillium Web" panose="00000500000000000000" pitchFamily="2" charset="-18"/>
-              </a:rPr>
-              <a:t>):</a:t>
-            </a:r>
-            <a:endParaRPr lang="sl-SI" sz="2000" b="1" dirty="0">
-              <a:latin typeface="Titillium Web" panose="00000500000000000000" pitchFamily="2" charset="-18"/>
-            </a:endParaRPr>
-          </a:p>
-        </p:txBody>
-      </p:sp>
-      <p:sp>
-        <p:nvSpPr>
-          <p:cNvPr id="9" name="Title 1"/>
-          <p:cNvSpPr txBox="1">
-            <a:spLocks/>
-          </p:cNvSpPr>
-          <p:nvPr/>
-        </p:nvSpPr>
-        <p:spPr>
-          <a:xfrm>
-            <a:off x="283091" y="5435899"/>
-            <a:ext cx="5130738" cy="668035"/>
-          </a:xfrm>
-          <a:prstGeom prst="rect">
-            <a:avLst/>
-          </a:prstGeom>
-        </p:spPr>
-        <p:txBody>
-          <a:bodyPr vert="horz" lIns="91440" tIns="45720" rIns="91440" bIns="45720" rtlCol="0" anchor="b">
-            <a:noAutofit/>
-          </a:bodyPr>
-          <a:lstStyle>
-            <a:lvl1pPr algn="l" defTabSz="914400" rtl="0" eaLnBrk="1" latinLnBrk="0" hangingPunct="1">
-              <a:lnSpc>
-                <a:spcPct val="90000"/>
-              </a:lnSpc>
-              <a:spcBef>
-                <a:spcPct val="0"/>
-              </a:spcBef>
-              <a:buNone/>
-              <a:defRPr sz="3200" kern="1200">
-                <a:solidFill>
-                  <a:schemeClr val="tx1"/>
-                </a:solidFill>
-                <a:latin typeface="+mj-lt"/>
-                <a:ea typeface="+mj-ea"/>
-                <a:cs typeface="+mj-cs"/>
-              </a:defRPr>
-            </a:lvl1pPr>
-          </a:lstStyle>
-          <a:p>
-            <a:pPr>
-              <a:spcAft>
-                <a:spcPts val="1200"/>
-              </a:spcAft>
-            </a:pPr>
-            <a:r>
-              <a:rPr lang="sl-SI" sz="2000" dirty="0" smtClean="0">
-                <a:latin typeface="Titillium Web" panose="00000500000000000000" pitchFamily="2" charset="-18"/>
-              </a:rPr>
-              <a:t>Given all these assumptions and following the rules of probability, what should my probabilistic opition of </a:t>
-            </a:r>
-            <a:r>
-              <a:rPr lang="el-GR" sz="2000" dirty="0" smtClean="0">
-                <a:solidFill>
-                  <a:srgbClr val="FF0000"/>
-                </a:solidFill>
-                <a:latin typeface="Titillium Web" panose="00000500000000000000" pitchFamily="2" charset="-18"/>
-              </a:rPr>
-              <a:t>θ</a:t>
-            </a:r>
-            <a:r>
-              <a:rPr lang="sl-SI" sz="2000" dirty="0" smtClean="0">
-                <a:latin typeface="Titillium Web" panose="00000500000000000000" pitchFamily="2" charset="-18"/>
-              </a:rPr>
-              <a:t> be after seeing the data?</a:t>
-            </a:r>
-            <a:endParaRPr lang="sl-SI" sz="2000" dirty="0">
-              <a:latin typeface="Titillium Web" panose="00000500000000000000" pitchFamily="2" charset="-18"/>
-            </a:endParaRPr>
-          </a:p>
-        </p:txBody>
-      </p:sp>
-      <p:pic>
-        <p:nvPicPr>
-          <p:cNvPr id="3" name="Picture 2"/>
-          <p:cNvPicPr>
-            <a:picLocks noChangeAspect="1"/>
-          </p:cNvPicPr>
-          <p:nvPr/>
-        </p:nvPicPr>
-        <p:blipFill>
-          <a:blip r:embed="rId2"/>
-          <a:stretch>
-            <a:fillRect/>
-          </a:stretch>
-        </p:blipFill>
-        <p:spPr>
-          <a:xfrm>
-            <a:off x="8224971" y="641267"/>
-            <a:ext cx="3405600" cy="381533"/>
-          </a:xfrm>
-          <a:prstGeom prst="rect">
-            <a:avLst/>
-          </a:prstGeom>
-        </p:spPr>
-      </p:pic>
-      <p:pic>
-        <p:nvPicPr>
-          <p:cNvPr id="11" name="Picture 10"/>
-          <p:cNvPicPr>
-            <a:picLocks noChangeAspect="1"/>
-          </p:cNvPicPr>
-          <p:nvPr/>
-        </p:nvPicPr>
-        <p:blipFill>
-          <a:blip r:embed="rId3"/>
-          <a:stretch>
-            <a:fillRect/>
-          </a:stretch>
-        </p:blipFill>
-        <p:spPr>
-          <a:xfrm>
-            <a:off x="8276571" y="1991083"/>
-            <a:ext cx="3354000" cy="420333"/>
-          </a:xfrm>
-          <a:prstGeom prst="rect">
-            <a:avLst/>
-          </a:prstGeom>
-        </p:spPr>
-      </p:pic>
-      <p:pic>
-        <p:nvPicPr>
-          <p:cNvPr id="16" name="Picture 15"/>
-          <p:cNvPicPr>
-            <a:picLocks noChangeAspect="1"/>
-          </p:cNvPicPr>
-          <p:nvPr/>
-        </p:nvPicPr>
-        <p:blipFill>
-          <a:blip r:embed="rId4">
-            <a:extLst>
-              <a:ext uri="{28A0092B-C50C-407E-A947-70E740481C1C}">
-                <a14:useLocalDpi xmlns:a14="http://schemas.microsoft.com/office/drawing/2010/main" val="0"/>
-              </a:ext>
-            </a:extLst>
-          </a:blip>
-          <a:stretch>
-            <a:fillRect/>
-          </a:stretch>
-        </p:blipFill>
-        <p:spPr>
-          <a:xfrm>
-            <a:off x="10363065" y="3623228"/>
-            <a:ext cx="1267506" cy="216724"/>
-          </a:xfrm>
-          <a:prstGeom prst="rect">
-            <a:avLst/>
-          </a:prstGeom>
-        </p:spPr>
-      </p:pic>
-      <p:pic>
-        <p:nvPicPr>
-          <p:cNvPr id="17" name="Picture 16"/>
-          <p:cNvPicPr>
-            <a:picLocks noChangeAspect="1"/>
-          </p:cNvPicPr>
-          <p:nvPr/>
-        </p:nvPicPr>
-        <p:blipFill>
-          <a:blip r:embed="rId5">
-            <a:extLst>
-              <a:ext uri="{28A0092B-C50C-407E-A947-70E740481C1C}">
-                <a14:useLocalDpi xmlns:a14="http://schemas.microsoft.com/office/drawing/2010/main" val="0"/>
-              </a:ext>
-            </a:extLst>
-          </a:blip>
-          <a:stretch>
-            <a:fillRect/>
-          </a:stretch>
-        </p:blipFill>
-        <p:spPr>
-          <a:xfrm>
-            <a:off x="8240482" y="5082227"/>
-            <a:ext cx="3390089" cy="563855"/>
-          </a:xfrm>
-          <a:prstGeom prst="rect">
-            <a:avLst/>
-          </a:prstGeom>
-        </p:spPr>
-      </p:pic>
-      <p:pic>
-        <p:nvPicPr>
-          <p:cNvPr id="18" name="Picture 17"/>
-          <p:cNvPicPr>
-            <a:picLocks noChangeAspect="1"/>
-          </p:cNvPicPr>
-          <p:nvPr/>
-        </p:nvPicPr>
-        <p:blipFill>
-          <a:blip r:embed="rId6"/>
-          <a:stretch>
-            <a:fillRect/>
-          </a:stretch>
-        </p:blipFill>
-        <p:spPr>
-          <a:xfrm>
-            <a:off x="7347771" y="6103934"/>
-            <a:ext cx="4282800" cy="329800"/>
-          </a:xfrm>
-          <a:prstGeom prst="rect">
-            <a:avLst/>
-          </a:prstGeom>
-        </p:spPr>
-      </p:pic>
     </p:spTree>
     <p:extLst>
       <p:ext uri="{BB962C8B-B14F-4D97-AF65-F5344CB8AC3E}">
-        <p14:creationId xmlns:p14="http://schemas.microsoft.com/office/powerpoint/2010/main" val="869721726"/>
+        <p14:creationId xmlns:p14="http://schemas.microsoft.com/office/powerpoint/2010/main" val="55221597"/>
       </p:ext>
     </p:extLst>
   </p:cSld>
@@ -9672,7 +9712,7 @@
         </p:blipFill>
         <p:spPr>
           <a:xfrm>
-            <a:off x="8728549" y="4762697"/>
+            <a:off x="8675987" y="4750920"/>
             <a:ext cx="2279903" cy="1274537"/>
           </a:xfrm>
           <a:prstGeom prst="rect">
@@ -9894,39 +9934,9 @@
           <a:chExt cx="0" cy="0"/>
         </a:xfrm>
       </p:grpSpPr>
-      <p:pic>
-        <p:nvPicPr>
-          <p:cNvPr id="12" name="Picture 11"/>
-          <p:cNvPicPr>
-            <a:picLocks noChangeAspect="1"/>
-          </p:cNvPicPr>
-          <p:nvPr/>
-        </p:nvPicPr>
-        <p:blipFill>
-          <a:blip r:embed="rId2" cstate="print">
-            <a:extLst>
-              <a:ext uri="{28A0092B-C50C-407E-A947-70E740481C1C}">
-                <a14:useLocalDpi xmlns:a14="http://schemas.microsoft.com/office/drawing/2010/main" val="0"/>
-              </a:ext>
-            </a:extLst>
-          </a:blip>
-          <a:stretch>
-            <a:fillRect/>
-          </a:stretch>
-        </p:blipFill>
-        <p:spPr>
-          <a:xfrm>
-            <a:off x="3616037" y="1500445"/>
-            <a:ext cx="4870910" cy="3896728"/>
-          </a:xfrm>
-          <a:prstGeom prst="rect">
-            <a:avLst/>
-          </a:prstGeom>
-        </p:spPr>
-      </p:pic>
-      <p:sp>
-        <p:nvSpPr>
-          <p:cNvPr id="19" name="Title 1"/>
+      <p:sp>
+        <p:nvSpPr>
+          <p:cNvPr id="10" name="Title 1"/>
           <p:cNvSpPr txBox="1">
             <a:spLocks/>
           </p:cNvSpPr>
@@ -9934,8 +9944,8 @@
         </p:nvSpPr>
         <p:spPr>
           <a:xfrm>
-            <a:off x="1579877" y="413913"/>
-            <a:ext cx="11154166" cy="668035"/>
+            <a:off x="283091" y="0"/>
+            <a:ext cx="5130737" cy="668035"/>
           </a:xfrm>
           <a:prstGeom prst="rect">
             <a:avLst/>
@@ -9971,70 +9981,28 @@
               </a:spcAft>
             </a:pPr>
             <a:r>
+              <a:rPr lang="sl-SI" sz="2000" b="1" dirty="0" smtClean="0">
+                <a:latin typeface="Titillium Web" panose="00000500000000000000" pitchFamily="2" charset="-18"/>
+              </a:rPr>
+              <a:t>A sequence from the challenge </a:t>
+            </a:r>
+            <a:r>
+              <a:rPr lang="sl-SI" sz="2000" b="1" dirty="0" smtClean="0">
+                <a:latin typeface="Titillium Web" panose="00000500000000000000" pitchFamily="2" charset="-18"/>
+              </a:rPr>
+              <a:t>(</a:t>
+            </a:r>
+            <a:r>
               <a:rPr lang="sl-SI" sz="2000" dirty="0" smtClean="0">
                 <a:latin typeface="Titillium Web" panose="00000500000000000000" pitchFamily="2" charset="-18"/>
               </a:rPr>
-              <a:t>Our opinion about </a:t>
-            </a:r>
-            <a:r>
-              <a:rPr lang="el-GR" sz="2000" dirty="0" smtClean="0">
-                <a:solidFill>
-                  <a:srgbClr val="FF0000"/>
-                </a:solidFill>
-                <a:latin typeface="Titillium Web" panose="00000500000000000000" pitchFamily="2" charset="-18"/>
-              </a:rPr>
-              <a:t>θ</a:t>
-            </a:r>
-            <a:r>
-              <a:rPr lang="sl-SI" sz="2000" dirty="0" smtClean="0">
-                <a:solidFill>
-                  <a:srgbClr val="FF0000"/>
-                </a:solidFill>
-                <a:latin typeface="Titillium Web" panose="00000500000000000000" pitchFamily="2" charset="-18"/>
-              </a:rPr>
-              <a:t> </a:t>
+              <a:t>= data</a:t>
             </a:r>
             <a:r>
               <a:rPr lang="sl-SI" sz="2000" b="1" dirty="0" smtClean="0">
-                <a:solidFill>
-                  <a:srgbClr val="1212FF"/>
-                </a:solidFill>
-                <a:latin typeface="Titillium Web" panose="00000500000000000000" pitchFamily="2" charset="-18"/>
-              </a:rPr>
-              <a:t>before </a:t>
-            </a:r>
-            <a:r>
-              <a:rPr lang="sl-SI" sz="2000" dirty="0" smtClean="0">
-                <a:latin typeface="Titillium Web" panose="00000500000000000000" pitchFamily="2" charset="-18"/>
-              </a:rPr>
-              <a:t>and</a:t>
-            </a:r>
-            <a:r>
-              <a:rPr lang="sl-SI" sz="2000" b="1" dirty="0" smtClean="0">
-                <a:latin typeface="Titillium Web" panose="00000500000000000000" pitchFamily="2" charset="-18"/>
-              </a:rPr>
-              <a:t> after</a:t>
-            </a:r>
-            <a:r>
-              <a:rPr lang="sl-SI" sz="2000" b="1" dirty="0" smtClean="0">
-                <a:solidFill>
-                  <a:srgbClr val="1212FF"/>
-                </a:solidFill>
-                <a:latin typeface="Titillium Web" panose="00000500000000000000" pitchFamily="2" charset="-18"/>
-              </a:rPr>
-              <a:t> </a:t>
-            </a:r>
-            <a:r>
-              <a:rPr lang="sl-SI" sz="2000" dirty="0" smtClean="0">
-                <a:latin typeface="Titillium Web" panose="00000500000000000000" pitchFamily="2" charset="-18"/>
-              </a:rPr>
-              <a:t>seeing the first sequence (20 ones and 10 zeros).</a:t>
-            </a:r>
-            <a:r>
-              <a:rPr lang="sl-SI" sz="2000" b="1" dirty="0" smtClean="0">
-                <a:latin typeface="Titillium Web" panose="00000500000000000000" pitchFamily="2" charset="-18"/>
-              </a:rPr>
-              <a:t> </a:t>
+                <a:latin typeface="Titillium Web" panose="00000500000000000000" pitchFamily="2" charset="-18"/>
+              </a:rPr>
+              <a:t>):</a:t>
             </a:r>
             <a:endParaRPr lang="sl-SI" sz="2000" b="1" dirty="0">
               <a:latin typeface="Titillium Web" panose="00000500000000000000" pitchFamily="2" charset="-18"/>
@@ -10042,10 +10010,530 @@
           </a:p>
         </p:txBody>
       </p:sp>
+      <p:sp>
+        <p:nvSpPr>
+          <p:cNvPr id="2" name="Rectangle 1"/>
+          <p:cNvSpPr/>
+          <p:nvPr/>
+        </p:nvSpPr>
+        <p:spPr>
+          <a:xfrm>
+            <a:off x="283091" y="668035"/>
+            <a:ext cx="4448565" cy="369332"/>
+          </a:xfrm>
+          <a:prstGeom prst="rect">
+            <a:avLst/>
+          </a:prstGeom>
+        </p:spPr>
+        <p:txBody>
+          <a:bodyPr wrap="square">
+            <a:spAutoFit/>
+          </a:bodyPr>
+          <a:lstStyle/>
+          <a:p>
+            <a:r>
+              <a:rPr lang="sl-SI" altLang="sl-SI" dirty="0">
+                <a:solidFill>
+                  <a:srgbClr val="000000"/>
+                </a:solidFill>
+                <a:latin typeface="Lucida Console" panose="020B0609040504020204" pitchFamily="49" charset="0"/>
+              </a:rPr>
+              <a:t>100100101011011001111111111101</a:t>
+            </a:r>
+            <a:endParaRPr lang="sl-SI" dirty="0"/>
+          </a:p>
+        </p:txBody>
+      </p:sp>
+      <p:sp>
+        <p:nvSpPr>
+          <p:cNvPr id="4" name="Title 1"/>
+          <p:cNvSpPr txBox="1">
+            <a:spLocks/>
+          </p:cNvSpPr>
+          <p:nvPr/>
+        </p:nvSpPr>
+        <p:spPr>
+          <a:xfrm>
+            <a:off x="283091" y="1037367"/>
+            <a:ext cx="11154166" cy="668035"/>
+          </a:xfrm>
+          <a:prstGeom prst="rect">
+            <a:avLst/>
+          </a:prstGeom>
+        </p:spPr>
+        <p:txBody>
+          <a:bodyPr vert="horz" lIns="91440" tIns="45720" rIns="91440" bIns="45720" rtlCol="0" anchor="b">
+            <a:noAutofit/>
+          </a:bodyPr>
+          <a:lstStyle>
+            <a:lvl1pPr algn="l" defTabSz="914400" rtl="0" eaLnBrk="1" latinLnBrk="0" hangingPunct="1">
+              <a:lnSpc>
+                <a:spcPct val="90000"/>
+              </a:lnSpc>
+              <a:spcBef>
+                <a:spcPct val="0"/>
+              </a:spcBef>
+              <a:buNone/>
+              <a:defRPr sz="3200" kern="1200">
+                <a:solidFill>
+                  <a:schemeClr val="tx1"/>
+                </a:solidFill>
+                <a:latin typeface="+mj-lt"/>
+                <a:ea typeface="+mj-ea"/>
+                <a:cs typeface="+mj-cs"/>
+              </a:defRPr>
+            </a:lvl1pPr>
+          </a:lstStyle>
+          <a:p>
+            <a:pPr>
+              <a:spcAft>
+                <a:spcPts val="1200"/>
+              </a:spcAft>
+            </a:pPr>
+            <a:r>
+              <a:rPr lang="sl-SI" sz="2000" b="1" dirty="0" smtClean="0">
+                <a:latin typeface="Titillium Web" panose="00000500000000000000" pitchFamily="2" charset="-18"/>
+              </a:rPr>
+              <a:t>Statistical model (</a:t>
+            </a:r>
+            <a:r>
+              <a:rPr lang="sl-SI" sz="2000" dirty="0" smtClean="0">
+                <a:latin typeface="Titillium Web" panose="00000500000000000000" pitchFamily="2" charset="-18"/>
+              </a:rPr>
+              <a:t>= an attempt at a statistical interpretation</a:t>
+            </a:r>
+            <a:r>
+              <a:rPr lang="sl-SI" sz="2000" b="1" dirty="0" smtClean="0">
+                <a:latin typeface="Titillium Web" panose="00000500000000000000" pitchFamily="2" charset="-18"/>
+              </a:rPr>
+              <a:t>):</a:t>
+            </a:r>
+            <a:endParaRPr lang="sl-SI" sz="2000" b="1" dirty="0">
+              <a:latin typeface="Titillium Web" panose="00000500000000000000" pitchFamily="2" charset="-18"/>
+            </a:endParaRPr>
+          </a:p>
+        </p:txBody>
+      </p:sp>
+      <p:sp>
+        <p:nvSpPr>
+          <p:cNvPr id="5" name="Title 1"/>
+          <p:cNvSpPr txBox="1">
+            <a:spLocks/>
+          </p:cNvSpPr>
+          <p:nvPr/>
+        </p:nvSpPr>
+        <p:spPr>
+          <a:xfrm>
+            <a:off x="283091" y="1900563"/>
+            <a:ext cx="4956567" cy="668035"/>
+          </a:xfrm>
+          <a:prstGeom prst="rect">
+            <a:avLst/>
+          </a:prstGeom>
+        </p:spPr>
+        <p:txBody>
+          <a:bodyPr vert="horz" lIns="91440" tIns="45720" rIns="91440" bIns="45720" rtlCol="0" anchor="b">
+            <a:noAutofit/>
+          </a:bodyPr>
+          <a:lstStyle>
+            <a:lvl1pPr algn="l" defTabSz="914400" rtl="0" eaLnBrk="1" latinLnBrk="0" hangingPunct="1">
+              <a:lnSpc>
+                <a:spcPct val="90000"/>
+              </a:lnSpc>
+              <a:spcBef>
+                <a:spcPct val="0"/>
+              </a:spcBef>
+              <a:buNone/>
+              <a:defRPr sz="3200" kern="1200">
+                <a:solidFill>
+                  <a:schemeClr val="tx1"/>
+                </a:solidFill>
+                <a:latin typeface="+mj-lt"/>
+                <a:ea typeface="+mj-ea"/>
+                <a:cs typeface="+mj-cs"/>
+              </a:defRPr>
+            </a:lvl1pPr>
+          </a:lstStyle>
+          <a:p>
+            <a:pPr>
+              <a:spcAft>
+                <a:spcPts val="1200"/>
+              </a:spcAft>
+            </a:pPr>
+            <a:r>
+              <a:rPr lang="sl-SI" sz="2000" dirty="0" smtClean="0">
+                <a:latin typeface="Titillium Web" panose="00000500000000000000" pitchFamily="2" charset="-18"/>
+              </a:rPr>
+              <a:t>This sequence was generated </a:t>
+            </a:r>
+            <a:r>
+              <a:rPr lang="sl-SI" sz="2000" dirty="0">
+                <a:latin typeface="Titillium Web" panose="00000500000000000000" pitchFamily="2" charset="-18"/>
+              </a:rPr>
+              <a:t>by flipping </a:t>
+            </a:r>
+            <a:r>
+              <a:rPr lang="sl-SI" sz="2000" dirty="0" smtClean="0">
+                <a:latin typeface="Titillium Web" panose="00000500000000000000" pitchFamily="2" charset="-18"/>
+              </a:rPr>
+              <a:t>30 times a </a:t>
+            </a:r>
+            <a:r>
+              <a:rPr lang="sl-SI" sz="2000" dirty="0">
+                <a:latin typeface="Titillium Web" panose="00000500000000000000" pitchFamily="2" charset="-18"/>
+              </a:rPr>
+              <a:t>coin with unknown </a:t>
+            </a:r>
+            <a:r>
+              <a:rPr lang="sl-SI" sz="2000" dirty="0" smtClean="0">
+                <a:latin typeface="Titillium Web" panose="00000500000000000000" pitchFamily="2" charset="-18"/>
+              </a:rPr>
+              <a:t>probability </a:t>
+            </a:r>
+            <a:r>
+              <a:rPr lang="el-GR" sz="2000" dirty="0" smtClean="0">
+                <a:solidFill>
+                  <a:srgbClr val="FF0000"/>
+                </a:solidFill>
+                <a:latin typeface="Titillium Web" panose="00000500000000000000" pitchFamily="2" charset="-18"/>
+              </a:rPr>
+              <a:t>θ</a:t>
+            </a:r>
+            <a:r>
+              <a:rPr lang="sl-SI" sz="2000" dirty="0" smtClean="0">
+                <a:latin typeface="Titillium Web" panose="00000500000000000000" pitchFamily="2" charset="-18"/>
+              </a:rPr>
+              <a:t>.</a:t>
+            </a:r>
+            <a:endParaRPr lang="sl-SI" sz="2000" dirty="0">
+              <a:latin typeface="Titillium Web" panose="00000500000000000000" pitchFamily="2" charset="-18"/>
+            </a:endParaRPr>
+          </a:p>
+        </p:txBody>
+      </p:sp>
+      <p:sp>
+        <p:nvSpPr>
+          <p:cNvPr id="6" name="Title 1"/>
+          <p:cNvSpPr txBox="1">
+            <a:spLocks/>
+          </p:cNvSpPr>
+          <p:nvPr/>
+        </p:nvSpPr>
+        <p:spPr>
+          <a:xfrm>
+            <a:off x="283091" y="2568598"/>
+            <a:ext cx="11154166" cy="668035"/>
+          </a:xfrm>
+          <a:prstGeom prst="rect">
+            <a:avLst/>
+          </a:prstGeom>
+        </p:spPr>
+        <p:txBody>
+          <a:bodyPr vert="horz" lIns="91440" tIns="45720" rIns="91440" bIns="45720" rtlCol="0" anchor="b">
+            <a:noAutofit/>
+          </a:bodyPr>
+          <a:lstStyle>
+            <a:lvl1pPr algn="l" defTabSz="914400" rtl="0" eaLnBrk="1" latinLnBrk="0" hangingPunct="1">
+              <a:lnSpc>
+                <a:spcPct val="90000"/>
+              </a:lnSpc>
+              <a:spcBef>
+                <a:spcPct val="0"/>
+              </a:spcBef>
+              <a:buNone/>
+              <a:defRPr sz="3200" kern="1200">
+                <a:solidFill>
+                  <a:schemeClr val="tx1"/>
+                </a:solidFill>
+                <a:latin typeface="+mj-lt"/>
+                <a:ea typeface="+mj-ea"/>
+                <a:cs typeface="+mj-cs"/>
+              </a:defRPr>
+            </a:lvl1pPr>
+          </a:lstStyle>
+          <a:p>
+            <a:pPr>
+              <a:spcAft>
+                <a:spcPts val="1200"/>
+              </a:spcAft>
+            </a:pPr>
+            <a:r>
+              <a:rPr lang="sl-SI" sz="2000" b="1" dirty="0" smtClean="0">
+                <a:latin typeface="Titillium Web" panose="00000500000000000000" pitchFamily="2" charset="-18"/>
+              </a:rPr>
+              <a:t>Prior opinion about the parameters:</a:t>
+            </a:r>
+            <a:endParaRPr lang="sl-SI" sz="2000" b="1" dirty="0">
+              <a:latin typeface="Titillium Web" panose="00000500000000000000" pitchFamily="2" charset="-18"/>
+            </a:endParaRPr>
+          </a:p>
+        </p:txBody>
+      </p:sp>
+      <p:sp>
+        <p:nvSpPr>
+          <p:cNvPr id="7" name="Title 1"/>
+          <p:cNvSpPr txBox="1">
+            <a:spLocks/>
+          </p:cNvSpPr>
+          <p:nvPr/>
+        </p:nvSpPr>
+        <p:spPr>
+          <a:xfrm>
+            <a:off x="283091" y="3431794"/>
+            <a:ext cx="5130738" cy="668035"/>
+          </a:xfrm>
+          <a:prstGeom prst="rect">
+            <a:avLst/>
+          </a:prstGeom>
+        </p:spPr>
+        <p:txBody>
+          <a:bodyPr vert="horz" lIns="91440" tIns="45720" rIns="91440" bIns="45720" rtlCol="0" anchor="b">
+            <a:noAutofit/>
+          </a:bodyPr>
+          <a:lstStyle>
+            <a:lvl1pPr algn="l" defTabSz="914400" rtl="0" eaLnBrk="1" latinLnBrk="0" hangingPunct="1">
+              <a:lnSpc>
+                <a:spcPct val="90000"/>
+              </a:lnSpc>
+              <a:spcBef>
+                <a:spcPct val="0"/>
+              </a:spcBef>
+              <a:buNone/>
+              <a:defRPr sz="3200" kern="1200">
+                <a:solidFill>
+                  <a:schemeClr val="tx1"/>
+                </a:solidFill>
+                <a:latin typeface="+mj-lt"/>
+                <a:ea typeface="+mj-ea"/>
+                <a:cs typeface="+mj-cs"/>
+              </a:defRPr>
+            </a:lvl1pPr>
+          </a:lstStyle>
+          <a:p>
+            <a:pPr>
+              <a:spcAft>
+                <a:spcPts val="1200"/>
+              </a:spcAft>
+            </a:pPr>
+            <a:r>
+              <a:rPr lang="sl-SI" sz="2000" dirty="0" smtClean="0">
+                <a:latin typeface="Titillium Web" panose="00000500000000000000" pitchFamily="2" charset="-18"/>
+              </a:rPr>
+              <a:t>I really don‘t know what </a:t>
+            </a:r>
+            <a:r>
+              <a:rPr lang="el-GR" sz="2000" dirty="0" smtClean="0">
+                <a:solidFill>
+                  <a:srgbClr val="FF0000"/>
+                </a:solidFill>
+                <a:latin typeface="Titillium Web" panose="00000500000000000000" pitchFamily="2" charset="-18"/>
+              </a:rPr>
+              <a:t>θ</a:t>
+            </a:r>
+            <a:r>
+              <a:rPr lang="sl-SI" sz="2000" dirty="0" smtClean="0">
+                <a:latin typeface="Titillium Web" panose="00000500000000000000" pitchFamily="2" charset="-18"/>
+              </a:rPr>
+              <a:t> might be, therefore, I have no preference for any </a:t>
+            </a:r>
+            <a:r>
+              <a:rPr lang="el-GR" sz="2000" dirty="0" smtClean="0">
+                <a:solidFill>
+                  <a:srgbClr val="FF0000"/>
+                </a:solidFill>
+                <a:latin typeface="Titillium Web" panose="00000500000000000000" pitchFamily="2" charset="-18"/>
+              </a:rPr>
+              <a:t>θ</a:t>
+            </a:r>
+            <a:r>
+              <a:rPr lang="sl-SI" sz="2000" dirty="0" smtClean="0">
+                <a:latin typeface="Titillium Web" panose="00000500000000000000" pitchFamily="2" charset="-18"/>
+              </a:rPr>
+              <a:t>. </a:t>
+            </a:r>
+            <a:endParaRPr lang="sl-SI" sz="2000" dirty="0">
+              <a:latin typeface="Titillium Web" panose="00000500000000000000" pitchFamily="2" charset="-18"/>
+            </a:endParaRPr>
+          </a:p>
+        </p:txBody>
+      </p:sp>
+      <p:sp>
+        <p:nvSpPr>
+          <p:cNvPr id="8" name="Title 1"/>
+          <p:cNvSpPr txBox="1">
+            <a:spLocks/>
+          </p:cNvSpPr>
+          <p:nvPr/>
+        </p:nvSpPr>
+        <p:spPr>
+          <a:xfrm>
+            <a:off x="283091" y="4099829"/>
+            <a:ext cx="11154166" cy="668035"/>
+          </a:xfrm>
+          <a:prstGeom prst="rect">
+            <a:avLst/>
+          </a:prstGeom>
+        </p:spPr>
+        <p:txBody>
+          <a:bodyPr vert="horz" lIns="91440" tIns="45720" rIns="91440" bIns="45720" rtlCol="0" anchor="b">
+            <a:noAutofit/>
+          </a:bodyPr>
+          <a:lstStyle>
+            <a:lvl1pPr algn="l" defTabSz="914400" rtl="0" eaLnBrk="1" latinLnBrk="0" hangingPunct="1">
+              <a:lnSpc>
+                <a:spcPct val="90000"/>
+              </a:lnSpc>
+              <a:spcBef>
+                <a:spcPct val="0"/>
+              </a:spcBef>
+              <a:buNone/>
+              <a:defRPr sz="3200" kern="1200">
+                <a:solidFill>
+                  <a:schemeClr val="tx1"/>
+                </a:solidFill>
+                <a:latin typeface="+mj-lt"/>
+                <a:ea typeface="+mj-ea"/>
+                <a:cs typeface="+mj-cs"/>
+              </a:defRPr>
+            </a:lvl1pPr>
+          </a:lstStyle>
+          <a:p>
+            <a:pPr>
+              <a:spcAft>
+                <a:spcPts val="1200"/>
+              </a:spcAft>
+            </a:pPr>
+            <a:r>
+              <a:rPr lang="sl-SI" sz="2000" b="1" dirty="0" smtClean="0">
+                <a:latin typeface="Titillium Web" panose="00000500000000000000" pitchFamily="2" charset="-18"/>
+              </a:rPr>
+              <a:t>Inference (</a:t>
+            </a:r>
+            <a:r>
+              <a:rPr lang="sl-SI" sz="2000" dirty="0" smtClean="0">
+                <a:latin typeface="Titillium Web" panose="00000500000000000000" pitchFamily="2" charset="-18"/>
+              </a:rPr>
+              <a:t>= learning</a:t>
+            </a:r>
+            <a:r>
+              <a:rPr lang="sl-SI" sz="2000" b="1" dirty="0" smtClean="0">
+                <a:latin typeface="Titillium Web" panose="00000500000000000000" pitchFamily="2" charset="-18"/>
+              </a:rPr>
+              <a:t>):</a:t>
+            </a:r>
+            <a:endParaRPr lang="sl-SI" sz="2000" b="1" dirty="0">
+              <a:latin typeface="Titillium Web" panose="00000500000000000000" pitchFamily="2" charset="-18"/>
+            </a:endParaRPr>
+          </a:p>
+        </p:txBody>
+      </p:sp>
+      <p:sp>
+        <p:nvSpPr>
+          <p:cNvPr id="9" name="Title 1"/>
+          <p:cNvSpPr txBox="1">
+            <a:spLocks/>
+          </p:cNvSpPr>
+          <p:nvPr/>
+        </p:nvSpPr>
+        <p:spPr>
+          <a:xfrm>
+            <a:off x="283091" y="5435899"/>
+            <a:ext cx="5130738" cy="668035"/>
+          </a:xfrm>
+          <a:prstGeom prst="rect">
+            <a:avLst/>
+          </a:prstGeom>
+        </p:spPr>
+        <p:txBody>
+          <a:bodyPr vert="horz" lIns="91440" tIns="45720" rIns="91440" bIns="45720" rtlCol="0" anchor="b">
+            <a:noAutofit/>
+          </a:bodyPr>
+          <a:lstStyle>
+            <a:lvl1pPr algn="l" defTabSz="914400" rtl="0" eaLnBrk="1" latinLnBrk="0" hangingPunct="1">
+              <a:lnSpc>
+                <a:spcPct val="90000"/>
+              </a:lnSpc>
+              <a:spcBef>
+                <a:spcPct val="0"/>
+              </a:spcBef>
+              <a:buNone/>
+              <a:defRPr sz="3200" kern="1200">
+                <a:solidFill>
+                  <a:schemeClr val="tx1"/>
+                </a:solidFill>
+                <a:latin typeface="+mj-lt"/>
+                <a:ea typeface="+mj-ea"/>
+                <a:cs typeface="+mj-cs"/>
+              </a:defRPr>
+            </a:lvl1pPr>
+          </a:lstStyle>
+          <a:p>
+            <a:pPr>
+              <a:spcAft>
+                <a:spcPts val="1200"/>
+              </a:spcAft>
+            </a:pPr>
+            <a:r>
+              <a:rPr lang="sl-SI" sz="2000" dirty="0" smtClean="0">
+                <a:latin typeface="Titillium Web" panose="00000500000000000000" pitchFamily="2" charset="-18"/>
+              </a:rPr>
+              <a:t>Given all these assumptions and following the rules of probability, what should my probabilistic </a:t>
+            </a:r>
+            <a:r>
+              <a:rPr lang="sl-SI" sz="2000" dirty="0" smtClean="0">
+                <a:latin typeface="Titillium Web" panose="00000500000000000000" pitchFamily="2" charset="-18"/>
+              </a:rPr>
+              <a:t>opinion </a:t>
+            </a:r>
+            <a:r>
+              <a:rPr lang="sl-SI" sz="2000" dirty="0" smtClean="0">
+                <a:latin typeface="Titillium Web" panose="00000500000000000000" pitchFamily="2" charset="-18"/>
+              </a:rPr>
+              <a:t>of </a:t>
+            </a:r>
+            <a:r>
+              <a:rPr lang="el-GR" sz="2000" dirty="0" smtClean="0">
+                <a:solidFill>
+                  <a:srgbClr val="FF0000"/>
+                </a:solidFill>
+                <a:latin typeface="Titillium Web" panose="00000500000000000000" pitchFamily="2" charset="-18"/>
+              </a:rPr>
+              <a:t>θ</a:t>
+            </a:r>
+            <a:r>
+              <a:rPr lang="sl-SI" sz="2000" dirty="0" smtClean="0">
+                <a:latin typeface="Titillium Web" panose="00000500000000000000" pitchFamily="2" charset="-18"/>
+              </a:rPr>
+              <a:t> be after </a:t>
+            </a:r>
+            <a:r>
+              <a:rPr lang="sl-SI" sz="2000" dirty="0" smtClean="0">
+                <a:latin typeface="Titillium Web" panose="00000500000000000000" pitchFamily="2" charset="-18"/>
+              </a:rPr>
+              <a:t>I see </a:t>
+            </a:r>
+            <a:r>
+              <a:rPr lang="sl-SI" sz="2000" dirty="0" smtClean="0">
+                <a:latin typeface="Titillium Web" panose="00000500000000000000" pitchFamily="2" charset="-18"/>
+              </a:rPr>
+              <a:t>the </a:t>
+            </a:r>
+            <a:r>
+              <a:rPr lang="sl-SI" sz="2000" dirty="0" smtClean="0">
+                <a:latin typeface="Titillium Web" panose="00000500000000000000" pitchFamily="2" charset="-18"/>
+              </a:rPr>
+              <a:t>data?</a:t>
+            </a:r>
+            <a:endParaRPr lang="sl-SI" sz="2000" dirty="0">
+              <a:latin typeface="Titillium Web" panose="00000500000000000000" pitchFamily="2" charset="-18"/>
+            </a:endParaRPr>
+          </a:p>
+        </p:txBody>
+      </p:sp>
     </p:spTree>
     <p:extLst>
       <p:ext uri="{BB962C8B-B14F-4D97-AF65-F5344CB8AC3E}">
-        <p14:creationId xmlns:p14="http://schemas.microsoft.com/office/powerpoint/2010/main" val="688282288"/>
+        <p14:creationId xmlns:p14="http://schemas.microsoft.com/office/powerpoint/2010/main" val="3326378832"/>
       </p:ext>
     </p:extLst>
   </p:cSld>
@@ -10081,7 +10569,7 @@
       </p:grpSpPr>
       <p:sp>
         <p:nvSpPr>
-          <p:cNvPr id="19" name="Title 1"/>
+          <p:cNvPr id="10" name="Title 1"/>
           <p:cNvSpPr txBox="1">
             <a:spLocks/>
           </p:cNvSpPr>
@@ -10089,8 +10577,8 @@
         </p:nvSpPr>
         <p:spPr>
           <a:xfrm>
-            <a:off x="1895761" y="430539"/>
-            <a:ext cx="11154166" cy="668035"/>
+            <a:off x="283091" y="0"/>
+            <a:ext cx="5130737" cy="668035"/>
           </a:xfrm>
           <a:prstGeom prst="rect">
             <a:avLst/>
@@ -10126,70 +10614,28 @@
               </a:spcAft>
             </a:pPr>
             <a:r>
+              <a:rPr lang="sl-SI" sz="2000" b="1" dirty="0" smtClean="0">
+                <a:latin typeface="Titillium Web" panose="00000500000000000000" pitchFamily="2" charset="-18"/>
+              </a:rPr>
+              <a:t>A sequence from the challenge </a:t>
+            </a:r>
+            <a:r>
+              <a:rPr lang="sl-SI" sz="2000" b="1" dirty="0" smtClean="0">
+                <a:latin typeface="Titillium Web" panose="00000500000000000000" pitchFamily="2" charset="-18"/>
+              </a:rPr>
+              <a:t>(</a:t>
+            </a:r>
+            <a:r>
               <a:rPr lang="sl-SI" sz="2000" dirty="0" smtClean="0">
                 <a:latin typeface="Titillium Web" panose="00000500000000000000" pitchFamily="2" charset="-18"/>
               </a:rPr>
-              <a:t>Our opinion about </a:t>
-            </a:r>
-            <a:r>
-              <a:rPr lang="el-GR" sz="2000" dirty="0" smtClean="0">
-                <a:solidFill>
-                  <a:srgbClr val="FF0000"/>
-                </a:solidFill>
-                <a:latin typeface="Titillium Web" panose="00000500000000000000" pitchFamily="2" charset="-18"/>
-              </a:rPr>
-              <a:t>θ</a:t>
-            </a:r>
-            <a:r>
-              <a:rPr lang="sl-SI" sz="2000" dirty="0" smtClean="0">
-                <a:solidFill>
-                  <a:srgbClr val="FF0000"/>
-                </a:solidFill>
-                <a:latin typeface="Titillium Web" panose="00000500000000000000" pitchFamily="2" charset="-18"/>
-              </a:rPr>
-              <a:t> </a:t>
+              <a:t>= data</a:t>
             </a:r>
             <a:r>
               <a:rPr lang="sl-SI" sz="2000" b="1" dirty="0" smtClean="0">
-                <a:solidFill>
-                  <a:srgbClr val="1212FF"/>
-                </a:solidFill>
-                <a:latin typeface="Titillium Web" panose="00000500000000000000" pitchFamily="2" charset="-18"/>
-              </a:rPr>
-              <a:t>before </a:t>
-            </a:r>
-            <a:r>
-              <a:rPr lang="sl-SI" sz="2000" dirty="0" smtClean="0">
-                <a:latin typeface="Titillium Web" panose="00000500000000000000" pitchFamily="2" charset="-18"/>
-              </a:rPr>
-              <a:t>and</a:t>
-            </a:r>
-            <a:r>
-              <a:rPr lang="sl-SI" sz="2000" b="1" dirty="0" smtClean="0">
-                <a:latin typeface="Titillium Web" panose="00000500000000000000" pitchFamily="2" charset="-18"/>
-              </a:rPr>
-              <a:t> </a:t>
-            </a:r>
-            <a:r>
-              <a:rPr lang="sl-SI" sz="2000" b="1" dirty="0" smtClean="0">
-                <a:solidFill>
-                  <a:srgbClr val="FF0000"/>
-                </a:solidFill>
-                <a:latin typeface="Titillium Web" panose="00000500000000000000" pitchFamily="2" charset="-18"/>
-              </a:rPr>
-              <a:t>after </a:t>
-            </a:r>
-            <a:r>
-              <a:rPr lang="sl-SI" sz="2000" dirty="0" smtClean="0">
-                <a:latin typeface="Titillium Web" panose="00000500000000000000" pitchFamily="2" charset="-18"/>
-              </a:rPr>
-              <a:t>seeing all the data (1934 ones and 1066 zeros).</a:t>
-            </a:r>
-            <a:r>
-              <a:rPr lang="sl-SI" sz="2000" b="1" dirty="0" smtClean="0">
-                <a:latin typeface="Titillium Web" panose="00000500000000000000" pitchFamily="2" charset="-18"/>
-              </a:rPr>
-              <a:t> </a:t>
+                <a:latin typeface="Titillium Web" panose="00000500000000000000" pitchFamily="2" charset="-18"/>
+              </a:rPr>
+              <a:t>):</a:t>
             </a:r>
             <a:endParaRPr lang="sl-SI" sz="2000" b="1" dirty="0">
               <a:latin typeface="Titillium Web" panose="00000500000000000000" pitchFamily="2" charset="-18"/>
@@ -10197,40 +10643,530 @@
           </a:p>
         </p:txBody>
       </p:sp>
-      <p:pic>
-        <p:nvPicPr>
-          <p:cNvPr id="4" name="Picture 3"/>
-          <p:cNvPicPr>
-            <a:picLocks noChangeAspect="1"/>
-          </p:cNvPicPr>
+      <p:sp>
+        <p:nvSpPr>
+          <p:cNvPr id="2" name="Rectangle 1"/>
+          <p:cNvSpPr/>
           <p:nvPr/>
-        </p:nvPicPr>
-        <p:blipFill>
-          <a:blip r:embed="rId2" cstate="print">
-            <a:extLst>
-              <a:ext uri="{28A0092B-C50C-407E-A947-70E740481C1C}">
-                <a14:useLocalDpi xmlns:a14="http://schemas.microsoft.com/office/drawing/2010/main" val="0"/>
-              </a:ext>
-            </a:extLst>
-          </a:blip>
-          <a:stretch>
-            <a:fillRect/>
-          </a:stretch>
-        </p:blipFill>
-        <p:spPr>
-          <a:xfrm>
-            <a:off x="3876496" y="1550320"/>
-            <a:ext cx="4876805" cy="3901444"/>
+        </p:nvSpPr>
+        <p:spPr>
+          <a:xfrm>
+            <a:off x="283091" y="668035"/>
+            <a:ext cx="4448565" cy="369332"/>
           </a:xfrm>
           <a:prstGeom prst="rect">
             <a:avLst/>
           </a:prstGeom>
         </p:spPr>
-      </p:pic>
+        <p:txBody>
+          <a:bodyPr wrap="square">
+            <a:spAutoFit/>
+          </a:bodyPr>
+          <a:lstStyle/>
+          <a:p>
+            <a:r>
+              <a:rPr lang="sl-SI" altLang="sl-SI" dirty="0">
+                <a:solidFill>
+                  <a:srgbClr val="000000"/>
+                </a:solidFill>
+                <a:latin typeface="Lucida Console" panose="020B0609040504020204" pitchFamily="49" charset="0"/>
+              </a:rPr>
+              <a:t>100100101011011001111111111101</a:t>
+            </a:r>
+            <a:endParaRPr lang="sl-SI" dirty="0"/>
+          </a:p>
+        </p:txBody>
+      </p:sp>
+      <p:sp>
+        <p:nvSpPr>
+          <p:cNvPr id="4" name="Title 1"/>
+          <p:cNvSpPr txBox="1">
+            <a:spLocks/>
+          </p:cNvSpPr>
+          <p:nvPr/>
+        </p:nvSpPr>
+        <p:spPr>
+          <a:xfrm>
+            <a:off x="283091" y="1037367"/>
+            <a:ext cx="11154166" cy="668035"/>
+          </a:xfrm>
+          <a:prstGeom prst="rect">
+            <a:avLst/>
+          </a:prstGeom>
+        </p:spPr>
+        <p:txBody>
+          <a:bodyPr vert="horz" lIns="91440" tIns="45720" rIns="91440" bIns="45720" rtlCol="0" anchor="b">
+            <a:noAutofit/>
+          </a:bodyPr>
+          <a:lstStyle>
+            <a:lvl1pPr algn="l" defTabSz="914400" rtl="0" eaLnBrk="1" latinLnBrk="0" hangingPunct="1">
+              <a:lnSpc>
+                <a:spcPct val="90000"/>
+              </a:lnSpc>
+              <a:spcBef>
+                <a:spcPct val="0"/>
+              </a:spcBef>
+              <a:buNone/>
+              <a:defRPr sz="3200" kern="1200">
+                <a:solidFill>
+                  <a:schemeClr val="tx1"/>
+                </a:solidFill>
+                <a:latin typeface="+mj-lt"/>
+                <a:ea typeface="+mj-ea"/>
+                <a:cs typeface="+mj-cs"/>
+              </a:defRPr>
+            </a:lvl1pPr>
+          </a:lstStyle>
+          <a:p>
+            <a:pPr>
+              <a:spcAft>
+                <a:spcPts val="1200"/>
+              </a:spcAft>
+            </a:pPr>
+            <a:r>
+              <a:rPr lang="sl-SI" sz="2000" b="1" dirty="0" smtClean="0">
+                <a:latin typeface="Titillium Web" panose="00000500000000000000" pitchFamily="2" charset="-18"/>
+              </a:rPr>
+              <a:t>Statistical model (</a:t>
+            </a:r>
+            <a:r>
+              <a:rPr lang="sl-SI" sz="2000" dirty="0" smtClean="0">
+                <a:latin typeface="Titillium Web" panose="00000500000000000000" pitchFamily="2" charset="-18"/>
+              </a:rPr>
+              <a:t>= an attempt at a statistical interpretation</a:t>
+            </a:r>
+            <a:r>
+              <a:rPr lang="sl-SI" sz="2000" b="1" dirty="0" smtClean="0">
+                <a:latin typeface="Titillium Web" panose="00000500000000000000" pitchFamily="2" charset="-18"/>
+              </a:rPr>
+              <a:t>):</a:t>
+            </a:r>
+            <a:endParaRPr lang="sl-SI" sz="2000" b="1" dirty="0">
+              <a:latin typeface="Titillium Web" panose="00000500000000000000" pitchFamily="2" charset="-18"/>
+            </a:endParaRPr>
+          </a:p>
+        </p:txBody>
+      </p:sp>
+      <p:sp>
+        <p:nvSpPr>
+          <p:cNvPr id="5" name="Title 1"/>
+          <p:cNvSpPr txBox="1">
+            <a:spLocks/>
+          </p:cNvSpPr>
+          <p:nvPr/>
+        </p:nvSpPr>
+        <p:spPr>
+          <a:xfrm>
+            <a:off x="283091" y="1900563"/>
+            <a:ext cx="4956567" cy="668035"/>
+          </a:xfrm>
+          <a:prstGeom prst="rect">
+            <a:avLst/>
+          </a:prstGeom>
+        </p:spPr>
+        <p:txBody>
+          <a:bodyPr vert="horz" lIns="91440" tIns="45720" rIns="91440" bIns="45720" rtlCol="0" anchor="b">
+            <a:noAutofit/>
+          </a:bodyPr>
+          <a:lstStyle>
+            <a:lvl1pPr algn="l" defTabSz="914400" rtl="0" eaLnBrk="1" latinLnBrk="0" hangingPunct="1">
+              <a:lnSpc>
+                <a:spcPct val="90000"/>
+              </a:lnSpc>
+              <a:spcBef>
+                <a:spcPct val="0"/>
+              </a:spcBef>
+              <a:buNone/>
+              <a:defRPr sz="3200" kern="1200">
+                <a:solidFill>
+                  <a:schemeClr val="tx1"/>
+                </a:solidFill>
+                <a:latin typeface="+mj-lt"/>
+                <a:ea typeface="+mj-ea"/>
+                <a:cs typeface="+mj-cs"/>
+              </a:defRPr>
+            </a:lvl1pPr>
+          </a:lstStyle>
+          <a:p>
+            <a:pPr>
+              <a:spcAft>
+                <a:spcPts val="1200"/>
+              </a:spcAft>
+            </a:pPr>
+            <a:r>
+              <a:rPr lang="sl-SI" sz="2000" dirty="0" smtClean="0">
+                <a:latin typeface="Titillium Web" panose="00000500000000000000" pitchFamily="2" charset="-18"/>
+              </a:rPr>
+              <a:t>This sequence was generated </a:t>
+            </a:r>
+            <a:r>
+              <a:rPr lang="sl-SI" sz="2000" dirty="0">
+                <a:latin typeface="Titillium Web" panose="00000500000000000000" pitchFamily="2" charset="-18"/>
+              </a:rPr>
+              <a:t>by flipping </a:t>
+            </a:r>
+            <a:r>
+              <a:rPr lang="sl-SI" sz="2000" dirty="0" smtClean="0">
+                <a:latin typeface="Titillium Web" panose="00000500000000000000" pitchFamily="2" charset="-18"/>
+              </a:rPr>
+              <a:t>30 times a </a:t>
+            </a:r>
+            <a:r>
+              <a:rPr lang="sl-SI" sz="2000" dirty="0">
+                <a:latin typeface="Titillium Web" panose="00000500000000000000" pitchFamily="2" charset="-18"/>
+              </a:rPr>
+              <a:t>coin with unknown </a:t>
+            </a:r>
+            <a:r>
+              <a:rPr lang="sl-SI" sz="2000" dirty="0" smtClean="0">
+                <a:latin typeface="Titillium Web" panose="00000500000000000000" pitchFamily="2" charset="-18"/>
+              </a:rPr>
+              <a:t>probability </a:t>
+            </a:r>
+            <a:r>
+              <a:rPr lang="el-GR" sz="2000" dirty="0" smtClean="0">
+                <a:solidFill>
+                  <a:srgbClr val="FF0000"/>
+                </a:solidFill>
+                <a:latin typeface="Titillium Web" panose="00000500000000000000" pitchFamily="2" charset="-18"/>
+              </a:rPr>
+              <a:t>θ</a:t>
+            </a:r>
+            <a:r>
+              <a:rPr lang="sl-SI" sz="2000" dirty="0" smtClean="0">
+                <a:latin typeface="Titillium Web" panose="00000500000000000000" pitchFamily="2" charset="-18"/>
+              </a:rPr>
+              <a:t>.</a:t>
+            </a:r>
+            <a:endParaRPr lang="sl-SI" sz="2000" dirty="0">
+              <a:latin typeface="Titillium Web" panose="00000500000000000000" pitchFamily="2" charset="-18"/>
+            </a:endParaRPr>
+          </a:p>
+        </p:txBody>
+      </p:sp>
+      <p:sp>
+        <p:nvSpPr>
+          <p:cNvPr id="6" name="Title 1"/>
+          <p:cNvSpPr txBox="1">
+            <a:spLocks/>
+          </p:cNvSpPr>
+          <p:nvPr/>
+        </p:nvSpPr>
+        <p:spPr>
+          <a:xfrm>
+            <a:off x="283091" y="2568598"/>
+            <a:ext cx="11154166" cy="668035"/>
+          </a:xfrm>
+          <a:prstGeom prst="rect">
+            <a:avLst/>
+          </a:prstGeom>
+        </p:spPr>
+        <p:txBody>
+          <a:bodyPr vert="horz" lIns="91440" tIns="45720" rIns="91440" bIns="45720" rtlCol="0" anchor="b">
+            <a:noAutofit/>
+          </a:bodyPr>
+          <a:lstStyle>
+            <a:lvl1pPr algn="l" defTabSz="914400" rtl="0" eaLnBrk="1" latinLnBrk="0" hangingPunct="1">
+              <a:lnSpc>
+                <a:spcPct val="90000"/>
+              </a:lnSpc>
+              <a:spcBef>
+                <a:spcPct val="0"/>
+              </a:spcBef>
+              <a:buNone/>
+              <a:defRPr sz="3200" kern="1200">
+                <a:solidFill>
+                  <a:schemeClr val="tx1"/>
+                </a:solidFill>
+                <a:latin typeface="+mj-lt"/>
+                <a:ea typeface="+mj-ea"/>
+                <a:cs typeface="+mj-cs"/>
+              </a:defRPr>
+            </a:lvl1pPr>
+          </a:lstStyle>
+          <a:p>
+            <a:pPr>
+              <a:spcAft>
+                <a:spcPts val="1200"/>
+              </a:spcAft>
+            </a:pPr>
+            <a:r>
+              <a:rPr lang="sl-SI" sz="2000" b="1" dirty="0" smtClean="0">
+                <a:latin typeface="Titillium Web" panose="00000500000000000000" pitchFamily="2" charset="-18"/>
+              </a:rPr>
+              <a:t>Prior opinion about the parameters:</a:t>
+            </a:r>
+            <a:endParaRPr lang="sl-SI" sz="2000" b="1" dirty="0">
+              <a:latin typeface="Titillium Web" panose="00000500000000000000" pitchFamily="2" charset="-18"/>
+            </a:endParaRPr>
+          </a:p>
+        </p:txBody>
+      </p:sp>
+      <p:sp>
+        <p:nvSpPr>
+          <p:cNvPr id="7" name="Title 1"/>
+          <p:cNvSpPr txBox="1">
+            <a:spLocks/>
+          </p:cNvSpPr>
+          <p:nvPr/>
+        </p:nvSpPr>
+        <p:spPr>
+          <a:xfrm>
+            <a:off x="283091" y="3431794"/>
+            <a:ext cx="5130738" cy="668035"/>
+          </a:xfrm>
+          <a:prstGeom prst="rect">
+            <a:avLst/>
+          </a:prstGeom>
+        </p:spPr>
+        <p:txBody>
+          <a:bodyPr vert="horz" lIns="91440" tIns="45720" rIns="91440" bIns="45720" rtlCol="0" anchor="b">
+            <a:noAutofit/>
+          </a:bodyPr>
+          <a:lstStyle>
+            <a:lvl1pPr algn="l" defTabSz="914400" rtl="0" eaLnBrk="1" latinLnBrk="0" hangingPunct="1">
+              <a:lnSpc>
+                <a:spcPct val="90000"/>
+              </a:lnSpc>
+              <a:spcBef>
+                <a:spcPct val="0"/>
+              </a:spcBef>
+              <a:buNone/>
+              <a:defRPr sz="3200" kern="1200">
+                <a:solidFill>
+                  <a:schemeClr val="tx1"/>
+                </a:solidFill>
+                <a:latin typeface="+mj-lt"/>
+                <a:ea typeface="+mj-ea"/>
+                <a:cs typeface="+mj-cs"/>
+              </a:defRPr>
+            </a:lvl1pPr>
+          </a:lstStyle>
+          <a:p>
+            <a:pPr>
+              <a:spcAft>
+                <a:spcPts val="1200"/>
+              </a:spcAft>
+            </a:pPr>
+            <a:r>
+              <a:rPr lang="sl-SI" sz="2000" dirty="0" smtClean="0">
+                <a:latin typeface="Titillium Web" panose="00000500000000000000" pitchFamily="2" charset="-18"/>
+              </a:rPr>
+              <a:t>I really don‘t know what </a:t>
+            </a:r>
+            <a:r>
+              <a:rPr lang="el-GR" sz="2000" dirty="0" smtClean="0">
+                <a:solidFill>
+                  <a:srgbClr val="FF0000"/>
+                </a:solidFill>
+                <a:latin typeface="Titillium Web" panose="00000500000000000000" pitchFamily="2" charset="-18"/>
+              </a:rPr>
+              <a:t>θ</a:t>
+            </a:r>
+            <a:r>
+              <a:rPr lang="sl-SI" sz="2000" dirty="0" smtClean="0">
+                <a:latin typeface="Titillium Web" panose="00000500000000000000" pitchFamily="2" charset="-18"/>
+              </a:rPr>
+              <a:t> might be, therefore, I have no preference for any </a:t>
+            </a:r>
+            <a:r>
+              <a:rPr lang="el-GR" sz="2000" dirty="0" smtClean="0">
+                <a:solidFill>
+                  <a:srgbClr val="FF0000"/>
+                </a:solidFill>
+                <a:latin typeface="Titillium Web" panose="00000500000000000000" pitchFamily="2" charset="-18"/>
+              </a:rPr>
+              <a:t>θ</a:t>
+            </a:r>
+            <a:r>
+              <a:rPr lang="sl-SI" sz="2000" dirty="0" smtClean="0">
+                <a:latin typeface="Titillium Web" panose="00000500000000000000" pitchFamily="2" charset="-18"/>
+              </a:rPr>
+              <a:t>. </a:t>
+            </a:r>
+            <a:endParaRPr lang="sl-SI" sz="2000" dirty="0">
+              <a:latin typeface="Titillium Web" panose="00000500000000000000" pitchFamily="2" charset="-18"/>
+            </a:endParaRPr>
+          </a:p>
+        </p:txBody>
+      </p:sp>
+      <p:sp>
+        <p:nvSpPr>
+          <p:cNvPr id="8" name="Title 1"/>
+          <p:cNvSpPr txBox="1">
+            <a:spLocks/>
+          </p:cNvSpPr>
+          <p:nvPr/>
+        </p:nvSpPr>
+        <p:spPr>
+          <a:xfrm>
+            <a:off x="283091" y="4099829"/>
+            <a:ext cx="11154166" cy="668035"/>
+          </a:xfrm>
+          <a:prstGeom prst="rect">
+            <a:avLst/>
+          </a:prstGeom>
+        </p:spPr>
+        <p:txBody>
+          <a:bodyPr vert="horz" lIns="91440" tIns="45720" rIns="91440" bIns="45720" rtlCol="0" anchor="b">
+            <a:noAutofit/>
+          </a:bodyPr>
+          <a:lstStyle>
+            <a:lvl1pPr algn="l" defTabSz="914400" rtl="0" eaLnBrk="1" latinLnBrk="0" hangingPunct="1">
+              <a:lnSpc>
+                <a:spcPct val="90000"/>
+              </a:lnSpc>
+              <a:spcBef>
+                <a:spcPct val="0"/>
+              </a:spcBef>
+              <a:buNone/>
+              <a:defRPr sz="3200" kern="1200">
+                <a:solidFill>
+                  <a:schemeClr val="tx1"/>
+                </a:solidFill>
+                <a:latin typeface="+mj-lt"/>
+                <a:ea typeface="+mj-ea"/>
+                <a:cs typeface="+mj-cs"/>
+              </a:defRPr>
+            </a:lvl1pPr>
+          </a:lstStyle>
+          <a:p>
+            <a:pPr>
+              <a:spcAft>
+                <a:spcPts val="1200"/>
+              </a:spcAft>
+            </a:pPr>
+            <a:r>
+              <a:rPr lang="sl-SI" sz="2000" b="1" dirty="0" smtClean="0">
+                <a:latin typeface="Titillium Web" panose="00000500000000000000" pitchFamily="2" charset="-18"/>
+              </a:rPr>
+              <a:t>Inference (</a:t>
+            </a:r>
+            <a:r>
+              <a:rPr lang="sl-SI" sz="2000" dirty="0" smtClean="0">
+                <a:latin typeface="Titillium Web" panose="00000500000000000000" pitchFamily="2" charset="-18"/>
+              </a:rPr>
+              <a:t>= learning</a:t>
+            </a:r>
+            <a:r>
+              <a:rPr lang="sl-SI" sz="2000" b="1" dirty="0" smtClean="0">
+                <a:latin typeface="Titillium Web" panose="00000500000000000000" pitchFamily="2" charset="-18"/>
+              </a:rPr>
+              <a:t>):</a:t>
+            </a:r>
+            <a:endParaRPr lang="sl-SI" sz="2000" b="1" dirty="0">
+              <a:latin typeface="Titillium Web" panose="00000500000000000000" pitchFamily="2" charset="-18"/>
+            </a:endParaRPr>
+          </a:p>
+        </p:txBody>
+      </p:sp>
+      <p:sp>
+        <p:nvSpPr>
+          <p:cNvPr id="9" name="Title 1"/>
+          <p:cNvSpPr txBox="1">
+            <a:spLocks/>
+          </p:cNvSpPr>
+          <p:nvPr/>
+        </p:nvSpPr>
+        <p:spPr>
+          <a:xfrm>
+            <a:off x="283091" y="5435899"/>
+            <a:ext cx="5130738" cy="668035"/>
+          </a:xfrm>
+          <a:prstGeom prst="rect">
+            <a:avLst/>
+          </a:prstGeom>
+        </p:spPr>
+        <p:txBody>
+          <a:bodyPr vert="horz" lIns="91440" tIns="45720" rIns="91440" bIns="45720" rtlCol="0" anchor="b">
+            <a:noAutofit/>
+          </a:bodyPr>
+          <a:lstStyle>
+            <a:lvl1pPr algn="l" defTabSz="914400" rtl="0" eaLnBrk="1" latinLnBrk="0" hangingPunct="1">
+              <a:lnSpc>
+                <a:spcPct val="90000"/>
+              </a:lnSpc>
+              <a:spcBef>
+                <a:spcPct val="0"/>
+              </a:spcBef>
+              <a:buNone/>
+              <a:defRPr sz="3200" kern="1200">
+                <a:solidFill>
+                  <a:schemeClr val="tx1"/>
+                </a:solidFill>
+                <a:latin typeface="+mj-lt"/>
+                <a:ea typeface="+mj-ea"/>
+                <a:cs typeface="+mj-cs"/>
+              </a:defRPr>
+            </a:lvl1pPr>
+          </a:lstStyle>
+          <a:p>
+            <a:pPr>
+              <a:spcAft>
+                <a:spcPts val="1200"/>
+              </a:spcAft>
+            </a:pPr>
+            <a:r>
+              <a:rPr lang="sl-SI" sz="2000" dirty="0" smtClean="0">
+                <a:latin typeface="Titillium Web" panose="00000500000000000000" pitchFamily="2" charset="-18"/>
+              </a:rPr>
+              <a:t>Given all these assumptions and following the rules of probability, what should my probabilistic </a:t>
+            </a:r>
+            <a:r>
+              <a:rPr lang="sl-SI" sz="2000" dirty="0" smtClean="0">
+                <a:latin typeface="Titillium Web" panose="00000500000000000000" pitchFamily="2" charset="-18"/>
+              </a:rPr>
+              <a:t>opinion </a:t>
+            </a:r>
+            <a:r>
+              <a:rPr lang="sl-SI" sz="2000" dirty="0" smtClean="0">
+                <a:latin typeface="Titillium Web" panose="00000500000000000000" pitchFamily="2" charset="-18"/>
+              </a:rPr>
+              <a:t>of </a:t>
+            </a:r>
+            <a:r>
+              <a:rPr lang="el-GR" sz="2000" dirty="0" smtClean="0">
+                <a:solidFill>
+                  <a:srgbClr val="FF0000"/>
+                </a:solidFill>
+                <a:latin typeface="Titillium Web" panose="00000500000000000000" pitchFamily="2" charset="-18"/>
+              </a:rPr>
+              <a:t>θ</a:t>
+            </a:r>
+            <a:r>
+              <a:rPr lang="sl-SI" sz="2000" dirty="0" smtClean="0">
+                <a:latin typeface="Titillium Web" panose="00000500000000000000" pitchFamily="2" charset="-18"/>
+              </a:rPr>
+              <a:t> be after </a:t>
+            </a:r>
+            <a:r>
+              <a:rPr lang="sl-SI" sz="2000" dirty="0" smtClean="0">
+                <a:latin typeface="Titillium Web" panose="00000500000000000000" pitchFamily="2" charset="-18"/>
+              </a:rPr>
+              <a:t>I see </a:t>
+            </a:r>
+            <a:r>
+              <a:rPr lang="sl-SI" sz="2000" dirty="0" smtClean="0">
+                <a:latin typeface="Titillium Web" panose="00000500000000000000" pitchFamily="2" charset="-18"/>
+              </a:rPr>
+              <a:t>the </a:t>
+            </a:r>
+            <a:r>
+              <a:rPr lang="sl-SI" sz="2000" dirty="0" smtClean="0">
+                <a:latin typeface="Titillium Web" panose="00000500000000000000" pitchFamily="2" charset="-18"/>
+              </a:rPr>
+              <a:t>data?</a:t>
+            </a:r>
+            <a:endParaRPr lang="sl-SI" sz="2000" dirty="0">
+              <a:latin typeface="Titillium Web" panose="00000500000000000000" pitchFamily="2" charset="-18"/>
+            </a:endParaRPr>
+          </a:p>
+        </p:txBody>
+      </p:sp>
     </p:spTree>
     <p:extLst>
       <p:ext uri="{BB962C8B-B14F-4D97-AF65-F5344CB8AC3E}">
-        <p14:creationId xmlns:p14="http://schemas.microsoft.com/office/powerpoint/2010/main" val="1913094615"/>
+        <p14:creationId xmlns:p14="http://schemas.microsoft.com/office/powerpoint/2010/main" val="2754011615"/>
       </p:ext>
     </p:extLst>
   </p:cSld>
@@ -10274,8 +11210,8 @@
         </p:nvSpPr>
         <p:spPr>
           <a:xfrm>
-            <a:off x="791091" y="5602137"/>
-            <a:ext cx="8498051" cy="599303"/>
+            <a:off x="283092" y="0"/>
+            <a:ext cx="5290394" cy="668035"/>
           </a:xfrm>
           <a:prstGeom prst="rect">
             <a:avLst/>
@@ -10311,43 +11247,679 @@
               </a:spcAft>
             </a:pPr>
             <a:r>
-              <a:rPr lang="sl-SI" sz="6600" b="1" dirty="0" smtClean="0">
-                <a:latin typeface="Titillium Web" panose="00000500000000000000" pitchFamily="2" charset="-18"/>
-              </a:rPr>
-              <a:t>Part 3 </a:t>
-            </a:r>
-            <a:endParaRPr lang="sl-SI" sz="6600" dirty="0" smtClean="0">
+              <a:rPr lang="sl-SI" sz="2000" b="1" dirty="0" smtClean="0">
+                <a:latin typeface="Titillium Web" panose="00000500000000000000" pitchFamily="2" charset="-18"/>
+              </a:rPr>
+              <a:t>A sequence from the challenge (</a:t>
+            </a:r>
+            <a:r>
+              <a:rPr lang="sl-SI" sz="2000" dirty="0" smtClean="0">
+                <a:latin typeface="Titillium Web" panose="00000500000000000000" pitchFamily="2" charset="-18"/>
+              </a:rPr>
+              <a:t>= data</a:t>
+            </a:r>
+            <a:r>
+              <a:rPr lang="sl-SI" sz="2000" b="1" dirty="0" smtClean="0">
+                <a:latin typeface="Titillium Web" panose="00000500000000000000" pitchFamily="2" charset="-18"/>
+              </a:rPr>
+              <a:t>):</a:t>
+            </a:r>
+            <a:endParaRPr lang="sl-SI" sz="2000" b="1" dirty="0">
               <a:latin typeface="Titillium Web" panose="00000500000000000000" pitchFamily="2" charset="-18"/>
             </a:endParaRPr>
           </a:p>
+        </p:txBody>
+      </p:sp>
+      <p:sp>
+        <p:nvSpPr>
+          <p:cNvPr id="2" name="Rectangle 1"/>
+          <p:cNvSpPr/>
+          <p:nvPr/>
+        </p:nvSpPr>
+        <p:spPr>
+          <a:xfrm>
+            <a:off x="283091" y="668035"/>
+            <a:ext cx="4448565" cy="369332"/>
+          </a:xfrm>
+          <a:prstGeom prst="rect">
+            <a:avLst/>
+          </a:prstGeom>
+        </p:spPr>
+        <p:txBody>
+          <a:bodyPr wrap="square">
+            <a:spAutoFit/>
+          </a:bodyPr>
+          <a:lstStyle/>
+          <a:p>
+            <a:r>
+              <a:rPr lang="sl-SI" altLang="sl-SI" dirty="0">
+                <a:solidFill>
+                  <a:srgbClr val="000000"/>
+                </a:solidFill>
+                <a:latin typeface="Lucida Console" panose="020B0609040504020204" pitchFamily="49" charset="0"/>
+              </a:rPr>
+              <a:t>100100101011011001111111111101</a:t>
+            </a:r>
+            <a:endParaRPr lang="sl-SI" dirty="0"/>
+          </a:p>
+        </p:txBody>
+      </p:sp>
+      <p:sp>
+        <p:nvSpPr>
+          <p:cNvPr id="4" name="Title 1"/>
+          <p:cNvSpPr txBox="1">
+            <a:spLocks/>
+          </p:cNvSpPr>
+          <p:nvPr/>
+        </p:nvSpPr>
+        <p:spPr>
+          <a:xfrm>
+            <a:off x="283091" y="1037367"/>
+            <a:ext cx="11154166" cy="668035"/>
+          </a:xfrm>
+          <a:prstGeom prst="rect">
+            <a:avLst/>
+          </a:prstGeom>
+        </p:spPr>
+        <p:txBody>
+          <a:bodyPr vert="horz" lIns="91440" tIns="45720" rIns="91440" bIns="45720" rtlCol="0" anchor="b">
+            <a:noAutofit/>
+          </a:bodyPr>
+          <a:lstStyle>
+            <a:lvl1pPr algn="l" defTabSz="914400" rtl="0" eaLnBrk="1" latinLnBrk="0" hangingPunct="1">
+              <a:lnSpc>
+                <a:spcPct val="90000"/>
+              </a:lnSpc>
+              <a:spcBef>
+                <a:spcPct val="0"/>
+              </a:spcBef>
+              <a:buNone/>
+              <a:defRPr sz="3200" kern="1200">
+                <a:solidFill>
+                  <a:schemeClr val="tx1"/>
+                </a:solidFill>
+                <a:latin typeface="+mj-lt"/>
+                <a:ea typeface="+mj-ea"/>
+                <a:cs typeface="+mj-cs"/>
+              </a:defRPr>
+            </a:lvl1pPr>
+          </a:lstStyle>
           <a:p>
             <a:pPr>
               <a:spcAft>
-                <a:spcPts val="1800"/>
+                <a:spcPts val="1200"/>
               </a:spcAft>
             </a:pPr>
             <a:r>
-              <a:rPr lang="sl-SI" sz="6600" dirty="0">
-                <a:latin typeface="Titillium Web" panose="00000500000000000000" pitchFamily="2" charset="-18"/>
-              </a:rPr>
-              <a:t>Probabilistic programming &amp; Stan</a:t>
-            </a:r>
-            <a:r>
-              <a:rPr lang="sl-SI" sz="6600" dirty="0" smtClean="0">
-                <a:latin typeface="Titillium Web" panose="00000500000000000000" pitchFamily="2" charset="-18"/>
-              </a:rPr>
-              <a:t>.</a:t>
-            </a:r>
-            <a:endParaRPr lang="sl-SI" sz="6600" dirty="0">
+              <a:rPr lang="sl-SI" sz="2000" b="1" dirty="0" smtClean="0">
+                <a:latin typeface="Titillium Web" panose="00000500000000000000" pitchFamily="2" charset="-18"/>
+              </a:rPr>
+              <a:t>Statistical model (</a:t>
+            </a:r>
+            <a:r>
+              <a:rPr lang="sl-SI" sz="2000" dirty="0" smtClean="0">
+                <a:latin typeface="Titillium Web" panose="00000500000000000000" pitchFamily="2" charset="-18"/>
+              </a:rPr>
+              <a:t>= an attempt at a statistical interpretation</a:t>
+            </a:r>
+            <a:r>
+              <a:rPr lang="sl-SI" sz="2000" b="1" dirty="0" smtClean="0">
+                <a:latin typeface="Titillium Web" panose="00000500000000000000" pitchFamily="2" charset="-18"/>
+              </a:rPr>
+              <a:t>):</a:t>
+            </a:r>
+            <a:endParaRPr lang="sl-SI" sz="2000" b="1" dirty="0">
               <a:latin typeface="Titillium Web" panose="00000500000000000000" pitchFamily="2" charset="-18"/>
             </a:endParaRPr>
           </a:p>
         </p:txBody>
       </p:sp>
+      <p:sp>
+        <p:nvSpPr>
+          <p:cNvPr id="5" name="Title 1"/>
+          <p:cNvSpPr txBox="1">
+            <a:spLocks/>
+          </p:cNvSpPr>
+          <p:nvPr/>
+        </p:nvSpPr>
+        <p:spPr>
+          <a:xfrm>
+            <a:off x="283091" y="1900563"/>
+            <a:ext cx="4956567" cy="668035"/>
+          </a:xfrm>
+          <a:prstGeom prst="rect">
+            <a:avLst/>
+          </a:prstGeom>
+        </p:spPr>
+        <p:txBody>
+          <a:bodyPr vert="horz" lIns="91440" tIns="45720" rIns="91440" bIns="45720" rtlCol="0" anchor="b">
+            <a:noAutofit/>
+          </a:bodyPr>
+          <a:lstStyle>
+            <a:lvl1pPr algn="l" defTabSz="914400" rtl="0" eaLnBrk="1" latinLnBrk="0" hangingPunct="1">
+              <a:lnSpc>
+                <a:spcPct val="90000"/>
+              </a:lnSpc>
+              <a:spcBef>
+                <a:spcPct val="0"/>
+              </a:spcBef>
+              <a:buNone/>
+              <a:defRPr sz="3200" kern="1200">
+                <a:solidFill>
+                  <a:schemeClr val="tx1"/>
+                </a:solidFill>
+                <a:latin typeface="+mj-lt"/>
+                <a:ea typeface="+mj-ea"/>
+                <a:cs typeface="+mj-cs"/>
+              </a:defRPr>
+            </a:lvl1pPr>
+          </a:lstStyle>
+          <a:p>
+            <a:pPr>
+              <a:spcAft>
+                <a:spcPts val="1200"/>
+              </a:spcAft>
+            </a:pPr>
+            <a:r>
+              <a:rPr lang="sl-SI" sz="2000" dirty="0" smtClean="0">
+                <a:latin typeface="Titillium Web" panose="00000500000000000000" pitchFamily="2" charset="-18"/>
+              </a:rPr>
+              <a:t>This sequence was generated </a:t>
+            </a:r>
+            <a:r>
+              <a:rPr lang="sl-SI" sz="2000" dirty="0">
+                <a:latin typeface="Titillium Web" panose="00000500000000000000" pitchFamily="2" charset="-18"/>
+              </a:rPr>
+              <a:t>by flipping </a:t>
+            </a:r>
+            <a:r>
+              <a:rPr lang="sl-SI" sz="2000" dirty="0" smtClean="0">
+                <a:latin typeface="Titillium Web" panose="00000500000000000000" pitchFamily="2" charset="-18"/>
+              </a:rPr>
+              <a:t>30 times a </a:t>
+            </a:r>
+            <a:r>
+              <a:rPr lang="sl-SI" sz="2000" dirty="0">
+                <a:latin typeface="Titillium Web" panose="00000500000000000000" pitchFamily="2" charset="-18"/>
+              </a:rPr>
+              <a:t>coin with unknown </a:t>
+            </a:r>
+            <a:r>
+              <a:rPr lang="sl-SI" sz="2000" dirty="0" smtClean="0">
+                <a:latin typeface="Titillium Web" panose="00000500000000000000" pitchFamily="2" charset="-18"/>
+              </a:rPr>
+              <a:t>probability </a:t>
+            </a:r>
+            <a:r>
+              <a:rPr lang="el-GR" sz="2000" dirty="0" smtClean="0">
+                <a:solidFill>
+                  <a:srgbClr val="FF0000"/>
+                </a:solidFill>
+                <a:latin typeface="Titillium Web" panose="00000500000000000000" pitchFamily="2" charset="-18"/>
+              </a:rPr>
+              <a:t>θ</a:t>
+            </a:r>
+            <a:r>
+              <a:rPr lang="sl-SI" sz="2000" dirty="0" smtClean="0">
+                <a:latin typeface="Titillium Web" panose="00000500000000000000" pitchFamily="2" charset="-18"/>
+              </a:rPr>
+              <a:t>.</a:t>
+            </a:r>
+            <a:endParaRPr lang="sl-SI" sz="2000" dirty="0">
+              <a:latin typeface="Titillium Web" panose="00000500000000000000" pitchFamily="2" charset="-18"/>
+            </a:endParaRPr>
+          </a:p>
+        </p:txBody>
+      </p:sp>
+      <p:sp>
+        <p:nvSpPr>
+          <p:cNvPr id="6" name="Title 1"/>
+          <p:cNvSpPr txBox="1">
+            <a:spLocks/>
+          </p:cNvSpPr>
+          <p:nvPr/>
+        </p:nvSpPr>
+        <p:spPr>
+          <a:xfrm>
+            <a:off x="283091" y="2568598"/>
+            <a:ext cx="11154166" cy="668035"/>
+          </a:xfrm>
+          <a:prstGeom prst="rect">
+            <a:avLst/>
+          </a:prstGeom>
+        </p:spPr>
+        <p:txBody>
+          <a:bodyPr vert="horz" lIns="91440" tIns="45720" rIns="91440" bIns="45720" rtlCol="0" anchor="b">
+            <a:noAutofit/>
+          </a:bodyPr>
+          <a:lstStyle>
+            <a:lvl1pPr algn="l" defTabSz="914400" rtl="0" eaLnBrk="1" latinLnBrk="0" hangingPunct="1">
+              <a:lnSpc>
+                <a:spcPct val="90000"/>
+              </a:lnSpc>
+              <a:spcBef>
+                <a:spcPct val="0"/>
+              </a:spcBef>
+              <a:buNone/>
+              <a:defRPr sz="3200" kern="1200">
+                <a:solidFill>
+                  <a:schemeClr val="tx1"/>
+                </a:solidFill>
+                <a:latin typeface="+mj-lt"/>
+                <a:ea typeface="+mj-ea"/>
+                <a:cs typeface="+mj-cs"/>
+              </a:defRPr>
+            </a:lvl1pPr>
+          </a:lstStyle>
+          <a:p>
+            <a:pPr>
+              <a:spcAft>
+                <a:spcPts val="1200"/>
+              </a:spcAft>
+            </a:pPr>
+            <a:r>
+              <a:rPr lang="sl-SI" sz="2000" b="1" dirty="0" smtClean="0">
+                <a:latin typeface="Titillium Web" panose="00000500000000000000" pitchFamily="2" charset="-18"/>
+              </a:rPr>
+              <a:t>Prior opinion about the parameters:</a:t>
+            </a:r>
+            <a:endParaRPr lang="sl-SI" sz="2000" b="1" dirty="0">
+              <a:latin typeface="Titillium Web" panose="00000500000000000000" pitchFamily="2" charset="-18"/>
+            </a:endParaRPr>
+          </a:p>
+        </p:txBody>
+      </p:sp>
+      <p:sp>
+        <p:nvSpPr>
+          <p:cNvPr id="7" name="Title 1"/>
+          <p:cNvSpPr txBox="1">
+            <a:spLocks/>
+          </p:cNvSpPr>
+          <p:nvPr/>
+        </p:nvSpPr>
+        <p:spPr>
+          <a:xfrm>
+            <a:off x="283091" y="3431794"/>
+            <a:ext cx="5130738" cy="668035"/>
+          </a:xfrm>
+          <a:prstGeom prst="rect">
+            <a:avLst/>
+          </a:prstGeom>
+        </p:spPr>
+        <p:txBody>
+          <a:bodyPr vert="horz" lIns="91440" tIns="45720" rIns="91440" bIns="45720" rtlCol="0" anchor="b">
+            <a:noAutofit/>
+          </a:bodyPr>
+          <a:lstStyle>
+            <a:lvl1pPr algn="l" defTabSz="914400" rtl="0" eaLnBrk="1" latinLnBrk="0" hangingPunct="1">
+              <a:lnSpc>
+                <a:spcPct val="90000"/>
+              </a:lnSpc>
+              <a:spcBef>
+                <a:spcPct val="0"/>
+              </a:spcBef>
+              <a:buNone/>
+              <a:defRPr sz="3200" kern="1200">
+                <a:solidFill>
+                  <a:schemeClr val="tx1"/>
+                </a:solidFill>
+                <a:latin typeface="+mj-lt"/>
+                <a:ea typeface="+mj-ea"/>
+                <a:cs typeface="+mj-cs"/>
+              </a:defRPr>
+            </a:lvl1pPr>
+          </a:lstStyle>
+          <a:p>
+            <a:pPr>
+              <a:spcAft>
+                <a:spcPts val="1200"/>
+              </a:spcAft>
+            </a:pPr>
+            <a:r>
+              <a:rPr lang="sl-SI" sz="2000" dirty="0" smtClean="0">
+                <a:latin typeface="Titillium Web" panose="00000500000000000000" pitchFamily="2" charset="-18"/>
+              </a:rPr>
+              <a:t>I really don‘t know what </a:t>
+            </a:r>
+            <a:r>
+              <a:rPr lang="el-GR" sz="2000" dirty="0" smtClean="0">
+                <a:solidFill>
+                  <a:srgbClr val="FF0000"/>
+                </a:solidFill>
+                <a:latin typeface="Titillium Web" panose="00000500000000000000" pitchFamily="2" charset="-18"/>
+              </a:rPr>
+              <a:t>θ</a:t>
+            </a:r>
+            <a:r>
+              <a:rPr lang="sl-SI" sz="2000" dirty="0" smtClean="0">
+                <a:latin typeface="Titillium Web" panose="00000500000000000000" pitchFamily="2" charset="-18"/>
+              </a:rPr>
+              <a:t> might be, therefore, I have no preference for any </a:t>
+            </a:r>
+            <a:r>
+              <a:rPr lang="el-GR" sz="2000" dirty="0" smtClean="0">
+                <a:solidFill>
+                  <a:srgbClr val="FF0000"/>
+                </a:solidFill>
+                <a:latin typeface="Titillium Web" panose="00000500000000000000" pitchFamily="2" charset="-18"/>
+              </a:rPr>
+              <a:t>θ</a:t>
+            </a:r>
+            <a:r>
+              <a:rPr lang="sl-SI" sz="2000" dirty="0" smtClean="0">
+                <a:latin typeface="Titillium Web" panose="00000500000000000000" pitchFamily="2" charset="-18"/>
+              </a:rPr>
+              <a:t>. </a:t>
+            </a:r>
+            <a:endParaRPr lang="sl-SI" sz="2000" dirty="0">
+              <a:latin typeface="Titillium Web" panose="00000500000000000000" pitchFamily="2" charset="-18"/>
+            </a:endParaRPr>
+          </a:p>
+        </p:txBody>
+      </p:sp>
+      <p:sp>
+        <p:nvSpPr>
+          <p:cNvPr id="8" name="Title 1"/>
+          <p:cNvSpPr txBox="1">
+            <a:spLocks/>
+          </p:cNvSpPr>
+          <p:nvPr/>
+        </p:nvSpPr>
+        <p:spPr>
+          <a:xfrm>
+            <a:off x="283091" y="4099829"/>
+            <a:ext cx="11154166" cy="668035"/>
+          </a:xfrm>
+          <a:prstGeom prst="rect">
+            <a:avLst/>
+          </a:prstGeom>
+        </p:spPr>
+        <p:txBody>
+          <a:bodyPr vert="horz" lIns="91440" tIns="45720" rIns="91440" bIns="45720" rtlCol="0" anchor="b">
+            <a:noAutofit/>
+          </a:bodyPr>
+          <a:lstStyle>
+            <a:lvl1pPr algn="l" defTabSz="914400" rtl="0" eaLnBrk="1" latinLnBrk="0" hangingPunct="1">
+              <a:lnSpc>
+                <a:spcPct val="90000"/>
+              </a:lnSpc>
+              <a:spcBef>
+                <a:spcPct val="0"/>
+              </a:spcBef>
+              <a:buNone/>
+              <a:defRPr sz="3200" kern="1200">
+                <a:solidFill>
+                  <a:schemeClr val="tx1"/>
+                </a:solidFill>
+                <a:latin typeface="+mj-lt"/>
+                <a:ea typeface="+mj-ea"/>
+                <a:cs typeface="+mj-cs"/>
+              </a:defRPr>
+            </a:lvl1pPr>
+          </a:lstStyle>
+          <a:p>
+            <a:pPr>
+              <a:spcAft>
+                <a:spcPts val="1200"/>
+              </a:spcAft>
+            </a:pPr>
+            <a:r>
+              <a:rPr lang="sl-SI" sz="2000" b="1" dirty="0" smtClean="0">
+                <a:latin typeface="Titillium Web" panose="00000500000000000000" pitchFamily="2" charset="-18"/>
+              </a:rPr>
+              <a:t>Inference (</a:t>
+            </a:r>
+            <a:r>
+              <a:rPr lang="sl-SI" sz="2000" dirty="0" smtClean="0">
+                <a:latin typeface="Titillium Web" panose="00000500000000000000" pitchFamily="2" charset="-18"/>
+              </a:rPr>
+              <a:t>= learning</a:t>
+            </a:r>
+            <a:r>
+              <a:rPr lang="sl-SI" sz="2000" b="1" dirty="0" smtClean="0">
+                <a:latin typeface="Titillium Web" panose="00000500000000000000" pitchFamily="2" charset="-18"/>
+              </a:rPr>
+              <a:t>):</a:t>
+            </a:r>
+            <a:endParaRPr lang="sl-SI" sz="2000" b="1" dirty="0">
+              <a:latin typeface="Titillium Web" panose="00000500000000000000" pitchFamily="2" charset="-18"/>
+            </a:endParaRPr>
+          </a:p>
+        </p:txBody>
+      </p:sp>
+      <p:sp>
+        <p:nvSpPr>
+          <p:cNvPr id="9" name="Title 1"/>
+          <p:cNvSpPr txBox="1">
+            <a:spLocks/>
+          </p:cNvSpPr>
+          <p:nvPr/>
+        </p:nvSpPr>
+        <p:spPr>
+          <a:xfrm>
+            <a:off x="283091" y="5435899"/>
+            <a:ext cx="5130738" cy="668035"/>
+          </a:xfrm>
+          <a:prstGeom prst="rect">
+            <a:avLst/>
+          </a:prstGeom>
+        </p:spPr>
+        <p:txBody>
+          <a:bodyPr vert="horz" lIns="91440" tIns="45720" rIns="91440" bIns="45720" rtlCol="0" anchor="b">
+            <a:noAutofit/>
+          </a:bodyPr>
+          <a:lstStyle>
+            <a:lvl1pPr algn="l" defTabSz="914400" rtl="0" eaLnBrk="1" latinLnBrk="0" hangingPunct="1">
+              <a:lnSpc>
+                <a:spcPct val="90000"/>
+              </a:lnSpc>
+              <a:spcBef>
+                <a:spcPct val="0"/>
+              </a:spcBef>
+              <a:buNone/>
+              <a:defRPr sz="3200" kern="1200">
+                <a:solidFill>
+                  <a:schemeClr val="tx1"/>
+                </a:solidFill>
+                <a:latin typeface="+mj-lt"/>
+                <a:ea typeface="+mj-ea"/>
+                <a:cs typeface="+mj-cs"/>
+              </a:defRPr>
+            </a:lvl1pPr>
+          </a:lstStyle>
+          <a:p>
+            <a:pPr>
+              <a:spcAft>
+                <a:spcPts val="1200"/>
+              </a:spcAft>
+            </a:pPr>
+            <a:r>
+              <a:rPr lang="sl-SI" sz="2000" dirty="0" smtClean="0">
+                <a:latin typeface="Titillium Web" panose="00000500000000000000" pitchFamily="2" charset="-18"/>
+              </a:rPr>
+              <a:t>Given all these assumptions and following the rules of probability, what should my probabilistic </a:t>
+            </a:r>
+            <a:r>
+              <a:rPr lang="sl-SI" sz="2000" dirty="0" smtClean="0">
+                <a:latin typeface="Titillium Web" panose="00000500000000000000" pitchFamily="2" charset="-18"/>
+              </a:rPr>
+              <a:t>opinion </a:t>
+            </a:r>
+            <a:r>
+              <a:rPr lang="sl-SI" sz="2000" dirty="0" smtClean="0">
+                <a:latin typeface="Titillium Web" panose="00000500000000000000" pitchFamily="2" charset="-18"/>
+              </a:rPr>
+              <a:t>of </a:t>
+            </a:r>
+            <a:r>
+              <a:rPr lang="el-GR" sz="2000" dirty="0" smtClean="0">
+                <a:solidFill>
+                  <a:srgbClr val="FF0000"/>
+                </a:solidFill>
+                <a:latin typeface="Titillium Web" panose="00000500000000000000" pitchFamily="2" charset="-18"/>
+              </a:rPr>
+              <a:t>θ</a:t>
+            </a:r>
+            <a:r>
+              <a:rPr lang="sl-SI" sz="2000" dirty="0" smtClean="0">
+                <a:latin typeface="Titillium Web" panose="00000500000000000000" pitchFamily="2" charset="-18"/>
+              </a:rPr>
+              <a:t> be after </a:t>
+            </a:r>
+            <a:r>
+              <a:rPr lang="sl-SI" sz="2000" dirty="0" smtClean="0">
+                <a:latin typeface="Titillium Web" panose="00000500000000000000" pitchFamily="2" charset="-18"/>
+              </a:rPr>
+              <a:t>I see </a:t>
+            </a:r>
+            <a:r>
+              <a:rPr lang="sl-SI" sz="2000" dirty="0" smtClean="0">
+                <a:latin typeface="Titillium Web" panose="00000500000000000000" pitchFamily="2" charset="-18"/>
+              </a:rPr>
+              <a:t>the data?</a:t>
+            </a:r>
+            <a:endParaRPr lang="sl-SI" sz="2000" dirty="0">
+              <a:latin typeface="Titillium Web" panose="00000500000000000000" pitchFamily="2" charset="-18"/>
+            </a:endParaRPr>
+          </a:p>
+        </p:txBody>
+      </p:sp>
+      <p:pic>
+        <p:nvPicPr>
+          <p:cNvPr id="3" name="Picture 2"/>
+          <p:cNvPicPr>
+            <a:picLocks noChangeAspect="1"/>
+          </p:cNvPicPr>
+          <p:nvPr/>
+        </p:nvPicPr>
+        <p:blipFill>
+          <a:blip r:embed="rId2"/>
+          <a:stretch>
+            <a:fillRect/>
+          </a:stretch>
+        </p:blipFill>
+        <p:spPr>
+          <a:xfrm>
+            <a:off x="8224971" y="641267"/>
+            <a:ext cx="3405600" cy="381533"/>
+          </a:xfrm>
+          <a:prstGeom prst="rect">
+            <a:avLst/>
+          </a:prstGeom>
+        </p:spPr>
+      </p:pic>
+      <p:pic>
+        <p:nvPicPr>
+          <p:cNvPr id="11" name="Picture 10"/>
+          <p:cNvPicPr>
+            <a:picLocks noChangeAspect="1"/>
+          </p:cNvPicPr>
+          <p:nvPr/>
+        </p:nvPicPr>
+        <p:blipFill>
+          <a:blip r:embed="rId3"/>
+          <a:stretch>
+            <a:fillRect/>
+          </a:stretch>
+        </p:blipFill>
+        <p:spPr>
+          <a:xfrm>
+            <a:off x="8276571" y="1991083"/>
+            <a:ext cx="3354000" cy="420333"/>
+          </a:xfrm>
+          <a:prstGeom prst="rect">
+            <a:avLst/>
+          </a:prstGeom>
+        </p:spPr>
+      </p:pic>
+      <p:pic>
+        <p:nvPicPr>
+          <p:cNvPr id="16" name="Picture 15"/>
+          <p:cNvPicPr>
+            <a:picLocks noChangeAspect="1"/>
+          </p:cNvPicPr>
+          <p:nvPr/>
+        </p:nvPicPr>
+        <p:blipFill>
+          <a:blip r:embed="rId4">
+            <a:extLst>
+              <a:ext uri="{28A0092B-C50C-407E-A947-70E740481C1C}">
+                <a14:useLocalDpi xmlns:a14="http://schemas.microsoft.com/office/drawing/2010/main" val="0"/>
+              </a:ext>
+            </a:extLst>
+          </a:blip>
+          <a:stretch>
+            <a:fillRect/>
+          </a:stretch>
+        </p:blipFill>
+        <p:spPr>
+          <a:xfrm>
+            <a:off x="10363065" y="3623228"/>
+            <a:ext cx="1267506" cy="216724"/>
+          </a:xfrm>
+          <a:prstGeom prst="rect">
+            <a:avLst/>
+          </a:prstGeom>
+        </p:spPr>
+      </p:pic>
+      <p:pic>
+        <p:nvPicPr>
+          <p:cNvPr id="17" name="Picture 16"/>
+          <p:cNvPicPr>
+            <a:picLocks noChangeAspect="1"/>
+          </p:cNvPicPr>
+          <p:nvPr/>
+        </p:nvPicPr>
+        <p:blipFill>
+          <a:blip r:embed="rId5">
+            <a:extLst>
+              <a:ext uri="{28A0092B-C50C-407E-A947-70E740481C1C}">
+                <a14:useLocalDpi xmlns:a14="http://schemas.microsoft.com/office/drawing/2010/main" val="0"/>
+              </a:ext>
+            </a:extLst>
+          </a:blip>
+          <a:stretch>
+            <a:fillRect/>
+          </a:stretch>
+        </p:blipFill>
+        <p:spPr>
+          <a:xfrm>
+            <a:off x="8240482" y="5082227"/>
+            <a:ext cx="3390089" cy="563855"/>
+          </a:xfrm>
+          <a:prstGeom prst="rect">
+            <a:avLst/>
+          </a:prstGeom>
+        </p:spPr>
+      </p:pic>
+      <p:pic>
+        <p:nvPicPr>
+          <p:cNvPr id="18" name="Picture 17"/>
+          <p:cNvPicPr>
+            <a:picLocks noChangeAspect="1"/>
+          </p:cNvPicPr>
+          <p:nvPr/>
+        </p:nvPicPr>
+        <p:blipFill>
+          <a:blip r:embed="rId6"/>
+          <a:stretch>
+            <a:fillRect/>
+          </a:stretch>
+        </p:blipFill>
+        <p:spPr>
+          <a:xfrm>
+            <a:off x="7347771" y="6103934"/>
+            <a:ext cx="4282800" cy="329800"/>
+          </a:xfrm>
+          <a:prstGeom prst="rect">
+            <a:avLst/>
+          </a:prstGeom>
+        </p:spPr>
+      </p:pic>
     </p:spTree>
     <p:extLst>
       <p:ext uri="{BB962C8B-B14F-4D97-AF65-F5344CB8AC3E}">
-        <p14:creationId xmlns:p14="http://schemas.microsoft.com/office/powerpoint/2010/main" val="3279638544"/>
+        <p14:creationId xmlns:p14="http://schemas.microsoft.com/office/powerpoint/2010/main" val="869721726"/>
       </p:ext>
     </p:extLst>
   </p:cSld>
@@ -10381,9 +11953,39 @@
           <a:chExt cx="0" cy="0"/>
         </a:xfrm>
       </p:grpSpPr>
-      <p:sp>
-        <p:nvSpPr>
-          <p:cNvPr id="10" name="Title 1"/>
+      <p:pic>
+        <p:nvPicPr>
+          <p:cNvPr id="12" name="Picture 11"/>
+          <p:cNvPicPr>
+            <a:picLocks noChangeAspect="1"/>
+          </p:cNvPicPr>
+          <p:nvPr/>
+        </p:nvPicPr>
+        <p:blipFill>
+          <a:blip r:embed="rId2" cstate="print">
+            <a:extLst>
+              <a:ext uri="{28A0092B-C50C-407E-A947-70E740481C1C}">
+                <a14:useLocalDpi xmlns:a14="http://schemas.microsoft.com/office/drawing/2010/main" val="0"/>
+              </a:ext>
+            </a:extLst>
+          </a:blip>
+          <a:stretch>
+            <a:fillRect/>
+          </a:stretch>
+        </p:blipFill>
+        <p:spPr>
+          <a:xfrm>
+            <a:off x="3616037" y="1500445"/>
+            <a:ext cx="4870910" cy="3896728"/>
+          </a:xfrm>
+          <a:prstGeom prst="rect">
+            <a:avLst/>
+          </a:prstGeom>
+        </p:spPr>
+      </p:pic>
+      <p:sp>
+        <p:nvSpPr>
+          <p:cNvPr id="19" name="Title 1"/>
           <p:cNvSpPr txBox="1">
             <a:spLocks/>
           </p:cNvSpPr>
@@ -10391,8 +11993,8 @@
         </p:nvSpPr>
         <p:spPr>
           <a:xfrm>
-            <a:off x="1015536" y="4114158"/>
-            <a:ext cx="9707884" cy="599303"/>
+            <a:off x="1579877" y="413913"/>
+            <a:ext cx="11154166" cy="668035"/>
           </a:xfrm>
           <a:prstGeom prst="rect">
             <a:avLst/>
@@ -10428,136 +12030,72 @@
               </a:spcAft>
             </a:pPr>
             <a:r>
-              <a:rPr lang="en-US" sz="4000" dirty="0" smtClean="0">
-                <a:latin typeface="Titillium Web" panose="00000500000000000000" pitchFamily="2" charset="-18"/>
-              </a:rPr>
-              <a:t>A </a:t>
-            </a:r>
-            <a:r>
-              <a:rPr lang="en-US" sz="4000" dirty="0">
+              <a:rPr lang="sl-SI" sz="2000" dirty="0" smtClean="0">
+                <a:latin typeface="Titillium Web" panose="00000500000000000000" pitchFamily="2" charset="-18"/>
+              </a:rPr>
+              <a:t>Our opinion about </a:t>
+            </a:r>
+            <a:r>
+              <a:rPr lang="el-GR" sz="2000" dirty="0" smtClean="0">
                 <a:solidFill>
                   <a:srgbClr val="FF0000"/>
                 </a:solidFill>
                 <a:latin typeface="Titillium Web" panose="00000500000000000000" pitchFamily="2" charset="-18"/>
               </a:rPr>
-              <a:t>probabilistic programming </a:t>
-            </a:r>
-            <a:r>
-              <a:rPr lang="en-US" sz="4000" dirty="0">
-                <a:latin typeface="Titillium Web" panose="00000500000000000000" pitchFamily="2" charset="-18"/>
-              </a:rPr>
-              <a:t>language (PPL) is a programming language designed to </a:t>
-            </a:r>
-            <a:r>
-              <a:rPr lang="en-US" sz="4000" dirty="0">
+              <a:t>θ</a:t>
+            </a:r>
+            <a:r>
+              <a:rPr lang="sl-SI" sz="2000" dirty="0" smtClean="0">
                 <a:solidFill>
                   <a:srgbClr val="FF0000"/>
                 </a:solidFill>
                 <a:latin typeface="Titillium Web" panose="00000500000000000000" pitchFamily="2" charset="-18"/>
               </a:rPr>
-              <a:t>describe </a:t>
-            </a:r>
-            <a:r>
-              <a:rPr lang="en-US" sz="4000" dirty="0">
-                <a:latin typeface="Titillium Web" panose="00000500000000000000" pitchFamily="2" charset="-18"/>
-              </a:rPr>
-              <a:t>probabilistic</a:t>
-            </a:r>
-            <a:r>
-              <a:rPr lang="en-US" sz="4000" dirty="0">
-                <a:solidFill>
-                  <a:srgbClr val="FF0000"/>
-                </a:solidFill>
-                <a:latin typeface="Titillium Web" panose="00000500000000000000" pitchFamily="2" charset="-18"/>
-              </a:rPr>
-              <a:t> models </a:t>
-            </a:r>
-            <a:r>
-              <a:rPr lang="en-US" sz="4000" dirty="0">
-                <a:latin typeface="Titillium Web" panose="00000500000000000000" pitchFamily="2" charset="-18"/>
-              </a:rPr>
-              <a:t>and then </a:t>
-            </a:r>
-            <a:r>
-              <a:rPr lang="en-US" sz="4000" dirty="0">
-                <a:solidFill>
-                  <a:srgbClr val="FF0000"/>
-                </a:solidFill>
-                <a:latin typeface="Titillium Web" panose="00000500000000000000" pitchFamily="2" charset="-18"/>
-              </a:rPr>
-              <a:t>perform inference</a:t>
-            </a:r>
-            <a:r>
-              <a:rPr lang="en-US" sz="4000" dirty="0">
-                <a:latin typeface="Titillium Web" panose="00000500000000000000" pitchFamily="2" charset="-18"/>
-              </a:rPr>
-              <a:t> in those models</a:t>
-            </a:r>
-            <a:r>
-              <a:rPr lang="en-US" sz="4000" dirty="0" smtClean="0">
-                <a:latin typeface="Titillium Web" panose="00000500000000000000" pitchFamily="2" charset="-18"/>
-              </a:rPr>
-              <a:t>.</a:t>
-            </a:r>
-            <a:endParaRPr lang="sl-SI" sz="4000" dirty="0">
-              <a:latin typeface="Titillium Web" panose="00000500000000000000" pitchFamily="2" charset="-18"/>
-            </a:endParaRPr>
-          </a:p>
-        </p:txBody>
-      </p:sp>
-      <p:sp>
-        <p:nvSpPr>
-          <p:cNvPr id="3" name="Title 1"/>
-          <p:cNvSpPr txBox="1">
-            <a:spLocks/>
-          </p:cNvSpPr>
-          <p:nvPr/>
-        </p:nvSpPr>
-        <p:spPr>
-          <a:xfrm>
-            <a:off x="1325877" y="5131082"/>
-            <a:ext cx="9707884" cy="599303"/>
-          </a:xfrm>
-          <a:prstGeom prst="rect">
-            <a:avLst/>
-          </a:prstGeom>
-        </p:spPr>
-        <p:txBody>
-          <a:bodyPr vert="horz" lIns="91440" tIns="45720" rIns="91440" bIns="45720" rtlCol="0" anchor="b">
-            <a:noAutofit/>
-          </a:bodyPr>
-          <a:lstStyle>
-            <a:lvl1pPr algn="l" defTabSz="914400" rtl="0" eaLnBrk="1" latinLnBrk="0" hangingPunct="1">
-              <a:lnSpc>
-                <a:spcPct val="90000"/>
-              </a:lnSpc>
-              <a:spcBef>
-                <a:spcPct val="0"/>
-              </a:spcBef>
-              <a:buNone/>
-              <a:defRPr sz="3200" kern="1200">
-                <a:solidFill>
-                  <a:schemeClr val="tx1"/>
-                </a:solidFill>
-                <a:latin typeface="+mj-lt"/>
-                <a:ea typeface="+mj-ea"/>
-                <a:cs typeface="+mj-cs"/>
-              </a:defRPr>
-            </a:lvl1pPr>
-          </a:lstStyle>
-          <a:p>
-            <a:pPr algn="r">
-              <a:spcAft>
-                <a:spcPts val="1200"/>
-              </a:spcAft>
-            </a:pPr>
-            <a:r>
-              <a:rPr lang="sl-SI" sz="2400" dirty="0" smtClean="0">
-                <a:latin typeface="Titillium Web" panose="00000500000000000000" pitchFamily="2" charset="-18"/>
-              </a:rPr>
-              <a:t>Source: Wikipedia</a:t>
-            </a:r>
-            <a:endParaRPr lang="sl-SI" sz="2400" dirty="0">
+              <a:t> </a:t>
+            </a:r>
+            <a:r>
+              <a:rPr lang="sl-SI" sz="2000" b="1" dirty="0" smtClean="0">
+                <a:solidFill>
+                  <a:srgbClr val="1212FF"/>
+                </a:solidFill>
+                <a:latin typeface="Titillium Web" panose="00000500000000000000" pitchFamily="2" charset="-18"/>
+              </a:rPr>
+              <a:t>before </a:t>
+            </a:r>
+            <a:r>
+              <a:rPr lang="sl-SI" sz="2000" dirty="0" smtClean="0">
+                <a:latin typeface="Titillium Web" panose="00000500000000000000" pitchFamily="2" charset="-18"/>
+              </a:rPr>
+              <a:t>and</a:t>
+            </a:r>
+            <a:r>
+              <a:rPr lang="sl-SI" sz="2000" b="1" dirty="0" smtClean="0">
+                <a:latin typeface="Titillium Web" panose="00000500000000000000" pitchFamily="2" charset="-18"/>
+              </a:rPr>
+              <a:t> after</a:t>
+            </a:r>
+            <a:r>
+              <a:rPr lang="sl-SI" sz="2000" b="1" dirty="0" smtClean="0">
+                <a:solidFill>
+                  <a:srgbClr val="1212FF"/>
+                </a:solidFill>
+                <a:latin typeface="Titillium Web" panose="00000500000000000000" pitchFamily="2" charset="-18"/>
+              </a:rPr>
+              <a:t> </a:t>
+            </a:r>
+            <a:r>
+              <a:rPr lang="sl-SI" sz="2000" dirty="0" smtClean="0">
+                <a:latin typeface="Titillium Web" panose="00000500000000000000" pitchFamily="2" charset="-18"/>
+              </a:rPr>
+              <a:t>seeing the first sequence (20 ones and 10 zeros).</a:t>
+            </a:r>
+            <a:r>
+              <a:rPr lang="sl-SI" sz="2000" b="1" dirty="0" smtClean="0">
+                <a:latin typeface="Titillium Web" panose="00000500000000000000" pitchFamily="2" charset="-18"/>
+              </a:rPr>
+              <a:t> </a:t>
+            </a:r>
+            <a:endParaRPr lang="sl-SI" sz="2000" b="1" dirty="0">
               <a:latin typeface="Titillium Web" panose="00000500000000000000" pitchFamily="2" charset="-18"/>
             </a:endParaRPr>
           </a:p>
@@ -10566,7 +12104,7 @@
     </p:spTree>
     <p:extLst>
       <p:ext uri="{BB962C8B-B14F-4D97-AF65-F5344CB8AC3E}">
-        <p14:creationId xmlns:p14="http://schemas.microsoft.com/office/powerpoint/2010/main" val="2919106653"/>
+        <p14:creationId xmlns:p14="http://schemas.microsoft.com/office/powerpoint/2010/main" val="688282288"/>
       </p:ext>
     </p:extLst>
   </p:cSld>
@@ -10602,7 +12140,7 @@
       </p:grpSpPr>
       <p:sp>
         <p:nvSpPr>
-          <p:cNvPr id="10" name="Title 1"/>
+          <p:cNvPr id="19" name="Title 1"/>
           <p:cNvSpPr txBox="1">
             <a:spLocks/>
           </p:cNvSpPr>
@@ -10610,8 +12148,8 @@
         </p:nvSpPr>
         <p:spPr>
           <a:xfrm>
-            <a:off x="1007223" y="4114158"/>
-            <a:ext cx="9707884" cy="599303"/>
+            <a:off x="1575721" y="412251"/>
+            <a:ext cx="11154166" cy="668035"/>
           </a:xfrm>
           <a:prstGeom prst="rect">
             <a:avLst/>
@@ -10647,87 +12185,111 @@
               </a:spcAft>
             </a:pPr>
             <a:r>
-              <a:rPr lang="en-US" sz="4000" dirty="0" smtClean="0">
-                <a:latin typeface="Titillium Web" panose="00000500000000000000" pitchFamily="2" charset="-18"/>
-              </a:rPr>
-              <a:t>A </a:t>
-            </a:r>
-            <a:r>
-              <a:rPr lang="en-US" sz="4000" dirty="0">
+              <a:rPr lang="sl-SI" sz="2000" dirty="0" smtClean="0">
+                <a:latin typeface="Titillium Web" panose="00000500000000000000" pitchFamily="2" charset="-18"/>
+              </a:rPr>
+              <a:t>Our opinion about </a:t>
+            </a:r>
+            <a:r>
+              <a:rPr lang="el-GR" sz="2000" dirty="0" smtClean="0">
                 <a:solidFill>
                   <a:srgbClr val="FF0000"/>
                 </a:solidFill>
                 <a:latin typeface="Titillium Web" panose="00000500000000000000" pitchFamily="2" charset="-18"/>
               </a:rPr>
-              <a:t>probabilistic programming </a:t>
-            </a:r>
-            <a:r>
-              <a:rPr lang="en-US" sz="4000" dirty="0" smtClean="0">
-                <a:latin typeface="Titillium Web" panose="00000500000000000000" pitchFamily="2" charset="-18"/>
-              </a:rPr>
-              <a:t>language</a:t>
-            </a:r>
-            <a:r>
-              <a:rPr lang="sl-SI" sz="4000" dirty="0" smtClean="0">
-                <a:latin typeface="Titillium Web" panose="00000500000000000000" pitchFamily="2" charset="-18"/>
-              </a:rPr>
-              <a:t> allows us to </a:t>
-            </a:r>
-            <a:r>
-              <a:rPr lang="sl-SI" sz="4000" dirty="0" smtClean="0">
+              <a:t>θ</a:t>
+            </a:r>
+            <a:r>
+              <a:rPr lang="sl-SI" sz="2000" dirty="0" smtClean="0">
                 <a:solidFill>
                   <a:srgbClr val="FF0000"/>
                 </a:solidFill>
                 <a:latin typeface="Titillium Web" panose="00000500000000000000" pitchFamily="2" charset="-18"/>
               </a:rPr>
-              <a:t>focus on the modelling</a:t>
-            </a:r>
-            <a:r>
-              <a:rPr lang="sl-SI" sz="4000" dirty="0" smtClean="0">
-                <a:latin typeface="Titillium Web" panose="00000500000000000000" pitchFamily="2" charset="-18"/>
-              </a:rPr>
-              <a:t> and </a:t>
-            </a:r>
-            <a:r>
-              <a:rPr lang="sl-SI" sz="4000" dirty="0" smtClean="0">
+              <a:t> </a:t>
+            </a:r>
+            <a:r>
+              <a:rPr lang="sl-SI" sz="2000" b="1" dirty="0" smtClean="0">
+                <a:solidFill>
+                  <a:srgbClr val="1212FF"/>
+                </a:solidFill>
+                <a:latin typeface="Titillium Web" panose="00000500000000000000" pitchFamily="2" charset="-18"/>
+              </a:rPr>
+              <a:t>before </a:t>
+            </a:r>
+            <a:r>
+              <a:rPr lang="sl-SI" sz="2000" dirty="0" smtClean="0">
+                <a:latin typeface="Titillium Web" panose="00000500000000000000" pitchFamily="2" charset="-18"/>
+              </a:rPr>
+              <a:t>and</a:t>
+            </a:r>
+            <a:r>
+              <a:rPr lang="sl-SI" sz="2000" b="1" dirty="0" smtClean="0">
+                <a:latin typeface="Titillium Web" panose="00000500000000000000" pitchFamily="2" charset="-18"/>
+              </a:rPr>
+              <a:t> </a:t>
+            </a:r>
+            <a:r>
+              <a:rPr lang="sl-SI" sz="2000" b="1" dirty="0" smtClean="0">
                 <a:solidFill>
                   <a:srgbClr val="FF0000"/>
                 </a:solidFill>
                 <a:latin typeface="Titillium Web" panose="00000500000000000000" pitchFamily="2" charset="-18"/>
               </a:rPr>
-              <a:t>skip </a:t>
-            </a:r>
-            <a:r>
-              <a:rPr lang="sl-SI" sz="4000" dirty="0" smtClean="0">
-                <a:latin typeface="Titillium Web" panose="00000500000000000000" pitchFamily="2" charset="-18"/>
-              </a:rPr>
-              <a:t>the mathematical and computational difficulties of </a:t>
-            </a:r>
-            <a:r>
-              <a:rPr lang="sl-SI" sz="4000" dirty="0" smtClean="0">
-                <a:solidFill>
-                  <a:srgbClr val="FF0000"/>
-                </a:solidFill>
-                <a:latin typeface="Titillium Web" panose="00000500000000000000" pitchFamily="2" charset="-18"/>
-              </a:rPr>
-              <a:t>inference</a:t>
-            </a:r>
-            <a:r>
-              <a:rPr lang="sl-SI" sz="4000" dirty="0" smtClean="0">
-                <a:latin typeface="Titillium Web" panose="00000500000000000000" pitchFamily="2" charset="-18"/>
-              </a:rPr>
-              <a:t>.</a:t>
-            </a:r>
-            <a:endParaRPr lang="sl-SI" sz="4000" dirty="0">
+              <a:t>after </a:t>
+            </a:r>
+            <a:r>
+              <a:rPr lang="sl-SI" sz="2000" dirty="0" smtClean="0">
+                <a:latin typeface="Titillium Web" panose="00000500000000000000" pitchFamily="2" charset="-18"/>
+              </a:rPr>
+              <a:t>seeing all the data (1934 ones and 1066 zeros).</a:t>
+            </a:r>
+            <a:r>
+              <a:rPr lang="sl-SI" sz="2000" b="1" dirty="0" smtClean="0">
+                <a:latin typeface="Titillium Web" panose="00000500000000000000" pitchFamily="2" charset="-18"/>
+              </a:rPr>
+              <a:t> </a:t>
+            </a:r>
+            <a:endParaRPr lang="sl-SI" sz="2000" b="1" dirty="0">
               <a:latin typeface="Titillium Web" panose="00000500000000000000" pitchFamily="2" charset="-18"/>
             </a:endParaRPr>
           </a:p>
         </p:txBody>
       </p:sp>
+      <p:pic>
+        <p:nvPicPr>
+          <p:cNvPr id="4" name="Picture 3"/>
+          <p:cNvPicPr>
+            <a:picLocks noChangeAspect="1"/>
+          </p:cNvPicPr>
+          <p:nvPr/>
+        </p:nvPicPr>
+        <p:blipFill>
+          <a:blip r:embed="rId2" cstate="print">
+            <a:extLst>
+              <a:ext uri="{28A0092B-C50C-407E-A947-70E740481C1C}">
+                <a14:useLocalDpi xmlns:a14="http://schemas.microsoft.com/office/drawing/2010/main" val="0"/>
+              </a:ext>
+            </a:extLst>
+          </a:blip>
+          <a:stretch>
+            <a:fillRect/>
+          </a:stretch>
+        </p:blipFill>
+        <p:spPr>
+          <a:xfrm>
+            <a:off x="3556456" y="1532032"/>
+            <a:ext cx="4876805" cy="3901444"/>
+          </a:xfrm>
+          <a:prstGeom prst="rect">
+            <a:avLst/>
+          </a:prstGeom>
+        </p:spPr>
+      </p:pic>
     </p:spTree>
     <p:extLst>
       <p:ext uri="{BB962C8B-B14F-4D97-AF65-F5344CB8AC3E}">
-        <p14:creationId xmlns:p14="http://schemas.microsoft.com/office/powerpoint/2010/main" val="3209637617"/>
+        <p14:creationId xmlns:p14="http://schemas.microsoft.com/office/powerpoint/2010/main" val="1913094615"/>
       </p:ext>
     </p:extLst>
   </p:cSld>
@@ -10763,104 +12325,88 @@
       </p:grpSpPr>
       <p:sp>
         <p:nvSpPr>
-          <p:cNvPr id="2" name="Title 1"/>
-          <p:cNvSpPr>
-            <a:spLocks noGrp="1"/>
+          <p:cNvPr id="10" name="Title 1"/>
+          <p:cNvSpPr txBox="1">
+            <a:spLocks/>
           </p:cNvSpPr>
-          <p:nvPr>
-            <p:ph type="title"/>
-          </p:nvPr>
-        </p:nvSpPr>
-        <p:spPr>
-          <a:xfrm>
-            <a:off x="312916" y="310098"/>
-            <a:ext cx="7901693" cy="599303"/>
-          </a:xfrm>
-        </p:spPr>
-        <p:txBody>
-          <a:bodyPr>
-            <a:noAutofit/>
-          </a:bodyPr>
-          <a:lstStyle/>
-          <a:p>
-            <a:r>
-              <a:rPr lang="sl-SI" sz="2800" b="1" dirty="0" smtClean="0">
-                <a:latin typeface="Titillium Web" panose="00000500000000000000" pitchFamily="2" charset="-18"/>
-              </a:rPr>
-              <a:t>Two examples of imperative programming</a:t>
-            </a:r>
-            <a:r>
-              <a:rPr lang="sl-SI" dirty="0" smtClean="0">
-                <a:latin typeface="Titillium Web" panose="00000500000000000000" pitchFamily="2" charset="-18"/>
-              </a:rPr>
-              <a:t/>
-            </a:r>
-            <a:br>
-              <a:rPr lang="sl-SI" dirty="0" smtClean="0">
-                <a:latin typeface="Titillium Web" panose="00000500000000000000" pitchFamily="2" charset="-18"/>
-              </a:rPr>
-            </a:br>
-            <a:endParaRPr lang="sl-SI" sz="1400" dirty="0">
-              <a:solidFill>
-                <a:schemeClr val="bg1">
-                  <a:lumMod val="95000"/>
-                </a:schemeClr>
-              </a:solidFill>
-              <a:latin typeface="Titillium Web" panose="00000500000000000000" pitchFamily="2" charset="-18"/>
-            </a:endParaRPr>
-          </a:p>
-        </p:txBody>
-      </p:sp>
-      <p:pic>
-        <p:nvPicPr>
-          <p:cNvPr id="5" name="Picture 4"/>
-          <p:cNvPicPr>
-            <a:picLocks noChangeAspect="1"/>
-          </p:cNvPicPr>
           <p:nvPr/>
-        </p:nvPicPr>
-        <p:blipFill rotWithShape="1">
-          <a:blip r:embed="rId2"/>
-          <a:srcRect l="671" t="10228" r="80624" b="61147"/>
-          <a:stretch/>
-        </p:blipFill>
-        <p:spPr>
-          <a:xfrm>
-            <a:off x="462818" y="1379096"/>
-            <a:ext cx="5444610" cy="4686746"/>
+        </p:nvSpPr>
+        <p:spPr>
+          <a:xfrm>
+            <a:off x="791091" y="5602137"/>
+            <a:ext cx="8498051" cy="599303"/>
           </a:xfrm>
           <a:prstGeom prst="rect">
             <a:avLst/>
           </a:prstGeom>
         </p:spPr>
-      </p:pic>
-      <p:pic>
-        <p:nvPicPr>
-          <p:cNvPr id="6" name="Picture 5"/>
-          <p:cNvPicPr>
-            <a:picLocks noChangeAspect="1"/>
-          </p:cNvPicPr>
-          <p:nvPr/>
-        </p:nvPicPr>
-        <p:blipFill rotWithShape="1">
-          <a:blip r:embed="rId3"/>
-          <a:srcRect l="837" t="10303" r="81860" b="68033"/>
-          <a:stretch/>
-        </p:blipFill>
-        <p:spPr>
-          <a:xfrm>
-            <a:off x="6336016" y="1379096"/>
-            <a:ext cx="5258171" cy="3703334"/>
-          </a:xfrm>
-          <a:prstGeom prst="rect">
-            <a:avLst/>
-          </a:prstGeom>
-        </p:spPr>
-      </p:pic>
+        <p:txBody>
+          <a:bodyPr vert="horz" lIns="91440" tIns="45720" rIns="91440" bIns="45720" rtlCol="0" anchor="b">
+            <a:noAutofit/>
+          </a:bodyPr>
+          <a:lstStyle>
+            <a:lvl1pPr algn="l" defTabSz="914400" rtl="0" eaLnBrk="1" latinLnBrk="0" hangingPunct="1">
+              <a:lnSpc>
+                <a:spcPct val="90000"/>
+              </a:lnSpc>
+              <a:spcBef>
+                <a:spcPct val="0"/>
+              </a:spcBef>
+              <a:buNone/>
+              <a:defRPr sz="3200" kern="1200">
+                <a:solidFill>
+                  <a:schemeClr val="tx1"/>
+                </a:solidFill>
+                <a:latin typeface="+mj-lt"/>
+                <a:ea typeface="+mj-ea"/>
+                <a:cs typeface="+mj-cs"/>
+              </a:defRPr>
+            </a:lvl1pPr>
+          </a:lstStyle>
+          <a:p>
+            <a:pPr>
+              <a:spcAft>
+                <a:spcPts val="1200"/>
+              </a:spcAft>
+            </a:pPr>
+            <a:r>
+              <a:rPr lang="sl-SI" sz="6600" b="1" dirty="0" smtClean="0">
+                <a:latin typeface="Titillium Web" panose="00000500000000000000" pitchFamily="2" charset="-18"/>
+              </a:rPr>
+              <a:t>Part 3 </a:t>
+            </a:r>
+            <a:endParaRPr lang="sl-SI" sz="6600" dirty="0" smtClean="0">
+              <a:latin typeface="Titillium Web" panose="00000500000000000000" pitchFamily="2" charset="-18"/>
+            </a:endParaRPr>
+          </a:p>
+          <a:p>
+            <a:pPr>
+              <a:spcAft>
+                <a:spcPts val="1800"/>
+              </a:spcAft>
+            </a:pPr>
+            <a:r>
+              <a:rPr lang="sl-SI" sz="6600" dirty="0">
+                <a:latin typeface="Titillium Web" panose="00000500000000000000" pitchFamily="2" charset="-18"/>
+              </a:rPr>
+              <a:t>Probabilistic programming &amp; Stan</a:t>
+            </a:r>
+            <a:r>
+              <a:rPr lang="sl-SI" sz="6600" dirty="0" smtClean="0">
+                <a:latin typeface="Titillium Web" panose="00000500000000000000" pitchFamily="2" charset="-18"/>
+              </a:rPr>
+              <a:t>.</a:t>
+            </a:r>
+            <a:endParaRPr lang="sl-SI" sz="6600" dirty="0">
+              <a:latin typeface="Titillium Web" panose="00000500000000000000" pitchFamily="2" charset="-18"/>
+            </a:endParaRPr>
+          </a:p>
+        </p:txBody>
+      </p:sp>
     </p:spTree>
     <p:extLst>
       <p:ext uri="{BB962C8B-B14F-4D97-AF65-F5344CB8AC3E}">
-        <p14:creationId xmlns:p14="http://schemas.microsoft.com/office/powerpoint/2010/main" val="1963842240"/>
+        <p14:creationId xmlns:p14="http://schemas.microsoft.com/office/powerpoint/2010/main" val="3279638544"/>
       </p:ext>
     </p:extLst>
   </p:cSld>
@@ -10896,84 +12442,7 @@
       </p:grpSpPr>
       <p:sp>
         <p:nvSpPr>
-          <p:cNvPr id="2" name="Title 1"/>
-          <p:cNvSpPr>
-            <a:spLocks noGrp="1"/>
-          </p:cNvSpPr>
-          <p:nvPr>
-            <p:ph type="title"/>
-          </p:nvPr>
-        </p:nvSpPr>
-        <p:spPr>
-          <a:xfrm>
-            <a:off x="312916" y="310098"/>
-            <a:ext cx="10629904" cy="599303"/>
-          </a:xfrm>
-        </p:spPr>
-        <p:txBody>
-          <a:bodyPr>
-            <a:noAutofit/>
-          </a:bodyPr>
-          <a:lstStyle/>
-          <a:p>
-            <a:r>
-              <a:rPr lang="sl-SI" sz="2800" b="1" dirty="0" smtClean="0">
-                <a:latin typeface="Titillium Web" panose="00000500000000000000" pitchFamily="2" charset="-18"/>
-              </a:rPr>
-              <a:t>Pure imperative programming     </a:t>
-            </a:r>
-            <a:r>
-              <a:rPr lang="sl-SI" sz="2800" b="1" dirty="0" smtClean="0">
-                <a:solidFill>
-                  <a:srgbClr val="FF0000"/>
-                </a:solidFill>
-                <a:latin typeface="Titillium Web" panose="00000500000000000000" pitchFamily="2" charset="-18"/>
-              </a:rPr>
-              <a:t>vs</a:t>
-            </a:r>
-            <a:r>
-              <a:rPr lang="sl-SI" sz="2800" b="1" dirty="0" smtClean="0">
-                <a:latin typeface="Titillium Web" panose="00000500000000000000" pitchFamily="2" charset="-18"/>
-              </a:rPr>
-              <a:t>      Statistical modelling</a:t>
-            </a:r>
-            <a:endParaRPr lang="sl-SI" sz="1400" dirty="0">
-              <a:solidFill>
-                <a:schemeClr val="bg1">
-                  <a:lumMod val="95000"/>
-                </a:schemeClr>
-              </a:solidFill>
-              <a:latin typeface="Titillium Web" panose="00000500000000000000" pitchFamily="2" charset="-18"/>
-            </a:endParaRPr>
-          </a:p>
-        </p:txBody>
-      </p:sp>
-      <p:pic>
-        <p:nvPicPr>
-          <p:cNvPr id="6" name="Picture 5"/>
-          <p:cNvPicPr>
-            <a:picLocks noChangeAspect="1"/>
-          </p:cNvPicPr>
-          <p:nvPr/>
-        </p:nvPicPr>
-        <p:blipFill rotWithShape="1">
-          <a:blip r:embed="rId2"/>
-          <a:srcRect l="837" t="10303" r="81860" b="68033"/>
-          <a:stretch/>
-        </p:blipFill>
-        <p:spPr>
-          <a:xfrm>
-            <a:off x="312916" y="1114268"/>
-            <a:ext cx="5258171" cy="3703334"/>
-          </a:xfrm>
-          <a:prstGeom prst="rect">
-            <a:avLst/>
-          </a:prstGeom>
-        </p:spPr>
-      </p:pic>
-      <p:sp>
-        <p:nvSpPr>
-          <p:cNvPr id="7" name="Title 1"/>
+          <p:cNvPr id="10" name="Title 1"/>
           <p:cNvSpPr txBox="1">
             <a:spLocks/>
           </p:cNvSpPr>
@@ -10981,8 +12450,8 @@
         </p:nvSpPr>
         <p:spPr>
           <a:xfrm>
-            <a:off x="312915" y="4817602"/>
-            <a:ext cx="5258171" cy="1298379"/>
+            <a:off x="1015536" y="4114158"/>
+            <a:ext cx="9707884" cy="599303"/>
           </a:xfrm>
           <a:prstGeom prst="rect">
             <a:avLst/>
@@ -11012,34 +12481,96 @@
             </a:lvl1pPr>
           </a:lstStyle>
           <a:p>
-            <a:pPr marL="457200" indent="-457200">
-              <a:buFont typeface="Arial" panose="020B0604020202020204" pitchFamily="34" charset="0"/>
-              <a:buChar char="•"/>
+            <a:pPr>
+              <a:spcAft>
+                <a:spcPts val="1200"/>
+              </a:spcAft>
             </a:pPr>
             <a:r>
-              <a:rPr lang="sl-SI" sz="2400" dirty="0" smtClean="0">
-                <a:latin typeface="Titillium Web" panose="00000500000000000000" pitchFamily="2" charset="-18"/>
-              </a:rPr>
-              <a:t>Start with input data &amp; parameters, </a:t>
-            </a:r>
-          </a:p>
-          <a:p>
-            <a:pPr marL="457200" indent="-457200">
-              <a:buFont typeface="Arial" panose="020B0604020202020204" pitchFamily="34" charset="0"/>
-              <a:buChar char="•"/>
-            </a:pPr>
-            <a:r>
-              <a:rPr lang="sl-SI" sz="2400" dirty="0" smtClean="0">
-                <a:latin typeface="Titillium Web" panose="00000500000000000000" pitchFamily="2" charset="-18"/>
-              </a:rPr>
-              <a:t>produce correct output data.</a:t>
-            </a:r>
-            <a:endParaRPr lang="sl-SI" sz="1200" dirty="0">
-              <a:solidFill>
-                <a:schemeClr val="bg1">
-                  <a:lumMod val="95000"/>
-                </a:schemeClr>
-              </a:solidFill>
+              <a:rPr lang="en-US" sz="4000" dirty="0" smtClean="0">
+                <a:latin typeface="Titillium Web" panose="00000500000000000000" pitchFamily="2" charset="-18"/>
+              </a:rPr>
+              <a:t>A </a:t>
+            </a:r>
+            <a:r>
+              <a:rPr lang="en-US" sz="4000" dirty="0">
+                <a:solidFill>
+                  <a:srgbClr val="FF0000"/>
+                </a:solidFill>
+                <a:latin typeface="Titillium Web" panose="00000500000000000000" pitchFamily="2" charset="-18"/>
+              </a:rPr>
+              <a:t>probabilistic programming </a:t>
+            </a:r>
+            <a:r>
+              <a:rPr lang="en-US" sz="4000" dirty="0">
+                <a:latin typeface="Titillium Web" panose="00000500000000000000" pitchFamily="2" charset="-18"/>
+              </a:rPr>
+              <a:t>language (PPL) is a programming language designed to </a:t>
+            </a:r>
+            <a:r>
+              <a:rPr lang="en-US" sz="4000" dirty="0">
+                <a:solidFill>
+                  <a:srgbClr val="FF0000"/>
+                </a:solidFill>
+                <a:latin typeface="Titillium Web" panose="00000500000000000000" pitchFamily="2" charset="-18"/>
+              </a:rPr>
+              <a:t>describe </a:t>
+            </a:r>
+            <a:r>
+              <a:rPr lang="en-US" sz="4000" dirty="0">
+                <a:latin typeface="Titillium Web" panose="00000500000000000000" pitchFamily="2" charset="-18"/>
+              </a:rPr>
+              <a:t>probabilistic</a:t>
+            </a:r>
+            <a:r>
+              <a:rPr lang="en-US" sz="4000" dirty="0">
+                <a:solidFill>
+                  <a:srgbClr val="FF0000"/>
+                </a:solidFill>
+                <a:latin typeface="Titillium Web" panose="00000500000000000000" pitchFamily="2" charset="-18"/>
+              </a:rPr>
+              <a:t> models </a:t>
+            </a:r>
+            <a:r>
+              <a:rPr lang="en-US" sz="4000" dirty="0">
+                <a:latin typeface="Titillium Web" panose="00000500000000000000" pitchFamily="2" charset="-18"/>
+              </a:rPr>
+              <a:t>and then </a:t>
+            </a:r>
+            <a:r>
+              <a:rPr lang="en-US" sz="4000" dirty="0">
+                <a:solidFill>
+                  <a:srgbClr val="FF0000"/>
+                </a:solidFill>
+                <a:latin typeface="Titillium Web" panose="00000500000000000000" pitchFamily="2" charset="-18"/>
+              </a:rPr>
+              <a:t>perform inference</a:t>
+            </a:r>
+            <a:r>
+              <a:rPr lang="en-US" sz="4000" dirty="0">
+                <a:latin typeface="Titillium Web" panose="00000500000000000000" pitchFamily="2" charset="-18"/>
+              </a:rPr>
+              <a:t> </a:t>
+            </a:r>
+            <a:r>
+              <a:rPr lang="en-US" sz="4000" dirty="0" smtClean="0">
+                <a:latin typeface="Titillium Web" panose="00000500000000000000" pitchFamily="2" charset="-18"/>
+              </a:rPr>
+              <a:t>in those </a:t>
+            </a:r>
+            <a:r>
+              <a:rPr lang="en-US" sz="4000" dirty="0">
+                <a:latin typeface="Titillium Web" panose="00000500000000000000" pitchFamily="2" charset="-18"/>
+              </a:rPr>
+              <a:t>models</a:t>
+            </a:r>
+            <a:r>
+              <a:rPr lang="en-US" sz="4000" dirty="0" smtClean="0">
+                <a:latin typeface="Titillium Web" panose="00000500000000000000" pitchFamily="2" charset="-18"/>
+              </a:rPr>
+              <a:t>.</a:t>
+            </a:r>
+            <a:endParaRPr lang="sl-SI" sz="4000" dirty="0">
               <a:latin typeface="Titillium Web" panose="00000500000000000000" pitchFamily="2" charset="-18"/>
             </a:endParaRPr>
           </a:p>
@@ -11047,7 +12578,7 @@
       </p:sp>
       <p:sp>
         <p:nvSpPr>
-          <p:cNvPr id="8" name="Title 1"/>
+          <p:cNvPr id="3" name="Title 1"/>
           <p:cNvSpPr txBox="1">
             <a:spLocks/>
           </p:cNvSpPr>
@@ -11055,8 +12586,8 @@
         </p:nvSpPr>
         <p:spPr>
           <a:xfrm>
-            <a:off x="5931926" y="5147640"/>
-            <a:ext cx="6084814" cy="1298379"/>
+            <a:off x="1325877" y="5131082"/>
+            <a:ext cx="9707884" cy="599303"/>
           </a:xfrm>
           <a:prstGeom prst="rect">
             <a:avLst/>
@@ -11086,224 +12617,18 @@
             </a:lvl1pPr>
           </a:lstStyle>
           <a:p>
-            <a:pPr marL="342900" indent="-342900">
-              <a:buFont typeface="Arial" panose="020B0604020202020204" pitchFamily="34" charset="0"/>
-              <a:buChar char="•"/>
+            <a:pPr algn="r">
+              <a:spcAft>
+                <a:spcPts val="1200"/>
+              </a:spcAft>
             </a:pPr>
             <a:r>
               <a:rPr lang="sl-SI" sz="2400" dirty="0" smtClean="0">
                 <a:latin typeface="Titillium Web" panose="00000500000000000000" pitchFamily="2" charset="-18"/>
               </a:rPr>
-              <a:t>Start with input &amp; output data,</a:t>
-            </a:r>
-          </a:p>
-          <a:p>
-            <a:pPr marL="342900" indent="-342900">
-              <a:buFont typeface="Arial" panose="020B0604020202020204" pitchFamily="34" charset="0"/>
-              <a:buChar char="•"/>
-            </a:pPr>
-            <a:r>
-              <a:rPr lang="sl-SI" sz="2400" dirty="0">
-                <a:latin typeface="Titillium Web" panose="00000500000000000000" pitchFamily="2" charset="-18"/>
-              </a:rPr>
-              <a:t>a</a:t>
-            </a:r>
-            <a:r>
-              <a:rPr lang="sl-SI" sz="2400" dirty="0" smtClean="0">
-                <a:latin typeface="Titillium Web" panose="00000500000000000000" pitchFamily="2" charset="-18"/>
-              </a:rPr>
-              <a:t>ssume a model that generated the output,</a:t>
-            </a:r>
-          </a:p>
-          <a:p>
-            <a:pPr marL="342900" indent="-342900">
-              <a:buFont typeface="Arial" panose="020B0604020202020204" pitchFamily="34" charset="0"/>
-              <a:buChar char="•"/>
-            </a:pPr>
-            <a:r>
-              <a:rPr lang="sl-SI" sz="2400" dirty="0">
-                <a:latin typeface="Titillium Web" panose="00000500000000000000" pitchFamily="2" charset="-18"/>
-              </a:rPr>
-              <a:t>i</a:t>
-            </a:r>
-            <a:r>
-              <a:rPr lang="sl-SI" sz="2400" dirty="0" smtClean="0">
-                <a:latin typeface="Titillium Web" panose="00000500000000000000" pitchFamily="2" charset="-18"/>
-              </a:rPr>
-              <a:t>nfer what the parameters were.</a:t>
-            </a:r>
-            <a:endParaRPr lang="sl-SI" sz="1200" dirty="0">
-              <a:latin typeface="Titillium Web" panose="00000500000000000000" pitchFamily="2" charset="-18"/>
-            </a:endParaRPr>
-          </a:p>
-        </p:txBody>
-      </p:sp>
-      <p:pic>
-        <p:nvPicPr>
-          <p:cNvPr id="9" name="Picture 8"/>
-          <p:cNvPicPr>
-            <a:picLocks noChangeAspect="1"/>
-          </p:cNvPicPr>
-          <p:nvPr/>
-        </p:nvPicPr>
-        <p:blipFill>
-          <a:blip r:embed="rId3"/>
-          <a:stretch>
-            <a:fillRect/>
-          </a:stretch>
-        </p:blipFill>
-        <p:spPr>
-          <a:xfrm>
-            <a:off x="6860154" y="2346720"/>
-            <a:ext cx="3405600" cy="381533"/>
-          </a:xfrm>
-          <a:prstGeom prst="rect">
-            <a:avLst/>
-          </a:prstGeom>
-        </p:spPr>
-      </p:pic>
-      <p:pic>
-        <p:nvPicPr>
-          <p:cNvPr id="10" name="Picture 9"/>
-          <p:cNvPicPr>
-            <a:picLocks noChangeAspect="1"/>
-          </p:cNvPicPr>
-          <p:nvPr/>
-        </p:nvPicPr>
-        <p:blipFill>
-          <a:blip r:embed="rId4"/>
-          <a:stretch>
-            <a:fillRect/>
-          </a:stretch>
-        </p:blipFill>
-        <p:spPr>
-          <a:xfrm>
-            <a:off x="6860154" y="2755928"/>
-            <a:ext cx="3354000" cy="420333"/>
-          </a:xfrm>
-          <a:prstGeom prst="rect">
-            <a:avLst/>
-          </a:prstGeom>
-        </p:spPr>
-      </p:pic>
-      <p:pic>
-        <p:nvPicPr>
-          <p:cNvPr id="11" name="Picture 10"/>
-          <p:cNvPicPr>
-            <a:picLocks noChangeAspect="1"/>
-          </p:cNvPicPr>
-          <p:nvPr/>
-        </p:nvPicPr>
-        <p:blipFill>
-          <a:blip r:embed="rId5">
-            <a:extLst>
-              <a:ext uri="{28A0092B-C50C-407E-A947-70E740481C1C}">
-                <a14:useLocalDpi xmlns:a14="http://schemas.microsoft.com/office/drawing/2010/main" val="0"/>
-              </a:ext>
-            </a:extLst>
-          </a:blip>
-          <a:stretch>
-            <a:fillRect/>
-          </a:stretch>
-        </p:blipFill>
-        <p:spPr>
-          <a:xfrm>
-            <a:off x="7057859" y="3225707"/>
-            <a:ext cx="1267506" cy="216724"/>
-          </a:xfrm>
-          <a:prstGeom prst="rect">
-            <a:avLst/>
-          </a:prstGeom>
-        </p:spPr>
-      </p:pic>
-      <p:sp>
-        <p:nvSpPr>
-          <p:cNvPr id="12" name="Rectangle 11"/>
-          <p:cNvSpPr/>
-          <p:nvPr/>
-        </p:nvSpPr>
-        <p:spPr>
-          <a:xfrm>
-            <a:off x="6578075" y="1400170"/>
-            <a:ext cx="4448565" cy="369332"/>
-          </a:xfrm>
-          <a:prstGeom prst="rect">
-            <a:avLst/>
-          </a:prstGeom>
-        </p:spPr>
-        <p:txBody>
-          <a:bodyPr wrap="square">
-            <a:spAutoFit/>
-          </a:bodyPr>
-          <a:lstStyle/>
-          <a:p>
-            <a:r>
-              <a:rPr lang="sl-SI" altLang="sl-SI" dirty="0">
-                <a:solidFill>
-                  <a:srgbClr val="000000"/>
-                </a:solidFill>
-                <a:latin typeface="Lucida Console" panose="020B0609040504020204" pitchFamily="49" charset="0"/>
-              </a:rPr>
-              <a:t>100100101011011001111111111101</a:t>
-            </a:r>
-            <a:endParaRPr lang="sl-SI" dirty="0"/>
-          </a:p>
-        </p:txBody>
-      </p:sp>
-      <p:sp>
-        <p:nvSpPr>
-          <p:cNvPr id="13" name="Title 1"/>
-          <p:cNvSpPr txBox="1">
-            <a:spLocks/>
-          </p:cNvSpPr>
-          <p:nvPr/>
-        </p:nvSpPr>
-        <p:spPr>
-          <a:xfrm>
-            <a:off x="6236726" y="1036992"/>
-            <a:ext cx="5863834" cy="438176"/>
-          </a:xfrm>
-          <a:prstGeom prst="rect">
-            <a:avLst/>
-          </a:prstGeom>
-        </p:spPr>
-        <p:txBody>
-          <a:bodyPr vert="horz" lIns="91440" tIns="45720" rIns="91440" bIns="45720" rtlCol="0" anchor="b">
-            <a:noAutofit/>
-          </a:bodyPr>
-          <a:lstStyle>
-            <a:lvl1pPr algn="l" defTabSz="914400" rtl="0" eaLnBrk="1" latinLnBrk="0" hangingPunct="1">
-              <a:lnSpc>
-                <a:spcPct val="90000"/>
-              </a:lnSpc>
-              <a:spcBef>
-                <a:spcPct val="0"/>
-              </a:spcBef>
-              <a:buNone/>
-              <a:defRPr sz="3200" kern="1200">
-                <a:solidFill>
-                  <a:schemeClr val="tx1"/>
-                </a:solidFill>
-                <a:latin typeface="+mj-lt"/>
-                <a:ea typeface="+mj-ea"/>
-                <a:cs typeface="+mj-cs"/>
-              </a:defRPr>
-            </a:lvl1pPr>
-          </a:lstStyle>
-          <a:p>
-            <a:r>
-              <a:rPr lang="sl-SI" sz="2000" dirty="0" smtClean="0">
-                <a:solidFill>
-                  <a:srgbClr val="679B9B"/>
-                </a:solidFill>
-                <a:latin typeface="Titillium Web" panose="00000500000000000000" pitchFamily="2" charset="-18"/>
-              </a:rPr>
-              <a:t>Inferring the relative frequency in this sequence</a:t>
-            </a:r>
-            <a:endParaRPr lang="sl-SI" sz="1100" dirty="0">
-              <a:solidFill>
-                <a:srgbClr val="679B9B"/>
-              </a:solidFill>
+              <a:t>Source: Wikipedia</a:t>
+            </a:r>
+            <a:endParaRPr lang="sl-SI" sz="2400" dirty="0">
               <a:latin typeface="Titillium Web" panose="00000500000000000000" pitchFamily="2" charset="-18"/>
             </a:endParaRPr>
           </a:p>
@@ -11312,7 +12637,7 @@
     </p:spTree>
     <p:extLst>
       <p:ext uri="{BB962C8B-B14F-4D97-AF65-F5344CB8AC3E}">
-        <p14:creationId xmlns:p14="http://schemas.microsoft.com/office/powerpoint/2010/main" val="4038838091"/>
+        <p14:creationId xmlns:p14="http://schemas.microsoft.com/office/powerpoint/2010/main" val="2919106653"/>
       </p:ext>
     </p:extLst>
   </p:cSld>
@@ -11356,7 +12681,7 @@
         </p:nvSpPr>
         <p:spPr>
           <a:xfrm>
-            <a:off x="1014843" y="4137018"/>
+            <a:off x="1007223" y="4114158"/>
             <a:ext cx="9707884" cy="599303"/>
           </a:xfrm>
           <a:prstGeom prst="rect">
@@ -11417,7 +12742,7 @@
               <a:rPr lang="sl-SI" sz="4000" dirty="0" smtClean="0">
                 <a:latin typeface="Titillium Web" panose="00000500000000000000" pitchFamily="2" charset="-18"/>
               </a:rPr>
-              <a:t> is an imperative (or functional) programming language with </a:t>
+              <a:t> allows us to </a:t>
             </a:r>
             <a:r>
               <a:rPr lang="sl-SI" sz="4000" dirty="0" smtClean="0">
@@ -11426,13 +12751,43 @@
                 </a:solidFill>
                 <a:latin typeface="Titillium Web" panose="00000500000000000000" pitchFamily="2" charset="-18"/>
               </a:rPr>
-              <a:t>additional constructs </a:t>
+              <a:t>focus on the modelling</a:t>
             </a:r>
             <a:r>
               <a:rPr lang="sl-SI" sz="4000" dirty="0" smtClean="0">
                 <a:latin typeface="Titillium Web" panose="00000500000000000000" pitchFamily="2" charset="-18"/>
               </a:rPr>
-              <a:t>for describing models and probabilistic opinions.</a:t>
+              <a:t> and </a:t>
+            </a:r>
+            <a:r>
+              <a:rPr lang="sl-SI" sz="4000" dirty="0" smtClean="0">
+                <a:solidFill>
+                  <a:srgbClr val="FF0000"/>
+                </a:solidFill>
+                <a:latin typeface="Titillium Web" panose="00000500000000000000" pitchFamily="2" charset="-18"/>
+              </a:rPr>
+              <a:t>skip </a:t>
+            </a:r>
+            <a:r>
+              <a:rPr lang="sl-SI" sz="4000" dirty="0" smtClean="0">
+                <a:latin typeface="Titillium Web" panose="00000500000000000000" pitchFamily="2" charset="-18"/>
+              </a:rPr>
+              <a:t>the mathematical and computational difficulties of </a:t>
+            </a:r>
+            <a:r>
+              <a:rPr lang="sl-SI" sz="4000" dirty="0" smtClean="0">
+                <a:solidFill>
+                  <a:srgbClr val="FF0000"/>
+                </a:solidFill>
+                <a:latin typeface="Titillium Web" panose="00000500000000000000" pitchFamily="2" charset="-18"/>
+              </a:rPr>
+              <a:t>inference</a:t>
+            </a:r>
+            <a:r>
+              <a:rPr lang="sl-SI" sz="4000" dirty="0" smtClean="0">
+                <a:latin typeface="Titillium Web" panose="00000500000000000000" pitchFamily="2" charset="-18"/>
+              </a:rPr>
+              <a:t>.</a:t>
             </a:r>
             <a:endParaRPr lang="sl-SI" sz="4000" dirty="0">
               <a:latin typeface="Titillium Web" panose="00000500000000000000" pitchFamily="2" charset="-18"/>
@@ -11443,7 +12798,7 @@
     </p:spTree>
     <p:extLst>
       <p:ext uri="{BB962C8B-B14F-4D97-AF65-F5344CB8AC3E}">
-        <p14:creationId xmlns:p14="http://schemas.microsoft.com/office/powerpoint/2010/main" val="3266225524"/>
+        <p14:creationId xmlns:p14="http://schemas.microsoft.com/office/powerpoint/2010/main" val="3209637617"/>
       </p:ext>
     </p:extLst>
   </p:cSld>
@@ -11489,8 +12844,8 @@
         </p:nvSpPr>
         <p:spPr>
           <a:xfrm>
-            <a:off x="187188" y="67754"/>
-            <a:ext cx="10629904" cy="599303"/>
+            <a:off x="312916" y="310098"/>
+            <a:ext cx="7901693" cy="599303"/>
           </a:xfrm>
         </p:spPr>
         <p:txBody>
@@ -11503,8 +12858,19 @@
               <a:rPr lang="sl-SI" sz="2800" b="1" dirty="0" smtClean="0">
                 <a:latin typeface="Titillium Web" panose="00000500000000000000" pitchFamily="2" charset="-18"/>
               </a:rPr>
-              <a:t>Our model written in Stan</a:t>
-            </a:r>
+              <a:t>Two examples of imperative programming</a:t>
+            </a:r>
+            <a:r>
+              <a:rPr lang="sl-SI" dirty="0" smtClean="0">
+                <a:latin typeface="Titillium Web" panose="00000500000000000000" pitchFamily="2" charset="-18"/>
+              </a:rPr>
+              <a:t/>
+            </a:r>
+            <a:br>
+              <a:rPr lang="sl-SI" dirty="0" smtClean="0">
+                <a:latin typeface="Titillium Web" panose="00000500000000000000" pitchFamily="2" charset="-18"/>
+              </a:rPr>
+            </a:br>
             <a:endParaRPr lang="sl-SI" sz="1400" dirty="0">
               <a:solidFill>
                 <a:schemeClr val="bg1">
@@ -11516,37 +12882,9 @@
           </a:p>
         </p:txBody>
       </p:sp>
-      <p:sp>
-        <p:nvSpPr>
-          <p:cNvPr id="3" name="Rectangle 2"/>
-          <p:cNvSpPr/>
-          <p:nvPr/>
-        </p:nvSpPr>
-        <p:spPr>
-          <a:xfrm>
-            <a:off x="4935681" y="957547"/>
-            <a:ext cx="4244239" cy="369332"/>
-          </a:xfrm>
-          <a:prstGeom prst="rect">
-            <a:avLst/>
-          </a:prstGeom>
-        </p:spPr>
-        <p:txBody>
-          <a:bodyPr wrap="none">
-            <a:spAutoFit/>
-          </a:bodyPr>
-          <a:lstStyle/>
-          <a:p>
-            <a:r>
-              <a:rPr lang="sl-SI" dirty="0"/>
-              <a:t>https://github.com/sieste/Stan_cheatsheet</a:t>
-            </a:r>
-          </a:p>
-        </p:txBody>
-      </p:sp>
       <p:pic>
         <p:nvPicPr>
-          <p:cNvPr id="4" name="Picture 3"/>
+          <p:cNvPr id="5" name="Picture 4"/>
           <p:cNvPicPr>
             <a:picLocks noChangeAspect="1"/>
           </p:cNvPicPr>
@@ -11554,13 +12892,13 @@
         </p:nvPicPr>
         <p:blipFill rotWithShape="1">
           <a:blip r:embed="rId2"/>
-          <a:srcRect l="19432" t="18031" r="22358" b="15303"/>
+          <a:srcRect l="671" t="10228" r="80624" b="61147"/>
           <a:stretch/>
         </p:blipFill>
         <p:spPr>
           <a:xfrm>
-            <a:off x="4935681" y="1423554"/>
-            <a:ext cx="7096991" cy="4572000"/>
+            <a:off x="462818" y="1379096"/>
+            <a:ext cx="5444610" cy="4686746"/>
           </a:xfrm>
           <a:prstGeom prst="rect">
             <a:avLst/>
@@ -11569,7 +12907,7 @@
       </p:pic>
       <p:pic>
         <p:nvPicPr>
-          <p:cNvPr id="14" name="Picture 13"/>
+          <p:cNvPr id="6" name="Picture 5"/>
           <p:cNvPicPr>
             <a:picLocks noChangeAspect="1"/>
           </p:cNvPicPr>
@@ -11577,13 +12915,13 @@
         </p:nvPicPr>
         <p:blipFill rotWithShape="1">
           <a:blip r:embed="rId3"/>
-          <a:srcRect l="938" t="10303" r="82188" b="66714"/>
+          <a:srcRect l="837" t="10303" r="81860" b="68033"/>
           <a:stretch/>
         </p:blipFill>
         <p:spPr>
           <a:xfrm>
-            <a:off x="280707" y="1704109"/>
-            <a:ext cx="4301684" cy="3295620"/>
+            <a:off x="6336016" y="1379096"/>
+            <a:ext cx="5258171" cy="3703334"/>
           </a:xfrm>
           <a:prstGeom prst="rect">
             <a:avLst/>
@@ -11593,7 +12931,7 @@
     </p:spTree>
     <p:extLst>
       <p:ext uri="{BB962C8B-B14F-4D97-AF65-F5344CB8AC3E}">
-        <p14:creationId xmlns:p14="http://schemas.microsoft.com/office/powerpoint/2010/main" val="2715910889"/>
+        <p14:creationId xmlns:p14="http://schemas.microsoft.com/office/powerpoint/2010/main" val="1963842240"/>
       </p:ext>
     </p:extLst>
   </p:cSld>
@@ -11639,7 +12977,7 @@
         </p:nvSpPr>
         <p:spPr>
           <a:xfrm>
-            <a:off x="187188" y="67754"/>
+            <a:off x="312916" y="310098"/>
             <a:ext cx="10629904" cy="599303"/>
           </a:xfrm>
         </p:spPr>
@@ -11653,7 +12991,22 @@
               <a:rPr lang="sl-SI" sz="2800" b="1" dirty="0" smtClean="0">
                 <a:latin typeface="Titillium Web" panose="00000500000000000000" pitchFamily="2" charset="-18"/>
               </a:rPr>
-              <a:t>Stan software for Bayesian inference</a:t>
+              <a:t>Pure imperative programming     </a:t>
+            </a:r>
+            <a:r>
+              <a:rPr lang="sl-SI" sz="2800" b="1" dirty="0" smtClean="0">
+                <a:solidFill>
+                  <a:srgbClr val="FF0000"/>
+                </a:solidFill>
+                <a:latin typeface="Titillium Web" panose="00000500000000000000" pitchFamily="2" charset="-18"/>
+              </a:rPr>
+              <a:t>vs</a:t>
+            </a:r>
+            <a:r>
+              <a:rPr lang="sl-SI" sz="2800" b="1" dirty="0" smtClean="0">
+                <a:latin typeface="Titillium Web" panose="00000500000000000000" pitchFamily="2" charset="-18"/>
+              </a:rPr>
+              <a:t>      Statistical modelling</a:t>
             </a:r>
             <a:endParaRPr lang="sl-SI" sz="1400" dirty="0">
               <a:solidFill>
@@ -11668,181 +13021,369 @@
       </p:sp>
       <p:pic>
         <p:nvPicPr>
-          <p:cNvPr id="5" name="Picture 4"/>
+          <p:cNvPr id="6" name="Picture 5"/>
+          <p:cNvPicPr>
+            <a:picLocks noChangeAspect="1"/>
+          </p:cNvPicPr>
+          <p:nvPr/>
+        </p:nvPicPr>
+        <p:blipFill rotWithShape="1">
+          <a:blip r:embed="rId2"/>
+          <a:srcRect l="837" t="10303" r="81860" b="68033"/>
+          <a:stretch/>
+        </p:blipFill>
+        <p:spPr>
+          <a:xfrm>
+            <a:off x="312916" y="1114268"/>
+            <a:ext cx="5258171" cy="3703334"/>
+          </a:xfrm>
+          <a:prstGeom prst="rect">
+            <a:avLst/>
+          </a:prstGeom>
+        </p:spPr>
+      </p:pic>
+      <p:sp>
+        <p:nvSpPr>
+          <p:cNvPr id="7" name="Title 1"/>
+          <p:cNvSpPr txBox="1">
+            <a:spLocks/>
+          </p:cNvSpPr>
+          <p:nvPr/>
+        </p:nvSpPr>
+        <p:spPr>
+          <a:xfrm>
+            <a:off x="312915" y="4817602"/>
+            <a:ext cx="5258171" cy="1298379"/>
+          </a:xfrm>
+          <a:prstGeom prst="rect">
+            <a:avLst/>
+          </a:prstGeom>
+        </p:spPr>
+        <p:txBody>
+          <a:bodyPr vert="horz" lIns="91440" tIns="45720" rIns="91440" bIns="45720" rtlCol="0" anchor="b">
+            <a:noAutofit/>
+          </a:bodyPr>
+          <a:lstStyle>
+            <a:lvl1pPr algn="l" defTabSz="914400" rtl="0" eaLnBrk="1" latinLnBrk="0" hangingPunct="1">
+              <a:lnSpc>
+                <a:spcPct val="90000"/>
+              </a:lnSpc>
+              <a:spcBef>
+                <a:spcPct val="0"/>
+              </a:spcBef>
+              <a:buNone/>
+              <a:defRPr sz="3200" kern="1200">
+                <a:solidFill>
+                  <a:schemeClr val="tx1"/>
+                </a:solidFill>
+                <a:latin typeface="+mj-lt"/>
+                <a:ea typeface="+mj-ea"/>
+                <a:cs typeface="+mj-cs"/>
+              </a:defRPr>
+            </a:lvl1pPr>
+          </a:lstStyle>
+          <a:p>
+            <a:pPr marL="457200" indent="-457200">
+              <a:buFont typeface="Arial" panose="020B0604020202020204" pitchFamily="34" charset="0"/>
+              <a:buChar char="•"/>
+            </a:pPr>
+            <a:r>
+              <a:rPr lang="sl-SI" sz="2400" dirty="0" smtClean="0">
+                <a:latin typeface="Titillium Web" panose="00000500000000000000" pitchFamily="2" charset="-18"/>
+              </a:rPr>
+              <a:t>Start with input data &amp; parameters, </a:t>
+            </a:r>
+          </a:p>
+          <a:p>
+            <a:pPr marL="457200" indent="-457200">
+              <a:buFont typeface="Arial" panose="020B0604020202020204" pitchFamily="34" charset="0"/>
+              <a:buChar char="•"/>
+            </a:pPr>
+            <a:r>
+              <a:rPr lang="sl-SI" sz="2400" dirty="0" smtClean="0">
+                <a:latin typeface="Titillium Web" panose="00000500000000000000" pitchFamily="2" charset="-18"/>
+              </a:rPr>
+              <a:t>produce correct output data.</a:t>
+            </a:r>
+            <a:endParaRPr lang="sl-SI" sz="1200" dirty="0">
+              <a:solidFill>
+                <a:schemeClr val="bg1">
+                  <a:lumMod val="95000"/>
+                </a:schemeClr>
+              </a:solidFill>
+              <a:latin typeface="Titillium Web" panose="00000500000000000000" pitchFamily="2" charset="-18"/>
+            </a:endParaRPr>
+          </a:p>
+        </p:txBody>
+      </p:sp>
+      <p:sp>
+        <p:nvSpPr>
+          <p:cNvPr id="8" name="Title 1"/>
+          <p:cNvSpPr txBox="1">
+            <a:spLocks/>
+          </p:cNvSpPr>
+          <p:nvPr/>
+        </p:nvSpPr>
+        <p:spPr>
+          <a:xfrm>
+            <a:off x="5931926" y="5147640"/>
+            <a:ext cx="6084814" cy="1298379"/>
+          </a:xfrm>
+          <a:prstGeom prst="rect">
+            <a:avLst/>
+          </a:prstGeom>
+        </p:spPr>
+        <p:txBody>
+          <a:bodyPr vert="horz" lIns="91440" tIns="45720" rIns="91440" bIns="45720" rtlCol="0" anchor="b">
+            <a:noAutofit/>
+          </a:bodyPr>
+          <a:lstStyle>
+            <a:lvl1pPr algn="l" defTabSz="914400" rtl="0" eaLnBrk="1" latinLnBrk="0" hangingPunct="1">
+              <a:lnSpc>
+                <a:spcPct val="90000"/>
+              </a:lnSpc>
+              <a:spcBef>
+                <a:spcPct val="0"/>
+              </a:spcBef>
+              <a:buNone/>
+              <a:defRPr sz="3200" kern="1200">
+                <a:solidFill>
+                  <a:schemeClr val="tx1"/>
+                </a:solidFill>
+                <a:latin typeface="+mj-lt"/>
+                <a:ea typeface="+mj-ea"/>
+                <a:cs typeface="+mj-cs"/>
+              </a:defRPr>
+            </a:lvl1pPr>
+          </a:lstStyle>
+          <a:p>
+            <a:pPr marL="342900" indent="-342900">
+              <a:buFont typeface="Arial" panose="020B0604020202020204" pitchFamily="34" charset="0"/>
+              <a:buChar char="•"/>
+            </a:pPr>
+            <a:r>
+              <a:rPr lang="sl-SI" sz="2400" dirty="0" smtClean="0">
+                <a:latin typeface="Titillium Web" panose="00000500000000000000" pitchFamily="2" charset="-18"/>
+              </a:rPr>
+              <a:t>Start with input &amp; output data,</a:t>
+            </a:r>
+          </a:p>
+          <a:p>
+            <a:pPr marL="342900" indent="-342900">
+              <a:buFont typeface="Arial" panose="020B0604020202020204" pitchFamily="34" charset="0"/>
+              <a:buChar char="•"/>
+            </a:pPr>
+            <a:r>
+              <a:rPr lang="sl-SI" sz="2400" dirty="0">
+                <a:latin typeface="Titillium Web" panose="00000500000000000000" pitchFamily="2" charset="-18"/>
+              </a:rPr>
+              <a:t>a</a:t>
+            </a:r>
+            <a:r>
+              <a:rPr lang="sl-SI" sz="2400" dirty="0" smtClean="0">
+                <a:latin typeface="Titillium Web" panose="00000500000000000000" pitchFamily="2" charset="-18"/>
+              </a:rPr>
+              <a:t>ssume a model that generated the output,</a:t>
+            </a:r>
+          </a:p>
+          <a:p>
+            <a:pPr marL="342900" indent="-342900">
+              <a:buFont typeface="Arial" panose="020B0604020202020204" pitchFamily="34" charset="0"/>
+              <a:buChar char="•"/>
+            </a:pPr>
+            <a:r>
+              <a:rPr lang="sl-SI" sz="2400" dirty="0">
+                <a:latin typeface="Titillium Web" panose="00000500000000000000" pitchFamily="2" charset="-18"/>
+              </a:rPr>
+              <a:t>i</a:t>
+            </a:r>
+            <a:r>
+              <a:rPr lang="sl-SI" sz="2400" dirty="0" smtClean="0">
+                <a:latin typeface="Titillium Web" panose="00000500000000000000" pitchFamily="2" charset="-18"/>
+              </a:rPr>
+              <a:t>nfer what the parameters were.</a:t>
+            </a:r>
+            <a:endParaRPr lang="sl-SI" sz="1200" dirty="0">
+              <a:latin typeface="Titillium Web" panose="00000500000000000000" pitchFamily="2" charset="-18"/>
+            </a:endParaRPr>
+          </a:p>
+        </p:txBody>
+      </p:sp>
+      <p:pic>
+        <p:nvPicPr>
+          <p:cNvPr id="9" name="Picture 8"/>
           <p:cNvPicPr>
             <a:picLocks noChangeAspect="1"/>
           </p:cNvPicPr>
           <p:nvPr/>
         </p:nvPicPr>
         <p:blipFill>
-          <a:blip r:embed="rId2"/>
+          <a:blip r:embed="rId3"/>
           <a:stretch>
             <a:fillRect/>
           </a:stretch>
         </p:blipFill>
         <p:spPr>
           <a:xfrm>
-            <a:off x="7368191" y="2514906"/>
-            <a:ext cx="4334400" cy="1661934"/>
+            <a:off x="6860154" y="2346720"/>
+            <a:ext cx="3405600" cy="381533"/>
           </a:xfrm>
           <a:prstGeom prst="rect">
             <a:avLst/>
           </a:prstGeom>
         </p:spPr>
       </p:pic>
-      <p:sp>
-        <p:nvSpPr>
-          <p:cNvPr id="6" name="TextBox 5"/>
-          <p:cNvSpPr txBox="1"/>
+      <p:pic>
+        <p:nvPicPr>
+          <p:cNvPr id="10" name="Picture 9"/>
+          <p:cNvPicPr>
+            <a:picLocks noChangeAspect="1"/>
+          </p:cNvPicPr>
           <p:nvPr/>
-        </p:nvSpPr>
-        <p:spPr>
-          <a:xfrm>
-            <a:off x="342900" y="1444336"/>
-            <a:ext cx="7894149" cy="4154984"/>
+        </p:nvPicPr>
+        <p:blipFill>
+          <a:blip r:embed="rId4"/>
+          <a:stretch>
+            <a:fillRect/>
+          </a:stretch>
+        </p:blipFill>
+        <p:spPr>
+          <a:xfrm>
+            <a:off x="6860154" y="2755928"/>
+            <a:ext cx="3354000" cy="420333"/>
           </a:xfrm>
           <a:prstGeom prst="rect">
             <a:avLst/>
           </a:prstGeom>
-          <a:noFill/>
-        </p:spPr>
-        <p:txBody>
-          <a:bodyPr wrap="none" rtlCol="0">
+        </p:spPr>
+      </p:pic>
+      <p:pic>
+        <p:nvPicPr>
+          <p:cNvPr id="11" name="Picture 10"/>
+          <p:cNvPicPr>
+            <a:picLocks noChangeAspect="1"/>
+          </p:cNvPicPr>
+          <p:nvPr/>
+        </p:nvPicPr>
+        <p:blipFill>
+          <a:blip r:embed="rId5">
+            <a:extLst>
+              <a:ext uri="{28A0092B-C50C-407E-A947-70E740481C1C}">
+                <a14:useLocalDpi xmlns:a14="http://schemas.microsoft.com/office/drawing/2010/main" val="0"/>
+              </a:ext>
+            </a:extLst>
+          </a:blip>
+          <a:stretch>
+            <a:fillRect/>
+          </a:stretch>
+        </p:blipFill>
+        <p:spPr>
+          <a:xfrm>
+            <a:off x="7057859" y="3225707"/>
+            <a:ext cx="1267506" cy="216724"/>
+          </a:xfrm>
+          <a:prstGeom prst="rect">
+            <a:avLst/>
+          </a:prstGeom>
+        </p:spPr>
+      </p:pic>
+      <p:sp>
+        <p:nvSpPr>
+          <p:cNvPr id="12" name="Rectangle 11"/>
+          <p:cNvSpPr/>
+          <p:nvPr/>
+        </p:nvSpPr>
+        <p:spPr>
+          <a:xfrm>
+            <a:off x="6578075" y="1400170"/>
+            <a:ext cx="4448565" cy="369332"/>
+          </a:xfrm>
+          <a:prstGeom prst="rect">
+            <a:avLst/>
+          </a:prstGeom>
+        </p:spPr>
+        <p:txBody>
+          <a:bodyPr wrap="square">
             <a:spAutoFit/>
           </a:bodyPr>
           <a:lstStyle/>
           <a:p>
-            <a:pPr marL="285750" indent="-285750">
-              <a:buFont typeface="Arial" panose="020B0604020202020204" pitchFamily="34" charset="0"/>
-              <a:buChar char="•"/>
-            </a:pPr>
-            <a:r>
-              <a:rPr lang="sl-SI" sz="2400" dirty="0"/>
-              <a:t>P</a:t>
-            </a:r>
-            <a:r>
-              <a:rPr lang="sl-SI" sz="2400" dirty="0" smtClean="0"/>
-              <a:t>rogramming language + inference algorithms.</a:t>
-            </a:r>
-          </a:p>
-          <a:p>
-            <a:pPr marL="285750" indent="-285750">
-              <a:buFont typeface="Arial" panose="020B0604020202020204" pitchFamily="34" charset="0"/>
-              <a:buChar char="•"/>
-            </a:pPr>
-            <a:r>
-              <a:rPr lang="sl-SI" sz="2400" dirty="0" smtClean="0"/>
-              <a:t>Open source (BSD, PLv3).</a:t>
-            </a:r>
-          </a:p>
-          <a:p>
-            <a:pPr marL="285750" indent="-285750">
-              <a:buFont typeface="Arial" panose="020B0604020202020204" pitchFamily="34" charset="0"/>
-              <a:buChar char="•"/>
-            </a:pPr>
-            <a:r>
-              <a:rPr lang="sl-SI" sz="2400" dirty="0" smtClean="0"/>
-              <a:t>Written in C++ (Win, Mac, Linux).</a:t>
-            </a:r>
-          </a:p>
-          <a:p>
-            <a:pPr marL="285750" indent="-285750">
-              <a:buFont typeface="Arial" panose="020B0604020202020204" pitchFamily="34" charset="0"/>
-              <a:buChar char="•"/>
-            </a:pPr>
-            <a:r>
-              <a:rPr lang="sl-SI" sz="2400" dirty="0" smtClean="0"/>
-              <a:t>Stan PPL Models are compiled to C++ code.</a:t>
-            </a:r>
-          </a:p>
-          <a:p>
-            <a:pPr marL="285750" indent="-285750">
-              <a:buFont typeface="Arial" panose="020B0604020202020204" pitchFamily="34" charset="0"/>
-              <a:buChar char="•"/>
-            </a:pPr>
-            <a:r>
-              <a:rPr lang="sl-SI" sz="2400" dirty="0" smtClean="0"/>
-              <a:t>Interfaces for R, Python, MATLAB, Julia, Stata...</a:t>
-            </a:r>
-          </a:p>
-          <a:p>
-            <a:pPr marL="285750" indent="-285750">
-              <a:buFont typeface="Arial" panose="020B0604020202020204" pitchFamily="34" charset="0"/>
-              <a:buChar char="•"/>
-            </a:pPr>
-            <a:r>
-              <a:rPr lang="sl-SI" sz="2400" dirty="0" smtClean="0"/>
-              <a:t>Excellent manual, active community.</a:t>
-            </a:r>
-          </a:p>
-          <a:p>
-            <a:pPr marL="285750" indent="-285750">
-              <a:buFont typeface="Arial" panose="020B0604020202020204" pitchFamily="34" charset="0"/>
-              <a:buChar char="•"/>
-            </a:pPr>
-            <a:r>
-              <a:rPr lang="sl-SI" sz="2400" dirty="0" smtClean="0"/>
-              <a:t>Inference:</a:t>
-            </a:r>
-          </a:p>
-          <a:p>
-            <a:pPr marL="742950" lvl="1" indent="-285750">
-              <a:buFont typeface="Arial" panose="020B0604020202020204" pitchFamily="34" charset="0"/>
-              <a:buChar char="•"/>
-            </a:pPr>
-            <a:r>
-              <a:rPr lang="sl-SI" sz="2400" dirty="0" smtClean="0"/>
-              <a:t>Comprehensive Auto-differentiation library.</a:t>
-            </a:r>
-          </a:p>
-          <a:p>
-            <a:pPr marL="742950" lvl="1" indent="-285750">
-              <a:buFont typeface="Arial" panose="020B0604020202020204" pitchFamily="34" charset="0"/>
-              <a:buChar char="•"/>
-            </a:pPr>
-            <a:r>
-              <a:rPr lang="sl-SI" sz="2400" b="1" dirty="0" smtClean="0"/>
-              <a:t>MCMC</a:t>
-            </a:r>
-            <a:r>
-              <a:rPr lang="sl-SI" sz="2400" dirty="0" smtClean="0"/>
-              <a:t>: No-U-Turn-Sampler, Hamiltonian Monte Carlo.</a:t>
-            </a:r>
-          </a:p>
-          <a:p>
-            <a:pPr marL="742950" lvl="1" indent="-285750">
-              <a:buFont typeface="Arial" panose="020B0604020202020204" pitchFamily="34" charset="0"/>
-              <a:buChar char="•"/>
-            </a:pPr>
-            <a:r>
-              <a:rPr lang="sl-SI" sz="2400" b="1" dirty="0" smtClean="0"/>
-              <a:t>Approximate inference</a:t>
-            </a:r>
-            <a:r>
-              <a:rPr lang="sl-SI" sz="2400" dirty="0" smtClean="0"/>
-              <a:t>: Variational inference, Laplace.</a:t>
-            </a:r>
-          </a:p>
-          <a:p>
-            <a:pPr marL="742950" lvl="1" indent="-285750">
-              <a:buFont typeface="Arial" panose="020B0604020202020204" pitchFamily="34" charset="0"/>
-              <a:buChar char="•"/>
-            </a:pPr>
-            <a:r>
-              <a:rPr lang="sl-SI" sz="2400" b="1" dirty="0" smtClean="0"/>
-              <a:t>Optimization</a:t>
-            </a:r>
-            <a:r>
-              <a:rPr lang="sl-SI" sz="2400" dirty="0" smtClean="0"/>
-              <a:t>: L-BFGS.</a:t>
-            </a:r>
+            <a:r>
+              <a:rPr lang="sl-SI" altLang="sl-SI" dirty="0">
+                <a:solidFill>
+                  <a:srgbClr val="000000"/>
+                </a:solidFill>
+                <a:latin typeface="Lucida Console" panose="020B0609040504020204" pitchFamily="49" charset="0"/>
+              </a:rPr>
+              <a:t>100100101011011001111111111101</a:t>
+            </a:r>
+            <a:endParaRPr lang="sl-SI" dirty="0"/>
+          </a:p>
+        </p:txBody>
+      </p:sp>
+      <p:sp>
+        <p:nvSpPr>
+          <p:cNvPr id="13" name="Title 1"/>
+          <p:cNvSpPr txBox="1">
+            <a:spLocks/>
+          </p:cNvSpPr>
+          <p:nvPr/>
+        </p:nvSpPr>
+        <p:spPr>
+          <a:xfrm>
+            <a:off x="6236726" y="1036992"/>
+            <a:ext cx="5863834" cy="438176"/>
+          </a:xfrm>
+          <a:prstGeom prst="rect">
+            <a:avLst/>
+          </a:prstGeom>
+        </p:spPr>
+        <p:txBody>
+          <a:bodyPr vert="horz" lIns="91440" tIns="45720" rIns="91440" bIns="45720" rtlCol="0" anchor="b">
+            <a:noAutofit/>
+          </a:bodyPr>
+          <a:lstStyle>
+            <a:lvl1pPr algn="l" defTabSz="914400" rtl="0" eaLnBrk="1" latinLnBrk="0" hangingPunct="1">
+              <a:lnSpc>
+                <a:spcPct val="90000"/>
+              </a:lnSpc>
+              <a:spcBef>
+                <a:spcPct val="0"/>
+              </a:spcBef>
+              <a:buNone/>
+              <a:defRPr sz="3200" kern="1200">
+                <a:solidFill>
+                  <a:schemeClr val="tx1"/>
+                </a:solidFill>
+                <a:latin typeface="+mj-lt"/>
+                <a:ea typeface="+mj-ea"/>
+                <a:cs typeface="+mj-cs"/>
+              </a:defRPr>
+            </a:lvl1pPr>
+          </a:lstStyle>
+          <a:p>
+            <a:r>
+              <a:rPr lang="sl-SI" sz="2000" dirty="0" smtClean="0">
+                <a:solidFill>
+                  <a:srgbClr val="679B9B"/>
+                </a:solidFill>
+                <a:latin typeface="Titillium Web" panose="00000500000000000000" pitchFamily="2" charset="-18"/>
+              </a:rPr>
+              <a:t>Inferring the relative frequency in this sequence</a:t>
+            </a:r>
+            <a:endParaRPr lang="sl-SI" sz="1100" dirty="0">
+              <a:solidFill>
+                <a:srgbClr val="679B9B"/>
+              </a:solidFill>
+              <a:latin typeface="Titillium Web" panose="00000500000000000000" pitchFamily="2" charset="-18"/>
+            </a:endParaRPr>
           </a:p>
         </p:txBody>
       </p:sp>
     </p:spTree>
     <p:extLst>
       <p:ext uri="{BB962C8B-B14F-4D97-AF65-F5344CB8AC3E}">
-        <p14:creationId xmlns:p14="http://schemas.microsoft.com/office/powerpoint/2010/main" val="2120990797"/>
+        <p14:creationId xmlns:p14="http://schemas.microsoft.com/office/powerpoint/2010/main" val="4038838091"/>
       </p:ext>
     </p:extLst>
   </p:cSld>
@@ -11924,19 +13465,7 @@
               <a:rPr lang="sl-SI" sz="2800" dirty="0" smtClean="0">
                 <a:latin typeface="Titillium Web" panose="00000500000000000000" pitchFamily="2" charset="-18"/>
               </a:rPr>
-              <a:t>Each of these </a:t>
-            </a:r>
-            <a:r>
-              <a:rPr lang="sl-SI" sz="2800" dirty="0" smtClean="0">
-                <a:latin typeface="Titillium Web" panose="00000500000000000000" pitchFamily="2" charset="-18"/>
-              </a:rPr>
-              <a:t>30 characters long sequences </a:t>
-            </a:r>
-            <a:r>
-              <a:rPr lang="sl-SI" sz="2800" dirty="0" smtClean="0">
-                <a:latin typeface="Titillium Web" panose="00000500000000000000" pitchFamily="2" charset="-18"/>
-              </a:rPr>
-              <a:t>was generated using the same process.</a:t>
+              <a:t>Each of these 30 characters long sequences was generated using the same process.</a:t>
             </a:r>
             <a:br>
               <a:rPr lang="sl-SI" sz="2800" dirty="0" smtClean="0">
@@ -12107,7 +13636,7 @@
       </p:grpSpPr>
       <p:sp>
         <p:nvSpPr>
-          <p:cNvPr id="19" name="Title 1"/>
+          <p:cNvPr id="10" name="Title 1"/>
           <p:cNvSpPr txBox="1">
             <a:spLocks/>
           </p:cNvSpPr>
@@ -12115,8 +13644,8 @@
         </p:nvSpPr>
         <p:spPr>
           <a:xfrm>
-            <a:off x="1895761" y="430539"/>
-            <a:ext cx="11154166" cy="668035"/>
+            <a:off x="1014843" y="4137018"/>
+            <a:ext cx="9707884" cy="599303"/>
           </a:xfrm>
           <a:prstGeom prst="rect">
             <a:avLst/>
@@ -12152,141 +13681,69 @@
               </a:spcAft>
             </a:pPr>
             <a:r>
-              <a:rPr lang="sl-SI" sz="2000" dirty="0" smtClean="0">
-                <a:latin typeface="Titillium Web" panose="00000500000000000000" pitchFamily="2" charset="-18"/>
-              </a:rPr>
-              <a:t>Our opinion about </a:t>
-            </a:r>
-            <a:r>
-              <a:rPr lang="el-GR" sz="2000" dirty="0" smtClean="0">
+              <a:rPr lang="en-US" sz="4000" dirty="0" smtClean="0">
+                <a:latin typeface="Titillium Web" panose="00000500000000000000" pitchFamily="2" charset="-18"/>
+              </a:rPr>
+              <a:t>A </a:t>
+            </a:r>
+            <a:r>
+              <a:rPr lang="en-US" sz="4000" dirty="0">
                 <a:solidFill>
                   <a:srgbClr val="FF0000"/>
                 </a:solidFill>
                 <a:latin typeface="Titillium Web" panose="00000500000000000000" pitchFamily="2" charset="-18"/>
               </a:rPr>
-              <a:t>θ</a:t>
-            </a:r>
-            <a:r>
-              <a:rPr lang="sl-SI" sz="2000" dirty="0" smtClean="0">
+              <a:t>probabilistic programming </a:t>
+            </a:r>
+            <a:r>
+              <a:rPr lang="en-US" sz="4000" dirty="0" smtClean="0">
                 <a:solidFill>
                   <a:srgbClr val="FF0000"/>
                 </a:solidFill>
                 <a:latin typeface="Titillium Web" panose="00000500000000000000" pitchFamily="2" charset="-18"/>
               </a:rPr>
+              <a:t>language</a:t>
+            </a:r>
+            <a:r>
+              <a:rPr lang="sl-SI" sz="4000" dirty="0" smtClean="0">
+                <a:solidFill>
+                  <a:srgbClr val="FF0000"/>
+                </a:solidFill>
+                <a:latin typeface="Titillium Web" panose="00000500000000000000" pitchFamily="2" charset="-18"/>
+              </a:rPr>
               <a:t> </a:t>
             </a:r>
             <a:r>
-              <a:rPr lang="sl-SI" sz="2000" b="1" dirty="0" smtClean="0">
-                <a:solidFill>
-                  <a:srgbClr val="1212FF"/>
-                </a:solidFill>
-                <a:latin typeface="Titillium Web" panose="00000500000000000000" pitchFamily="2" charset="-18"/>
-              </a:rPr>
-              <a:t>before </a:t>
-            </a:r>
-            <a:r>
-              <a:rPr lang="sl-SI" sz="2000" dirty="0" smtClean="0">
-                <a:latin typeface="Titillium Web" panose="00000500000000000000" pitchFamily="2" charset="-18"/>
-              </a:rPr>
-              <a:t>and</a:t>
-            </a:r>
-            <a:r>
-              <a:rPr lang="sl-SI" sz="2000" b="1" dirty="0" smtClean="0">
-                <a:latin typeface="Titillium Web" panose="00000500000000000000" pitchFamily="2" charset="-18"/>
-              </a:rPr>
-              <a:t> </a:t>
-            </a:r>
-            <a:r>
-              <a:rPr lang="sl-SI" sz="2000" b="1" dirty="0" smtClean="0">
+              <a:rPr lang="sl-SI" sz="4000" dirty="0" smtClean="0">
+                <a:latin typeface="Titillium Web" panose="00000500000000000000" pitchFamily="2" charset="-18"/>
+              </a:rPr>
+              <a:t>is an imperative (or functional) programming language with </a:t>
+            </a:r>
+            <a:r>
+              <a:rPr lang="sl-SI" sz="4000" dirty="0" smtClean="0">
                 <a:solidFill>
                   <a:srgbClr val="FF0000"/>
                 </a:solidFill>
                 <a:latin typeface="Titillium Web" panose="00000500000000000000" pitchFamily="2" charset="-18"/>
               </a:rPr>
-              <a:t>after </a:t>
-            </a:r>
-            <a:r>
-              <a:rPr lang="sl-SI" sz="2000" dirty="0" smtClean="0">
-                <a:latin typeface="Titillium Web" panose="00000500000000000000" pitchFamily="2" charset="-18"/>
-              </a:rPr>
-              <a:t>seeing all the data (1934 ones and 1066 zeros).</a:t>
-            </a:r>
-            <a:r>
-              <a:rPr lang="sl-SI" sz="2000" b="1" dirty="0" smtClean="0">
-                <a:latin typeface="Titillium Web" panose="00000500000000000000" pitchFamily="2" charset="-18"/>
-              </a:rPr>
-              <a:t> </a:t>
-            </a:r>
-            <a:endParaRPr lang="sl-SI" sz="2000" b="1" dirty="0">
+              <a:t>additional constructs </a:t>
+            </a:r>
+            <a:r>
+              <a:rPr lang="sl-SI" sz="4000" dirty="0" smtClean="0">
+                <a:latin typeface="Titillium Web" panose="00000500000000000000" pitchFamily="2" charset="-18"/>
+              </a:rPr>
+              <a:t>for describing models and probabilistic opinions.</a:t>
+            </a:r>
+            <a:endParaRPr lang="sl-SI" sz="4000" dirty="0">
               <a:latin typeface="Titillium Web" panose="00000500000000000000" pitchFamily="2" charset="-18"/>
             </a:endParaRPr>
           </a:p>
         </p:txBody>
       </p:sp>
-      <p:pic>
-        <p:nvPicPr>
-          <p:cNvPr id="4" name="Picture 3"/>
-          <p:cNvPicPr>
-            <a:picLocks noChangeAspect="1"/>
-          </p:cNvPicPr>
-          <p:nvPr/>
-        </p:nvPicPr>
-        <p:blipFill>
-          <a:blip r:embed="rId2" cstate="print">
-            <a:extLst>
-              <a:ext uri="{28A0092B-C50C-407E-A947-70E740481C1C}">
-                <a14:useLocalDpi xmlns:a14="http://schemas.microsoft.com/office/drawing/2010/main" val="0"/>
-              </a:ext>
-            </a:extLst>
-          </a:blip>
-          <a:stretch>
-            <a:fillRect/>
-          </a:stretch>
-        </p:blipFill>
-        <p:spPr>
-          <a:xfrm>
-            <a:off x="883914" y="1571102"/>
-            <a:ext cx="4876805" cy="3901444"/>
-          </a:xfrm>
-          <a:prstGeom prst="rect">
-            <a:avLst/>
-          </a:prstGeom>
-        </p:spPr>
-      </p:pic>
-      <p:pic>
-        <p:nvPicPr>
-          <p:cNvPr id="3" name="Picture 2"/>
-          <p:cNvPicPr>
-            <a:picLocks noChangeAspect="1"/>
-          </p:cNvPicPr>
-          <p:nvPr/>
-        </p:nvPicPr>
-        <p:blipFill>
-          <a:blip r:embed="rId3" cstate="print">
-            <a:extLst>
-              <a:ext uri="{28A0092B-C50C-407E-A947-70E740481C1C}">
-                <a14:useLocalDpi xmlns:a14="http://schemas.microsoft.com/office/drawing/2010/main" val="0"/>
-              </a:ext>
-            </a:extLst>
-          </a:blip>
-          <a:stretch>
-            <a:fillRect/>
-          </a:stretch>
-        </p:blipFill>
-        <p:spPr>
-          <a:xfrm>
-            <a:off x="6438895" y="1571102"/>
-            <a:ext cx="4876805" cy="3901444"/>
-          </a:xfrm>
-          <a:prstGeom prst="rect">
-            <a:avLst/>
-          </a:prstGeom>
-        </p:spPr>
-      </p:pic>
     </p:spTree>
     <p:extLst>
       <p:ext uri="{BB962C8B-B14F-4D97-AF65-F5344CB8AC3E}">
-        <p14:creationId xmlns:p14="http://schemas.microsoft.com/office/powerpoint/2010/main" val="1023253257"/>
+        <p14:creationId xmlns:p14="http://schemas.microsoft.com/office/powerpoint/2010/main" val="3266225524"/>
       </p:ext>
     </p:extLst>
   </p:cSld>
@@ -12322,119 +13779,68 @@
       </p:grpSpPr>
       <p:sp>
         <p:nvSpPr>
-          <p:cNvPr id="19" name="Title 1"/>
-          <p:cNvSpPr txBox="1">
-            <a:spLocks/>
+          <p:cNvPr id="2" name="Title 1"/>
+          <p:cNvSpPr>
+            <a:spLocks noGrp="1"/>
           </p:cNvSpPr>
+          <p:nvPr>
+            <p:ph type="title"/>
+          </p:nvPr>
+        </p:nvSpPr>
+        <p:spPr>
+          <a:xfrm>
+            <a:off x="187188" y="67754"/>
+            <a:ext cx="10629904" cy="599303"/>
+          </a:xfrm>
+        </p:spPr>
+        <p:txBody>
+          <a:bodyPr>
+            <a:noAutofit/>
+          </a:bodyPr>
+          <a:lstStyle/>
+          <a:p>
+            <a:r>
+              <a:rPr lang="sl-SI" sz="2800" b="1" dirty="0" smtClean="0">
+                <a:latin typeface="Titillium Web" panose="00000500000000000000" pitchFamily="2" charset="-18"/>
+              </a:rPr>
+              <a:t>Our model written in Stan</a:t>
+            </a:r>
+            <a:endParaRPr lang="sl-SI" sz="1400" dirty="0">
+              <a:solidFill>
+                <a:schemeClr val="bg1">
+                  <a:lumMod val="95000"/>
+                </a:schemeClr>
+              </a:solidFill>
+              <a:latin typeface="Titillium Web" panose="00000500000000000000" pitchFamily="2" charset="-18"/>
+            </a:endParaRPr>
+          </a:p>
+        </p:txBody>
+      </p:sp>
+      <p:sp>
+        <p:nvSpPr>
+          <p:cNvPr id="3" name="Rectangle 2"/>
+          <p:cNvSpPr/>
           <p:nvPr/>
         </p:nvSpPr>
         <p:spPr>
           <a:xfrm>
-            <a:off x="1895761" y="430539"/>
-            <a:ext cx="11154166" cy="668035"/>
+            <a:off x="4935681" y="957547"/>
+            <a:ext cx="4244239" cy="369332"/>
           </a:xfrm>
           <a:prstGeom prst="rect">
             <a:avLst/>
           </a:prstGeom>
         </p:spPr>
         <p:txBody>
-          <a:bodyPr vert="horz" lIns="91440" tIns="45720" rIns="91440" bIns="45720" rtlCol="0" anchor="b">
-            <a:noAutofit/>
+          <a:bodyPr wrap="none">
+            <a:spAutoFit/>
           </a:bodyPr>
-          <a:lstStyle>
-            <a:lvl1pPr algn="l" defTabSz="914400" rtl="0" eaLnBrk="1" latinLnBrk="0" hangingPunct="1">
-              <a:lnSpc>
-                <a:spcPct val="90000"/>
-              </a:lnSpc>
-              <a:spcBef>
-                <a:spcPct val="0"/>
-              </a:spcBef>
-              <a:buNone/>
-              <a:defRPr sz="3200" kern="1200">
-                <a:solidFill>
-                  <a:schemeClr val="tx1"/>
-                </a:solidFill>
-                <a:latin typeface="+mj-lt"/>
-                <a:ea typeface="+mj-ea"/>
-                <a:cs typeface="+mj-cs"/>
-              </a:defRPr>
-            </a:lvl1pPr>
-          </a:lstStyle>
-          <a:p>
-            <a:pPr>
-              <a:spcAft>
-                <a:spcPts val="1200"/>
-              </a:spcAft>
-            </a:pPr>
-            <a:r>
-              <a:rPr lang="sl-SI" sz="2000" dirty="0" smtClean="0">
-                <a:latin typeface="Titillium Web" panose="00000500000000000000" pitchFamily="2" charset="-18"/>
-              </a:rPr>
-              <a:t>Our opinion about </a:t>
-            </a:r>
-            <a:r>
-              <a:rPr lang="el-GR" sz="2000" dirty="0" smtClean="0">
-                <a:solidFill>
-                  <a:srgbClr val="FF0000"/>
-                </a:solidFill>
-                <a:latin typeface="Titillium Web" panose="00000500000000000000" pitchFamily="2" charset="-18"/>
-              </a:rPr>
-              <a:t>θ</a:t>
-            </a:r>
-            <a:r>
-              <a:rPr lang="sl-SI" sz="2000" dirty="0" smtClean="0">
-                <a:solidFill>
-                  <a:srgbClr val="FF0000"/>
-                </a:solidFill>
-                <a:latin typeface="Titillium Web" panose="00000500000000000000" pitchFamily="2" charset="-18"/>
-              </a:rPr>
-              <a:t> </a:t>
-            </a:r>
-            <a:r>
-              <a:rPr lang="sl-SI" sz="2000" b="1" dirty="0" smtClean="0">
-                <a:solidFill>
-                  <a:srgbClr val="1212FF"/>
-                </a:solidFill>
-                <a:latin typeface="Titillium Web" panose="00000500000000000000" pitchFamily="2" charset="-18"/>
-              </a:rPr>
-              <a:t>before </a:t>
-            </a:r>
-            <a:r>
-              <a:rPr lang="sl-SI" sz="2000" dirty="0" smtClean="0">
-                <a:latin typeface="Titillium Web" panose="00000500000000000000" pitchFamily="2" charset="-18"/>
-              </a:rPr>
-              <a:t>and</a:t>
-            </a:r>
-            <a:r>
-              <a:rPr lang="sl-SI" sz="2000" b="1" dirty="0" smtClean="0">
-                <a:latin typeface="Titillium Web" panose="00000500000000000000" pitchFamily="2" charset="-18"/>
-              </a:rPr>
-              <a:t> </a:t>
-            </a:r>
-            <a:r>
-              <a:rPr lang="sl-SI" sz="2000" b="1" dirty="0" smtClean="0">
-                <a:solidFill>
-                  <a:srgbClr val="FF0000"/>
-                </a:solidFill>
-                <a:latin typeface="Titillium Web" panose="00000500000000000000" pitchFamily="2" charset="-18"/>
-              </a:rPr>
-              <a:t>after </a:t>
-            </a:r>
-            <a:r>
-              <a:rPr lang="sl-SI" sz="2000" dirty="0" smtClean="0">
-                <a:latin typeface="Titillium Web" panose="00000500000000000000" pitchFamily="2" charset="-18"/>
-              </a:rPr>
-              <a:t>seeing all the data (1934 ones and 1066 zeros).</a:t>
-            </a:r>
-            <a:r>
-              <a:rPr lang="sl-SI" sz="2000" b="1" dirty="0" smtClean="0">
-                <a:latin typeface="Titillium Web" panose="00000500000000000000" pitchFamily="2" charset="-18"/>
-              </a:rPr>
-              <a:t> </a:t>
-            </a:r>
-            <a:endParaRPr lang="sl-SI" sz="2000" b="1" dirty="0">
-              <a:latin typeface="Titillium Web" panose="00000500000000000000" pitchFamily="2" charset="-18"/>
-            </a:endParaRPr>
+          <a:lstStyle/>
+          <a:p>
+            <a:r>
+              <a:rPr lang="sl-SI" dirty="0"/>
+              <a:t>https://github.com/sieste/Stan_cheatsheet</a:t>
+            </a:r>
           </a:p>
         </p:txBody>
       </p:sp>
@@ -12446,22 +13852,15 @@
           </p:cNvPicPr>
           <p:nvPr/>
         </p:nvPicPr>
-        <p:blipFill>
-          <a:blip r:embed="rId2" cstate="print">
-            <a:extLst>
-              <a:ext uri="{28A0092B-C50C-407E-A947-70E740481C1C}">
-                <a14:useLocalDpi xmlns:a14="http://schemas.microsoft.com/office/drawing/2010/main" val="0"/>
-              </a:ext>
-            </a:extLst>
-          </a:blip>
-          <a:stretch>
-            <a:fillRect/>
-          </a:stretch>
+        <p:blipFill rotWithShape="1">
+          <a:blip r:embed="rId2"/>
+          <a:srcRect l="19432" t="18031" r="22358" b="15303"/>
+          <a:stretch/>
         </p:blipFill>
         <p:spPr>
           <a:xfrm>
-            <a:off x="883914" y="1571102"/>
-            <a:ext cx="4876805" cy="3901444"/>
+            <a:off x="4935681" y="1423554"/>
+            <a:ext cx="7096991" cy="4572000"/>
           </a:xfrm>
           <a:prstGeom prst="rect">
             <a:avLst/>
@@ -12470,122 +13869,31 @@
       </p:pic>
       <p:pic>
         <p:nvPicPr>
-          <p:cNvPr id="3" name="Picture 2"/>
+          <p:cNvPr id="14" name="Picture 13"/>
           <p:cNvPicPr>
             <a:picLocks noChangeAspect="1"/>
           </p:cNvPicPr>
           <p:nvPr/>
         </p:nvPicPr>
-        <p:blipFill>
-          <a:blip r:embed="rId3" cstate="print">
-            <a:extLst>
-              <a:ext uri="{28A0092B-C50C-407E-A947-70E740481C1C}">
-                <a14:useLocalDpi xmlns:a14="http://schemas.microsoft.com/office/drawing/2010/main" val="0"/>
-              </a:ext>
-            </a:extLst>
-          </a:blip>
-          <a:stretch>
-            <a:fillRect/>
-          </a:stretch>
+        <p:blipFill rotWithShape="1">
+          <a:blip r:embed="rId3"/>
+          <a:srcRect l="938" t="10303" r="82188" b="66714"/>
+          <a:stretch/>
         </p:blipFill>
         <p:spPr>
           <a:xfrm>
-            <a:off x="6324595" y="1571102"/>
-            <a:ext cx="4876805" cy="3901444"/>
+            <a:off x="280707" y="1704109"/>
+            <a:ext cx="4301684" cy="3295620"/>
           </a:xfrm>
           <a:prstGeom prst="rect">
             <a:avLst/>
           </a:prstGeom>
         </p:spPr>
       </p:pic>
-      <p:sp>
-        <p:nvSpPr>
-          <p:cNvPr id="7" name="Title 1"/>
-          <p:cNvSpPr txBox="1">
-            <a:spLocks/>
-          </p:cNvSpPr>
-          <p:nvPr/>
-        </p:nvSpPr>
-        <p:spPr>
-          <a:xfrm>
-            <a:off x="1223234" y="5945074"/>
-            <a:ext cx="10202722" cy="668035"/>
-          </a:xfrm>
-          <a:prstGeom prst="rect">
-            <a:avLst/>
-          </a:prstGeom>
-        </p:spPr>
-        <p:txBody>
-          <a:bodyPr vert="horz" lIns="91440" tIns="45720" rIns="91440" bIns="45720" rtlCol="0" anchor="b">
-            <a:noAutofit/>
-          </a:bodyPr>
-          <a:lstStyle>
-            <a:lvl1pPr algn="l" defTabSz="914400" rtl="0" eaLnBrk="1" latinLnBrk="0" hangingPunct="1">
-              <a:lnSpc>
-                <a:spcPct val="90000"/>
-              </a:lnSpc>
-              <a:spcBef>
-                <a:spcPct val="0"/>
-              </a:spcBef>
-              <a:buNone/>
-              <a:defRPr sz="3200" kern="1200">
-                <a:solidFill>
-                  <a:schemeClr val="tx1"/>
-                </a:solidFill>
-                <a:latin typeface="+mj-lt"/>
-                <a:ea typeface="+mj-ea"/>
-                <a:cs typeface="+mj-cs"/>
-              </a:defRPr>
-            </a:lvl1pPr>
-          </a:lstStyle>
-          <a:p>
-            <a:pPr>
-              <a:spcAft>
-                <a:spcPts val="1200"/>
-              </a:spcAft>
-            </a:pPr>
-            <a:r>
-              <a:rPr lang="sl-SI" sz="1600" dirty="0" smtClean="0">
-                <a:latin typeface="Titillium Web" panose="00000500000000000000" pitchFamily="2" charset="-18"/>
-              </a:rPr>
-              <a:t>Modern general-purpuse Bayesian inference is MCMC-based (Markov Chain Monte Carlo).</a:t>
-            </a:r>
-          </a:p>
-          <a:p>
-            <a:pPr>
-              <a:spcAft>
-                <a:spcPts val="1200"/>
-              </a:spcAft>
-            </a:pPr>
-            <a:r>
-              <a:rPr lang="sl-SI" sz="1600" b="1" dirty="0" smtClean="0">
-                <a:latin typeface="Titillium Web" panose="00000500000000000000" pitchFamily="2" charset="-18"/>
-              </a:rPr>
-              <a:t>We get samples that converge to the true distribution.</a:t>
-            </a:r>
-          </a:p>
-          <a:p>
-            <a:pPr>
-              <a:spcAft>
-                <a:spcPts val="1200"/>
-              </a:spcAft>
-            </a:pPr>
-            <a:r>
-              <a:rPr lang="sl-SI" sz="1600" b="1" dirty="0" smtClean="0">
-                <a:latin typeface="Titillium Web" panose="00000500000000000000" pitchFamily="2" charset="-18"/>
-              </a:rPr>
-              <a:t>That is, we only get approximate solutions.</a:t>
-            </a:r>
-            <a:endParaRPr lang="sl-SI" sz="1600" b="1" dirty="0">
-              <a:latin typeface="Titillium Web" panose="00000500000000000000" pitchFamily="2" charset="-18"/>
-            </a:endParaRPr>
-          </a:p>
-        </p:txBody>
-      </p:sp>
     </p:spTree>
     <p:extLst>
       <p:ext uri="{BB962C8B-B14F-4D97-AF65-F5344CB8AC3E}">
-        <p14:creationId xmlns:p14="http://schemas.microsoft.com/office/powerpoint/2010/main" val="2441976733"/>
+        <p14:creationId xmlns:p14="http://schemas.microsoft.com/office/powerpoint/2010/main" val="2715910889"/>
       </p:ext>
     </p:extLst>
   </p:cSld>
@@ -12621,71 +13929,204 @@
       </p:grpSpPr>
       <p:sp>
         <p:nvSpPr>
-          <p:cNvPr id="10" name="Title 1"/>
-          <p:cNvSpPr txBox="1">
-            <a:spLocks/>
+          <p:cNvPr id="2" name="Title 1"/>
+          <p:cNvSpPr>
+            <a:spLocks noGrp="1"/>
           </p:cNvSpPr>
+          <p:nvPr>
+            <p:ph type="title"/>
+          </p:nvPr>
+        </p:nvSpPr>
+        <p:spPr>
+          <a:xfrm>
+            <a:off x="187188" y="67754"/>
+            <a:ext cx="10629904" cy="599303"/>
+          </a:xfrm>
+        </p:spPr>
+        <p:txBody>
+          <a:bodyPr>
+            <a:noAutofit/>
+          </a:bodyPr>
+          <a:lstStyle/>
+          <a:p>
+            <a:r>
+              <a:rPr lang="sl-SI" sz="2800" b="1" dirty="0" smtClean="0">
+                <a:latin typeface="Titillium Web" panose="00000500000000000000" pitchFamily="2" charset="-18"/>
+              </a:rPr>
+              <a:t>Stan software for Bayesian inference</a:t>
+            </a:r>
+            <a:endParaRPr lang="sl-SI" sz="1400" dirty="0">
+              <a:solidFill>
+                <a:schemeClr val="bg1">
+                  <a:lumMod val="95000"/>
+                </a:schemeClr>
+              </a:solidFill>
+              <a:latin typeface="Titillium Web" panose="00000500000000000000" pitchFamily="2" charset="-18"/>
+            </a:endParaRPr>
+          </a:p>
+        </p:txBody>
+      </p:sp>
+      <p:pic>
+        <p:nvPicPr>
+          <p:cNvPr id="5" name="Picture 4"/>
+          <p:cNvPicPr>
+            <a:picLocks noChangeAspect="1"/>
+          </p:cNvPicPr>
           <p:nvPr/>
-        </p:nvSpPr>
-        <p:spPr>
-          <a:xfrm>
-            <a:off x="791091" y="5602137"/>
-            <a:ext cx="8498051" cy="599303"/>
+        </p:nvPicPr>
+        <p:blipFill>
+          <a:blip r:embed="rId2"/>
+          <a:stretch>
+            <a:fillRect/>
+          </a:stretch>
+        </p:blipFill>
+        <p:spPr>
+          <a:xfrm>
+            <a:off x="7368191" y="2514906"/>
+            <a:ext cx="4334400" cy="1661934"/>
           </a:xfrm>
           <a:prstGeom prst="rect">
             <a:avLst/>
           </a:prstGeom>
         </p:spPr>
-        <p:txBody>
-          <a:bodyPr vert="horz" lIns="91440" tIns="45720" rIns="91440" bIns="45720" rtlCol="0" anchor="b">
-            <a:noAutofit/>
+      </p:pic>
+      <p:sp>
+        <p:nvSpPr>
+          <p:cNvPr id="6" name="TextBox 5"/>
+          <p:cNvSpPr txBox="1"/>
+          <p:nvPr/>
+        </p:nvSpPr>
+        <p:spPr>
+          <a:xfrm>
+            <a:off x="342900" y="1444336"/>
+            <a:ext cx="7894149" cy="4154984"/>
+          </a:xfrm>
+          <a:prstGeom prst="rect">
+            <a:avLst/>
+          </a:prstGeom>
+          <a:noFill/>
+        </p:spPr>
+        <p:txBody>
+          <a:bodyPr wrap="none" rtlCol="0">
+            <a:spAutoFit/>
           </a:bodyPr>
-          <a:lstStyle>
-            <a:lvl1pPr algn="l" defTabSz="914400" rtl="0" eaLnBrk="1" latinLnBrk="0" hangingPunct="1">
-              <a:lnSpc>
-                <a:spcPct val="90000"/>
-              </a:lnSpc>
-              <a:spcBef>
-                <a:spcPct val="0"/>
-              </a:spcBef>
-              <a:buNone/>
-              <a:defRPr sz="3200" kern="1200">
-                <a:solidFill>
-                  <a:schemeClr val="tx1"/>
-                </a:solidFill>
-                <a:latin typeface="+mj-lt"/>
-                <a:ea typeface="+mj-ea"/>
-                <a:cs typeface="+mj-cs"/>
-              </a:defRPr>
-            </a:lvl1pPr>
-          </a:lstStyle>
-          <a:p>
-            <a:pPr>
-              <a:spcAft>
-                <a:spcPts val="1200"/>
-              </a:spcAft>
+          <a:lstStyle/>
+          <a:p>
+            <a:pPr marL="285750" indent="-285750">
+              <a:buFont typeface="Arial" panose="020B0604020202020204" pitchFamily="34" charset="0"/>
+              <a:buChar char="•"/>
             </a:pPr>
             <a:r>
-              <a:rPr lang="sl-SI" sz="6600" b="1" dirty="0" smtClean="0">
-                <a:latin typeface="Titillium Web" panose="00000500000000000000" pitchFamily="2" charset="-18"/>
-              </a:rPr>
-              <a:t>Part 4 </a:t>
-            </a:r>
-            <a:endParaRPr lang="sl-SI" sz="6600" dirty="0" smtClean="0">
-              <a:latin typeface="Titillium Web" panose="00000500000000000000" pitchFamily="2" charset="-18"/>
-            </a:endParaRPr>
-          </a:p>
-          <a:p>
-            <a:pPr>
-              <a:spcAft>
-                <a:spcPts val="1800"/>
-              </a:spcAft>
+              <a:rPr lang="sl-SI" sz="2400" dirty="0"/>
+              <a:t>P</a:t>
+            </a:r>
+            <a:r>
+              <a:rPr lang="sl-SI" sz="2400" dirty="0" smtClean="0"/>
+              <a:t>rogramming language + inference algorithms.</a:t>
+            </a:r>
+          </a:p>
+          <a:p>
+            <a:pPr marL="285750" indent="-285750">
+              <a:buFont typeface="Arial" panose="020B0604020202020204" pitchFamily="34" charset="0"/>
+              <a:buChar char="•"/>
             </a:pPr>
             <a:r>
-              <a:rPr lang="sl-SI" sz="6600" dirty="0">
-                <a:latin typeface="Titillium Web" panose="00000500000000000000" pitchFamily="2" charset="-18"/>
-              </a:rPr>
-              <a:t>MCMC-based inference First aid kit.</a:t>
+              <a:rPr lang="sl-SI" sz="2400" dirty="0" smtClean="0"/>
+              <a:t>Open source (BSD, PLv3).</a:t>
+            </a:r>
+          </a:p>
+          <a:p>
+            <a:pPr marL="285750" indent="-285750">
+              <a:buFont typeface="Arial" panose="020B0604020202020204" pitchFamily="34" charset="0"/>
+              <a:buChar char="•"/>
+            </a:pPr>
+            <a:r>
+              <a:rPr lang="sl-SI" sz="2400" dirty="0" smtClean="0"/>
+              <a:t>Written in C++ (Win, Mac, Linux).</a:t>
+            </a:r>
+          </a:p>
+          <a:p>
+            <a:pPr marL="285750" indent="-285750">
+              <a:buFont typeface="Arial" panose="020B0604020202020204" pitchFamily="34" charset="0"/>
+              <a:buChar char="•"/>
+            </a:pPr>
+            <a:r>
+              <a:rPr lang="sl-SI" sz="2400" dirty="0" smtClean="0"/>
+              <a:t>Stan PPL Models are compiled to C++ code.</a:t>
+            </a:r>
+          </a:p>
+          <a:p>
+            <a:pPr marL="285750" indent="-285750">
+              <a:buFont typeface="Arial" panose="020B0604020202020204" pitchFamily="34" charset="0"/>
+              <a:buChar char="•"/>
+            </a:pPr>
+            <a:r>
+              <a:rPr lang="sl-SI" sz="2400" dirty="0" smtClean="0"/>
+              <a:t>Interfaces for R, Python, MATLAB, Julia, Stata...</a:t>
+            </a:r>
+          </a:p>
+          <a:p>
+            <a:pPr marL="285750" indent="-285750">
+              <a:buFont typeface="Arial" panose="020B0604020202020204" pitchFamily="34" charset="0"/>
+              <a:buChar char="•"/>
+            </a:pPr>
+            <a:r>
+              <a:rPr lang="sl-SI" sz="2400" dirty="0" smtClean="0"/>
+              <a:t>Excellent manual, active community.</a:t>
+            </a:r>
+          </a:p>
+          <a:p>
+            <a:pPr marL="285750" indent="-285750">
+              <a:buFont typeface="Arial" panose="020B0604020202020204" pitchFamily="34" charset="0"/>
+              <a:buChar char="•"/>
+            </a:pPr>
+            <a:r>
+              <a:rPr lang="sl-SI" sz="2400" dirty="0" smtClean="0"/>
+              <a:t>Inference:</a:t>
+            </a:r>
+          </a:p>
+          <a:p>
+            <a:pPr marL="742950" lvl="1" indent="-285750">
+              <a:buFont typeface="Arial" panose="020B0604020202020204" pitchFamily="34" charset="0"/>
+              <a:buChar char="•"/>
+            </a:pPr>
+            <a:r>
+              <a:rPr lang="sl-SI" sz="2400" dirty="0" smtClean="0"/>
+              <a:t>Comprehensive Auto-differentiation library.</a:t>
+            </a:r>
+          </a:p>
+          <a:p>
+            <a:pPr marL="742950" lvl="1" indent="-285750">
+              <a:buFont typeface="Arial" panose="020B0604020202020204" pitchFamily="34" charset="0"/>
+              <a:buChar char="•"/>
+            </a:pPr>
+            <a:r>
+              <a:rPr lang="sl-SI" sz="2400" b="1" dirty="0" smtClean="0"/>
+              <a:t>MCMC</a:t>
+            </a:r>
+            <a:r>
+              <a:rPr lang="sl-SI" sz="2400" dirty="0" smtClean="0"/>
+              <a:t>: No-U-Turn-Sampler, Hamiltonian Monte Carlo.</a:t>
+            </a:r>
+          </a:p>
+          <a:p>
+            <a:pPr marL="742950" lvl="1" indent="-285750">
+              <a:buFont typeface="Arial" panose="020B0604020202020204" pitchFamily="34" charset="0"/>
+              <a:buChar char="•"/>
+            </a:pPr>
+            <a:r>
+              <a:rPr lang="sl-SI" sz="2400" dirty="0" smtClean="0"/>
+              <a:t>Approximate inference: Variational inference, Laplace.</a:t>
+            </a:r>
+          </a:p>
+          <a:p>
+            <a:pPr marL="742950" lvl="1" indent="-285750">
+              <a:buFont typeface="Arial" panose="020B0604020202020204" pitchFamily="34" charset="0"/>
+              <a:buChar char="•"/>
+            </a:pPr>
+            <a:r>
+              <a:rPr lang="sl-SI" sz="2400" dirty="0" smtClean="0"/>
+              <a:t>Optimization: L-BFGS.</a:t>
             </a:r>
           </a:p>
         </p:txBody>
@@ -12693,7 +14134,7 @@
     </p:spTree>
     <p:extLst>
       <p:ext uri="{BB962C8B-B14F-4D97-AF65-F5344CB8AC3E}">
-        <p14:creationId xmlns:p14="http://schemas.microsoft.com/office/powerpoint/2010/main" val="749206091"/>
+        <p14:creationId xmlns:p14="http://schemas.microsoft.com/office/powerpoint/2010/main" val="2120990797"/>
       </p:ext>
     </p:extLst>
   </p:cSld>
@@ -12729,268 +14170,186 @@
       </p:grpSpPr>
       <p:sp>
         <p:nvSpPr>
-          <p:cNvPr id="2" name="TextBox 1"/>
-          <p:cNvSpPr txBox="1"/>
+          <p:cNvPr id="19" name="Title 1"/>
+          <p:cNvSpPr txBox="1">
+            <a:spLocks/>
+          </p:cNvSpPr>
           <p:nvPr/>
         </p:nvSpPr>
         <p:spPr>
           <a:xfrm>
-            <a:off x="644236" y="1943100"/>
-            <a:ext cx="10681855" cy="4031873"/>
+            <a:off x="1895761" y="430539"/>
+            <a:ext cx="11154166" cy="668035"/>
           </a:xfrm>
           <a:prstGeom prst="rect">
             <a:avLst/>
           </a:prstGeom>
-          <a:noFill/>
-        </p:spPr>
-        <p:txBody>
-          <a:bodyPr wrap="square" rtlCol="0">
-            <a:spAutoFit/>
+        </p:spPr>
+        <p:txBody>
+          <a:bodyPr vert="horz" lIns="91440" tIns="45720" rIns="91440" bIns="45720" rtlCol="0" anchor="b">
+            <a:noAutofit/>
           </a:bodyPr>
-          <a:lstStyle/>
-          <a:p>
-            <a:pPr marL="285750" indent="-285750">
-              <a:buFont typeface="Arial" panose="020B0604020202020204" pitchFamily="34" charset="0"/>
-              <a:buChar char="•"/>
+          <a:lstStyle>
+            <a:lvl1pPr algn="l" defTabSz="914400" rtl="0" eaLnBrk="1" latinLnBrk="0" hangingPunct="1">
+              <a:lnSpc>
+                <a:spcPct val="90000"/>
+              </a:lnSpc>
+              <a:spcBef>
+                <a:spcPct val="0"/>
+              </a:spcBef>
+              <a:buNone/>
+              <a:defRPr sz="3200" kern="1200">
+                <a:solidFill>
+                  <a:schemeClr val="tx1"/>
+                </a:solidFill>
+                <a:latin typeface="+mj-lt"/>
+                <a:ea typeface="+mj-ea"/>
+                <a:cs typeface="+mj-cs"/>
+              </a:defRPr>
+            </a:lvl1pPr>
+          </a:lstStyle>
+          <a:p>
+            <a:pPr>
+              <a:spcAft>
+                <a:spcPts val="1200"/>
+              </a:spcAft>
             </a:pPr>
             <a:r>
-              <a:rPr lang="sl-SI" sz="2400" b="1" dirty="0" smtClean="0">
-                <a:latin typeface="Titillium Web" panose="00000500000000000000" pitchFamily="2" charset="-18"/>
-              </a:rPr>
-              <a:t>The posterior opinion p(</a:t>
-            </a:r>
-            <a:r>
-              <a:rPr lang="el-GR" sz="2400" b="1" dirty="0" smtClean="0">
+              <a:rPr lang="sl-SI" sz="2000" dirty="0" smtClean="0">
+                <a:latin typeface="Titillium Web" panose="00000500000000000000" pitchFamily="2" charset="-18"/>
+              </a:rPr>
+              <a:t>Our opinion about </a:t>
+            </a:r>
+            <a:r>
+              <a:rPr lang="el-GR" sz="2000" dirty="0" smtClean="0">
+                <a:solidFill>
+                  <a:srgbClr val="FF0000"/>
+                </a:solidFill>
                 <a:latin typeface="Titillium Web" panose="00000500000000000000" pitchFamily="2" charset="-18"/>
               </a:rPr>
               <a:t>θ</a:t>
             </a:r>
             <a:r>
-              <a:rPr lang="sl-SI" sz="2400" b="1" dirty="0" smtClean="0">
-                <a:latin typeface="Titillium Web" panose="00000500000000000000" pitchFamily="2" charset="-18"/>
-              </a:rPr>
-              <a:t>|y) is typically a high-dimensional function.</a:t>
-            </a:r>
-            <a:br>
-              <a:rPr lang="sl-SI" sz="2400" b="1" dirty="0" smtClean="0">
-                <a:latin typeface="Titillium Web" panose="00000500000000000000" pitchFamily="2" charset="-18"/>
-              </a:rPr>
-            </a:br>
-            <a:r>
-              <a:rPr lang="sl-SI" sz="1600" dirty="0" smtClean="0">
-                <a:latin typeface="Titillium Web" panose="00000500000000000000" pitchFamily="2" charset="-18"/>
-              </a:rPr>
-              <a:t>For example, linear regression with n input variables already has n+1 parameters.</a:t>
-            </a:r>
-            <a:br>
-              <a:rPr lang="sl-SI" sz="1600" dirty="0" smtClean="0">
-                <a:latin typeface="Titillium Web" panose="00000500000000000000" pitchFamily="2" charset="-18"/>
-              </a:rPr>
-            </a:br>
-            <a:endParaRPr lang="sl-SI" sz="1600" dirty="0" smtClean="0">
+              <a:rPr lang="sl-SI" sz="2000" dirty="0" smtClean="0">
+                <a:solidFill>
+                  <a:srgbClr val="FF0000"/>
+                </a:solidFill>
+                <a:latin typeface="Titillium Web" panose="00000500000000000000" pitchFamily="2" charset="-18"/>
+              </a:rPr>
+              <a:t> </a:t>
+            </a:r>
+            <a:r>
+              <a:rPr lang="sl-SI" sz="2000" b="1" dirty="0" smtClean="0">
+                <a:solidFill>
+                  <a:srgbClr val="1212FF"/>
+                </a:solidFill>
+                <a:latin typeface="Titillium Web" panose="00000500000000000000" pitchFamily="2" charset="-18"/>
+              </a:rPr>
+              <a:t>before </a:t>
+            </a:r>
+            <a:r>
+              <a:rPr lang="sl-SI" sz="2000" dirty="0" smtClean="0">
+                <a:latin typeface="Titillium Web" panose="00000500000000000000" pitchFamily="2" charset="-18"/>
+              </a:rPr>
+              <a:t>and</a:t>
+            </a:r>
+            <a:r>
+              <a:rPr lang="sl-SI" sz="2000" b="1" dirty="0" smtClean="0">
+                <a:latin typeface="Titillium Web" panose="00000500000000000000" pitchFamily="2" charset="-18"/>
+              </a:rPr>
+              <a:t> </a:t>
+            </a:r>
+            <a:r>
+              <a:rPr lang="sl-SI" sz="2000" b="1" dirty="0" smtClean="0">
+                <a:solidFill>
+                  <a:srgbClr val="FF0000"/>
+                </a:solidFill>
+                <a:latin typeface="Titillium Web" panose="00000500000000000000" pitchFamily="2" charset="-18"/>
+              </a:rPr>
+              <a:t>after </a:t>
+            </a:r>
+            <a:r>
+              <a:rPr lang="sl-SI" sz="2000" dirty="0" smtClean="0">
+                <a:latin typeface="Titillium Web" panose="00000500000000000000" pitchFamily="2" charset="-18"/>
+              </a:rPr>
+              <a:t>seeing all the data (1934 ones and 1066 zeros).</a:t>
+            </a:r>
+            <a:r>
+              <a:rPr lang="sl-SI" sz="2000" b="1" dirty="0" smtClean="0">
+                <a:latin typeface="Titillium Web" panose="00000500000000000000" pitchFamily="2" charset="-18"/>
+              </a:rPr>
+              <a:t> </a:t>
+            </a:r>
+            <a:endParaRPr lang="sl-SI" sz="2000" b="1" dirty="0">
               <a:latin typeface="Titillium Web" panose="00000500000000000000" pitchFamily="2" charset="-18"/>
             </a:endParaRPr>
           </a:p>
-          <a:p>
-            <a:pPr marL="285750" indent="-285750">
-              <a:buFont typeface="Arial" panose="020B0604020202020204" pitchFamily="34" charset="0"/>
-              <a:buChar char="•"/>
-            </a:pPr>
-            <a:r>
-              <a:rPr lang="sl-SI" sz="2400" b="1" dirty="0" smtClean="0">
-                <a:latin typeface="Titillium Web" panose="00000500000000000000" pitchFamily="2" charset="-18"/>
-              </a:rPr>
-              <a:t>Any </a:t>
-            </a:r>
-            <a:r>
-              <a:rPr lang="sl-SI" sz="2400" b="1" dirty="0" smtClean="0">
-                <a:solidFill>
-                  <a:srgbClr val="FF0000"/>
-                </a:solidFill>
-                <a:latin typeface="Titillium Web" panose="00000500000000000000" pitchFamily="2" charset="-18"/>
-              </a:rPr>
-              <a:t>general-purpose </a:t>
-            </a:r>
-            <a:r>
-              <a:rPr lang="sl-SI" sz="2400" b="1" dirty="0" smtClean="0">
-                <a:latin typeface="Titillium Web" panose="00000500000000000000" pitchFamily="2" charset="-18"/>
-              </a:rPr>
-              <a:t>inference algorithm is limited to evaluating </a:t>
-            </a:r>
-            <a:r>
-              <a:rPr lang="sl-SI" sz="2400" b="1" dirty="0">
-                <a:latin typeface="Titillium Web" panose="00000500000000000000" pitchFamily="2" charset="-18"/>
-              </a:rPr>
-              <a:t>p(</a:t>
-            </a:r>
-            <a:r>
-              <a:rPr lang="el-GR" sz="2400" b="1" dirty="0">
-                <a:latin typeface="Titillium Web" panose="00000500000000000000" pitchFamily="2" charset="-18"/>
-              </a:rPr>
-              <a:t>θ</a:t>
-            </a:r>
-            <a:r>
-              <a:rPr lang="sl-SI" sz="2400" b="1" dirty="0">
-                <a:latin typeface="Titillium Web" panose="00000500000000000000" pitchFamily="2" charset="-18"/>
-              </a:rPr>
-              <a:t>|y</a:t>
-            </a:r>
-            <a:r>
-              <a:rPr lang="sl-SI" sz="2400" b="1" dirty="0" smtClean="0">
-                <a:latin typeface="Titillium Web" panose="00000500000000000000" pitchFamily="2" charset="-18"/>
-              </a:rPr>
-              <a:t>).</a:t>
-            </a:r>
-            <a:br>
-              <a:rPr lang="sl-SI" sz="2400" b="1" dirty="0" smtClean="0">
-                <a:latin typeface="Titillium Web" panose="00000500000000000000" pitchFamily="2" charset="-18"/>
-              </a:rPr>
-            </a:br>
-            <a:r>
-              <a:rPr lang="sl-SI" sz="1600" dirty="0" smtClean="0">
-                <a:latin typeface="Titillium Web" panose="00000500000000000000" pitchFamily="2" charset="-18"/>
-              </a:rPr>
-              <a:t>The user can specify a variety of models and prior opinions, most of which result in intractable posterior opinions.</a:t>
-            </a:r>
-          </a:p>
-          <a:p>
-            <a:endParaRPr lang="sl-SI" sz="1600" dirty="0">
-              <a:latin typeface="Titillium Web" panose="00000500000000000000" pitchFamily="2" charset="-18"/>
-            </a:endParaRPr>
-          </a:p>
-          <a:p>
-            <a:pPr marL="285750" indent="-285750">
-              <a:buFont typeface="Arial" panose="020B0604020202020204" pitchFamily="34" charset="0"/>
-              <a:buChar char="•"/>
-            </a:pPr>
-            <a:r>
-              <a:rPr lang="sl-SI" sz="2400" b="1" dirty="0" smtClean="0">
-                <a:latin typeface="Titillium Web" panose="00000500000000000000" pitchFamily="2" charset="-18"/>
-              </a:rPr>
-              <a:t>It is computationally intractable to get a global understanding of p(</a:t>
-            </a:r>
-            <a:r>
-              <a:rPr lang="el-GR" sz="2400" b="1" dirty="0">
-                <a:latin typeface="Titillium Web" panose="00000500000000000000" pitchFamily="2" charset="-18"/>
-              </a:rPr>
-              <a:t>θ</a:t>
-            </a:r>
-            <a:r>
-              <a:rPr lang="sl-SI" sz="2400" b="1" dirty="0">
-                <a:latin typeface="Titillium Web" panose="00000500000000000000" pitchFamily="2" charset="-18"/>
-              </a:rPr>
-              <a:t>|y</a:t>
-            </a:r>
-            <a:r>
-              <a:rPr lang="sl-SI" sz="2400" b="1" dirty="0" smtClean="0">
-                <a:latin typeface="Titillium Web" panose="00000500000000000000" pitchFamily="2" charset="-18"/>
-              </a:rPr>
-              <a:t>) if we can only evaluate it at any point.</a:t>
-            </a:r>
-            <a:r>
-              <a:rPr lang="sl-SI" sz="2400" b="1" dirty="0">
-                <a:latin typeface="Titillium Web" panose="00000500000000000000" pitchFamily="2" charset="-18"/>
-              </a:rPr>
-              <a:t/>
-            </a:r>
-            <a:br>
-              <a:rPr lang="sl-SI" sz="2400" b="1" dirty="0">
-                <a:latin typeface="Titillium Web" panose="00000500000000000000" pitchFamily="2" charset="-18"/>
-              </a:rPr>
-            </a:br>
-            <a:r>
-              <a:rPr lang="sl-SI" sz="1600" dirty="0">
-                <a:latin typeface="Titillium Web" panose="00000500000000000000" pitchFamily="2" charset="-18"/>
-              </a:rPr>
-              <a:t>The user can specify a variety of models and prior opinions, most of which result in intractable posterior opinions.</a:t>
-            </a:r>
-          </a:p>
-          <a:p>
-            <a:pPr marL="285750" indent="-285750">
-              <a:buFont typeface="Arial" panose="020B0604020202020204" pitchFamily="34" charset="0"/>
-              <a:buChar char="•"/>
-            </a:pPr>
-            <a:endParaRPr lang="sl-SI" sz="1600" b="1" dirty="0">
-              <a:latin typeface="Titillium Web" panose="00000500000000000000" pitchFamily="2" charset="-18"/>
-            </a:endParaRPr>
-          </a:p>
-          <a:p>
-            <a:pPr marL="285750" indent="-285750">
-              <a:buFont typeface="Arial" panose="020B0604020202020204" pitchFamily="34" charset="0"/>
-              <a:buChar char="•"/>
-            </a:pPr>
-            <a:r>
-              <a:rPr lang="sl-SI" sz="2400" b="1" dirty="0" smtClean="0">
-                <a:latin typeface="Titillium Web" panose="00000500000000000000" pitchFamily="2" charset="-18"/>
-              </a:rPr>
-              <a:t>Without a global understanding of a function, we can‘t efficiently get completely independent samples.</a:t>
-            </a:r>
-            <a:r>
-              <a:rPr lang="sl-SI" sz="2400" b="1" dirty="0">
-                <a:latin typeface="Titillium Web" panose="00000500000000000000" pitchFamily="2" charset="-18"/>
-              </a:rPr>
-              <a:t/>
-            </a:r>
-            <a:br>
-              <a:rPr lang="sl-SI" sz="2400" b="1" dirty="0">
-                <a:latin typeface="Titillium Web" panose="00000500000000000000" pitchFamily="2" charset="-18"/>
-              </a:rPr>
-            </a:br>
-            <a:r>
-              <a:rPr lang="sl-SI" sz="1600" dirty="0" smtClean="0">
-                <a:latin typeface="Titillium Web" panose="00000500000000000000" pitchFamily="2" charset="-18"/>
-              </a:rPr>
-              <a:t>The best we can count on are dependent samples but this introduces new problems.</a:t>
-            </a:r>
-            <a:endParaRPr lang="sl-SI" sz="1600" dirty="0">
-              <a:latin typeface="Titillium Web" panose="00000500000000000000" pitchFamily="2" charset="-18"/>
-            </a:endParaRPr>
-          </a:p>
-        </p:txBody>
-      </p:sp>
-      <p:sp>
-        <p:nvSpPr>
-          <p:cNvPr id="4" name="Title 1"/>
-          <p:cNvSpPr>
-            <a:spLocks noGrp="1"/>
-          </p:cNvSpPr>
-          <p:nvPr>
-            <p:ph type="title"/>
-          </p:nvPr>
-        </p:nvSpPr>
-        <p:spPr>
-          <a:xfrm>
-            <a:off x="374224" y="930200"/>
-            <a:ext cx="8894467" cy="599303"/>
-          </a:xfrm>
-        </p:spPr>
-        <p:txBody>
-          <a:bodyPr>
-            <a:noAutofit/>
-          </a:bodyPr>
-          <a:lstStyle/>
-          <a:p>
-            <a:r>
-              <a:rPr lang="sl-SI" sz="4400" b="1" dirty="0" smtClean="0">
-                <a:latin typeface="Titillium Web" panose="00000500000000000000" pitchFamily="2" charset="-18"/>
-              </a:rPr>
-              <a:t>Why do we have to resort to sampling-based approximation?</a:t>
-            </a:r>
-            <a:endParaRPr lang="sl-SI" sz="2400" dirty="0">
-              <a:solidFill>
-                <a:schemeClr val="bg1">
-                  <a:lumMod val="95000"/>
-                </a:schemeClr>
-              </a:solidFill>
-              <a:latin typeface="Titillium Web" panose="00000500000000000000" pitchFamily="2" charset="-18"/>
-            </a:endParaRPr>
-          </a:p>
-        </p:txBody>
-      </p:sp>
+        </p:txBody>
+      </p:sp>
+      <p:pic>
+        <p:nvPicPr>
+          <p:cNvPr id="4" name="Picture 3"/>
+          <p:cNvPicPr>
+            <a:picLocks noChangeAspect="1"/>
+          </p:cNvPicPr>
+          <p:nvPr/>
+        </p:nvPicPr>
+        <p:blipFill>
+          <a:blip r:embed="rId2" cstate="print">
+            <a:extLst>
+              <a:ext uri="{28A0092B-C50C-407E-A947-70E740481C1C}">
+                <a14:useLocalDpi xmlns:a14="http://schemas.microsoft.com/office/drawing/2010/main" val="0"/>
+              </a:ext>
+            </a:extLst>
+          </a:blip>
+          <a:stretch>
+            <a:fillRect/>
+          </a:stretch>
+        </p:blipFill>
+        <p:spPr>
+          <a:xfrm>
+            <a:off x="883914" y="1571102"/>
+            <a:ext cx="4876805" cy="3901444"/>
+          </a:xfrm>
+          <a:prstGeom prst="rect">
+            <a:avLst/>
+          </a:prstGeom>
+        </p:spPr>
+      </p:pic>
+      <p:pic>
+        <p:nvPicPr>
+          <p:cNvPr id="3" name="Picture 2"/>
+          <p:cNvPicPr>
+            <a:picLocks noChangeAspect="1"/>
+          </p:cNvPicPr>
+          <p:nvPr/>
+        </p:nvPicPr>
+        <p:blipFill>
+          <a:blip r:embed="rId3" cstate="print">
+            <a:extLst>
+              <a:ext uri="{28A0092B-C50C-407E-A947-70E740481C1C}">
+                <a14:useLocalDpi xmlns:a14="http://schemas.microsoft.com/office/drawing/2010/main" val="0"/>
+              </a:ext>
+            </a:extLst>
+          </a:blip>
+          <a:stretch>
+            <a:fillRect/>
+          </a:stretch>
+        </p:blipFill>
+        <p:spPr>
+          <a:xfrm>
+            <a:off x="6438895" y="1571102"/>
+            <a:ext cx="4876805" cy="3901444"/>
+          </a:xfrm>
+          <a:prstGeom prst="rect">
+            <a:avLst/>
+          </a:prstGeom>
+        </p:spPr>
+      </p:pic>
     </p:spTree>
     <p:extLst>
       <p:ext uri="{BB962C8B-B14F-4D97-AF65-F5344CB8AC3E}">
-        <p14:creationId xmlns:p14="http://schemas.microsoft.com/office/powerpoint/2010/main" val="215864369"/>
+        <p14:creationId xmlns:p14="http://schemas.microsoft.com/office/powerpoint/2010/main" val="1023253257"/>
       </p:ext>
     </p:extLst>
   </p:cSld>
@@ -13024,33 +14383,9 @@
           <a:chExt cx="0" cy="0"/>
         </a:xfrm>
       </p:grpSpPr>
-      <p:pic>
-        <p:nvPicPr>
-          <p:cNvPr id="3" name="Picture 2"/>
-          <p:cNvPicPr>
-            <a:picLocks noChangeAspect="1"/>
-          </p:cNvPicPr>
-          <p:nvPr/>
-        </p:nvPicPr>
-        <p:blipFill>
-          <a:blip r:embed="rId2"/>
-          <a:stretch>
-            <a:fillRect/>
-          </a:stretch>
-        </p:blipFill>
-        <p:spPr>
-          <a:xfrm>
-            <a:off x="5076409" y="1052555"/>
-            <a:ext cx="6641715" cy="4880655"/>
-          </a:xfrm>
-          <a:prstGeom prst="rect">
-            <a:avLst/>
-          </a:prstGeom>
-        </p:spPr>
-      </p:pic>
-      <p:sp>
-        <p:nvSpPr>
-          <p:cNvPr id="5" name="Title 1"/>
+      <p:sp>
+        <p:nvSpPr>
+          <p:cNvPr id="19" name="Title 1"/>
           <p:cNvSpPr txBox="1">
             <a:spLocks/>
           </p:cNvSpPr>
@@ -13058,8 +14393,8 @@
         </p:nvSpPr>
         <p:spPr>
           <a:xfrm>
-            <a:off x="266696" y="6258697"/>
-            <a:ext cx="5978240" cy="599303"/>
+            <a:off x="1895761" y="430539"/>
+            <a:ext cx="11154166" cy="668035"/>
           </a:xfrm>
           <a:prstGeom prst="rect">
             <a:avLst/>
@@ -13095,153 +14430,216 @@
               </a:spcAft>
             </a:pPr>
             <a:r>
-              <a:rPr lang="sl-SI" sz="1800" dirty="0" smtClean="0">
-                <a:latin typeface="Titillium Web" panose="00000500000000000000" pitchFamily="2" charset="-18"/>
-              </a:rPr>
-              <a:t>MCMC methods are based on constructing a sequence of dependent samples (a Markov Chain) that will eventually converge to the target density.</a:t>
-            </a:r>
-          </a:p>
-          <a:p>
-            <a:pPr marL="457200" indent="-457200">
+              <a:rPr lang="sl-SI" sz="2000" dirty="0" smtClean="0">
+                <a:latin typeface="Titillium Web" panose="00000500000000000000" pitchFamily="2" charset="-18"/>
+              </a:rPr>
+              <a:t>Our opinion about </a:t>
+            </a:r>
+            <a:r>
+              <a:rPr lang="el-GR" sz="2000" dirty="0" smtClean="0">
+                <a:solidFill>
+                  <a:srgbClr val="FF0000"/>
+                </a:solidFill>
+                <a:latin typeface="Titillium Web" panose="00000500000000000000" pitchFamily="2" charset="-18"/>
+              </a:rPr>
+              <a:t>θ</a:t>
+            </a:r>
+            <a:r>
+              <a:rPr lang="sl-SI" sz="2000" dirty="0" smtClean="0">
+                <a:solidFill>
+                  <a:srgbClr val="FF0000"/>
+                </a:solidFill>
+                <a:latin typeface="Titillium Web" panose="00000500000000000000" pitchFamily="2" charset="-18"/>
+              </a:rPr>
+              <a:t> </a:t>
+            </a:r>
+            <a:r>
+              <a:rPr lang="sl-SI" sz="2000" b="1" dirty="0" smtClean="0">
+                <a:solidFill>
+                  <a:srgbClr val="1212FF"/>
+                </a:solidFill>
+                <a:latin typeface="Titillium Web" panose="00000500000000000000" pitchFamily="2" charset="-18"/>
+              </a:rPr>
+              <a:t>before </a:t>
+            </a:r>
+            <a:r>
+              <a:rPr lang="sl-SI" sz="2000" dirty="0" smtClean="0">
+                <a:latin typeface="Titillium Web" panose="00000500000000000000" pitchFamily="2" charset="-18"/>
+              </a:rPr>
+              <a:t>and</a:t>
+            </a:r>
+            <a:r>
+              <a:rPr lang="sl-SI" sz="2000" b="1" dirty="0" smtClean="0">
+                <a:latin typeface="Titillium Web" panose="00000500000000000000" pitchFamily="2" charset="-18"/>
+              </a:rPr>
+              <a:t> </a:t>
+            </a:r>
+            <a:r>
+              <a:rPr lang="sl-SI" sz="2000" b="1" dirty="0" smtClean="0">
+                <a:solidFill>
+                  <a:srgbClr val="FF0000"/>
+                </a:solidFill>
+                <a:latin typeface="Titillium Web" panose="00000500000000000000" pitchFamily="2" charset="-18"/>
+              </a:rPr>
+              <a:t>after </a:t>
+            </a:r>
+            <a:r>
+              <a:rPr lang="sl-SI" sz="2000" dirty="0" smtClean="0">
+                <a:latin typeface="Titillium Web" panose="00000500000000000000" pitchFamily="2" charset="-18"/>
+              </a:rPr>
+              <a:t>seeing all the data (1934 ones and 1066 zeros).</a:t>
+            </a:r>
+            <a:r>
+              <a:rPr lang="sl-SI" sz="2000" b="1" dirty="0" smtClean="0">
+                <a:latin typeface="Titillium Web" panose="00000500000000000000" pitchFamily="2" charset="-18"/>
+              </a:rPr>
+              <a:t> </a:t>
+            </a:r>
+            <a:endParaRPr lang="sl-SI" sz="2000" b="1" dirty="0">
+              <a:latin typeface="Titillium Web" panose="00000500000000000000" pitchFamily="2" charset="-18"/>
+            </a:endParaRPr>
+          </a:p>
+        </p:txBody>
+      </p:sp>
+      <p:pic>
+        <p:nvPicPr>
+          <p:cNvPr id="4" name="Picture 3"/>
+          <p:cNvPicPr>
+            <a:picLocks noChangeAspect="1"/>
+          </p:cNvPicPr>
+          <p:nvPr/>
+        </p:nvPicPr>
+        <p:blipFill>
+          <a:blip r:embed="rId2" cstate="print">
+            <a:extLst>
+              <a:ext uri="{28A0092B-C50C-407E-A947-70E740481C1C}">
+                <a14:useLocalDpi xmlns:a14="http://schemas.microsoft.com/office/drawing/2010/main" val="0"/>
+              </a:ext>
+            </a:extLst>
+          </a:blip>
+          <a:stretch>
+            <a:fillRect/>
+          </a:stretch>
+        </p:blipFill>
+        <p:spPr>
+          <a:xfrm>
+            <a:off x="883914" y="1571102"/>
+            <a:ext cx="4876805" cy="3901444"/>
+          </a:xfrm>
+          <a:prstGeom prst="rect">
+            <a:avLst/>
+          </a:prstGeom>
+        </p:spPr>
+      </p:pic>
+      <p:pic>
+        <p:nvPicPr>
+          <p:cNvPr id="3" name="Picture 2"/>
+          <p:cNvPicPr>
+            <a:picLocks noChangeAspect="1"/>
+          </p:cNvPicPr>
+          <p:nvPr/>
+        </p:nvPicPr>
+        <p:blipFill>
+          <a:blip r:embed="rId3" cstate="print">
+            <a:extLst>
+              <a:ext uri="{28A0092B-C50C-407E-A947-70E740481C1C}">
+                <a14:useLocalDpi xmlns:a14="http://schemas.microsoft.com/office/drawing/2010/main" val="0"/>
+              </a:ext>
+            </a:extLst>
+          </a:blip>
+          <a:stretch>
+            <a:fillRect/>
+          </a:stretch>
+        </p:blipFill>
+        <p:spPr>
+          <a:xfrm>
+            <a:off x="6324595" y="1571102"/>
+            <a:ext cx="4876805" cy="3901444"/>
+          </a:xfrm>
+          <a:prstGeom prst="rect">
+            <a:avLst/>
+          </a:prstGeom>
+        </p:spPr>
+      </p:pic>
+      <p:sp>
+        <p:nvSpPr>
+          <p:cNvPr id="7" name="Title 1"/>
+          <p:cNvSpPr txBox="1">
+            <a:spLocks/>
+          </p:cNvSpPr>
+          <p:nvPr/>
+        </p:nvSpPr>
+        <p:spPr>
+          <a:xfrm>
+            <a:off x="1223234" y="5945074"/>
+            <a:ext cx="10202722" cy="668035"/>
+          </a:xfrm>
+          <a:prstGeom prst="rect">
+            <a:avLst/>
+          </a:prstGeom>
+        </p:spPr>
+        <p:txBody>
+          <a:bodyPr vert="horz" lIns="91440" tIns="45720" rIns="91440" bIns="45720" rtlCol="0" anchor="b">
+            <a:noAutofit/>
+          </a:bodyPr>
+          <a:lstStyle>
+            <a:lvl1pPr algn="l" defTabSz="914400" rtl="0" eaLnBrk="1" latinLnBrk="0" hangingPunct="1">
+              <a:lnSpc>
+                <a:spcPct val="90000"/>
+              </a:lnSpc>
+              <a:spcBef>
+                <a:spcPct val="0"/>
+              </a:spcBef>
+              <a:buNone/>
+              <a:defRPr sz="3200" kern="1200">
+                <a:solidFill>
+                  <a:schemeClr val="tx1"/>
+                </a:solidFill>
+                <a:latin typeface="+mj-lt"/>
+                <a:ea typeface="+mj-ea"/>
+                <a:cs typeface="+mj-cs"/>
+              </a:defRPr>
+            </a:lvl1pPr>
+          </a:lstStyle>
+          <a:p>
+            <a:pPr>
               <a:spcAft>
                 <a:spcPts val="1200"/>
               </a:spcAft>
-              <a:buFont typeface="Arial" panose="020B0604020202020204" pitchFamily="34" charset="0"/>
-              <a:buChar char="•"/>
             </a:pPr>
-            <a:endParaRPr lang="sl-SI" sz="1800" dirty="0">
-              <a:latin typeface="Titillium Web" panose="00000500000000000000" pitchFamily="2" charset="-18"/>
-            </a:endParaRPr>
-          </a:p>
-          <a:p>
-            <a:pPr marL="457200" indent="-457200">
+            <a:r>
+              <a:rPr lang="sl-SI" sz="1600" dirty="0" smtClean="0">
+                <a:latin typeface="Titillium Web" panose="00000500000000000000" pitchFamily="2" charset="-18"/>
+              </a:rPr>
+              <a:t>Modern general-purpuse Bayesian inference is MCMC-based (Markov Chain Monte Carlo).</a:t>
+            </a:r>
+          </a:p>
+          <a:p>
+            <a:pPr>
               <a:spcAft>
                 <a:spcPts val="1200"/>
               </a:spcAft>
-              <a:buFont typeface="+mj-lt"/>
-              <a:buAutoNum type="arabicPeriod"/>
             </a:pPr>
             <a:r>
-              <a:rPr lang="sl-SI" sz="1800" dirty="0" smtClean="0">
-                <a:latin typeface="Titillium Web" panose="00000500000000000000" pitchFamily="2" charset="-18"/>
-              </a:rPr>
-              <a:t>Typically, the samples are autocorrelated.</a:t>
-            </a:r>
-          </a:p>
-          <a:p>
-            <a:pPr marL="457200" indent="-457200">
+              <a:rPr lang="sl-SI" sz="1600" b="1" dirty="0" smtClean="0">
+                <a:latin typeface="Titillium Web" panose="00000500000000000000" pitchFamily="2" charset="-18"/>
+              </a:rPr>
+              <a:t>We get samples that converge to the true distribution.</a:t>
+            </a:r>
+          </a:p>
+          <a:p>
+            <a:pPr>
               <a:spcAft>
                 <a:spcPts val="1200"/>
               </a:spcAft>
-              <a:buFont typeface="+mj-lt"/>
-              <a:buAutoNum type="arabicPeriod"/>
             </a:pPr>
             <a:r>
-              <a:rPr lang="sl-SI" sz="1800" dirty="0" smtClean="0">
-                <a:latin typeface="Titillium Web" panose="00000500000000000000" pitchFamily="2" charset="-18"/>
-              </a:rPr>
-              <a:t>Autocorrelation increases approximation error and we need more samples (compared to independent sampling).</a:t>
-            </a:r>
-          </a:p>
-          <a:p>
-            <a:pPr marL="457200" indent="-457200">
-              <a:spcAft>
-                <a:spcPts val="1200"/>
-              </a:spcAft>
-              <a:buFont typeface="+mj-lt"/>
-              <a:buAutoNum type="arabicPeriod"/>
-            </a:pPr>
-            <a:r>
-              <a:rPr lang="sl-SI" sz="1800" dirty="0" smtClean="0">
-                <a:latin typeface="Titillium Web" panose="00000500000000000000" pitchFamily="2" charset="-18"/>
-              </a:rPr>
-              <a:t>Extreme autocorrelation can result in useless results.</a:t>
-            </a:r>
-          </a:p>
-          <a:p>
-            <a:pPr marL="457200" indent="-457200">
-              <a:spcAft>
-                <a:spcPts val="1200"/>
-              </a:spcAft>
-              <a:buFont typeface="+mj-lt"/>
-              <a:buAutoNum type="arabicPeriod"/>
-            </a:pPr>
-            <a:r>
-              <a:rPr lang="sl-SI" sz="1800" dirty="0" smtClean="0">
-                <a:latin typeface="Titillium Web" panose="00000500000000000000" pitchFamily="2" charset="-18"/>
-              </a:rPr>
-              <a:t>Severe problems can typically be diagnosed by:</a:t>
-            </a:r>
-          </a:p>
-          <a:p>
-            <a:pPr marL="914400" lvl="1" indent="-457200">
-              <a:spcAft>
-                <a:spcPts val="1200"/>
-              </a:spcAft>
-              <a:buFont typeface="+mj-lt"/>
-              <a:buAutoNum type="alphaLcParenR"/>
-            </a:pPr>
-            <a:r>
-              <a:rPr lang="sl-SI" sz="1600" dirty="0" smtClean="0">
-                <a:latin typeface="Titillium Web" panose="00000500000000000000" pitchFamily="2" charset="-18"/>
-              </a:rPr>
-              <a:t>lotting a traceplot for the parameters of interest.</a:t>
-            </a:r>
-          </a:p>
-          <a:p>
-            <a:pPr marL="914400" lvl="1" indent="-457200">
-              <a:spcAft>
-                <a:spcPts val="1200"/>
-              </a:spcAft>
-              <a:buFont typeface="+mj-lt"/>
-              <a:buAutoNum type="alphaLcParenR"/>
-            </a:pPr>
-            <a:r>
-              <a:rPr lang="sl-SI" sz="1800" dirty="0" smtClean="0">
-                <a:latin typeface="Titillium Web" panose="00000500000000000000" pitchFamily="2" charset="-18"/>
-              </a:rPr>
-              <a:t>Running several chains and checking if they all eventually result in the same distribution.</a:t>
-            </a:r>
-          </a:p>
-          <a:p>
-            <a:pPr marL="914400" lvl="1" indent="-457200">
-              <a:spcAft>
-                <a:spcPts val="1200"/>
-              </a:spcAft>
-              <a:buFont typeface="+mj-lt"/>
-              <a:buAutoNum type="alphaLcParenR"/>
-            </a:pPr>
-            <a:r>
-              <a:rPr lang="sl-SI" dirty="0">
-                <a:latin typeface="Titillium Web" panose="00000500000000000000" pitchFamily="2" charset="-18"/>
-              </a:rPr>
-              <a:t>Effective Sample </a:t>
-            </a:r>
-            <a:r>
-              <a:rPr lang="sl-SI" dirty="0" smtClean="0">
-                <a:latin typeface="Titillium Web" panose="00000500000000000000" pitchFamily="2" charset="-18"/>
-              </a:rPr>
-              <a:t>Size: ESS is a</a:t>
-            </a:r>
-            <a:r>
-              <a:rPr lang="sl-SI" sz="1800" dirty="0" smtClean="0">
-                <a:latin typeface="Titillium Web" panose="00000500000000000000" pitchFamily="2" charset="-18"/>
-              </a:rPr>
-              <a:t> simple single-number summary of the effectiveness of a MCMC sampler is ESS – The number of independent samples our samples are equivalent to.</a:t>
-            </a:r>
-            <a:endParaRPr lang="sl-SI" sz="800" dirty="0" smtClean="0">
-              <a:latin typeface="Titillium Web" panose="00000500000000000000" pitchFamily="2" charset="-18"/>
-            </a:endParaRPr>
-          </a:p>
-          <a:p>
-            <a:pPr marL="457200" indent="-457200">
-              <a:spcAft>
-                <a:spcPts val="1200"/>
-              </a:spcAft>
-              <a:buFont typeface="Arial" panose="020B0604020202020204" pitchFamily="34" charset="0"/>
-              <a:buChar char="•"/>
-            </a:pPr>
-            <a:endParaRPr lang="sl-SI" dirty="0">
+              <a:rPr lang="sl-SI" sz="1600" b="1" dirty="0" smtClean="0">
+                <a:latin typeface="Titillium Web" panose="00000500000000000000" pitchFamily="2" charset="-18"/>
+              </a:rPr>
+              <a:t>That is, we only get approximate solutions.</a:t>
+            </a:r>
+            <a:endParaRPr lang="sl-SI" sz="1600" b="1" dirty="0">
               <a:latin typeface="Titillium Web" panose="00000500000000000000" pitchFamily="2" charset="-18"/>
             </a:endParaRPr>
           </a:p>
@@ -13250,7 +14648,7 @@
     </p:spTree>
     <p:extLst>
       <p:ext uri="{BB962C8B-B14F-4D97-AF65-F5344CB8AC3E}">
-        <p14:creationId xmlns:p14="http://schemas.microsoft.com/office/powerpoint/2010/main" val="3065548623"/>
+        <p14:creationId xmlns:p14="http://schemas.microsoft.com/office/powerpoint/2010/main" val="2441976733"/>
       </p:ext>
     </p:extLst>
   </p:cSld>
@@ -13286,268 +14684,79 @@
       </p:grpSpPr>
       <p:sp>
         <p:nvSpPr>
-          <p:cNvPr id="6" name="Title 1"/>
-          <p:cNvSpPr>
-            <a:spLocks noGrp="1"/>
+          <p:cNvPr id="10" name="Title 1"/>
+          <p:cNvSpPr txBox="1">
+            <a:spLocks/>
           </p:cNvSpPr>
-          <p:nvPr>
-            <p:ph type="title"/>
-          </p:nvPr>
-        </p:nvSpPr>
-        <p:spPr>
-          <a:xfrm>
-            <a:off x="239142" y="348309"/>
-            <a:ext cx="8894467" cy="599303"/>
-          </a:xfrm>
-        </p:spPr>
-        <p:txBody>
-          <a:bodyPr>
-            <a:noAutofit/>
-          </a:bodyPr>
-          <a:lstStyle/>
-          <a:p>
-            <a:r>
-              <a:rPr lang="sl-SI" sz="4400" b="1" dirty="0" smtClean="0">
-                <a:latin typeface="Titillium Web" panose="00000500000000000000" pitchFamily="2" charset="-18"/>
-              </a:rPr>
-              <a:t>Our Stan example</a:t>
-            </a:r>
-            <a:endParaRPr lang="sl-SI" sz="2400" dirty="0">
-              <a:solidFill>
-                <a:schemeClr val="bg1">
-                  <a:lumMod val="95000"/>
-                </a:schemeClr>
-              </a:solidFill>
-              <a:latin typeface="Titillium Web" panose="00000500000000000000" pitchFamily="2" charset="-18"/>
-            </a:endParaRPr>
-          </a:p>
-        </p:txBody>
-      </p:sp>
-      <p:pic>
-        <p:nvPicPr>
-          <p:cNvPr id="4" name="Picture 3"/>
-          <p:cNvPicPr>
-            <a:picLocks noChangeAspect="1"/>
-          </p:cNvPicPr>
           <p:nvPr/>
-        </p:nvPicPr>
-        <p:blipFill rotWithShape="1">
-          <a:blip r:embed="rId2"/>
-          <a:srcRect t="70001" r="68040" b="11969"/>
-          <a:stretch/>
-        </p:blipFill>
-        <p:spPr>
-          <a:xfrm>
-            <a:off x="779317" y="1584085"/>
-            <a:ext cx="5205847" cy="1651989"/>
+        </p:nvSpPr>
+        <p:spPr>
+          <a:xfrm>
+            <a:off x="791091" y="5602137"/>
+            <a:ext cx="8498051" cy="599303"/>
           </a:xfrm>
           <a:prstGeom prst="rect">
             <a:avLst/>
           </a:prstGeom>
         </p:spPr>
-      </p:pic>
-      <p:pic>
-        <p:nvPicPr>
-          <p:cNvPr id="7" name="Picture 6"/>
-          <p:cNvPicPr>
-            <a:picLocks noChangeAspect="1"/>
-          </p:cNvPicPr>
-          <p:nvPr/>
-        </p:nvPicPr>
-        <p:blipFill rotWithShape="1">
-          <a:blip r:embed="rId3"/>
-          <a:srcRect r="20265" b="20328"/>
-          <a:stretch/>
-        </p:blipFill>
-        <p:spPr>
-          <a:xfrm>
-            <a:off x="5793268" y="4738769"/>
-            <a:ext cx="6047510" cy="1672576"/>
-          </a:xfrm>
-          <a:prstGeom prst="rect">
-            <a:avLst/>
-          </a:prstGeom>
-        </p:spPr>
-      </p:pic>
-      <p:pic>
-        <p:nvPicPr>
-          <p:cNvPr id="8" name="Picture 7"/>
-          <p:cNvPicPr>
-            <a:picLocks noChangeAspect="1"/>
-          </p:cNvPicPr>
-          <p:nvPr/>
-        </p:nvPicPr>
-        <p:blipFill rotWithShape="1">
-          <a:blip r:embed="rId4"/>
-          <a:srcRect r="23097" b="20528"/>
-          <a:stretch/>
-        </p:blipFill>
-        <p:spPr>
-          <a:xfrm>
-            <a:off x="6463314" y="1322475"/>
-            <a:ext cx="4057649" cy="2771612"/>
-          </a:xfrm>
-          <a:prstGeom prst="rect">
-            <a:avLst/>
-          </a:prstGeom>
-        </p:spPr>
-      </p:pic>
-      <p:pic>
-        <p:nvPicPr>
-          <p:cNvPr id="9" name="Picture 8"/>
-          <p:cNvPicPr>
-            <a:picLocks noChangeAspect="1"/>
-          </p:cNvPicPr>
-          <p:nvPr/>
-        </p:nvPicPr>
-        <p:blipFill rotWithShape="1">
-          <a:blip r:embed="rId5"/>
-          <a:srcRect r="22030" b="20317"/>
-          <a:stretch/>
-        </p:blipFill>
-        <p:spPr>
-          <a:xfrm>
-            <a:off x="779317" y="3759294"/>
-            <a:ext cx="4702167" cy="2901022"/>
-          </a:xfrm>
-          <a:prstGeom prst="rect">
-            <a:avLst/>
-          </a:prstGeom>
-        </p:spPr>
-      </p:pic>
-      <p:sp>
-        <p:nvSpPr>
-          <p:cNvPr id="10" name="TextBox 9"/>
-          <p:cNvSpPr txBox="1"/>
-          <p:nvPr/>
-        </p:nvSpPr>
-        <p:spPr>
-          <a:xfrm>
-            <a:off x="467533" y="1060865"/>
-            <a:ext cx="3569503" cy="523220"/>
-          </a:xfrm>
-          <a:prstGeom prst="rect">
-            <a:avLst/>
-          </a:prstGeom>
-          <a:noFill/>
-        </p:spPr>
-        <p:txBody>
-          <a:bodyPr wrap="none" rtlCol="0">
-            <a:spAutoFit/>
+        <p:txBody>
+          <a:bodyPr vert="horz" lIns="91440" tIns="45720" rIns="91440" bIns="45720" rtlCol="0" anchor="b">
+            <a:noAutofit/>
           </a:bodyPr>
-          <a:lstStyle/>
-          <a:p>
-            <a:r>
-              <a:rPr lang="sl-SI" sz="1400" b="1" dirty="0" smtClean="0"/>
-              <a:t>ESS about a third of the actual 3000 samples. </a:t>
-            </a:r>
-          </a:p>
-          <a:p>
-            <a:r>
-              <a:rPr lang="sl-SI" sz="1400" b="1" dirty="0" smtClean="0"/>
-              <a:t>Not bad, but there is clearly autocorrelation.</a:t>
-            </a:r>
-            <a:endParaRPr lang="sl-SI" sz="1400" b="1" dirty="0"/>
-          </a:p>
-        </p:txBody>
-      </p:sp>
-      <p:sp>
-        <p:nvSpPr>
-          <p:cNvPr id="11" name="TextBox 10"/>
-          <p:cNvSpPr txBox="1"/>
-          <p:nvPr/>
-        </p:nvSpPr>
-        <p:spPr>
-          <a:xfrm>
-            <a:off x="6463314" y="1060865"/>
-            <a:ext cx="3857787" cy="307777"/>
-          </a:xfrm>
-          <a:prstGeom prst="rect">
-            <a:avLst/>
-          </a:prstGeom>
-          <a:noFill/>
-        </p:spPr>
-        <p:txBody>
-          <a:bodyPr wrap="none" rtlCol="0">
-            <a:spAutoFit/>
-          </a:bodyPr>
-          <a:lstStyle/>
-          <a:p>
-            <a:r>
-              <a:rPr lang="sl-SI" sz="1400" b="1" dirty="0" smtClean="0"/>
-              <a:t>Noticeable autocorrelation for 4-5 samples apart.</a:t>
-            </a:r>
-          </a:p>
-        </p:txBody>
-      </p:sp>
-      <p:sp>
-        <p:nvSpPr>
-          <p:cNvPr id="12" name="TextBox 11"/>
-          <p:cNvSpPr txBox="1"/>
-          <p:nvPr/>
-        </p:nvSpPr>
-        <p:spPr>
-          <a:xfrm>
-            <a:off x="467533" y="3497684"/>
-            <a:ext cx="3649012" cy="523220"/>
-          </a:xfrm>
-          <a:prstGeom prst="rect">
-            <a:avLst/>
-          </a:prstGeom>
-          <a:noFill/>
-        </p:spPr>
-        <p:txBody>
-          <a:bodyPr wrap="none" rtlCol="0">
-            <a:spAutoFit/>
-          </a:bodyPr>
-          <a:lstStyle/>
-          <a:p>
-            <a:r>
-              <a:rPr lang="sl-SI" sz="1400" b="1" dirty="0" smtClean="0"/>
-              <a:t>From a traceplot of the first 100 samples </a:t>
-            </a:r>
-          </a:p>
-          <a:p>
-            <a:r>
-              <a:rPr lang="sl-SI" sz="1400" b="1" dirty="0" smtClean="0"/>
-              <a:t>we can see that samples are not independent. </a:t>
-            </a:r>
-          </a:p>
-        </p:txBody>
-      </p:sp>
-      <p:sp>
-        <p:nvSpPr>
-          <p:cNvPr id="13" name="Rectangle 12"/>
-          <p:cNvSpPr/>
-          <p:nvPr/>
-        </p:nvSpPr>
-        <p:spPr>
-          <a:xfrm>
-            <a:off x="6096000" y="4171031"/>
-            <a:ext cx="6096000" cy="307777"/>
-          </a:xfrm>
-          <a:prstGeom prst="rect">
-            <a:avLst/>
-          </a:prstGeom>
-        </p:spPr>
-        <p:txBody>
-          <a:bodyPr>
-            <a:spAutoFit/>
-          </a:bodyPr>
-          <a:lstStyle/>
-          <a:p>
-            <a:r>
-              <a:rPr lang="sl-SI" sz="1400" b="1" dirty="0" smtClean="0"/>
-              <a:t>All three chains behave similarly, which is a good sign.</a:t>
-            </a:r>
-            <a:endParaRPr lang="sl-SI" sz="1400" b="1" dirty="0"/>
+          <a:lstStyle>
+            <a:lvl1pPr algn="l" defTabSz="914400" rtl="0" eaLnBrk="1" latinLnBrk="0" hangingPunct="1">
+              <a:lnSpc>
+                <a:spcPct val="90000"/>
+              </a:lnSpc>
+              <a:spcBef>
+                <a:spcPct val="0"/>
+              </a:spcBef>
+              <a:buNone/>
+              <a:defRPr sz="3200" kern="1200">
+                <a:solidFill>
+                  <a:schemeClr val="tx1"/>
+                </a:solidFill>
+                <a:latin typeface="+mj-lt"/>
+                <a:ea typeface="+mj-ea"/>
+                <a:cs typeface="+mj-cs"/>
+              </a:defRPr>
+            </a:lvl1pPr>
+          </a:lstStyle>
+          <a:p>
+            <a:pPr>
+              <a:spcAft>
+                <a:spcPts val="1200"/>
+              </a:spcAft>
+            </a:pPr>
+            <a:r>
+              <a:rPr lang="sl-SI" sz="6600" b="1" dirty="0" smtClean="0">
+                <a:latin typeface="Titillium Web" panose="00000500000000000000" pitchFamily="2" charset="-18"/>
+              </a:rPr>
+              <a:t>Part 4 </a:t>
+            </a:r>
+            <a:endParaRPr lang="sl-SI" sz="6600" dirty="0" smtClean="0">
+              <a:latin typeface="Titillium Web" panose="00000500000000000000" pitchFamily="2" charset="-18"/>
+            </a:endParaRPr>
+          </a:p>
+          <a:p>
+            <a:pPr>
+              <a:spcAft>
+                <a:spcPts val="1800"/>
+              </a:spcAft>
+            </a:pPr>
+            <a:r>
+              <a:rPr lang="sl-SI" sz="6600" dirty="0">
+                <a:latin typeface="Titillium Web" panose="00000500000000000000" pitchFamily="2" charset="-18"/>
+              </a:rPr>
+              <a:t>MCMC-based inference First aid kit.</a:t>
+            </a:r>
           </a:p>
         </p:txBody>
       </p:sp>
     </p:spTree>
     <p:extLst>
       <p:ext uri="{BB962C8B-B14F-4D97-AF65-F5344CB8AC3E}">
-        <p14:creationId xmlns:p14="http://schemas.microsoft.com/office/powerpoint/2010/main" val="1083249097"/>
+        <p14:creationId xmlns:p14="http://schemas.microsoft.com/office/powerpoint/2010/main" val="749206091"/>
       </p:ext>
     </p:extLst>
   </p:cSld>
@@ -13583,66 +14792,259 @@
       </p:grpSpPr>
       <p:sp>
         <p:nvSpPr>
-          <p:cNvPr id="10" name="Title 1"/>
-          <p:cNvSpPr txBox="1">
-            <a:spLocks/>
-          </p:cNvSpPr>
+          <p:cNvPr id="2" name="TextBox 1"/>
+          <p:cNvSpPr txBox="1"/>
           <p:nvPr/>
         </p:nvSpPr>
         <p:spPr>
           <a:xfrm>
-            <a:off x="1014843" y="4137018"/>
-            <a:ext cx="9707884" cy="599303"/>
+            <a:off x="644236" y="1943100"/>
+            <a:ext cx="10681855" cy="4031873"/>
           </a:xfrm>
           <a:prstGeom prst="rect">
             <a:avLst/>
           </a:prstGeom>
-        </p:spPr>
-        <p:txBody>
-          <a:bodyPr vert="horz" lIns="91440" tIns="45720" rIns="91440" bIns="45720" rtlCol="0" anchor="b">
+          <a:noFill/>
+        </p:spPr>
+        <p:txBody>
+          <a:bodyPr wrap="square" rtlCol="0">
+            <a:spAutoFit/>
+          </a:bodyPr>
+          <a:lstStyle/>
+          <a:p>
+            <a:pPr marL="285750" indent="-285750">
+              <a:buFont typeface="Arial" panose="020B0604020202020204" pitchFamily="34" charset="0"/>
+              <a:buChar char="•"/>
+            </a:pPr>
+            <a:r>
+              <a:rPr lang="sl-SI" sz="2400" b="1" dirty="0" smtClean="0">
+                <a:latin typeface="Titillium Web" panose="00000500000000000000" pitchFamily="2" charset="-18"/>
+              </a:rPr>
+              <a:t>The posterior opinion p(</a:t>
+            </a:r>
+            <a:r>
+              <a:rPr lang="el-GR" sz="2400" b="1" dirty="0" smtClean="0">
+                <a:latin typeface="Titillium Web" panose="00000500000000000000" pitchFamily="2" charset="-18"/>
+              </a:rPr>
+              <a:t>θ</a:t>
+            </a:r>
+            <a:r>
+              <a:rPr lang="sl-SI" sz="2400" b="1" dirty="0" smtClean="0">
+                <a:latin typeface="Titillium Web" panose="00000500000000000000" pitchFamily="2" charset="-18"/>
+              </a:rPr>
+              <a:t>|y) is typically a high-dimensional function.</a:t>
+            </a:r>
+            <a:br>
+              <a:rPr lang="sl-SI" sz="2400" b="1" dirty="0" smtClean="0">
+                <a:latin typeface="Titillium Web" panose="00000500000000000000" pitchFamily="2" charset="-18"/>
+              </a:rPr>
+            </a:br>
+            <a:r>
+              <a:rPr lang="sl-SI" sz="1600" dirty="0" smtClean="0">
+                <a:latin typeface="Titillium Web" panose="00000500000000000000" pitchFamily="2" charset="-18"/>
+              </a:rPr>
+              <a:t>For example, linear regression with n input variables already has n+1 parameters.</a:t>
+            </a:r>
+            <a:br>
+              <a:rPr lang="sl-SI" sz="1600" dirty="0" smtClean="0">
+                <a:latin typeface="Titillium Web" panose="00000500000000000000" pitchFamily="2" charset="-18"/>
+              </a:rPr>
+            </a:br>
+            <a:endParaRPr lang="sl-SI" sz="1600" dirty="0" smtClean="0">
+              <a:latin typeface="Titillium Web" panose="00000500000000000000" pitchFamily="2" charset="-18"/>
+            </a:endParaRPr>
+          </a:p>
+          <a:p>
+            <a:pPr marL="285750" indent="-285750">
+              <a:buFont typeface="Arial" panose="020B0604020202020204" pitchFamily="34" charset="0"/>
+              <a:buChar char="•"/>
+            </a:pPr>
+            <a:r>
+              <a:rPr lang="sl-SI" sz="2400" b="1" dirty="0" smtClean="0">
+                <a:latin typeface="Titillium Web" panose="00000500000000000000" pitchFamily="2" charset="-18"/>
+              </a:rPr>
+              <a:t>Any </a:t>
+            </a:r>
+            <a:r>
+              <a:rPr lang="sl-SI" sz="2400" b="1" dirty="0" smtClean="0">
+                <a:solidFill>
+                  <a:srgbClr val="FF0000"/>
+                </a:solidFill>
+                <a:latin typeface="Titillium Web" panose="00000500000000000000" pitchFamily="2" charset="-18"/>
+              </a:rPr>
+              <a:t>general-purpose </a:t>
+            </a:r>
+            <a:r>
+              <a:rPr lang="sl-SI" sz="2400" b="1" dirty="0" smtClean="0">
+                <a:latin typeface="Titillium Web" panose="00000500000000000000" pitchFamily="2" charset="-18"/>
+              </a:rPr>
+              <a:t>inference algorithm is limited to evaluating </a:t>
+            </a:r>
+            <a:r>
+              <a:rPr lang="sl-SI" sz="2400" b="1" dirty="0">
+                <a:latin typeface="Titillium Web" panose="00000500000000000000" pitchFamily="2" charset="-18"/>
+              </a:rPr>
+              <a:t>p(</a:t>
+            </a:r>
+            <a:r>
+              <a:rPr lang="el-GR" sz="2400" b="1" dirty="0">
+                <a:latin typeface="Titillium Web" panose="00000500000000000000" pitchFamily="2" charset="-18"/>
+              </a:rPr>
+              <a:t>θ</a:t>
+            </a:r>
+            <a:r>
+              <a:rPr lang="sl-SI" sz="2400" b="1" dirty="0">
+                <a:latin typeface="Titillium Web" panose="00000500000000000000" pitchFamily="2" charset="-18"/>
+              </a:rPr>
+              <a:t>|y</a:t>
+            </a:r>
+            <a:r>
+              <a:rPr lang="sl-SI" sz="2400" b="1" dirty="0" smtClean="0">
+                <a:latin typeface="Titillium Web" panose="00000500000000000000" pitchFamily="2" charset="-18"/>
+              </a:rPr>
+              <a:t>).</a:t>
+            </a:r>
+            <a:br>
+              <a:rPr lang="sl-SI" sz="2400" b="1" dirty="0" smtClean="0">
+                <a:latin typeface="Titillium Web" panose="00000500000000000000" pitchFamily="2" charset="-18"/>
+              </a:rPr>
+            </a:br>
+            <a:r>
+              <a:rPr lang="sl-SI" sz="1600" dirty="0" smtClean="0">
+                <a:latin typeface="Titillium Web" panose="00000500000000000000" pitchFamily="2" charset="-18"/>
+              </a:rPr>
+              <a:t>The user can specify a variety of models and prior opinions, most of which result in intractable posterior opinions.</a:t>
+            </a:r>
+          </a:p>
+          <a:p>
+            <a:endParaRPr lang="sl-SI" sz="1600" dirty="0">
+              <a:latin typeface="Titillium Web" panose="00000500000000000000" pitchFamily="2" charset="-18"/>
+            </a:endParaRPr>
+          </a:p>
+          <a:p>
+            <a:pPr marL="285750" indent="-285750">
+              <a:buFont typeface="Arial" panose="020B0604020202020204" pitchFamily="34" charset="0"/>
+              <a:buChar char="•"/>
+            </a:pPr>
+            <a:r>
+              <a:rPr lang="sl-SI" sz="2400" b="1" dirty="0" smtClean="0">
+                <a:latin typeface="Titillium Web" panose="00000500000000000000" pitchFamily="2" charset="-18"/>
+              </a:rPr>
+              <a:t>It is computationally intractable to get a global understanding of p(</a:t>
+            </a:r>
+            <a:r>
+              <a:rPr lang="el-GR" sz="2400" b="1" dirty="0">
+                <a:latin typeface="Titillium Web" panose="00000500000000000000" pitchFamily="2" charset="-18"/>
+              </a:rPr>
+              <a:t>θ</a:t>
+            </a:r>
+            <a:r>
+              <a:rPr lang="sl-SI" sz="2400" b="1" dirty="0">
+                <a:latin typeface="Titillium Web" panose="00000500000000000000" pitchFamily="2" charset="-18"/>
+              </a:rPr>
+              <a:t>|y</a:t>
+            </a:r>
+            <a:r>
+              <a:rPr lang="sl-SI" sz="2400" b="1" dirty="0" smtClean="0">
+                <a:latin typeface="Titillium Web" panose="00000500000000000000" pitchFamily="2" charset="-18"/>
+              </a:rPr>
+              <a:t>) if we can only evaluate it at any point.</a:t>
+            </a:r>
+            <a:r>
+              <a:rPr lang="sl-SI" sz="2400" b="1" dirty="0">
+                <a:latin typeface="Titillium Web" panose="00000500000000000000" pitchFamily="2" charset="-18"/>
+              </a:rPr>
+              <a:t/>
+            </a:r>
+            <a:br>
+              <a:rPr lang="sl-SI" sz="2400" b="1" dirty="0">
+                <a:latin typeface="Titillium Web" panose="00000500000000000000" pitchFamily="2" charset="-18"/>
+              </a:rPr>
+            </a:br>
+            <a:r>
+              <a:rPr lang="sl-SI" sz="1600" dirty="0">
+                <a:latin typeface="Titillium Web" panose="00000500000000000000" pitchFamily="2" charset="-18"/>
+              </a:rPr>
+              <a:t>The user can specify a variety of models and prior opinions, most of which result in intractable posterior opinions.</a:t>
+            </a:r>
+          </a:p>
+          <a:p>
+            <a:pPr marL="285750" indent="-285750">
+              <a:buFont typeface="Arial" panose="020B0604020202020204" pitchFamily="34" charset="0"/>
+              <a:buChar char="•"/>
+            </a:pPr>
+            <a:endParaRPr lang="sl-SI" sz="1600" b="1" dirty="0">
+              <a:latin typeface="Titillium Web" panose="00000500000000000000" pitchFamily="2" charset="-18"/>
+            </a:endParaRPr>
+          </a:p>
+          <a:p>
+            <a:pPr marL="285750" indent="-285750">
+              <a:buFont typeface="Arial" panose="020B0604020202020204" pitchFamily="34" charset="0"/>
+              <a:buChar char="•"/>
+            </a:pPr>
+            <a:r>
+              <a:rPr lang="sl-SI" sz="2400" b="1" dirty="0" smtClean="0">
+                <a:latin typeface="Titillium Web" panose="00000500000000000000" pitchFamily="2" charset="-18"/>
+              </a:rPr>
+              <a:t>Without a global understanding of a function, we can‘t efficiently get completely independent samples.</a:t>
+            </a:r>
+            <a:r>
+              <a:rPr lang="sl-SI" sz="2400" b="1" dirty="0">
+                <a:latin typeface="Titillium Web" panose="00000500000000000000" pitchFamily="2" charset="-18"/>
+              </a:rPr>
+              <a:t/>
+            </a:r>
+            <a:br>
+              <a:rPr lang="sl-SI" sz="2400" b="1" dirty="0">
+                <a:latin typeface="Titillium Web" panose="00000500000000000000" pitchFamily="2" charset="-18"/>
+              </a:rPr>
+            </a:br>
+            <a:r>
+              <a:rPr lang="sl-SI" sz="1600" dirty="0" smtClean="0">
+                <a:latin typeface="Titillium Web" panose="00000500000000000000" pitchFamily="2" charset="-18"/>
+              </a:rPr>
+              <a:t>The best we can count on are dependent samples but this introduces new problems.</a:t>
+            </a:r>
+            <a:endParaRPr lang="sl-SI" sz="1600" dirty="0">
+              <a:latin typeface="Titillium Web" panose="00000500000000000000" pitchFamily="2" charset="-18"/>
+            </a:endParaRPr>
+          </a:p>
+        </p:txBody>
+      </p:sp>
+      <p:sp>
+        <p:nvSpPr>
+          <p:cNvPr id="4" name="Title 1"/>
+          <p:cNvSpPr>
+            <a:spLocks noGrp="1"/>
+          </p:cNvSpPr>
+          <p:nvPr>
+            <p:ph type="title"/>
+          </p:nvPr>
+        </p:nvSpPr>
+        <p:spPr>
+          <a:xfrm>
+            <a:off x="374224" y="930200"/>
+            <a:ext cx="8894467" cy="599303"/>
+          </a:xfrm>
+        </p:spPr>
+        <p:txBody>
+          <a:bodyPr>
             <a:noAutofit/>
           </a:bodyPr>
-          <a:lstStyle>
-            <a:lvl1pPr algn="l" defTabSz="914400" rtl="0" eaLnBrk="1" latinLnBrk="0" hangingPunct="1">
-              <a:lnSpc>
-                <a:spcPct val="90000"/>
-              </a:lnSpc>
-              <a:spcBef>
-                <a:spcPct val="0"/>
-              </a:spcBef>
-              <a:buNone/>
-              <a:defRPr sz="3200" kern="1200">
-                <a:solidFill>
-                  <a:schemeClr val="tx1"/>
-                </a:solidFill>
-                <a:latin typeface="+mj-lt"/>
-                <a:ea typeface="+mj-ea"/>
-                <a:cs typeface="+mj-cs"/>
-              </a:defRPr>
-            </a:lvl1pPr>
-          </a:lstStyle>
-          <a:p>
-            <a:pPr>
-              <a:spcAft>
-                <a:spcPts val="1200"/>
-              </a:spcAft>
-            </a:pPr>
-            <a:r>
-              <a:rPr lang="sl-SI" sz="4000" b="1" dirty="0" smtClean="0">
-                <a:solidFill>
-                  <a:srgbClr val="FF0000"/>
-                </a:solidFill>
-                <a:latin typeface="Titillium Web" panose="00000500000000000000" pitchFamily="2" charset="-18"/>
-              </a:rPr>
-              <a:t>Disclaimer: </a:t>
-            </a:r>
-            <a:r>
-              <a:rPr lang="sl-SI" sz="4000" dirty="0" smtClean="0">
-                <a:latin typeface="Titillium Web" panose="00000500000000000000" pitchFamily="2" charset="-18"/>
-              </a:rPr>
-              <a:t>MCMC diagnostics can only reveal serious issues with MCMC. They can not confirm that everything is OK.</a:t>
-            </a:r>
-            <a:endParaRPr lang="sl-SI" sz="4000" dirty="0">
+          <a:lstStyle/>
+          <a:p>
+            <a:r>
+              <a:rPr lang="sl-SI" sz="4400" b="1" dirty="0" smtClean="0">
+                <a:latin typeface="Titillium Web" panose="00000500000000000000" pitchFamily="2" charset="-18"/>
+              </a:rPr>
+              <a:t>Why do we have to resort to sampling-based approximation?</a:t>
+            </a:r>
+            <a:endParaRPr lang="sl-SI" sz="2400" dirty="0">
+              <a:solidFill>
+                <a:schemeClr val="bg1">
+                  <a:lumMod val="95000"/>
+                </a:schemeClr>
+              </a:solidFill>
               <a:latin typeface="Titillium Web" panose="00000500000000000000" pitchFamily="2" charset="-18"/>
             </a:endParaRPr>
           </a:p>
@@ -13651,7 +15053,7 @@
     </p:spTree>
     <p:extLst>
       <p:ext uri="{BB962C8B-B14F-4D97-AF65-F5344CB8AC3E}">
-        <p14:creationId xmlns:p14="http://schemas.microsoft.com/office/powerpoint/2010/main" val="781661693"/>
+        <p14:creationId xmlns:p14="http://schemas.microsoft.com/office/powerpoint/2010/main" val="215864369"/>
       </p:ext>
     </p:extLst>
   </p:cSld>
@@ -13685,9 +15087,33 @@
           <a:chExt cx="0" cy="0"/>
         </a:xfrm>
       </p:grpSpPr>
-      <p:sp>
-        <p:nvSpPr>
-          <p:cNvPr id="10" name="Title 1"/>
+      <p:pic>
+        <p:nvPicPr>
+          <p:cNvPr id="3" name="Picture 2"/>
+          <p:cNvPicPr>
+            <a:picLocks noChangeAspect="1"/>
+          </p:cNvPicPr>
+          <p:nvPr/>
+        </p:nvPicPr>
+        <p:blipFill>
+          <a:blip r:embed="rId2"/>
+          <a:stretch>
+            <a:fillRect/>
+          </a:stretch>
+        </p:blipFill>
+        <p:spPr>
+          <a:xfrm>
+            <a:off x="5076409" y="1052555"/>
+            <a:ext cx="6641715" cy="4880655"/>
+          </a:xfrm>
+          <a:prstGeom prst="rect">
+            <a:avLst/>
+          </a:prstGeom>
+        </p:spPr>
+      </p:pic>
+      <p:sp>
+        <p:nvSpPr>
+          <p:cNvPr id="5" name="Title 1"/>
           <p:cNvSpPr txBox="1">
             <a:spLocks/>
           </p:cNvSpPr>
@@ -13695,8 +15121,8 @@
         </p:nvSpPr>
         <p:spPr>
           <a:xfrm>
-            <a:off x="791091" y="5602137"/>
-            <a:ext cx="8498051" cy="599303"/>
+            <a:off x="266696" y="6258697"/>
+            <a:ext cx="5978240" cy="599303"/>
           </a:xfrm>
           <a:prstGeom prst="rect">
             <a:avLst/>
@@ -13732,41 +15158,168 @@
               </a:spcAft>
             </a:pPr>
             <a:r>
-              <a:rPr lang="sl-SI" sz="6600" b="1" dirty="0" smtClean="0">
-                <a:latin typeface="Titillium Web" panose="00000500000000000000" pitchFamily="2" charset="-18"/>
-              </a:rPr>
-              <a:t>Hands-on</a:t>
-            </a:r>
-          </a:p>
-          <a:p>
-            <a:pPr>
+              <a:rPr lang="sl-SI" sz="1800" dirty="0" smtClean="0">
+                <a:latin typeface="Titillium Web" panose="00000500000000000000" pitchFamily="2" charset="-18"/>
+              </a:rPr>
+              <a:t>MCMC methods are based on constructing a sequence of dependent samples (a Markov Chain) that will eventually converge to the target density.</a:t>
+            </a:r>
+          </a:p>
+          <a:p>
+            <a:pPr marL="457200" indent="-457200">
               <a:spcAft>
-                <a:spcPts val="1800"/>
+                <a:spcPts val="1200"/>
               </a:spcAft>
+              <a:buFont typeface="Arial" panose="020B0604020202020204" pitchFamily="34" charset="0"/>
+              <a:buChar char="•"/>
             </a:pPr>
-            <a:endParaRPr lang="sl-SI" sz="6600" dirty="0" smtClean="0">
+            <a:endParaRPr lang="sl-SI" sz="1800" dirty="0">
               <a:latin typeface="Titillium Web" panose="00000500000000000000" pitchFamily="2" charset="-18"/>
             </a:endParaRPr>
           </a:p>
           <a:p>
-            <a:pPr>
+            <a:pPr marL="457200" indent="-457200">
               <a:spcAft>
-                <a:spcPts val="1800"/>
+                <a:spcPts val="1200"/>
               </a:spcAft>
+              <a:buFont typeface="+mj-lt"/>
+              <a:buAutoNum type="arabicPeriod"/>
             </a:pPr>
             <a:r>
-              <a:rPr lang="sl-SI" sz="6600" dirty="0">
-                <a:latin typeface="Titillium Web" panose="00000500000000000000" pitchFamily="2" charset="-18"/>
-              </a:rPr>
-              <a:t>Three modelling tasks.</a:t>
-            </a:r>
+              <a:rPr lang="sl-SI" sz="1800" dirty="0" smtClean="0">
+                <a:latin typeface="Titillium Web" panose="00000500000000000000" pitchFamily="2" charset="-18"/>
+              </a:rPr>
+              <a:t>Typically, the samples are autocorrelated.</a:t>
+            </a:r>
+          </a:p>
+          <a:p>
+            <a:pPr marL="457200" indent="-457200">
+              <a:spcAft>
+                <a:spcPts val="1200"/>
+              </a:spcAft>
+              <a:buFont typeface="+mj-lt"/>
+              <a:buAutoNum type="arabicPeriod"/>
+            </a:pPr>
+            <a:r>
+              <a:rPr lang="sl-SI" sz="1800" dirty="0" smtClean="0">
+                <a:latin typeface="Titillium Web" panose="00000500000000000000" pitchFamily="2" charset="-18"/>
+              </a:rPr>
+              <a:t>Autocorrelation increases approximation error and we need more samples (compared to independent sampling).</a:t>
+            </a:r>
+          </a:p>
+          <a:p>
+            <a:pPr marL="457200" indent="-457200">
+              <a:spcAft>
+                <a:spcPts val="1200"/>
+              </a:spcAft>
+              <a:buFont typeface="+mj-lt"/>
+              <a:buAutoNum type="arabicPeriod"/>
+            </a:pPr>
+            <a:r>
+              <a:rPr lang="sl-SI" sz="1800" dirty="0" smtClean="0">
+                <a:latin typeface="Titillium Web" panose="00000500000000000000" pitchFamily="2" charset="-18"/>
+              </a:rPr>
+              <a:t>Extreme autocorrelation can result in useless results.</a:t>
+            </a:r>
+          </a:p>
+          <a:p>
+            <a:pPr marL="457200" indent="-457200">
+              <a:spcAft>
+                <a:spcPts val="1200"/>
+              </a:spcAft>
+              <a:buFont typeface="+mj-lt"/>
+              <a:buAutoNum type="arabicPeriod"/>
+            </a:pPr>
+            <a:r>
+              <a:rPr lang="sl-SI" sz="1800" dirty="0" smtClean="0">
+                <a:latin typeface="Titillium Web" panose="00000500000000000000" pitchFamily="2" charset="-18"/>
+              </a:rPr>
+              <a:t>Severe problems can typically be diagnosed by:</a:t>
+            </a:r>
+          </a:p>
+          <a:p>
+            <a:pPr marL="914400" lvl="1" indent="-457200">
+              <a:spcAft>
+                <a:spcPts val="1200"/>
+              </a:spcAft>
+              <a:buFont typeface="+mj-lt"/>
+              <a:buAutoNum type="alphaLcParenR"/>
+            </a:pPr>
+            <a:r>
+              <a:rPr lang="sl-SI" dirty="0" smtClean="0">
+                <a:latin typeface="Titillium Web" panose="00000500000000000000" pitchFamily="2" charset="-18"/>
+              </a:rPr>
+              <a:t>plotting </a:t>
+            </a:r>
+            <a:r>
+              <a:rPr lang="sl-SI" dirty="0">
+                <a:latin typeface="Titillium Web" panose="00000500000000000000" pitchFamily="2" charset="-18"/>
+              </a:rPr>
+              <a:t>a traceplot for the parameters of interest.</a:t>
+            </a:r>
+          </a:p>
+          <a:p>
+            <a:pPr marL="914400" lvl="1" indent="-457200">
+              <a:spcAft>
+                <a:spcPts val="1200"/>
+              </a:spcAft>
+              <a:buFont typeface="+mj-lt"/>
+              <a:buAutoNum type="alphaLcParenR"/>
+            </a:pPr>
+            <a:r>
+              <a:rPr lang="sl-SI" sz="1800" dirty="0" smtClean="0">
+                <a:latin typeface="Titillium Web" panose="00000500000000000000" pitchFamily="2" charset="-18"/>
+              </a:rPr>
+              <a:t>Running several chains and checking if they all eventually result in the same distribution.</a:t>
+            </a:r>
+          </a:p>
+          <a:p>
+            <a:pPr marL="914400" lvl="1" indent="-457200">
+              <a:spcAft>
+                <a:spcPts val="1200"/>
+              </a:spcAft>
+              <a:buFont typeface="+mj-lt"/>
+              <a:buAutoNum type="alphaLcParenR"/>
+            </a:pPr>
+            <a:r>
+              <a:rPr lang="sl-SI" dirty="0">
+                <a:latin typeface="Titillium Web" panose="00000500000000000000" pitchFamily="2" charset="-18"/>
+              </a:rPr>
+              <a:t>Effective Sample </a:t>
+            </a:r>
+            <a:r>
+              <a:rPr lang="sl-SI" dirty="0" smtClean="0">
+                <a:latin typeface="Titillium Web" panose="00000500000000000000" pitchFamily="2" charset="-18"/>
+              </a:rPr>
+              <a:t>Size: ESS is a</a:t>
+            </a:r>
+            <a:r>
+              <a:rPr lang="sl-SI" sz="1800" dirty="0" smtClean="0">
+                <a:latin typeface="Titillium Web" panose="00000500000000000000" pitchFamily="2" charset="-18"/>
+              </a:rPr>
+              <a:t> simple single-number summary of the effectiveness of a MCMC sampler is ESS – The number of independent samples our samples are equivalent to.</a:t>
+            </a:r>
+            <a:endParaRPr lang="sl-SI" sz="800" dirty="0" smtClean="0">
+              <a:latin typeface="Titillium Web" panose="00000500000000000000" pitchFamily="2" charset="-18"/>
+            </a:endParaRPr>
+          </a:p>
+          <a:p>
+            <a:pPr marL="457200" indent="-457200">
+              <a:spcAft>
+                <a:spcPts val="1200"/>
+              </a:spcAft>
+              <a:buFont typeface="Arial" panose="020B0604020202020204" pitchFamily="34" charset="0"/>
+              <a:buChar char="•"/>
+            </a:pPr>
+            <a:endParaRPr lang="sl-SI" dirty="0">
+              <a:latin typeface="Titillium Web" panose="00000500000000000000" pitchFamily="2" charset="-18"/>
+            </a:endParaRPr>
           </a:p>
         </p:txBody>
       </p:sp>
     </p:spTree>
     <p:extLst>
       <p:ext uri="{BB962C8B-B14F-4D97-AF65-F5344CB8AC3E}">
-        <p14:creationId xmlns:p14="http://schemas.microsoft.com/office/powerpoint/2010/main" val="4153140592"/>
+        <p14:creationId xmlns:p14="http://schemas.microsoft.com/office/powerpoint/2010/main" val="3065548623"/>
       </p:ext>
     </p:extLst>
   </p:cSld>
@@ -13802,7 +15355,7 @@
       </p:grpSpPr>
       <p:sp>
         <p:nvSpPr>
-          <p:cNvPr id="2" name="Title 1"/>
+          <p:cNvPr id="6" name="Title 1"/>
           <p:cNvSpPr>
             <a:spLocks noGrp="1"/>
           </p:cNvSpPr>
@@ -13812,8 +15365,8 @@
         </p:nvSpPr>
         <p:spPr>
           <a:xfrm>
-            <a:off x="420982" y="4474362"/>
-            <a:ext cx="5202578" cy="599303"/>
+            <a:off x="239142" y="348309"/>
+            <a:ext cx="8894467" cy="599303"/>
           </a:xfrm>
         </p:spPr>
         <p:txBody>
@@ -13823,99 +15376,12 @@
           <a:lstStyle/>
           <a:p>
             <a:r>
-              <a:rPr lang="sl-SI" b="1" dirty="0" smtClean="0">
-                <a:latin typeface="Titillium Web" panose="00000500000000000000" pitchFamily="2" charset="-18"/>
-              </a:rPr>
-              <a:t>Task 01 </a:t>
-            </a:r>
-            <a:br>
-              <a:rPr lang="sl-SI" b="1" dirty="0" smtClean="0">
-                <a:latin typeface="Titillium Web" panose="00000500000000000000" pitchFamily="2" charset="-18"/>
-              </a:rPr>
-            </a:br>
-            <a:r>
-              <a:rPr lang="sl-SI" b="1" dirty="0" smtClean="0">
-                <a:latin typeface="Titillium Web" panose="00000500000000000000" pitchFamily="2" charset="-18"/>
-              </a:rPr>
-              <a:t/>
-            </a:r>
-            <a:br>
-              <a:rPr lang="sl-SI" b="1" dirty="0" smtClean="0">
-                <a:latin typeface="Titillium Web" panose="00000500000000000000" pitchFamily="2" charset="-18"/>
-              </a:rPr>
-            </a:br>
-            <a:r>
-              <a:rPr lang="sl-SI" dirty="0" smtClean="0">
-                <a:latin typeface="Titillium Web" panose="00000500000000000000" pitchFamily="2" charset="-18"/>
-              </a:rPr>
-              <a:t>Is the expected weight of an adult female green anaconda more than 35 kg?</a:t>
-            </a:r>
-            <a:br>
-              <a:rPr lang="sl-SI" dirty="0" smtClean="0">
-                <a:latin typeface="Titillium Web" panose="00000500000000000000" pitchFamily="2" charset="-18"/>
-              </a:rPr>
-            </a:br>
-            <a:r>
-              <a:rPr lang="sl-SI" dirty="0">
-                <a:latin typeface="Titillium Web" panose="00000500000000000000" pitchFamily="2" charset="-18"/>
-              </a:rPr>
-              <a:t/>
-            </a:r>
-            <a:br>
-              <a:rPr lang="sl-SI" dirty="0">
-                <a:latin typeface="Titillium Web" panose="00000500000000000000" pitchFamily="2" charset="-18"/>
-              </a:rPr>
-            </a:br>
-            <a:r>
-              <a:rPr lang="sl-SI" dirty="0" smtClean="0">
-                <a:latin typeface="Titillium Web" panose="00000500000000000000" pitchFamily="2" charset="-18"/>
-              </a:rPr>
-              <a:t/>
-            </a:r>
-            <a:br>
-              <a:rPr lang="sl-SI" dirty="0" smtClean="0">
-                <a:latin typeface="Titillium Web" panose="00000500000000000000" pitchFamily="2" charset="-18"/>
-              </a:rPr>
-            </a:br>
-            <a:r>
-              <a:rPr lang="sl-SI" sz="1400" b="1" dirty="0" smtClean="0">
-                <a:latin typeface="Titillium Web" panose="00000500000000000000" pitchFamily="2" charset="-18"/>
-              </a:rPr>
-              <a:t>Hint: </a:t>
-            </a:r>
-            <a:r>
-              <a:rPr lang="sl-SI" sz="1400" dirty="0" smtClean="0">
-                <a:solidFill>
-                  <a:schemeClr val="bg1">
-                    <a:lumMod val="95000"/>
-                  </a:schemeClr>
-                </a:solidFill>
-                <a:latin typeface="Titillium Web" panose="00000500000000000000" pitchFamily="2" charset="-18"/>
-              </a:rPr>
-              <a:t>It is reasonable to assume that a snake‘s</a:t>
-            </a:r>
-            <a:br>
-              <a:rPr lang="sl-SI" sz="1400" dirty="0" smtClean="0">
-                <a:solidFill>
-                  <a:schemeClr val="bg1">
-                    <a:lumMod val="95000"/>
-                  </a:schemeClr>
-                </a:solidFill>
-                <a:latin typeface="Titillium Web" panose="00000500000000000000" pitchFamily="2" charset="-18"/>
-              </a:rPr>
-            </a:br>
-            <a:r>
-              <a:rPr lang="sl-SI" sz="1400" dirty="0" smtClean="0">
-                <a:solidFill>
-                  <a:schemeClr val="bg1">
-                    <a:lumMod val="95000"/>
-                  </a:schemeClr>
-                </a:solidFill>
-                <a:latin typeface="Titillium Web" panose="00000500000000000000" pitchFamily="2" charset="-18"/>
-              </a:rPr>
-              <a:t>weigth is normally distributed around the expected weight.</a:t>
-            </a:r>
-            <a:endParaRPr lang="sl-SI" sz="1400" dirty="0">
+              <a:rPr lang="sl-SI" sz="4400" b="1" dirty="0" smtClean="0">
+                <a:latin typeface="Titillium Web" panose="00000500000000000000" pitchFamily="2" charset="-18"/>
+              </a:rPr>
+              <a:t>Our Stan example</a:t>
+            </a:r>
+            <a:endParaRPr lang="sl-SI" sz="2400" dirty="0">
               <a:solidFill>
                 <a:schemeClr val="bg1">
                   <a:lumMod val="95000"/>
@@ -13928,37 +15394,229 @@
       </p:sp>
       <p:pic>
         <p:nvPicPr>
-          <p:cNvPr id="5" name="Picture 4"/>
+          <p:cNvPr id="4" name="Picture 3"/>
           <p:cNvPicPr>
             <a:picLocks noChangeAspect="1"/>
           </p:cNvPicPr>
           <p:nvPr/>
         </p:nvPicPr>
         <p:blipFill rotWithShape="1">
-          <a:blip r:embed="rId2" cstate="print">
-            <a:extLst>
-              <a:ext uri="{28A0092B-C50C-407E-A947-70E740481C1C}">
-                <a14:useLocalDpi xmlns:a14="http://schemas.microsoft.com/office/drawing/2010/main" val="0"/>
-              </a:ext>
-            </a:extLst>
-          </a:blip>
-          <a:srcRect l="31655" r="7983"/>
+          <a:blip r:embed="rId2"/>
+          <a:srcRect t="70001" r="68040" b="11969"/>
           <a:stretch/>
         </p:blipFill>
         <p:spPr>
           <a:xfrm>
-            <a:off x="5980176" y="0"/>
-            <a:ext cx="6211824" cy="6858000"/>
+            <a:off x="779317" y="1584085"/>
+            <a:ext cx="5205847" cy="1651989"/>
           </a:xfrm>
           <a:prstGeom prst="rect">
             <a:avLst/>
           </a:prstGeom>
         </p:spPr>
       </p:pic>
+      <p:pic>
+        <p:nvPicPr>
+          <p:cNvPr id="7" name="Picture 6"/>
+          <p:cNvPicPr>
+            <a:picLocks noChangeAspect="1"/>
+          </p:cNvPicPr>
+          <p:nvPr/>
+        </p:nvPicPr>
+        <p:blipFill rotWithShape="1">
+          <a:blip r:embed="rId3"/>
+          <a:srcRect r="20265" b="20328"/>
+          <a:stretch/>
+        </p:blipFill>
+        <p:spPr>
+          <a:xfrm>
+            <a:off x="5793268" y="4738769"/>
+            <a:ext cx="6047510" cy="1672576"/>
+          </a:xfrm>
+          <a:prstGeom prst="rect">
+            <a:avLst/>
+          </a:prstGeom>
+        </p:spPr>
+      </p:pic>
+      <p:pic>
+        <p:nvPicPr>
+          <p:cNvPr id="8" name="Picture 7"/>
+          <p:cNvPicPr>
+            <a:picLocks noChangeAspect="1"/>
+          </p:cNvPicPr>
+          <p:nvPr/>
+        </p:nvPicPr>
+        <p:blipFill rotWithShape="1">
+          <a:blip r:embed="rId4"/>
+          <a:srcRect r="23097" b="20528"/>
+          <a:stretch/>
+        </p:blipFill>
+        <p:spPr>
+          <a:xfrm>
+            <a:off x="6463314" y="1322475"/>
+            <a:ext cx="4057649" cy="2771612"/>
+          </a:xfrm>
+          <a:prstGeom prst="rect">
+            <a:avLst/>
+          </a:prstGeom>
+        </p:spPr>
+      </p:pic>
+      <p:pic>
+        <p:nvPicPr>
+          <p:cNvPr id="9" name="Picture 8"/>
+          <p:cNvPicPr>
+            <a:picLocks noChangeAspect="1"/>
+          </p:cNvPicPr>
+          <p:nvPr/>
+        </p:nvPicPr>
+        <p:blipFill rotWithShape="1">
+          <a:blip r:embed="rId5"/>
+          <a:srcRect r="22030" b="20317"/>
+          <a:stretch/>
+        </p:blipFill>
+        <p:spPr>
+          <a:xfrm>
+            <a:off x="779317" y="3759294"/>
+            <a:ext cx="4702167" cy="2901022"/>
+          </a:xfrm>
+          <a:prstGeom prst="rect">
+            <a:avLst/>
+          </a:prstGeom>
+        </p:spPr>
+      </p:pic>
+      <p:sp>
+        <p:nvSpPr>
+          <p:cNvPr id="10" name="TextBox 9"/>
+          <p:cNvSpPr txBox="1"/>
+          <p:nvPr/>
+        </p:nvSpPr>
+        <p:spPr>
+          <a:xfrm>
+            <a:off x="467533" y="1060865"/>
+            <a:ext cx="3569503" cy="523220"/>
+          </a:xfrm>
+          <a:prstGeom prst="rect">
+            <a:avLst/>
+          </a:prstGeom>
+          <a:noFill/>
+        </p:spPr>
+        <p:txBody>
+          <a:bodyPr wrap="none" rtlCol="0">
+            <a:spAutoFit/>
+          </a:bodyPr>
+          <a:lstStyle/>
+          <a:p>
+            <a:r>
+              <a:rPr lang="sl-SI" sz="1400" b="1" dirty="0" smtClean="0"/>
+              <a:t>ESS about a third of the actual 3000 samples. </a:t>
+            </a:r>
+          </a:p>
+          <a:p>
+            <a:r>
+              <a:rPr lang="sl-SI" sz="1400" b="1" dirty="0" smtClean="0"/>
+              <a:t>Not bad, but there is clearly autocorrelation.</a:t>
+            </a:r>
+            <a:endParaRPr lang="sl-SI" sz="1400" b="1" dirty="0"/>
+          </a:p>
+        </p:txBody>
+      </p:sp>
+      <p:sp>
+        <p:nvSpPr>
+          <p:cNvPr id="11" name="TextBox 10"/>
+          <p:cNvSpPr txBox="1"/>
+          <p:nvPr/>
+        </p:nvSpPr>
+        <p:spPr>
+          <a:xfrm>
+            <a:off x="6463314" y="1060865"/>
+            <a:ext cx="3857787" cy="307777"/>
+          </a:xfrm>
+          <a:prstGeom prst="rect">
+            <a:avLst/>
+          </a:prstGeom>
+          <a:noFill/>
+        </p:spPr>
+        <p:txBody>
+          <a:bodyPr wrap="none" rtlCol="0">
+            <a:spAutoFit/>
+          </a:bodyPr>
+          <a:lstStyle/>
+          <a:p>
+            <a:r>
+              <a:rPr lang="sl-SI" sz="1400" b="1" dirty="0" smtClean="0"/>
+              <a:t>Noticeable autocorrelation for 4-5 samples apart.</a:t>
+            </a:r>
+          </a:p>
+        </p:txBody>
+      </p:sp>
+      <p:sp>
+        <p:nvSpPr>
+          <p:cNvPr id="12" name="TextBox 11"/>
+          <p:cNvSpPr txBox="1"/>
+          <p:nvPr/>
+        </p:nvSpPr>
+        <p:spPr>
+          <a:xfrm>
+            <a:off x="467533" y="3497684"/>
+            <a:ext cx="3649012" cy="523220"/>
+          </a:xfrm>
+          <a:prstGeom prst="rect">
+            <a:avLst/>
+          </a:prstGeom>
+          <a:noFill/>
+        </p:spPr>
+        <p:txBody>
+          <a:bodyPr wrap="none" rtlCol="0">
+            <a:spAutoFit/>
+          </a:bodyPr>
+          <a:lstStyle/>
+          <a:p>
+            <a:r>
+              <a:rPr lang="sl-SI" sz="1400" b="1" dirty="0" smtClean="0"/>
+              <a:t>From a traceplot of the first 100 samples </a:t>
+            </a:r>
+          </a:p>
+          <a:p>
+            <a:r>
+              <a:rPr lang="sl-SI" sz="1400" b="1" dirty="0" smtClean="0"/>
+              <a:t>we can see that samples are not independent. </a:t>
+            </a:r>
+          </a:p>
+        </p:txBody>
+      </p:sp>
+      <p:sp>
+        <p:nvSpPr>
+          <p:cNvPr id="13" name="Rectangle 12"/>
+          <p:cNvSpPr/>
+          <p:nvPr/>
+        </p:nvSpPr>
+        <p:spPr>
+          <a:xfrm>
+            <a:off x="6096000" y="4171031"/>
+            <a:ext cx="6096000" cy="307777"/>
+          </a:xfrm>
+          <a:prstGeom prst="rect">
+            <a:avLst/>
+          </a:prstGeom>
+        </p:spPr>
+        <p:txBody>
+          <a:bodyPr>
+            <a:spAutoFit/>
+          </a:bodyPr>
+          <a:lstStyle/>
+          <a:p>
+            <a:r>
+              <a:rPr lang="sl-SI" sz="1400" b="1" dirty="0" smtClean="0"/>
+              <a:t>All three chains behave similarly, which is a good sign.</a:t>
+            </a:r>
+            <a:endParaRPr lang="sl-SI" sz="1400" b="1" dirty="0"/>
+          </a:p>
+        </p:txBody>
+      </p:sp>
     </p:spTree>
     <p:extLst>
       <p:ext uri="{BB962C8B-B14F-4D97-AF65-F5344CB8AC3E}">
-        <p14:creationId xmlns:p14="http://schemas.microsoft.com/office/powerpoint/2010/main" val="1156852035"/>
+        <p14:creationId xmlns:p14="http://schemas.microsoft.com/office/powerpoint/2010/main" val="1083249097"/>
       </p:ext>
     </p:extLst>
   </p:cSld>
@@ -13994,149 +15652,75 @@
       </p:grpSpPr>
       <p:sp>
         <p:nvSpPr>
-          <p:cNvPr id="2" name="Title 1"/>
-          <p:cNvSpPr>
-            <a:spLocks noGrp="1"/>
+          <p:cNvPr id="10" name="Title 1"/>
+          <p:cNvSpPr txBox="1">
+            <a:spLocks/>
           </p:cNvSpPr>
-          <p:nvPr>
-            <p:ph type="title"/>
-          </p:nvPr>
-        </p:nvSpPr>
-        <p:spPr>
-          <a:xfrm>
-            <a:off x="441764" y="4754917"/>
-            <a:ext cx="5202578" cy="599303"/>
-          </a:xfrm>
-        </p:spPr>
-        <p:txBody>
-          <a:bodyPr>
-            <a:noAutofit/>
-          </a:bodyPr>
-          <a:lstStyle/>
-          <a:p>
-            <a:r>
-              <a:rPr lang="sl-SI" b="1" dirty="0" smtClean="0">
-                <a:latin typeface="Titillium Web" panose="00000500000000000000" pitchFamily="2" charset="-18"/>
-              </a:rPr>
-              <a:t>Task 02 </a:t>
-            </a:r>
-            <a:br>
-              <a:rPr lang="sl-SI" b="1" dirty="0" smtClean="0">
-                <a:latin typeface="Titillium Web" panose="00000500000000000000" pitchFamily="2" charset="-18"/>
-              </a:rPr>
-            </a:br>
-            <a:r>
-              <a:rPr lang="sl-SI" b="1" dirty="0" smtClean="0">
-                <a:latin typeface="Titillium Web" panose="00000500000000000000" pitchFamily="2" charset="-18"/>
-              </a:rPr>
-              <a:t/>
-            </a:r>
-            <a:br>
-              <a:rPr lang="sl-SI" b="1" dirty="0" smtClean="0">
-                <a:latin typeface="Titillium Web" panose="00000500000000000000" pitchFamily="2" charset="-18"/>
-              </a:rPr>
-            </a:br>
-            <a:r>
-              <a:rPr lang="sl-SI" dirty="0" smtClean="0">
-                <a:latin typeface="Titillium Web" panose="00000500000000000000" pitchFamily="2" charset="-18"/>
-              </a:rPr>
-              <a:t>How are a movie‘s year of release and budget connected to its gross?</a:t>
-            </a:r>
-            <a:r>
-              <a:rPr lang="sl-SI" dirty="0" smtClean="0">
-                <a:latin typeface="Titillium Web" panose="00000500000000000000" pitchFamily="2" charset="-18"/>
-              </a:rPr>
-              <a:t/>
-            </a:r>
-            <a:br>
-              <a:rPr lang="sl-SI" dirty="0" smtClean="0">
-                <a:latin typeface="Titillium Web" panose="00000500000000000000" pitchFamily="2" charset="-18"/>
-              </a:rPr>
-            </a:br>
-            <a:r>
-              <a:rPr lang="sl-SI" dirty="0">
-                <a:latin typeface="Titillium Web" panose="00000500000000000000" pitchFamily="2" charset="-18"/>
-              </a:rPr>
-              <a:t/>
-            </a:r>
-            <a:br>
-              <a:rPr lang="sl-SI" dirty="0">
-                <a:latin typeface="Titillium Web" panose="00000500000000000000" pitchFamily="2" charset="-18"/>
-              </a:rPr>
-            </a:br>
-            <a:r>
-              <a:rPr lang="sl-SI" dirty="0" smtClean="0">
-                <a:latin typeface="Titillium Web" panose="00000500000000000000" pitchFamily="2" charset="-18"/>
-              </a:rPr>
-              <a:t/>
-            </a:r>
-            <a:br>
-              <a:rPr lang="sl-SI" dirty="0" smtClean="0">
-                <a:latin typeface="Titillium Web" panose="00000500000000000000" pitchFamily="2" charset="-18"/>
-              </a:rPr>
-            </a:br>
-            <a:r>
-              <a:rPr lang="sl-SI" sz="1400" b="1" dirty="0" smtClean="0">
-                <a:latin typeface="Titillium Web" panose="00000500000000000000" pitchFamily="2" charset="-18"/>
-              </a:rPr>
-              <a:t>Hint: </a:t>
-            </a:r>
-            <a:r>
-              <a:rPr lang="sl-SI" sz="1400" dirty="0" smtClean="0">
-                <a:solidFill>
-                  <a:schemeClr val="bg1">
-                    <a:lumMod val="95000"/>
-                  </a:schemeClr>
-                </a:solidFill>
-                <a:latin typeface="Titillium Web" panose="00000500000000000000" pitchFamily="2" charset="-18"/>
-              </a:rPr>
-              <a:t>It is reasonable to assume a linear relationship between the two input variables and the output. Add some noise to explain why the points do not fit perfectly.</a:t>
-            </a:r>
-            <a:endParaRPr lang="sl-SI" sz="1400" dirty="0">
-              <a:solidFill>
-                <a:schemeClr val="bg1">
-                  <a:lumMod val="95000"/>
-                </a:schemeClr>
-              </a:solidFill>
-              <a:latin typeface="Titillium Web" panose="00000500000000000000" pitchFamily="2" charset="-18"/>
-            </a:endParaRPr>
-          </a:p>
-        </p:txBody>
-      </p:sp>
-      <p:pic>
-        <p:nvPicPr>
-          <p:cNvPr id="3" name="Picture 2"/>
-          <p:cNvPicPr>
-            <a:picLocks noChangeAspect="1"/>
-          </p:cNvPicPr>
           <p:nvPr/>
-        </p:nvPicPr>
-        <p:blipFill>
-          <a:blip r:embed="rId2">
-            <a:extLst>
-              <a:ext uri="{28A0092B-C50C-407E-A947-70E740481C1C}">
-                <a14:useLocalDpi xmlns:a14="http://schemas.microsoft.com/office/drawing/2010/main" val="0"/>
-              </a:ext>
-            </a:extLst>
-          </a:blip>
-          <a:stretch>
-            <a:fillRect/>
-          </a:stretch>
-        </p:blipFill>
-        <p:spPr>
-          <a:xfrm>
-            <a:off x="5908964" y="0"/>
-            <a:ext cx="6858000" cy="6858000"/>
+        </p:nvSpPr>
+        <p:spPr>
+          <a:xfrm>
+            <a:off x="1014843" y="4137018"/>
+            <a:ext cx="9707884" cy="599303"/>
           </a:xfrm>
           <a:prstGeom prst="rect">
             <a:avLst/>
           </a:prstGeom>
         </p:spPr>
-      </p:pic>
+        <p:txBody>
+          <a:bodyPr vert="horz" lIns="91440" tIns="45720" rIns="91440" bIns="45720" rtlCol="0" anchor="b">
+            <a:noAutofit/>
+          </a:bodyPr>
+          <a:lstStyle>
+            <a:lvl1pPr algn="l" defTabSz="914400" rtl="0" eaLnBrk="1" latinLnBrk="0" hangingPunct="1">
+              <a:lnSpc>
+                <a:spcPct val="90000"/>
+              </a:lnSpc>
+              <a:spcBef>
+                <a:spcPct val="0"/>
+              </a:spcBef>
+              <a:buNone/>
+              <a:defRPr sz="3200" kern="1200">
+                <a:solidFill>
+                  <a:schemeClr val="tx1"/>
+                </a:solidFill>
+                <a:latin typeface="+mj-lt"/>
+                <a:ea typeface="+mj-ea"/>
+                <a:cs typeface="+mj-cs"/>
+              </a:defRPr>
+            </a:lvl1pPr>
+          </a:lstStyle>
+          <a:p>
+            <a:pPr>
+              <a:spcAft>
+                <a:spcPts val="1200"/>
+              </a:spcAft>
+            </a:pPr>
+            <a:r>
+              <a:rPr lang="sl-SI" sz="4000" b="1" dirty="0" smtClean="0">
+                <a:solidFill>
+                  <a:srgbClr val="FF0000"/>
+                </a:solidFill>
+                <a:latin typeface="Titillium Web" panose="00000500000000000000" pitchFamily="2" charset="-18"/>
+              </a:rPr>
+              <a:t>Disclaimer: </a:t>
+            </a:r>
+            <a:r>
+              <a:rPr lang="sl-SI" sz="4000" dirty="0" smtClean="0">
+                <a:latin typeface="Titillium Web" panose="00000500000000000000" pitchFamily="2" charset="-18"/>
+              </a:rPr>
+              <a:t>MCMC diagnostics can only reveal serious issues with MCMC. They can not confirm that everything is OK.</a:t>
+            </a:r>
+            <a:endParaRPr lang="sl-SI" sz="4000" dirty="0">
+              <a:latin typeface="Titillium Web" panose="00000500000000000000" pitchFamily="2" charset="-18"/>
+            </a:endParaRPr>
+          </a:p>
+        </p:txBody>
+      </p:sp>
     </p:spTree>
     <p:extLst>
       <p:ext uri="{BB962C8B-B14F-4D97-AF65-F5344CB8AC3E}">
-        <p14:creationId xmlns:p14="http://schemas.microsoft.com/office/powerpoint/2010/main" val="4246653674"/>
+        <p14:creationId xmlns:p14="http://schemas.microsoft.com/office/powerpoint/2010/main" val="781661693"/>
       </p:ext>
     </p:extLst>
   </p:cSld>
@@ -14468,209 +16052,86 @@
       </p:grpSpPr>
       <p:sp>
         <p:nvSpPr>
-          <p:cNvPr id="2" name="Title 1"/>
-          <p:cNvSpPr>
-            <a:spLocks noGrp="1"/>
-          </p:cNvSpPr>
-          <p:nvPr>
-            <p:ph type="title"/>
-          </p:nvPr>
-        </p:nvSpPr>
-        <p:spPr>
-          <a:xfrm>
-            <a:off x="420982" y="4721250"/>
-            <a:ext cx="5202578" cy="599303"/>
-          </a:xfrm>
-        </p:spPr>
-        <p:txBody>
-          <a:bodyPr>
-            <a:noAutofit/>
-          </a:bodyPr>
-          <a:lstStyle/>
-          <a:p>
-            <a:r>
-              <a:rPr lang="sl-SI" b="1" dirty="0" smtClean="0">
-                <a:latin typeface="Titillium Web" panose="00000500000000000000" pitchFamily="2" charset="-18"/>
-              </a:rPr>
-              <a:t>Task 03 </a:t>
-            </a:r>
-            <a:br>
-              <a:rPr lang="sl-SI" b="1" dirty="0" smtClean="0">
-                <a:latin typeface="Titillium Web" panose="00000500000000000000" pitchFamily="2" charset="-18"/>
-              </a:rPr>
-            </a:br>
-            <a:r>
-              <a:rPr lang="sl-SI" b="1" dirty="0" smtClean="0">
-                <a:latin typeface="Titillium Web" panose="00000500000000000000" pitchFamily="2" charset="-18"/>
-              </a:rPr>
-              <a:t/>
-            </a:r>
-            <a:br>
-              <a:rPr lang="sl-SI" b="1" dirty="0" smtClean="0">
-                <a:latin typeface="Titillium Web" panose="00000500000000000000" pitchFamily="2" charset="-18"/>
-              </a:rPr>
-            </a:br>
-            <a:r>
-              <a:rPr lang="sl-SI" dirty="0" smtClean="0">
-                <a:latin typeface="Titillium Web" panose="00000500000000000000" pitchFamily="2" charset="-18"/>
-              </a:rPr>
-              <a:t>Can you provide more information about the process I used to generate these sequences?</a:t>
-            </a:r>
-            <a:br>
-              <a:rPr lang="sl-SI" dirty="0" smtClean="0">
-                <a:latin typeface="Titillium Web" panose="00000500000000000000" pitchFamily="2" charset="-18"/>
-              </a:rPr>
-            </a:br>
-            <a:r>
-              <a:rPr lang="sl-SI" dirty="0">
-                <a:latin typeface="Titillium Web" panose="00000500000000000000" pitchFamily="2" charset="-18"/>
-              </a:rPr>
-              <a:t/>
-            </a:r>
-            <a:br>
-              <a:rPr lang="sl-SI" dirty="0">
-                <a:latin typeface="Titillium Web" panose="00000500000000000000" pitchFamily="2" charset="-18"/>
-              </a:rPr>
-            </a:br>
-            <a:r>
-              <a:rPr lang="sl-SI" dirty="0" smtClean="0">
-                <a:latin typeface="Titillium Web" panose="00000500000000000000" pitchFamily="2" charset="-18"/>
-              </a:rPr>
-              <a:t/>
-            </a:r>
-            <a:br>
-              <a:rPr lang="sl-SI" dirty="0" smtClean="0">
-                <a:latin typeface="Titillium Web" panose="00000500000000000000" pitchFamily="2" charset="-18"/>
-              </a:rPr>
-            </a:br>
-            <a:r>
-              <a:rPr lang="sl-SI" sz="1400" b="1" dirty="0" smtClean="0">
-                <a:latin typeface="Titillium Web" panose="00000500000000000000" pitchFamily="2" charset="-18"/>
-              </a:rPr>
-              <a:t>Hint: </a:t>
-            </a:r>
-            <a:r>
-              <a:rPr lang="sl-SI" sz="1400" dirty="0" smtClean="0">
-                <a:solidFill>
-                  <a:schemeClr val="bg1">
-                    <a:lumMod val="95000"/>
-                  </a:schemeClr>
-                </a:solidFill>
-                <a:latin typeface="Titillium Web" panose="00000500000000000000" pitchFamily="2" charset="-18"/>
-              </a:rPr>
-              <a:t>You‘re on your own for this one..</a:t>
-            </a:r>
-            <a:endParaRPr lang="sl-SI" sz="1400" dirty="0">
-              <a:solidFill>
-                <a:schemeClr val="bg1">
-                  <a:lumMod val="95000"/>
-                </a:schemeClr>
-              </a:solidFill>
-              <a:latin typeface="Titillium Web" panose="00000500000000000000" pitchFamily="2" charset="-18"/>
-            </a:endParaRPr>
-          </a:p>
-        </p:txBody>
-      </p:sp>
-      <p:sp>
-        <p:nvSpPr>
-          <p:cNvPr id="3" name="Rectangle 1"/>
-          <p:cNvSpPr>
-            <a:spLocks noChangeArrowheads="1"/>
+          <p:cNvPr id="10" name="Title 1"/>
+          <p:cNvSpPr txBox="1">
+            <a:spLocks/>
           </p:cNvSpPr>
           <p:nvPr/>
         </p:nvSpPr>
-        <p:spPr bwMode="auto">
-          <a:xfrm>
-            <a:off x="7223760" y="2024159"/>
-            <a:ext cx="4178807" cy="2462213"/>
+        <p:spPr>
+          <a:xfrm>
+            <a:off x="791091" y="5602137"/>
+            <a:ext cx="8498051" cy="599303"/>
           </a:xfrm>
           <a:prstGeom prst="rect">
             <a:avLst/>
           </a:prstGeom>
-          <a:solidFill>
-            <a:srgbClr val="FFFFFF"/>
-          </a:solidFill>
-          <a:ln>
-            <a:noFill/>
-          </a:ln>
-          <a:effectLst/>
-          <a:extLst>
-            <a:ext uri="{91240B29-F687-4F45-9708-019B960494DF}">
-              <a14:hiddenLine xmlns:a14="http://schemas.microsoft.com/office/drawing/2010/main" w="9525">
-                <a:solidFill>
-                  <a:schemeClr val="tx1"/>
-                </a:solidFill>
-                <a:miter lim="800000"/>
-                <a:headEnd/>
-                <a:tailEnd/>
-              </a14:hiddenLine>
-            </a:ext>
-            <a:ext uri="{AF507438-7753-43E0-B8FC-AC1667EBCBE1}">
-              <a14:hiddenEffects xmlns:a14="http://schemas.microsoft.com/office/drawing/2010/main">
-                <a:effectLst>
-                  <a:outerShdw dist="35921" dir="2700000" algn="ctr" rotWithShape="0">
-                    <a:schemeClr val="bg2"/>
-                  </a:outerShdw>
-                </a:effectLst>
-              </a14:hiddenEffects>
-            </a:ext>
-          </a:extLst>
-        </p:spPr>
-        <p:txBody>
-          <a:bodyPr vert="horz" wrap="square" lIns="0" tIns="0" rIns="0" bIns="0" numCol="1" anchor="ctr" anchorCtr="0" compatLnSpc="1">
-            <a:prstTxWarp prst="textNoShape">
-              <a:avLst/>
-            </a:prstTxWarp>
-            <a:spAutoFit/>
+        </p:spPr>
+        <p:txBody>
+          <a:bodyPr vert="horz" lIns="91440" tIns="45720" rIns="91440" bIns="45720" rtlCol="0" anchor="b">
+            <a:noAutofit/>
           </a:bodyPr>
-          <a:lstStyle/>
-          <a:p>
-            <a:pPr marL="0" marR="0" lvl="0" indent="0" algn="l" defTabSz="914400" rtl="0" eaLnBrk="0" fontAlgn="base" latinLnBrk="0" hangingPunct="0">
+          <a:lstStyle>
+            <a:lvl1pPr algn="l" defTabSz="914400" rtl="0" eaLnBrk="1" latinLnBrk="0" hangingPunct="1">
               <a:lnSpc>
-                <a:spcPct val="100000"/>
+                <a:spcPct val="90000"/>
               </a:lnSpc>
               <a:spcBef>
                 <a:spcPct val="0"/>
               </a:spcBef>
+              <a:buNone/>
+              <a:defRPr sz="3200" kern="1200">
+                <a:solidFill>
+                  <a:schemeClr val="tx1"/>
+                </a:solidFill>
+                <a:latin typeface="+mj-lt"/>
+                <a:ea typeface="+mj-ea"/>
+                <a:cs typeface="+mj-cs"/>
+              </a:defRPr>
+            </a:lvl1pPr>
+          </a:lstStyle>
+          <a:p>
+            <a:pPr>
               <a:spcAft>
-                <a:spcPct val="0"/>
+                <a:spcPts val="1200"/>
               </a:spcAft>
-              <a:buClrTx/>
-              <a:buSzTx/>
-              <a:buFontTx/>
-              <a:buNone/>
-              <a:tabLst/>
             </a:pPr>
             <a:r>
-              <a:rPr kumimoji="0" lang="sl-SI" altLang="sl-SI" sz="1600" b="0" i="0" u="none" strike="noStrike" cap="none" normalizeH="0" baseline="0" dirty="0" smtClean="0">
-                <a:ln>
-                  <a:noFill/>
-                </a:ln>
-                <a:solidFill>
-                  <a:srgbClr val="000000"/>
-                </a:solidFill>
-                <a:effectLst/>
-                <a:latin typeface="Lucida Console" panose="020B0609040504020204" pitchFamily="49" charset="0"/>
-              </a:rPr>
-              <a:t>100100101011011001111111111101 110000010101110001101110111011 000101111111111010111111100111 011011111111001101111111110101 110010010110101010111111111111 110101011100101010110110111111 000010101111011111110110111111 000001111110110001001101011111 010000101101110111101111111101 000101011110001011011111111111</a:t>
-            </a:r>
-            <a:endParaRPr kumimoji="0" lang="sl-SI" altLang="sl-SI" sz="3600" b="0" i="0" u="none" strike="noStrike" cap="none" normalizeH="0" baseline="0" dirty="0" smtClean="0">
-              <a:ln>
-                <a:noFill/>
-              </a:ln>
-              <a:solidFill>
-                <a:schemeClr val="tx1"/>
-              </a:solidFill>
-              <a:effectLst/>
-              <a:latin typeface="Arial" panose="020B0604020202020204" pitchFamily="34" charset="0"/>
+              <a:rPr lang="sl-SI" sz="6600" b="1" dirty="0" smtClean="0">
+                <a:latin typeface="Titillium Web" panose="00000500000000000000" pitchFamily="2" charset="-18"/>
+              </a:rPr>
+              <a:t>Hands-on</a:t>
+            </a:r>
+          </a:p>
+          <a:p>
+            <a:pPr>
+              <a:spcAft>
+                <a:spcPts val="1800"/>
+              </a:spcAft>
+            </a:pPr>
+            <a:endParaRPr lang="sl-SI" sz="6600" dirty="0" smtClean="0">
+              <a:latin typeface="Titillium Web" panose="00000500000000000000" pitchFamily="2" charset="-18"/>
             </a:endParaRPr>
+          </a:p>
+          <a:p>
+            <a:pPr>
+              <a:spcAft>
+                <a:spcPts val="1800"/>
+              </a:spcAft>
+            </a:pPr>
+            <a:r>
+              <a:rPr lang="sl-SI" sz="6600" dirty="0">
+                <a:latin typeface="Titillium Web" panose="00000500000000000000" pitchFamily="2" charset="-18"/>
+              </a:rPr>
+              <a:t>Three modelling tasks.</a:t>
+            </a:r>
           </a:p>
         </p:txBody>
       </p:sp>
     </p:spTree>
     <p:extLst>
       <p:ext uri="{BB962C8B-B14F-4D97-AF65-F5344CB8AC3E}">
-        <p14:creationId xmlns:p14="http://schemas.microsoft.com/office/powerpoint/2010/main" val="3540994172"/>
+        <p14:creationId xmlns:p14="http://schemas.microsoft.com/office/powerpoint/2010/main" val="4153140592"/>
       </p:ext>
     </p:extLst>
   </p:cSld>
@@ -14704,6 +16165,303 @@
           <a:chExt cx="0" cy="0"/>
         </a:xfrm>
       </p:grpSpPr>
+      <p:sp>
+        <p:nvSpPr>
+          <p:cNvPr id="2" name="Title 1"/>
+          <p:cNvSpPr>
+            <a:spLocks noGrp="1"/>
+          </p:cNvSpPr>
+          <p:nvPr>
+            <p:ph type="title"/>
+          </p:nvPr>
+        </p:nvSpPr>
+        <p:spPr>
+          <a:xfrm>
+            <a:off x="420982" y="4474362"/>
+            <a:ext cx="5202578" cy="599303"/>
+          </a:xfrm>
+        </p:spPr>
+        <p:txBody>
+          <a:bodyPr>
+            <a:noAutofit/>
+          </a:bodyPr>
+          <a:lstStyle/>
+          <a:p>
+            <a:r>
+              <a:rPr lang="sl-SI" b="1" dirty="0" smtClean="0">
+                <a:latin typeface="Titillium Web" panose="00000500000000000000" pitchFamily="2" charset="-18"/>
+              </a:rPr>
+              <a:t>Task 01 </a:t>
+            </a:r>
+            <a:br>
+              <a:rPr lang="sl-SI" b="1" dirty="0" smtClean="0">
+                <a:latin typeface="Titillium Web" panose="00000500000000000000" pitchFamily="2" charset="-18"/>
+              </a:rPr>
+            </a:br>
+            <a:r>
+              <a:rPr lang="sl-SI" b="1" dirty="0" smtClean="0">
+                <a:latin typeface="Titillium Web" panose="00000500000000000000" pitchFamily="2" charset="-18"/>
+              </a:rPr>
+              <a:t/>
+            </a:r>
+            <a:br>
+              <a:rPr lang="sl-SI" b="1" dirty="0" smtClean="0">
+                <a:latin typeface="Titillium Web" panose="00000500000000000000" pitchFamily="2" charset="-18"/>
+              </a:rPr>
+            </a:br>
+            <a:r>
+              <a:rPr lang="sl-SI" dirty="0" smtClean="0">
+                <a:latin typeface="Titillium Web" panose="00000500000000000000" pitchFamily="2" charset="-18"/>
+              </a:rPr>
+              <a:t>Is the expected weight of an adult female green anaconda more than 35 kg?</a:t>
+            </a:r>
+            <a:br>
+              <a:rPr lang="sl-SI" dirty="0" smtClean="0">
+                <a:latin typeface="Titillium Web" panose="00000500000000000000" pitchFamily="2" charset="-18"/>
+              </a:rPr>
+            </a:br>
+            <a:r>
+              <a:rPr lang="sl-SI" dirty="0">
+                <a:latin typeface="Titillium Web" panose="00000500000000000000" pitchFamily="2" charset="-18"/>
+              </a:rPr>
+              <a:t/>
+            </a:r>
+            <a:br>
+              <a:rPr lang="sl-SI" dirty="0">
+                <a:latin typeface="Titillium Web" panose="00000500000000000000" pitchFamily="2" charset="-18"/>
+              </a:rPr>
+            </a:br>
+            <a:r>
+              <a:rPr lang="sl-SI" dirty="0" smtClean="0">
+                <a:latin typeface="Titillium Web" panose="00000500000000000000" pitchFamily="2" charset="-18"/>
+              </a:rPr>
+              <a:t/>
+            </a:r>
+            <a:br>
+              <a:rPr lang="sl-SI" dirty="0" smtClean="0">
+                <a:latin typeface="Titillium Web" panose="00000500000000000000" pitchFamily="2" charset="-18"/>
+              </a:rPr>
+            </a:br>
+            <a:r>
+              <a:rPr lang="sl-SI" sz="1400" b="1" dirty="0" smtClean="0">
+                <a:latin typeface="Titillium Web" panose="00000500000000000000" pitchFamily="2" charset="-18"/>
+              </a:rPr>
+              <a:t>Hint: </a:t>
+            </a:r>
+            <a:r>
+              <a:rPr lang="sl-SI" sz="1400" dirty="0" smtClean="0">
+                <a:solidFill>
+                  <a:schemeClr val="bg1">
+                    <a:lumMod val="95000"/>
+                  </a:schemeClr>
+                </a:solidFill>
+                <a:latin typeface="Titillium Web" panose="00000500000000000000" pitchFamily="2" charset="-18"/>
+              </a:rPr>
+              <a:t>It is reasonable to assume that a snake‘s</a:t>
+            </a:r>
+            <a:br>
+              <a:rPr lang="sl-SI" sz="1400" dirty="0" smtClean="0">
+                <a:solidFill>
+                  <a:schemeClr val="bg1">
+                    <a:lumMod val="95000"/>
+                  </a:schemeClr>
+                </a:solidFill>
+                <a:latin typeface="Titillium Web" panose="00000500000000000000" pitchFamily="2" charset="-18"/>
+              </a:rPr>
+            </a:br>
+            <a:r>
+              <a:rPr lang="sl-SI" sz="1400" dirty="0" smtClean="0">
+                <a:solidFill>
+                  <a:schemeClr val="bg1">
+                    <a:lumMod val="95000"/>
+                  </a:schemeClr>
+                </a:solidFill>
+                <a:latin typeface="Titillium Web" panose="00000500000000000000" pitchFamily="2" charset="-18"/>
+              </a:rPr>
+              <a:t>weigth is normally distributed around the expected weight.</a:t>
+            </a:r>
+            <a:endParaRPr lang="sl-SI" sz="1400" dirty="0">
+              <a:solidFill>
+                <a:schemeClr val="bg1">
+                  <a:lumMod val="95000"/>
+                </a:schemeClr>
+              </a:solidFill>
+              <a:latin typeface="Titillium Web" panose="00000500000000000000" pitchFamily="2" charset="-18"/>
+            </a:endParaRPr>
+          </a:p>
+        </p:txBody>
+      </p:sp>
+      <p:pic>
+        <p:nvPicPr>
+          <p:cNvPr id="5" name="Picture 4"/>
+          <p:cNvPicPr>
+            <a:picLocks noChangeAspect="1"/>
+          </p:cNvPicPr>
+          <p:nvPr/>
+        </p:nvPicPr>
+        <p:blipFill rotWithShape="1">
+          <a:blip r:embed="rId2" cstate="print">
+            <a:extLst>
+              <a:ext uri="{28A0092B-C50C-407E-A947-70E740481C1C}">
+                <a14:useLocalDpi xmlns:a14="http://schemas.microsoft.com/office/drawing/2010/main" val="0"/>
+              </a:ext>
+            </a:extLst>
+          </a:blip>
+          <a:srcRect l="31655" r="7983"/>
+          <a:stretch/>
+        </p:blipFill>
+        <p:spPr>
+          <a:xfrm>
+            <a:off x="5980176" y="0"/>
+            <a:ext cx="6211824" cy="6858000"/>
+          </a:xfrm>
+          <a:prstGeom prst="rect">
+            <a:avLst/>
+          </a:prstGeom>
+        </p:spPr>
+      </p:pic>
+    </p:spTree>
+    <p:extLst>
+      <p:ext uri="{BB962C8B-B14F-4D97-AF65-F5344CB8AC3E}">
+        <p14:creationId xmlns:p14="http://schemas.microsoft.com/office/powerpoint/2010/main" val="1156852035"/>
+      </p:ext>
+    </p:extLst>
+  </p:cSld>
+  <p:clrMapOvr>
+    <a:masterClrMapping/>
+  </p:clrMapOvr>
+  <p:timing>
+    <p:tnLst>
+      <p:par>
+        <p:cTn id="1" dur="indefinite" restart="never" nodeType="tmRoot"/>
+      </p:par>
+    </p:tnLst>
+  </p:timing>
+</p:sld>
+</file>
+
+<file path=ppt/slides/slide52.xml><?xml version="1.0" encoding="utf-8"?>
+<p:sld xmlns:a="http://schemas.openxmlformats.org/drawingml/2006/main" xmlns:r="http://schemas.openxmlformats.org/officeDocument/2006/relationships" xmlns:p="http://schemas.openxmlformats.org/presentationml/2006/main">
+  <p:cSld>
+    <p:spTree>
+      <p:nvGrpSpPr>
+        <p:cNvPr id="1" name=""/>
+        <p:cNvGrpSpPr/>
+        <p:nvPr/>
+      </p:nvGrpSpPr>
+      <p:grpSpPr>
+        <a:xfrm>
+          <a:off x="0" y="0"/>
+          <a:ext cx="0" cy="0"/>
+          <a:chOff x="0" y="0"/>
+          <a:chExt cx="0" cy="0"/>
+        </a:xfrm>
+      </p:grpSpPr>
+      <p:sp>
+        <p:nvSpPr>
+          <p:cNvPr id="2" name="Title 1"/>
+          <p:cNvSpPr>
+            <a:spLocks noGrp="1"/>
+          </p:cNvSpPr>
+          <p:nvPr>
+            <p:ph type="title"/>
+          </p:nvPr>
+        </p:nvSpPr>
+        <p:spPr>
+          <a:xfrm>
+            <a:off x="441764" y="4754917"/>
+            <a:ext cx="5202578" cy="599303"/>
+          </a:xfrm>
+        </p:spPr>
+        <p:txBody>
+          <a:bodyPr>
+            <a:noAutofit/>
+          </a:bodyPr>
+          <a:lstStyle/>
+          <a:p>
+            <a:r>
+              <a:rPr lang="sl-SI" b="1" dirty="0" smtClean="0">
+                <a:latin typeface="Titillium Web" panose="00000500000000000000" pitchFamily="2" charset="-18"/>
+              </a:rPr>
+              <a:t>Task 02 </a:t>
+            </a:r>
+            <a:br>
+              <a:rPr lang="sl-SI" b="1" dirty="0" smtClean="0">
+                <a:latin typeface="Titillium Web" panose="00000500000000000000" pitchFamily="2" charset="-18"/>
+              </a:rPr>
+            </a:br>
+            <a:r>
+              <a:rPr lang="sl-SI" b="1" dirty="0" smtClean="0">
+                <a:latin typeface="Titillium Web" panose="00000500000000000000" pitchFamily="2" charset="-18"/>
+              </a:rPr>
+              <a:t/>
+            </a:r>
+            <a:br>
+              <a:rPr lang="sl-SI" b="1" dirty="0" smtClean="0">
+                <a:latin typeface="Titillium Web" panose="00000500000000000000" pitchFamily="2" charset="-18"/>
+              </a:rPr>
+            </a:br>
+            <a:r>
+              <a:rPr lang="sl-SI" dirty="0" smtClean="0">
+                <a:latin typeface="Titillium Web" panose="00000500000000000000" pitchFamily="2" charset="-18"/>
+              </a:rPr>
+              <a:t>How are a movie‘s year of release and budget connected to its gross?</a:t>
+            </a:r>
+            <a:br>
+              <a:rPr lang="sl-SI" dirty="0" smtClean="0">
+                <a:latin typeface="Titillium Web" panose="00000500000000000000" pitchFamily="2" charset="-18"/>
+              </a:rPr>
+            </a:br>
+            <a:r>
+              <a:rPr lang="sl-SI" dirty="0">
+                <a:latin typeface="Titillium Web" panose="00000500000000000000" pitchFamily="2" charset="-18"/>
+              </a:rPr>
+              <a:t/>
+            </a:r>
+            <a:br>
+              <a:rPr lang="sl-SI" dirty="0">
+                <a:latin typeface="Titillium Web" panose="00000500000000000000" pitchFamily="2" charset="-18"/>
+              </a:rPr>
+            </a:br>
+            <a:r>
+              <a:rPr lang="sl-SI" dirty="0" smtClean="0">
+                <a:latin typeface="Titillium Web" panose="00000500000000000000" pitchFamily="2" charset="-18"/>
+              </a:rPr>
+              <a:t/>
+            </a:r>
+            <a:br>
+              <a:rPr lang="sl-SI" dirty="0" smtClean="0">
+                <a:latin typeface="Titillium Web" panose="00000500000000000000" pitchFamily="2" charset="-18"/>
+              </a:rPr>
+            </a:br>
+            <a:r>
+              <a:rPr lang="sl-SI" sz="1400" b="1" dirty="0" smtClean="0">
+                <a:latin typeface="Titillium Web" panose="00000500000000000000" pitchFamily="2" charset="-18"/>
+              </a:rPr>
+              <a:t>Hint: </a:t>
+            </a:r>
+            <a:r>
+              <a:rPr lang="sl-SI" sz="1400" dirty="0" smtClean="0">
+                <a:solidFill>
+                  <a:schemeClr val="bg1">
+                    <a:lumMod val="95000"/>
+                  </a:schemeClr>
+                </a:solidFill>
+                <a:latin typeface="Titillium Web" panose="00000500000000000000" pitchFamily="2" charset="-18"/>
+              </a:rPr>
+              <a:t>It is reasonable to assume a linear relationship between the two input variables and the output. Add some noise to explain why the points do not fit perfectly.</a:t>
+            </a:r>
+            <a:endParaRPr lang="sl-SI" sz="1400" dirty="0">
+              <a:solidFill>
+                <a:schemeClr val="bg1">
+                  <a:lumMod val="95000"/>
+                </a:schemeClr>
+              </a:solidFill>
+              <a:latin typeface="Titillium Web" panose="00000500000000000000" pitchFamily="2" charset="-18"/>
+            </a:endParaRPr>
+          </a:p>
+        </p:txBody>
+      </p:sp>
       <p:pic>
         <p:nvPicPr>
           <p:cNvPr id="3" name="Picture 2"/>
@@ -14713,463 +16471,7 @@
           <p:nvPr/>
         </p:nvPicPr>
         <p:blipFill>
-          <a:blip r:embed="rId2"/>
-          <a:stretch>
-            <a:fillRect/>
-          </a:stretch>
-        </p:blipFill>
-        <p:spPr>
-          <a:xfrm>
-            <a:off x="7999515" y="0"/>
-            <a:ext cx="3947082" cy="6858000"/>
-          </a:xfrm>
-          <a:prstGeom prst="rect">
-            <a:avLst/>
-          </a:prstGeom>
-        </p:spPr>
-      </p:pic>
-      <p:sp>
-        <p:nvSpPr>
-          <p:cNvPr id="6" name="TextBox 5"/>
-          <p:cNvSpPr txBox="1"/>
-          <p:nvPr/>
-        </p:nvSpPr>
-        <p:spPr>
-          <a:xfrm>
-            <a:off x="8659369" y="77781"/>
-            <a:ext cx="1645919" cy="577081"/>
-          </a:xfrm>
-          <a:prstGeom prst="rect">
-            <a:avLst/>
-          </a:prstGeom>
-          <a:noFill/>
-        </p:spPr>
-        <p:txBody>
-          <a:bodyPr wrap="square" rtlCol="0">
-            <a:spAutoFit/>
-          </a:bodyPr>
-          <a:lstStyle/>
-          <a:p>
-            <a:r>
-              <a:rPr lang="sl-SI" sz="1050" b="1" u="sng" dirty="0" smtClean="0">
-                <a:latin typeface="Anime Ace 2.0 BB" panose="02000503000000020004" pitchFamily="2" charset="0"/>
-              </a:rPr>
-              <a:t>The Probabilistic</a:t>
-            </a:r>
-          </a:p>
-          <a:p>
-            <a:r>
-              <a:rPr lang="sl-SI" sz="1050" b="1" u="sng" dirty="0" smtClean="0">
-                <a:latin typeface="Anime Ace 2.0 BB" panose="02000503000000020004" pitchFamily="2" charset="0"/>
-              </a:rPr>
-              <a:t>Police</a:t>
-            </a:r>
-            <a:endParaRPr lang="sl-SI" sz="1050" b="1" u="sng" dirty="0">
-              <a:latin typeface="Anime Ace 2.0 BB" panose="02000503000000020004" pitchFamily="2" charset="0"/>
-            </a:endParaRPr>
-          </a:p>
-        </p:txBody>
-      </p:sp>
-      <p:sp>
-        <p:nvSpPr>
-          <p:cNvPr id="8" name="TextBox 7"/>
-          <p:cNvSpPr txBox="1"/>
-          <p:nvPr/>
-        </p:nvSpPr>
-        <p:spPr>
-          <a:xfrm>
-            <a:off x="10110217" y="211893"/>
-            <a:ext cx="1493519" cy="484748"/>
-          </a:xfrm>
-          <a:prstGeom prst="rect">
-            <a:avLst/>
-          </a:prstGeom>
-          <a:noFill/>
-        </p:spPr>
-        <p:txBody>
-          <a:bodyPr wrap="square" rtlCol="0">
-            <a:spAutoFit/>
-          </a:bodyPr>
-          <a:lstStyle/>
-          <a:p>
-            <a:r>
-              <a:rPr lang="sl-SI" sz="850" dirty="0" smtClean="0">
-                <a:latin typeface="Anime Ace 2.0 BB" panose="02000503000000020004" pitchFamily="2" charset="0"/>
-              </a:rPr>
-              <a:t>Stop! Where are you going with that boat?</a:t>
-            </a:r>
-            <a:endParaRPr lang="sl-SI" sz="850" dirty="0">
-              <a:latin typeface="Anime Ace 2.0 BB" panose="02000503000000020004" pitchFamily="2" charset="0"/>
-            </a:endParaRPr>
-          </a:p>
-        </p:txBody>
-      </p:sp>
-      <p:sp>
-        <p:nvSpPr>
-          <p:cNvPr id="9" name="TextBox 8"/>
-          <p:cNvSpPr txBox="1"/>
-          <p:nvPr/>
-        </p:nvSpPr>
-        <p:spPr>
-          <a:xfrm>
-            <a:off x="9576407" y="2101084"/>
-            <a:ext cx="1067620" cy="738664"/>
-          </a:xfrm>
-          <a:prstGeom prst="rect">
-            <a:avLst/>
-          </a:prstGeom>
-          <a:noFill/>
-        </p:spPr>
-        <p:txBody>
-          <a:bodyPr wrap="square" rtlCol="0">
-            <a:spAutoFit/>
-          </a:bodyPr>
-          <a:lstStyle/>
-          <a:p>
-            <a:r>
-              <a:rPr lang="sl-SI" sz="700" dirty="0" smtClean="0">
-                <a:latin typeface="Anime Ace 2.0 BB" panose="02000503000000020004" pitchFamily="2" charset="0"/>
-              </a:rPr>
-              <a:t>TO THE TOP OF THE HILL! There is a </a:t>
-            </a:r>
-            <a:r>
-              <a:rPr lang="sl-SI" sz="700" b="1" dirty="0" smtClean="0">
-                <a:latin typeface="Anime Ace 2.0 BB" panose="02000503000000020004" pitchFamily="2" charset="0"/>
-              </a:rPr>
-              <a:t>99.9</a:t>
-            </a:r>
-            <a:r>
-              <a:rPr lang="sl-SI" sz="700" dirty="0" smtClean="0">
-                <a:latin typeface="Anime Ace 2.0 BB" panose="02000503000000020004" pitchFamily="2" charset="0"/>
-              </a:rPr>
-              <a:t>% CHANCE THAT THE WORLD ENDS TODAY!</a:t>
-            </a:r>
-            <a:endParaRPr lang="sl-SI" sz="700" dirty="0">
-              <a:latin typeface="Anime Ace 2.0 BB" panose="02000503000000020004" pitchFamily="2" charset="0"/>
-            </a:endParaRPr>
-          </a:p>
-        </p:txBody>
-      </p:sp>
-      <p:sp>
-        <p:nvSpPr>
-          <p:cNvPr id="10" name="TextBox 9"/>
-          <p:cNvSpPr txBox="1"/>
-          <p:nvPr/>
-        </p:nvSpPr>
-        <p:spPr>
-          <a:xfrm>
-            <a:off x="10676325" y="2256860"/>
-            <a:ext cx="790251" cy="491448"/>
-          </a:xfrm>
-          <a:prstGeom prst="rect">
-            <a:avLst/>
-          </a:prstGeom>
-          <a:noFill/>
-        </p:spPr>
-        <p:txBody>
-          <a:bodyPr wrap="square" rtlCol="0">
-            <a:spAutoFit/>
-          </a:bodyPr>
-          <a:lstStyle/>
-          <a:p>
-            <a:r>
-              <a:rPr lang="sl-SI" sz="850" dirty="0" smtClean="0">
-                <a:latin typeface="Anime Ace 2.0 BB" panose="02000503000000020004" pitchFamily="2" charset="0"/>
-              </a:rPr>
-              <a:t>OK. YOU MAY PASS.</a:t>
-            </a:r>
-          </a:p>
-        </p:txBody>
-      </p:sp>
-      <p:sp>
-        <p:nvSpPr>
-          <p:cNvPr id="11" name="TextBox 10"/>
-          <p:cNvSpPr txBox="1"/>
-          <p:nvPr/>
-        </p:nvSpPr>
-        <p:spPr>
-          <a:xfrm>
-            <a:off x="8679885" y="3277940"/>
-            <a:ext cx="1972875" cy="223138"/>
-          </a:xfrm>
-          <a:prstGeom prst="rect">
-            <a:avLst/>
-          </a:prstGeom>
-          <a:noFill/>
-        </p:spPr>
-        <p:txBody>
-          <a:bodyPr wrap="square" rtlCol="0">
-            <a:spAutoFit/>
-          </a:bodyPr>
-          <a:lstStyle/>
-          <a:p>
-            <a:r>
-              <a:rPr lang="sl-SI" sz="850" b="1" dirty="0" smtClean="0">
-                <a:latin typeface="Anime Ace 2.0 BB" panose="02000503000000020004" pitchFamily="2" charset="0"/>
-              </a:rPr>
-              <a:t>A FEW MINUTES LATER...</a:t>
-            </a:r>
-          </a:p>
-        </p:txBody>
-      </p:sp>
-      <p:sp>
-        <p:nvSpPr>
-          <p:cNvPr id="12" name="TextBox 11"/>
-          <p:cNvSpPr txBox="1"/>
-          <p:nvPr/>
-        </p:nvSpPr>
-        <p:spPr>
-          <a:xfrm>
-            <a:off x="9252909" y="3540068"/>
-            <a:ext cx="1972875" cy="200055"/>
-          </a:xfrm>
-          <a:prstGeom prst="rect">
-            <a:avLst/>
-          </a:prstGeom>
-          <a:noFill/>
-        </p:spPr>
-        <p:txBody>
-          <a:bodyPr wrap="square" rtlCol="0">
-            <a:spAutoFit/>
-          </a:bodyPr>
-          <a:lstStyle/>
-          <a:p>
-            <a:r>
-              <a:rPr lang="sl-SI" sz="700" b="1" dirty="0" smtClean="0">
-                <a:latin typeface="Anime Ace 2.0 BB" panose="02000503000000020004" pitchFamily="2" charset="0"/>
-              </a:rPr>
-              <a:t>HMM...</a:t>
-            </a:r>
-            <a:endParaRPr lang="sl-SI" sz="850" b="1" dirty="0" smtClean="0">
-              <a:latin typeface="Anime Ace 2.0 BB" panose="02000503000000020004" pitchFamily="2" charset="0"/>
-            </a:endParaRPr>
-          </a:p>
-        </p:txBody>
-      </p:sp>
-      <p:sp>
-        <p:nvSpPr>
-          <p:cNvPr id="14" name="TextBox 13"/>
-          <p:cNvSpPr txBox="1"/>
-          <p:nvPr/>
-        </p:nvSpPr>
-        <p:spPr>
-          <a:xfrm>
-            <a:off x="9691820" y="3540068"/>
-            <a:ext cx="1357179" cy="569387"/>
-          </a:xfrm>
-          <a:prstGeom prst="rect">
-            <a:avLst/>
-          </a:prstGeom>
-          <a:noFill/>
-        </p:spPr>
-        <p:txBody>
-          <a:bodyPr wrap="square" rtlCol="0">
-            <a:spAutoFit/>
-          </a:bodyPr>
-          <a:lstStyle/>
-          <a:p>
-            <a:r>
-              <a:rPr lang="sl-SI" sz="700" b="1" dirty="0" smtClean="0">
-                <a:latin typeface="Anime Ace 2.0 BB" panose="02000503000000020004" pitchFamily="2" charset="0"/>
-              </a:rPr>
-              <a:t>HEY! WAIT!!!</a:t>
-            </a:r>
-          </a:p>
-          <a:p>
-            <a:r>
-              <a:rPr lang="sl-SI" sz="600" dirty="0" smtClean="0">
-                <a:latin typeface="Anime Ace 2.0 BB" panose="02000503000000020004" pitchFamily="2" charset="0"/>
-              </a:rPr>
-              <a:t>WHAT IS THE PROBABILITY </a:t>
-            </a:r>
-          </a:p>
-          <a:p>
-            <a:r>
-              <a:rPr lang="sl-SI" sz="600" dirty="0" smtClean="0">
-                <a:latin typeface="Anime Ace 2.0 BB" panose="02000503000000020004" pitchFamily="2" charset="0"/>
-              </a:rPr>
-              <a:t>OF EVERYTHING </a:t>
-            </a:r>
-          </a:p>
-          <a:p>
-            <a:r>
-              <a:rPr lang="sl-SI" sz="600" dirty="0" smtClean="0">
-                <a:latin typeface="Anime Ace 2.0 BB" panose="02000503000000020004" pitchFamily="2" charset="0"/>
-              </a:rPr>
-              <a:t>BEING OK?</a:t>
-            </a:r>
-            <a:endParaRPr lang="sl-SI" sz="800" dirty="0" smtClean="0">
-              <a:latin typeface="Anime Ace 2.0 BB" panose="02000503000000020004" pitchFamily="2" charset="0"/>
-            </a:endParaRPr>
-          </a:p>
-        </p:txBody>
-      </p:sp>
-      <p:sp>
-        <p:nvSpPr>
-          <p:cNvPr id="15" name="TextBox 14"/>
-          <p:cNvSpPr txBox="1"/>
-          <p:nvPr/>
-        </p:nvSpPr>
-        <p:spPr>
-          <a:xfrm>
-            <a:off x="10239346" y="4234009"/>
-            <a:ext cx="1357179" cy="230832"/>
-          </a:xfrm>
-          <a:prstGeom prst="rect">
-            <a:avLst/>
-          </a:prstGeom>
-          <a:noFill/>
-        </p:spPr>
-        <p:txBody>
-          <a:bodyPr wrap="square" rtlCol="0">
-            <a:spAutoFit/>
-          </a:bodyPr>
-          <a:lstStyle/>
-          <a:p>
-            <a:r>
-              <a:rPr lang="sl-SI" sz="900" b="1" dirty="0" smtClean="0">
-                <a:latin typeface="Anime Ace 2.0 BB" panose="02000503000000020004" pitchFamily="2" charset="0"/>
-              </a:rPr>
-              <a:t>0.01</a:t>
-            </a:r>
-            <a:r>
-              <a:rPr lang="sl-SI" sz="900" dirty="0" smtClean="0">
-                <a:latin typeface="Anime Ace 2.0 BB" panose="02000503000000020004" pitchFamily="2" charset="0"/>
-              </a:rPr>
-              <a:t>%</a:t>
-            </a:r>
-            <a:r>
-              <a:rPr lang="sl-SI" sz="900" b="1" dirty="0" smtClean="0">
-                <a:latin typeface="Anime Ace 2.0 BB" panose="02000503000000020004" pitchFamily="2" charset="0"/>
-              </a:rPr>
-              <a:t> !!!</a:t>
-            </a:r>
-            <a:endParaRPr lang="sl-SI" sz="1000" dirty="0" smtClean="0">
-              <a:latin typeface="Anime Ace 2.0 BB" panose="02000503000000020004" pitchFamily="2" charset="0"/>
-            </a:endParaRPr>
-          </a:p>
-        </p:txBody>
-      </p:sp>
-      <p:sp>
-        <p:nvSpPr>
-          <p:cNvPr id="16" name="TextBox 15"/>
-          <p:cNvSpPr txBox="1"/>
-          <p:nvPr/>
-        </p:nvSpPr>
-        <p:spPr>
-          <a:xfrm>
-            <a:off x="9470137" y="4542789"/>
-            <a:ext cx="1357179" cy="215444"/>
-          </a:xfrm>
-          <a:prstGeom prst="rect">
-            <a:avLst/>
-          </a:prstGeom>
-          <a:noFill/>
-        </p:spPr>
-        <p:txBody>
-          <a:bodyPr wrap="square" rtlCol="0">
-            <a:spAutoFit/>
-          </a:bodyPr>
-          <a:lstStyle/>
-          <a:p>
-            <a:r>
-              <a:rPr lang="sl-SI" sz="800" b="1" dirty="0" smtClean="0">
-                <a:latin typeface="Anime Ace 2.0 BB" panose="02000503000000020004" pitchFamily="2" charset="0"/>
-              </a:rPr>
-              <a:t>AHA, OK!</a:t>
-            </a:r>
-            <a:endParaRPr lang="sl-SI" sz="900" dirty="0" smtClean="0">
-              <a:latin typeface="Anime Ace 2.0 BB" panose="02000503000000020004" pitchFamily="2" charset="0"/>
-            </a:endParaRPr>
-          </a:p>
-        </p:txBody>
-      </p:sp>
-      <p:sp>
-        <p:nvSpPr>
-          <p:cNvPr id="17" name="TextBox 16"/>
-          <p:cNvSpPr txBox="1"/>
-          <p:nvPr/>
-        </p:nvSpPr>
-        <p:spPr>
-          <a:xfrm>
-            <a:off x="9745570" y="5342607"/>
-            <a:ext cx="1135790" cy="630942"/>
-          </a:xfrm>
-          <a:prstGeom prst="rect">
-            <a:avLst/>
-          </a:prstGeom>
-          <a:noFill/>
-        </p:spPr>
-        <p:txBody>
-          <a:bodyPr wrap="square" rtlCol="0">
-            <a:spAutoFit/>
-          </a:bodyPr>
-          <a:lstStyle/>
-          <a:p>
-            <a:r>
-              <a:rPr lang="sl-SI" sz="700" dirty="0" smtClean="0">
-                <a:latin typeface="Anime Ace 2.0 BB" panose="02000503000000020004" pitchFamily="2" charset="0"/>
-              </a:rPr>
-              <a:t>I had to CHECK..</a:t>
-            </a:r>
-            <a:br>
-              <a:rPr lang="sl-SI" sz="700" dirty="0" smtClean="0">
-                <a:latin typeface="Anime Ace 2.0 BB" panose="02000503000000020004" pitchFamily="2" charset="0"/>
-              </a:rPr>
-            </a:br>
-            <a:r>
-              <a:rPr lang="sl-SI" sz="700" dirty="0" smtClean="0">
-                <a:latin typeface="Anime Ace 2.0 BB" panose="02000503000000020004" pitchFamily="2" charset="0"/>
-              </a:rPr>
-              <a:t>There‘s A LOT OF INCOHERENT PEOPLE OUT THERE.</a:t>
-            </a:r>
-          </a:p>
-        </p:txBody>
-      </p:sp>
-      <p:sp>
-        <p:nvSpPr>
-          <p:cNvPr id="4" name="Title 3"/>
-          <p:cNvSpPr>
-            <a:spLocks noGrp="1"/>
-          </p:cNvSpPr>
-          <p:nvPr>
-            <p:ph type="title"/>
-          </p:nvPr>
-        </p:nvSpPr>
-        <p:spPr>
-          <a:xfrm>
-            <a:off x="814094" y="2847692"/>
-            <a:ext cx="6988052" cy="1600200"/>
-          </a:xfrm>
-        </p:spPr>
-        <p:txBody>
-          <a:bodyPr>
-            <a:noAutofit/>
-          </a:bodyPr>
-          <a:lstStyle/>
-          <a:p>
-            <a:r>
-              <a:rPr lang="sl-SI" sz="18000" b="1" dirty="0" smtClean="0">
-                <a:latin typeface="Titillium Web" panose="00000500000000000000" pitchFamily="2" charset="-18"/>
-              </a:rPr>
-              <a:t>Break!</a:t>
-            </a:r>
-            <a:endParaRPr lang="sl-SI" sz="9600" b="1" dirty="0">
-              <a:latin typeface="Titillium Web" panose="00000500000000000000" pitchFamily="2" charset="-18"/>
-            </a:endParaRPr>
-          </a:p>
-        </p:txBody>
-      </p:sp>
-      <p:pic>
-        <p:nvPicPr>
-          <p:cNvPr id="18" name="Picture 17"/>
-          <p:cNvPicPr>
-            <a:picLocks noChangeAspect="1"/>
-          </p:cNvPicPr>
-          <p:nvPr/>
-        </p:nvPicPr>
-        <p:blipFill>
-          <a:blip r:embed="rId3">
+          <a:blip r:embed="rId2">
             <a:extLst>
               <a:ext uri="{28A0092B-C50C-407E-A947-70E740481C1C}">
                 <a14:useLocalDpi xmlns:a14="http://schemas.microsoft.com/office/drawing/2010/main" val="0"/>
@@ -15182,7 +16484,346 @@
         </p:blipFill>
         <p:spPr>
           <a:xfrm>
-            <a:off x="1024247" y="4035480"/>
+            <a:off x="5908964" y="0"/>
+            <a:ext cx="6858000" cy="6858000"/>
+          </a:xfrm>
+          <a:prstGeom prst="rect">
+            <a:avLst/>
+          </a:prstGeom>
+        </p:spPr>
+      </p:pic>
+    </p:spTree>
+    <p:extLst>
+      <p:ext uri="{BB962C8B-B14F-4D97-AF65-F5344CB8AC3E}">
+        <p14:creationId xmlns:p14="http://schemas.microsoft.com/office/powerpoint/2010/main" val="4246653674"/>
+      </p:ext>
+    </p:extLst>
+  </p:cSld>
+  <p:clrMapOvr>
+    <a:masterClrMapping/>
+  </p:clrMapOvr>
+  <p:timing>
+    <p:tnLst>
+      <p:par>
+        <p:cTn id="1" dur="indefinite" restart="never" nodeType="tmRoot"/>
+      </p:par>
+    </p:tnLst>
+  </p:timing>
+</p:sld>
+</file>
+
+<file path=ppt/slides/slide53.xml><?xml version="1.0" encoding="utf-8"?>
+<p:sld xmlns:a="http://schemas.openxmlformats.org/drawingml/2006/main" xmlns:r="http://schemas.openxmlformats.org/officeDocument/2006/relationships" xmlns:p="http://schemas.openxmlformats.org/presentationml/2006/main">
+  <p:cSld>
+    <p:spTree>
+      <p:nvGrpSpPr>
+        <p:cNvPr id="1" name=""/>
+        <p:cNvGrpSpPr/>
+        <p:nvPr/>
+      </p:nvGrpSpPr>
+      <p:grpSpPr>
+        <a:xfrm>
+          <a:off x="0" y="0"/>
+          <a:ext cx="0" cy="0"/>
+          <a:chOff x="0" y="0"/>
+          <a:chExt cx="0" cy="0"/>
+        </a:xfrm>
+      </p:grpSpPr>
+      <p:sp>
+        <p:nvSpPr>
+          <p:cNvPr id="2" name="Title 1"/>
+          <p:cNvSpPr>
+            <a:spLocks noGrp="1"/>
+          </p:cNvSpPr>
+          <p:nvPr>
+            <p:ph type="title"/>
+          </p:nvPr>
+        </p:nvSpPr>
+        <p:spPr>
+          <a:xfrm>
+            <a:off x="420982" y="4721250"/>
+            <a:ext cx="5202578" cy="599303"/>
+          </a:xfrm>
+        </p:spPr>
+        <p:txBody>
+          <a:bodyPr>
+            <a:noAutofit/>
+          </a:bodyPr>
+          <a:lstStyle/>
+          <a:p>
+            <a:r>
+              <a:rPr lang="sl-SI" b="1" dirty="0" smtClean="0">
+                <a:latin typeface="Titillium Web" panose="00000500000000000000" pitchFamily="2" charset="-18"/>
+              </a:rPr>
+              <a:t>Task 03 </a:t>
+            </a:r>
+            <a:br>
+              <a:rPr lang="sl-SI" b="1" dirty="0" smtClean="0">
+                <a:latin typeface="Titillium Web" panose="00000500000000000000" pitchFamily="2" charset="-18"/>
+              </a:rPr>
+            </a:br>
+            <a:r>
+              <a:rPr lang="sl-SI" b="1" dirty="0" smtClean="0">
+                <a:latin typeface="Titillium Web" panose="00000500000000000000" pitchFamily="2" charset="-18"/>
+              </a:rPr>
+              <a:t/>
+            </a:r>
+            <a:br>
+              <a:rPr lang="sl-SI" b="1" dirty="0" smtClean="0">
+                <a:latin typeface="Titillium Web" panose="00000500000000000000" pitchFamily="2" charset="-18"/>
+              </a:rPr>
+            </a:br>
+            <a:r>
+              <a:rPr lang="sl-SI" dirty="0" smtClean="0">
+                <a:latin typeface="Titillium Web" panose="00000500000000000000" pitchFamily="2" charset="-18"/>
+              </a:rPr>
+              <a:t>Can you provide more information about the process I used to generate these sequences?</a:t>
+            </a:r>
+            <a:br>
+              <a:rPr lang="sl-SI" dirty="0" smtClean="0">
+                <a:latin typeface="Titillium Web" panose="00000500000000000000" pitchFamily="2" charset="-18"/>
+              </a:rPr>
+            </a:br>
+            <a:r>
+              <a:rPr lang="sl-SI" dirty="0">
+                <a:latin typeface="Titillium Web" panose="00000500000000000000" pitchFamily="2" charset="-18"/>
+              </a:rPr>
+              <a:t/>
+            </a:r>
+            <a:br>
+              <a:rPr lang="sl-SI" dirty="0">
+                <a:latin typeface="Titillium Web" panose="00000500000000000000" pitchFamily="2" charset="-18"/>
+              </a:rPr>
+            </a:br>
+            <a:r>
+              <a:rPr lang="sl-SI" dirty="0" smtClean="0">
+                <a:latin typeface="Titillium Web" panose="00000500000000000000" pitchFamily="2" charset="-18"/>
+              </a:rPr>
+              <a:t/>
+            </a:r>
+            <a:br>
+              <a:rPr lang="sl-SI" dirty="0" smtClean="0">
+                <a:latin typeface="Titillium Web" panose="00000500000000000000" pitchFamily="2" charset="-18"/>
+              </a:rPr>
+            </a:br>
+            <a:r>
+              <a:rPr lang="sl-SI" sz="1400" b="1" dirty="0" smtClean="0">
+                <a:latin typeface="Titillium Web" panose="00000500000000000000" pitchFamily="2" charset="-18"/>
+              </a:rPr>
+              <a:t>Hint: </a:t>
+            </a:r>
+            <a:r>
+              <a:rPr lang="sl-SI" sz="1400" dirty="0" smtClean="0">
+                <a:solidFill>
+                  <a:schemeClr val="bg1">
+                    <a:lumMod val="95000"/>
+                  </a:schemeClr>
+                </a:solidFill>
+                <a:latin typeface="Titillium Web" panose="00000500000000000000" pitchFamily="2" charset="-18"/>
+              </a:rPr>
+              <a:t>You‘re on your own for this one..</a:t>
+            </a:r>
+            <a:endParaRPr lang="sl-SI" sz="1400" dirty="0">
+              <a:solidFill>
+                <a:schemeClr val="bg1">
+                  <a:lumMod val="95000"/>
+                </a:schemeClr>
+              </a:solidFill>
+              <a:latin typeface="Titillium Web" panose="00000500000000000000" pitchFamily="2" charset="-18"/>
+            </a:endParaRPr>
+          </a:p>
+        </p:txBody>
+      </p:sp>
+      <p:sp>
+        <p:nvSpPr>
+          <p:cNvPr id="3" name="Rectangle 1"/>
+          <p:cNvSpPr>
+            <a:spLocks noChangeArrowheads="1"/>
+          </p:cNvSpPr>
+          <p:nvPr/>
+        </p:nvSpPr>
+        <p:spPr bwMode="auto">
+          <a:xfrm>
+            <a:off x="7223760" y="2024159"/>
+            <a:ext cx="4178807" cy="2462213"/>
+          </a:xfrm>
+          <a:prstGeom prst="rect">
+            <a:avLst/>
+          </a:prstGeom>
+          <a:solidFill>
+            <a:srgbClr val="FFFFFF"/>
+          </a:solidFill>
+          <a:ln>
+            <a:noFill/>
+          </a:ln>
+          <a:effectLst/>
+          <a:extLst>
+            <a:ext uri="{91240B29-F687-4F45-9708-019B960494DF}">
+              <a14:hiddenLine xmlns:a14="http://schemas.microsoft.com/office/drawing/2010/main" w="9525">
+                <a:solidFill>
+                  <a:schemeClr val="tx1"/>
+                </a:solidFill>
+                <a:miter lim="800000"/>
+                <a:headEnd/>
+                <a:tailEnd/>
+              </a14:hiddenLine>
+            </a:ext>
+            <a:ext uri="{AF507438-7753-43E0-B8FC-AC1667EBCBE1}">
+              <a14:hiddenEffects xmlns:a14="http://schemas.microsoft.com/office/drawing/2010/main">
+                <a:effectLst>
+                  <a:outerShdw dist="35921" dir="2700000" algn="ctr" rotWithShape="0">
+                    <a:schemeClr val="bg2"/>
+                  </a:outerShdw>
+                </a:effectLst>
+              </a14:hiddenEffects>
+            </a:ext>
+          </a:extLst>
+        </p:spPr>
+        <p:txBody>
+          <a:bodyPr vert="horz" wrap="square" lIns="0" tIns="0" rIns="0" bIns="0" numCol="1" anchor="ctr" anchorCtr="0" compatLnSpc="1">
+            <a:prstTxWarp prst="textNoShape">
+              <a:avLst/>
+            </a:prstTxWarp>
+            <a:spAutoFit/>
+          </a:bodyPr>
+          <a:lstStyle/>
+          <a:p>
+            <a:pPr marL="0" marR="0" lvl="0" indent="0" algn="l" defTabSz="914400" rtl="0" eaLnBrk="0" fontAlgn="base" latinLnBrk="0" hangingPunct="0">
+              <a:lnSpc>
+                <a:spcPct val="100000"/>
+              </a:lnSpc>
+              <a:spcBef>
+                <a:spcPct val="0"/>
+              </a:spcBef>
+              <a:spcAft>
+                <a:spcPct val="0"/>
+              </a:spcAft>
+              <a:buClrTx/>
+              <a:buSzTx/>
+              <a:buFontTx/>
+              <a:buNone/>
+              <a:tabLst/>
+            </a:pPr>
+            <a:r>
+              <a:rPr kumimoji="0" lang="sl-SI" altLang="sl-SI" sz="1600" b="0" i="0" u="none" strike="noStrike" cap="none" normalizeH="0" baseline="0" dirty="0" smtClean="0">
+                <a:ln>
+                  <a:noFill/>
+                </a:ln>
+                <a:solidFill>
+                  <a:srgbClr val="000000"/>
+                </a:solidFill>
+                <a:effectLst/>
+                <a:latin typeface="Lucida Console" panose="020B0609040504020204" pitchFamily="49" charset="0"/>
+              </a:rPr>
+              <a:t>100100101011011001111111111101 110000010101110001101110111011 000101111111111010111111100111 011011111111001101111111110101 110010010110101010111111111111 110101011100101010110110111111 000010101111011111110110111111 000001111110110001001101011111 010000101101110111101111111101 000101011110001011011111111111</a:t>
+            </a:r>
+            <a:endParaRPr kumimoji="0" lang="sl-SI" altLang="sl-SI" sz="3600" b="0" i="0" u="none" strike="noStrike" cap="none" normalizeH="0" baseline="0" dirty="0" smtClean="0">
+              <a:ln>
+                <a:noFill/>
+              </a:ln>
+              <a:solidFill>
+                <a:schemeClr val="tx1"/>
+              </a:solidFill>
+              <a:effectLst/>
+              <a:latin typeface="Arial" panose="020B0604020202020204" pitchFamily="34" charset="0"/>
+            </a:endParaRPr>
+          </a:p>
+        </p:txBody>
+      </p:sp>
+    </p:spTree>
+    <p:extLst>
+      <p:ext uri="{BB962C8B-B14F-4D97-AF65-F5344CB8AC3E}">
+        <p14:creationId xmlns:p14="http://schemas.microsoft.com/office/powerpoint/2010/main" val="3540994172"/>
+      </p:ext>
+    </p:extLst>
+  </p:cSld>
+  <p:clrMapOvr>
+    <a:masterClrMapping/>
+  </p:clrMapOvr>
+  <p:timing>
+    <p:tnLst>
+      <p:par>
+        <p:cTn id="1" dur="indefinite" restart="never" nodeType="tmRoot"/>
+      </p:par>
+    </p:tnLst>
+  </p:timing>
+</p:sld>
+</file>
+
+<file path=ppt/slides/slide54.xml><?xml version="1.0" encoding="utf-8"?>
+<p:sld xmlns:a="http://schemas.openxmlformats.org/drawingml/2006/main" xmlns:r="http://schemas.openxmlformats.org/officeDocument/2006/relationships" xmlns:p="http://schemas.openxmlformats.org/presentationml/2006/main">
+  <p:cSld>
+    <p:spTree>
+      <p:nvGrpSpPr>
+        <p:cNvPr id="1" name=""/>
+        <p:cNvGrpSpPr/>
+        <p:nvPr/>
+      </p:nvGrpSpPr>
+      <p:grpSpPr>
+        <a:xfrm>
+          <a:off x="0" y="0"/>
+          <a:ext cx="0" cy="0"/>
+          <a:chOff x="0" y="0"/>
+          <a:chExt cx="0" cy="0"/>
+        </a:xfrm>
+      </p:grpSpPr>
+      <p:sp>
+        <p:nvSpPr>
+          <p:cNvPr id="4" name="Title 3"/>
+          <p:cNvSpPr>
+            <a:spLocks noGrp="1"/>
+          </p:cNvSpPr>
+          <p:nvPr>
+            <p:ph type="title"/>
+          </p:nvPr>
+        </p:nvSpPr>
+        <p:spPr>
+          <a:xfrm>
+            <a:off x="832382" y="3643220"/>
+            <a:ext cx="6988052" cy="1600200"/>
+          </a:xfrm>
+        </p:spPr>
+        <p:txBody>
+          <a:bodyPr>
+            <a:noAutofit/>
+          </a:bodyPr>
+          <a:lstStyle/>
+          <a:p>
+            <a:r>
+              <a:rPr lang="sl-SI" sz="18000" b="1" dirty="0" smtClean="0">
+                <a:latin typeface="Titillium Web" panose="00000500000000000000" pitchFamily="2" charset="-18"/>
+              </a:rPr>
+              <a:t>Break!</a:t>
+            </a:r>
+            <a:endParaRPr lang="sl-SI" sz="9600" b="1" dirty="0">
+              <a:latin typeface="Titillium Web" panose="00000500000000000000" pitchFamily="2" charset="-18"/>
+            </a:endParaRPr>
+          </a:p>
+        </p:txBody>
+      </p:sp>
+      <p:pic>
+        <p:nvPicPr>
+          <p:cNvPr id="18" name="Picture 17"/>
+          <p:cNvPicPr>
+            <a:picLocks noChangeAspect="1"/>
+          </p:cNvPicPr>
+          <p:nvPr/>
+        </p:nvPicPr>
+        <p:blipFill>
+          <a:blip r:embed="rId2">
+            <a:extLst>
+              <a:ext uri="{28A0092B-C50C-407E-A947-70E740481C1C}">
+                <a14:useLocalDpi xmlns:a14="http://schemas.microsoft.com/office/drawing/2010/main" val="0"/>
+              </a:ext>
+            </a:extLst>
+          </a:blip>
+          <a:stretch>
+            <a:fillRect/>
+          </a:stretch>
+        </p:blipFill>
+        <p:spPr>
+          <a:xfrm>
+            <a:off x="1042535" y="4831008"/>
             <a:ext cx="4399394" cy="397057"/>
           </a:xfrm>
           <a:prstGeom prst="rect">
@@ -15400,17 +17041,8 @@
               <a:rPr lang="sl-SI" sz="6600" b="1" dirty="0" smtClean="0">
                 <a:latin typeface="Titillium Web" panose="00000500000000000000" pitchFamily="2" charset="-18"/>
               </a:rPr>
-              <a:t>Part </a:t>
-            </a:r>
-            <a:r>
-              <a:rPr lang="sl-SI" sz="6600" b="1" dirty="0" smtClean="0">
-                <a:latin typeface="Titillium Web" panose="00000500000000000000" pitchFamily="2" charset="-18"/>
-              </a:rPr>
-              <a:t>1 </a:t>
-            </a:r>
-            <a:endParaRPr lang="sl-SI" sz="6600" b="1" dirty="0" smtClean="0">
-              <a:latin typeface="Titillium Web" panose="00000500000000000000" pitchFamily="2" charset="-18"/>
-            </a:endParaRPr>
+              <a:t>Part 1 </a:t>
+            </a:r>
           </a:p>
           <a:p>
             <a:pPr>
@@ -15422,19 +17054,7 @@
               <a:rPr lang="sl-SI" sz="6600" dirty="0" smtClean="0">
                 <a:latin typeface="Titillium Web" panose="00000500000000000000" pitchFamily="2" charset="-18"/>
               </a:rPr>
-              <a:t>Uncertainty </a:t>
-            </a:r>
-            <a:r>
-              <a:rPr lang="sl-SI" sz="6600" dirty="0" smtClean="0">
-                <a:latin typeface="Titillium Web" panose="00000500000000000000" pitchFamily="2" charset="-18"/>
-              </a:rPr>
-              <a:t>and probabilistic thinking</a:t>
-            </a:r>
-            <a:r>
-              <a:rPr lang="sl-SI" sz="6600" dirty="0" smtClean="0">
-                <a:latin typeface="Titillium Web" panose="00000500000000000000" pitchFamily="2" charset="-18"/>
-              </a:rPr>
-              <a:t>.</a:t>
+              <a:t>Uncertainty and probabilistic thinking.</a:t>
             </a:r>
             <a:endParaRPr lang="sl-SI" sz="6000" dirty="0">
               <a:latin typeface="Titillium Web" panose="00000500000000000000" pitchFamily="2" charset="-18"/>
@@ -15693,7 +17313,19 @@
               <a:rPr lang="sl-SI" sz="4000" dirty="0" smtClean="0">
                 <a:latin typeface="Titillium Web" panose="00000500000000000000" pitchFamily="2" charset="-18"/>
               </a:rPr>
-              <a:t>Probabilistic statements in natural language</a:t>
+              <a:t>Expressing uncertainty with</a:t>
+            </a:r>
+            <a:r>
+              <a:rPr lang="sl-SI" sz="4000" dirty="0" smtClean="0">
+                <a:latin typeface="Titillium Web" panose="00000500000000000000" pitchFamily="2" charset="-18"/>
+              </a:rPr>
+              <a:t> </a:t>
+            </a:r>
+            <a:r>
+              <a:rPr lang="sl-SI" sz="4000" dirty="0" smtClean="0">
+                <a:latin typeface="Titillium Web" panose="00000500000000000000" pitchFamily="2" charset="-18"/>
+              </a:rPr>
+              <a:t>natural language</a:t>
             </a:r>
             <a:endParaRPr lang="sl-SI" sz="4000" dirty="0">
               <a:latin typeface="Titillium Web" panose="00000500000000000000" pitchFamily="2" charset="-18"/>
